--- a/stat/bayes theorem and PCR test.pptx
+++ b/stat/bayes theorem and PCR test.pptx
@@ -6,6 +6,7 @@
   </p:sldMasterIdLst>
   <p:sldIdLst>
     <p:sldId id="256" r:id="rId2"/>
+    <p:sldId id="257" r:id="rId3"/>
   </p:sldIdLst>
   <p:sldSz cx="12192000" cy="6858000"/>
   <p:notesSz cx="6858000" cy="9144000"/>
@@ -104,6 +105,11 @@
       </a:defRPr>
     </a:lvl9pPr>
   </p:defaultTextStyle>
+  <p:extLst>
+    <p:ext uri="{EFAFB233-063F-42B5-8137-9DF3F51BA10A}">
+      <p15:sldGuideLst xmlns:p15="http://schemas.microsoft.com/office/powerpoint/2012/main"/>
+    </p:ext>
+  </p:extLst>
 </p:presentation>
 </file>
 
@@ -254,7 +260,7 @@
           <a:p>
             <a:fld id="{2C686577-0B07-4659-A689-95AC7CAE39AB}" type="datetimeFigureOut">
               <a:rPr kumimoji="1" lang="ja-JP" altLang="en-US" smtClean="0"/>
-              <a:t>2025/2/17</a:t>
+              <a:t>2025/2/18</a:t>
             </a:fld>
             <a:endParaRPr kumimoji="1" lang="ja-JP" altLang="en-US"/>
           </a:p>
@@ -484,7 +490,7 @@
           <a:p>
             <a:fld id="{2C686577-0B07-4659-A689-95AC7CAE39AB}" type="datetimeFigureOut">
               <a:rPr kumimoji="1" lang="ja-JP" altLang="en-US" smtClean="0"/>
-              <a:t>2025/2/17</a:t>
+              <a:t>2025/2/18</a:t>
             </a:fld>
             <a:endParaRPr kumimoji="1" lang="ja-JP" altLang="en-US"/>
           </a:p>
@@ -724,7 +730,7 @@
           <a:p>
             <a:fld id="{2C686577-0B07-4659-A689-95AC7CAE39AB}" type="datetimeFigureOut">
               <a:rPr kumimoji="1" lang="ja-JP" altLang="en-US" smtClean="0"/>
-              <a:t>2025/2/17</a:t>
+              <a:t>2025/2/18</a:t>
             </a:fld>
             <a:endParaRPr kumimoji="1" lang="ja-JP" altLang="en-US"/>
           </a:p>
@@ -954,7 +960,7 @@
           <a:p>
             <a:fld id="{2C686577-0B07-4659-A689-95AC7CAE39AB}" type="datetimeFigureOut">
               <a:rPr kumimoji="1" lang="ja-JP" altLang="en-US" smtClean="0"/>
-              <a:t>2025/2/17</a:t>
+              <a:t>2025/2/18</a:t>
             </a:fld>
             <a:endParaRPr kumimoji="1" lang="ja-JP" altLang="en-US"/>
           </a:p>
@@ -1229,7 +1235,7 @@
           <a:p>
             <a:fld id="{2C686577-0B07-4659-A689-95AC7CAE39AB}" type="datetimeFigureOut">
               <a:rPr kumimoji="1" lang="ja-JP" altLang="en-US" smtClean="0"/>
-              <a:t>2025/2/17</a:t>
+              <a:t>2025/2/18</a:t>
             </a:fld>
             <a:endParaRPr kumimoji="1" lang="ja-JP" altLang="en-US"/>
           </a:p>
@@ -1558,7 +1564,7 @@
           <a:p>
             <a:fld id="{2C686577-0B07-4659-A689-95AC7CAE39AB}" type="datetimeFigureOut">
               <a:rPr kumimoji="1" lang="ja-JP" altLang="en-US" smtClean="0"/>
-              <a:t>2025/2/17</a:t>
+              <a:t>2025/2/18</a:t>
             </a:fld>
             <a:endParaRPr kumimoji="1" lang="ja-JP" altLang="en-US"/>
           </a:p>
@@ -2034,7 +2040,7 @@
           <a:p>
             <a:fld id="{2C686577-0B07-4659-A689-95AC7CAE39AB}" type="datetimeFigureOut">
               <a:rPr kumimoji="1" lang="ja-JP" altLang="en-US" smtClean="0"/>
-              <a:t>2025/2/17</a:t>
+              <a:t>2025/2/18</a:t>
             </a:fld>
             <a:endParaRPr kumimoji="1" lang="ja-JP" altLang="en-US"/>
           </a:p>
@@ -2175,7 +2181,7 @@
           <a:p>
             <a:fld id="{2C686577-0B07-4659-A689-95AC7CAE39AB}" type="datetimeFigureOut">
               <a:rPr kumimoji="1" lang="ja-JP" altLang="en-US" smtClean="0"/>
-              <a:t>2025/2/17</a:t>
+              <a:t>2025/2/18</a:t>
             </a:fld>
             <a:endParaRPr kumimoji="1" lang="ja-JP" altLang="en-US"/>
           </a:p>
@@ -2288,7 +2294,7 @@
           <a:p>
             <a:fld id="{2C686577-0B07-4659-A689-95AC7CAE39AB}" type="datetimeFigureOut">
               <a:rPr kumimoji="1" lang="ja-JP" altLang="en-US" smtClean="0"/>
-              <a:t>2025/2/17</a:t>
+              <a:t>2025/2/18</a:t>
             </a:fld>
             <a:endParaRPr kumimoji="1" lang="ja-JP" altLang="en-US"/>
           </a:p>
@@ -2631,7 +2637,7 @@
           <a:p>
             <a:fld id="{2C686577-0B07-4659-A689-95AC7CAE39AB}" type="datetimeFigureOut">
               <a:rPr kumimoji="1" lang="ja-JP" altLang="en-US" smtClean="0"/>
-              <a:t>2025/2/17</a:t>
+              <a:t>2025/2/18</a:t>
             </a:fld>
             <a:endParaRPr kumimoji="1" lang="ja-JP" altLang="en-US"/>
           </a:p>
@@ -2919,7 +2925,7 @@
           <a:p>
             <a:fld id="{2C686577-0B07-4659-A689-95AC7CAE39AB}" type="datetimeFigureOut">
               <a:rPr kumimoji="1" lang="ja-JP" altLang="en-US" smtClean="0"/>
-              <a:t>2025/2/17</a:t>
+              <a:t>2025/2/18</a:t>
             </a:fld>
             <a:endParaRPr kumimoji="1" lang="ja-JP" altLang="en-US"/>
           </a:p>
@@ -3192,7 +3198,7 @@
           <a:p>
             <a:fld id="{2C686577-0B07-4659-A689-95AC7CAE39AB}" type="datetimeFigureOut">
               <a:rPr kumimoji="1" lang="ja-JP" altLang="en-US" smtClean="0"/>
-              <a:t>2025/2/17</a:t>
+              <a:t>2025/2/18</a:t>
             </a:fld>
             <a:endParaRPr kumimoji="1" lang="ja-JP" altLang="en-US"/>
           </a:p>
@@ -3609,10 +3615,1893 @@
           <a:chExt cx="0" cy="0"/>
         </a:xfrm>
       </p:grpSpPr>
+      <p:sp>
+        <p:nvSpPr>
+          <p:cNvPr id="2" name="楕円 1">
+            <a:extLst>
+              <a:ext uri="{FF2B5EF4-FFF2-40B4-BE49-F238E27FC236}">
+                <a16:creationId xmlns:a16="http://schemas.microsoft.com/office/drawing/2014/main" id="{B8E6B07E-2DA9-D642-28C7-E1432941021F}"/>
+              </a:ext>
+            </a:extLst>
+          </p:cNvPr>
+          <p:cNvSpPr/>
+          <p:nvPr/>
+        </p:nvSpPr>
+        <p:spPr>
+          <a:xfrm>
+            <a:off x="201880" y="700644"/>
+            <a:ext cx="3194462" cy="1828800"/>
+          </a:xfrm>
+          <a:prstGeom prst="ellipse">
+            <a:avLst/>
+          </a:prstGeom>
+          <a:noFill/>
+          <a:ln>
+            <a:solidFill>
+              <a:schemeClr val="tx1"/>
+            </a:solidFill>
+          </a:ln>
+        </p:spPr>
+        <p:style>
+          <a:lnRef idx="2">
+            <a:schemeClr val="accent1">
+              <a:shade val="15000"/>
+            </a:schemeClr>
+          </a:lnRef>
+          <a:fillRef idx="1">
+            <a:schemeClr val="accent1"/>
+          </a:fillRef>
+          <a:effectRef idx="0">
+            <a:schemeClr val="accent1"/>
+          </a:effectRef>
+          <a:fontRef idx="minor">
+            <a:schemeClr val="lt1"/>
+          </a:fontRef>
+        </p:style>
+        <p:txBody>
+          <a:bodyPr rtlCol="0" anchor="ctr"/>
+          <a:lstStyle/>
+          <a:p>
+            <a:pPr algn="ctr"/>
+            <a:endParaRPr kumimoji="1" lang="ja-JP" altLang="en-US"/>
+          </a:p>
+        </p:txBody>
+      </p:sp>
+      <mc:AlternateContent xmlns:mc="http://schemas.openxmlformats.org/markup-compatibility/2006">
+        <mc:Choice xmlns:a14="http://schemas.microsoft.com/office/drawing/2010/main" Requires="a14">
+          <p:sp>
+            <p:nvSpPr>
+              <p:cNvPr id="4" name="テキスト ボックス 3">
+                <a:extLst>
+                  <a:ext uri="{FF2B5EF4-FFF2-40B4-BE49-F238E27FC236}">
+                    <a16:creationId xmlns:a16="http://schemas.microsoft.com/office/drawing/2014/main" id="{A293D736-412A-671E-ECB8-BA4CDAB91FEC}"/>
+                  </a:ext>
+                </a:extLst>
+              </p:cNvPr>
+              <p:cNvSpPr txBox="1"/>
+              <p:nvPr/>
+            </p:nvSpPr>
+            <p:spPr>
+              <a:xfrm>
+                <a:off x="246454" y="155115"/>
+                <a:ext cx="1219886" cy="372218"/>
+              </a:xfrm>
+              <a:prstGeom prst="rect">
+                <a:avLst/>
+              </a:prstGeom>
+              <a:noFill/>
+            </p:spPr>
+            <p:txBody>
+              <a:bodyPr wrap="none" lIns="0" tIns="0" rIns="0" bIns="0" rtlCol="0">
+                <a:spAutoFit/>
+              </a:bodyPr>
+              <a:lstStyle/>
+              <a:p>
+                <a14:m>
+                  <m:oMathPara xmlns:m="http://schemas.openxmlformats.org/officeDocument/2006/math">
+                    <m:oMathParaPr>
+                      <m:jc m:val="centerGroup"/>
+                    </m:oMathParaPr>
+                    <m:oMath xmlns:m="http://schemas.openxmlformats.org/officeDocument/2006/math">
+                      <m:r>
+                        <m:rPr>
+                          <m:nor/>
+                        </m:rPr>
+                        <a:rPr lang="ja-JP" altLang="en-US" sz="2400" dirty="0"/>
+                        <m:t>全事象</m:t>
+                      </m:r>
+                      <m:r>
+                        <m:rPr>
+                          <m:sty m:val="p"/>
+                        </m:rPr>
+                        <a:rPr kumimoji="1" lang="el-GR" altLang="ja-JP" sz="2400" i="1" smtClean="0">
+                          <a:latin typeface="Cambria Math" panose="02040503050406030204" pitchFamily="18" charset="0"/>
+                          <a:ea typeface="Cambria Math" panose="02040503050406030204" pitchFamily="18" charset="0"/>
+                        </a:rPr>
+                        <m:t>Ω</m:t>
+                      </m:r>
+                    </m:oMath>
+                  </m:oMathPara>
+                </a14:m>
+                <a:endParaRPr kumimoji="1" lang="ja-JP" altLang="en-US" sz="2400" dirty="0"/>
+              </a:p>
+            </p:txBody>
+          </p:sp>
+        </mc:Choice>
+        <mc:Fallback>
+          <p:sp>
+            <p:nvSpPr>
+              <p:cNvPr id="4" name="テキスト ボックス 3">
+                <a:extLst>
+                  <a:ext uri="{FF2B5EF4-FFF2-40B4-BE49-F238E27FC236}">
+                    <a16:creationId xmlns:a16="http://schemas.microsoft.com/office/drawing/2014/main" id="{A293D736-412A-671E-ECB8-BA4CDAB91FEC}"/>
+                  </a:ext>
+                </a:extLst>
+              </p:cNvPr>
+              <p:cNvSpPr txBox="1">
+                <a:spLocks noRot="1" noChangeAspect="1" noMove="1" noResize="1" noEditPoints="1" noAdjustHandles="1" noChangeArrowheads="1" noChangeShapeType="1" noTextEdit="1"/>
+              </p:cNvSpPr>
+              <p:nvPr/>
+            </p:nvSpPr>
+            <p:spPr>
+              <a:xfrm>
+                <a:off x="246454" y="155115"/>
+                <a:ext cx="1219886" cy="372218"/>
+              </a:xfrm>
+              <a:prstGeom prst="rect">
+                <a:avLst/>
+              </a:prstGeom>
+              <a:blipFill>
+                <a:blip r:embed="rId2"/>
+                <a:stretch>
+                  <a:fillRect l="-7463" t="-9677" r="-4478" b="-17742"/>
+                </a:stretch>
+              </a:blipFill>
+            </p:spPr>
+            <p:txBody>
+              <a:bodyPr/>
+              <a:lstStyle/>
+              <a:p>
+                <a:r>
+                  <a:rPr lang="ja-JP" altLang="en-US">
+                    <a:noFill/>
+                  </a:rPr>
+                  <a:t> </a:t>
+                </a:r>
+              </a:p>
+            </p:txBody>
+          </p:sp>
+        </mc:Fallback>
+      </mc:AlternateContent>
+      <mc:AlternateContent xmlns:mc="http://schemas.openxmlformats.org/markup-compatibility/2006">
+        <mc:Choice xmlns:a14="http://schemas.microsoft.com/office/drawing/2010/main" Requires="a14">
+          <p:sp>
+            <p:nvSpPr>
+              <p:cNvPr id="5" name="テキスト ボックス 4">
+                <a:extLst>
+                  <a:ext uri="{FF2B5EF4-FFF2-40B4-BE49-F238E27FC236}">
+                    <a16:creationId xmlns:a16="http://schemas.microsoft.com/office/drawing/2014/main" id="{93E9526C-A928-8FD0-62CC-D193F281622E}"/>
+                  </a:ext>
+                </a:extLst>
+              </p:cNvPr>
+              <p:cNvSpPr txBox="1"/>
+              <p:nvPr/>
+            </p:nvSpPr>
+            <p:spPr>
+              <a:xfrm>
+                <a:off x="1132735" y="1453461"/>
+                <a:ext cx="286745" cy="369332"/>
+              </a:xfrm>
+              <a:prstGeom prst="rect">
+                <a:avLst/>
+              </a:prstGeom>
+              <a:noFill/>
+            </p:spPr>
+            <p:txBody>
+              <a:bodyPr wrap="none" lIns="0" tIns="0" rIns="0" bIns="0" rtlCol="0">
+                <a:spAutoFit/>
+              </a:bodyPr>
+              <a:lstStyle/>
+              <a:p>
+                <a:pPr/>
+                <a14:m>
+                  <m:oMathPara xmlns:m="http://schemas.openxmlformats.org/officeDocument/2006/math">
+                    <m:oMathParaPr>
+                      <m:jc m:val="centerGroup"/>
+                    </m:oMathParaPr>
+                    <m:oMath xmlns:m="http://schemas.openxmlformats.org/officeDocument/2006/math">
+                      <m:r>
+                        <a:rPr kumimoji="1" lang="en-US" altLang="ja-JP" sz="2400" b="0" i="1" smtClean="0">
+                          <a:latin typeface="Cambria Math" panose="02040503050406030204" pitchFamily="18" charset="0"/>
+                          <a:ea typeface="Cambria Math" panose="02040503050406030204" pitchFamily="18" charset="0"/>
+                        </a:rPr>
+                        <m:t>𝐴</m:t>
+                      </m:r>
+                    </m:oMath>
+                  </m:oMathPara>
+                </a14:m>
+                <a:endParaRPr kumimoji="1" lang="ja-JP" altLang="en-US" sz="2400" dirty="0"/>
+              </a:p>
+            </p:txBody>
+          </p:sp>
+        </mc:Choice>
+        <mc:Fallback>
+          <p:sp>
+            <p:nvSpPr>
+              <p:cNvPr id="5" name="テキスト ボックス 4">
+                <a:extLst>
+                  <a:ext uri="{FF2B5EF4-FFF2-40B4-BE49-F238E27FC236}">
+                    <a16:creationId xmlns:a16="http://schemas.microsoft.com/office/drawing/2014/main" id="{93E9526C-A928-8FD0-62CC-D193F281622E}"/>
+                  </a:ext>
+                </a:extLst>
+              </p:cNvPr>
+              <p:cNvSpPr txBox="1">
+                <a:spLocks noRot="1" noChangeAspect="1" noMove="1" noResize="1" noEditPoints="1" noAdjustHandles="1" noChangeArrowheads="1" noChangeShapeType="1" noTextEdit="1"/>
+              </p:cNvSpPr>
+              <p:nvPr/>
+            </p:nvSpPr>
+            <p:spPr>
+              <a:xfrm>
+                <a:off x="1132735" y="1453461"/>
+                <a:ext cx="286745" cy="369332"/>
+              </a:xfrm>
+              <a:prstGeom prst="rect">
+                <a:avLst/>
+              </a:prstGeom>
+              <a:blipFill>
+                <a:blip r:embed="rId3"/>
+                <a:stretch>
+                  <a:fillRect l="-23404" r="-19149" b="-4918"/>
+                </a:stretch>
+              </a:blipFill>
+            </p:spPr>
+            <p:txBody>
+              <a:bodyPr/>
+              <a:lstStyle/>
+              <a:p>
+                <a:r>
+                  <a:rPr lang="ja-JP" altLang="en-US">
+                    <a:noFill/>
+                  </a:rPr>
+                  <a:t> </a:t>
+                </a:r>
+              </a:p>
+            </p:txBody>
+          </p:sp>
+        </mc:Fallback>
+      </mc:AlternateContent>
+      <mc:AlternateContent xmlns:mc="http://schemas.openxmlformats.org/markup-compatibility/2006">
+        <mc:Choice xmlns:a14="http://schemas.microsoft.com/office/drawing/2010/main" Requires="a14">
+          <p:sp>
+            <p:nvSpPr>
+              <p:cNvPr id="6" name="テキスト ボックス 5">
+                <a:extLst>
+                  <a:ext uri="{FF2B5EF4-FFF2-40B4-BE49-F238E27FC236}">
+                    <a16:creationId xmlns:a16="http://schemas.microsoft.com/office/drawing/2014/main" id="{EA00AFDF-D4C3-6F48-9242-40B2C4C7E603}"/>
+                  </a:ext>
+                </a:extLst>
+              </p:cNvPr>
+              <p:cNvSpPr txBox="1"/>
+              <p:nvPr/>
+            </p:nvSpPr>
+            <p:spPr>
+              <a:xfrm>
+                <a:off x="3997012" y="1453461"/>
+                <a:ext cx="298415" cy="369332"/>
+              </a:xfrm>
+              <a:prstGeom prst="rect">
+                <a:avLst/>
+              </a:prstGeom>
+              <a:noFill/>
+            </p:spPr>
+            <p:txBody>
+              <a:bodyPr wrap="none" lIns="0" tIns="0" rIns="0" bIns="0" rtlCol="0">
+                <a:spAutoFit/>
+              </a:bodyPr>
+              <a:lstStyle/>
+              <a:p>
+                <a:pPr/>
+                <a14:m>
+                  <m:oMathPara xmlns:m="http://schemas.openxmlformats.org/officeDocument/2006/math">
+                    <m:oMathParaPr>
+                      <m:jc m:val="centerGroup"/>
+                    </m:oMathParaPr>
+                    <m:oMath xmlns:m="http://schemas.openxmlformats.org/officeDocument/2006/math">
+                      <m:r>
+                        <a:rPr kumimoji="1" lang="en-US" altLang="ja-JP" sz="2400" b="0" i="1" smtClean="0">
+                          <a:latin typeface="Cambria Math" panose="02040503050406030204" pitchFamily="18" charset="0"/>
+                        </a:rPr>
+                        <m:t>𝐵</m:t>
+                      </m:r>
+                    </m:oMath>
+                  </m:oMathPara>
+                </a14:m>
+                <a:endParaRPr kumimoji="1" lang="ja-JP" altLang="en-US" sz="2400" dirty="0"/>
+              </a:p>
+            </p:txBody>
+          </p:sp>
+        </mc:Choice>
+        <mc:Fallback>
+          <p:sp>
+            <p:nvSpPr>
+              <p:cNvPr id="6" name="テキスト ボックス 5">
+                <a:extLst>
+                  <a:ext uri="{FF2B5EF4-FFF2-40B4-BE49-F238E27FC236}">
+                    <a16:creationId xmlns:a16="http://schemas.microsoft.com/office/drawing/2014/main" id="{EA00AFDF-D4C3-6F48-9242-40B2C4C7E603}"/>
+                  </a:ext>
+                </a:extLst>
+              </p:cNvPr>
+              <p:cNvSpPr txBox="1">
+                <a:spLocks noRot="1" noChangeAspect="1" noMove="1" noResize="1" noEditPoints="1" noAdjustHandles="1" noChangeArrowheads="1" noChangeShapeType="1" noTextEdit="1"/>
+              </p:cNvSpPr>
+              <p:nvPr/>
+            </p:nvSpPr>
+            <p:spPr>
+              <a:xfrm>
+                <a:off x="3997012" y="1453461"/>
+                <a:ext cx="298415" cy="369332"/>
+              </a:xfrm>
+              <a:prstGeom prst="rect">
+                <a:avLst/>
+              </a:prstGeom>
+              <a:blipFill>
+                <a:blip r:embed="rId4"/>
+                <a:stretch>
+                  <a:fillRect l="-22449" r="-16327" b="-4918"/>
+                </a:stretch>
+              </a:blipFill>
+            </p:spPr>
+            <p:txBody>
+              <a:bodyPr/>
+              <a:lstStyle/>
+              <a:p>
+                <a:r>
+                  <a:rPr lang="ja-JP" altLang="en-US">
+                    <a:noFill/>
+                  </a:rPr>
+                  <a:t> </a:t>
+                </a:r>
+              </a:p>
+            </p:txBody>
+          </p:sp>
+        </mc:Fallback>
+      </mc:AlternateContent>
+      <p:sp>
+        <p:nvSpPr>
+          <p:cNvPr id="7" name="楕円 6">
+            <a:extLst>
+              <a:ext uri="{FF2B5EF4-FFF2-40B4-BE49-F238E27FC236}">
+                <a16:creationId xmlns:a16="http://schemas.microsoft.com/office/drawing/2014/main" id="{7586CFD1-D772-91BE-20AF-1ECAB51314C7}"/>
+              </a:ext>
+            </a:extLst>
+          </p:cNvPr>
+          <p:cNvSpPr/>
+          <p:nvPr/>
+        </p:nvSpPr>
+        <p:spPr>
+          <a:xfrm>
+            <a:off x="1920875" y="700644"/>
+            <a:ext cx="3194462" cy="1828800"/>
+          </a:xfrm>
+          <a:prstGeom prst="ellipse">
+            <a:avLst/>
+          </a:prstGeom>
+          <a:noFill/>
+          <a:ln>
+            <a:solidFill>
+              <a:schemeClr val="tx1"/>
+            </a:solidFill>
+          </a:ln>
+        </p:spPr>
+        <p:style>
+          <a:lnRef idx="2">
+            <a:schemeClr val="accent1">
+              <a:shade val="15000"/>
+            </a:schemeClr>
+          </a:lnRef>
+          <a:fillRef idx="1">
+            <a:schemeClr val="accent1"/>
+          </a:fillRef>
+          <a:effectRef idx="0">
+            <a:schemeClr val="accent1"/>
+          </a:effectRef>
+          <a:fontRef idx="minor">
+            <a:schemeClr val="lt1"/>
+          </a:fontRef>
+        </p:style>
+        <p:txBody>
+          <a:bodyPr rtlCol="0" anchor="ctr"/>
+          <a:lstStyle/>
+          <a:p>
+            <a:pPr algn="ctr"/>
+            <a:endParaRPr kumimoji="1" lang="ja-JP" altLang="en-US"/>
+          </a:p>
+        </p:txBody>
+      </p:sp>
+      <mc:AlternateContent xmlns:mc="http://schemas.openxmlformats.org/markup-compatibility/2006">
+        <mc:Choice xmlns:a14="http://schemas.microsoft.com/office/drawing/2010/main" Requires="a14">
+          <p:sp>
+            <p:nvSpPr>
+              <p:cNvPr id="9" name="テキスト ボックス 8">
+                <a:extLst>
+                  <a:ext uri="{FF2B5EF4-FFF2-40B4-BE49-F238E27FC236}">
+                    <a16:creationId xmlns:a16="http://schemas.microsoft.com/office/drawing/2014/main" id="{724215AF-448B-DBFC-6ABE-08257F360864}"/>
+                  </a:ext>
+                </a:extLst>
+              </p:cNvPr>
+              <p:cNvSpPr txBox="1"/>
+              <p:nvPr/>
+            </p:nvSpPr>
+            <p:spPr>
+              <a:xfrm>
+                <a:off x="2260841" y="1453461"/>
+                <a:ext cx="843821" cy="369332"/>
+              </a:xfrm>
+              <a:prstGeom prst="rect">
+                <a:avLst/>
+              </a:prstGeom>
+              <a:noFill/>
+            </p:spPr>
+            <p:txBody>
+              <a:bodyPr wrap="none" lIns="0" tIns="0" rIns="0" bIns="0" rtlCol="0">
+                <a:spAutoFit/>
+              </a:bodyPr>
+              <a:lstStyle/>
+              <a:p>
+                <a:pPr/>
+                <a14:m>
+                  <m:oMathPara xmlns:m="http://schemas.openxmlformats.org/officeDocument/2006/math">
+                    <m:oMathParaPr>
+                      <m:jc m:val="centerGroup"/>
+                    </m:oMathParaPr>
+                    <m:oMath xmlns:m="http://schemas.openxmlformats.org/officeDocument/2006/math">
+                      <m:r>
+                        <a:rPr kumimoji="1" lang="en-US" altLang="ja-JP" sz="2400" b="0" i="1" smtClean="0">
+                          <a:latin typeface="Cambria Math" panose="02040503050406030204" pitchFamily="18" charset="0"/>
+                        </a:rPr>
+                        <m:t>𝐴</m:t>
+                      </m:r>
+                      <m:r>
+                        <a:rPr kumimoji="1" lang="en-US" altLang="ja-JP" sz="2400" b="0" i="1" smtClean="0">
+                          <a:latin typeface="Cambria Math" panose="02040503050406030204" pitchFamily="18" charset="0"/>
+                          <a:ea typeface="Cambria Math" panose="02040503050406030204" pitchFamily="18" charset="0"/>
+                        </a:rPr>
+                        <m:t>∩</m:t>
+                      </m:r>
+                      <m:r>
+                        <a:rPr kumimoji="1" lang="en-US" altLang="ja-JP" sz="2400" b="0" i="1" smtClean="0">
+                          <a:latin typeface="Cambria Math" panose="02040503050406030204" pitchFamily="18" charset="0"/>
+                        </a:rPr>
+                        <m:t>𝐵</m:t>
+                      </m:r>
+                    </m:oMath>
+                  </m:oMathPara>
+                </a14:m>
+                <a:endParaRPr kumimoji="1" lang="ja-JP" altLang="en-US" sz="2400" dirty="0"/>
+              </a:p>
+            </p:txBody>
+          </p:sp>
+        </mc:Choice>
+        <mc:Fallback>
+          <p:sp>
+            <p:nvSpPr>
+              <p:cNvPr id="9" name="テキスト ボックス 8">
+                <a:extLst>
+                  <a:ext uri="{FF2B5EF4-FFF2-40B4-BE49-F238E27FC236}">
+                    <a16:creationId xmlns:a16="http://schemas.microsoft.com/office/drawing/2014/main" id="{724215AF-448B-DBFC-6ABE-08257F360864}"/>
+                  </a:ext>
+                </a:extLst>
+              </p:cNvPr>
+              <p:cNvSpPr txBox="1">
+                <a:spLocks noRot="1" noChangeAspect="1" noMove="1" noResize="1" noEditPoints="1" noAdjustHandles="1" noChangeArrowheads="1" noChangeShapeType="1" noTextEdit="1"/>
+              </p:cNvSpPr>
+              <p:nvPr/>
+            </p:nvSpPr>
+            <p:spPr>
+              <a:xfrm>
+                <a:off x="2260841" y="1453461"/>
+                <a:ext cx="843821" cy="369332"/>
+              </a:xfrm>
+              <a:prstGeom prst="rect">
+                <a:avLst/>
+              </a:prstGeom>
+              <a:blipFill>
+                <a:blip r:embed="rId5"/>
+                <a:stretch>
+                  <a:fillRect l="-7246" r="-5797" b="-4918"/>
+                </a:stretch>
+              </a:blipFill>
+            </p:spPr>
+            <p:txBody>
+              <a:bodyPr/>
+              <a:lstStyle/>
+              <a:p>
+                <a:r>
+                  <a:rPr lang="ja-JP" altLang="en-US">
+                    <a:noFill/>
+                  </a:rPr>
+                  <a:t> </a:t>
+                </a:r>
+              </a:p>
+            </p:txBody>
+          </p:sp>
+        </mc:Fallback>
+      </mc:AlternateContent>
     </p:spTree>
     <p:extLst>
       <p:ext uri="{BB962C8B-B14F-4D97-AF65-F5344CB8AC3E}">
         <p14:creationId xmlns:p14="http://schemas.microsoft.com/office/powerpoint/2010/main" val="3767405974"/>
+      </p:ext>
+    </p:extLst>
+  </p:cSld>
+  <p:clrMapOvr>
+    <a:masterClrMapping/>
+  </p:clrMapOvr>
+</p:sld>
+</file>
+
+<file path=ppt/slides/slide2.xml><?xml version="1.0" encoding="utf-8"?>
+<p:sld xmlns:a="http://schemas.openxmlformats.org/drawingml/2006/main" xmlns:r="http://schemas.openxmlformats.org/officeDocument/2006/relationships" xmlns:p="http://schemas.openxmlformats.org/presentationml/2006/main">
+  <p:cSld>
+    <p:spTree>
+      <p:nvGrpSpPr>
+        <p:cNvPr id="1" name="">
+          <a:extLst>
+            <a:ext uri="{FF2B5EF4-FFF2-40B4-BE49-F238E27FC236}">
+              <a16:creationId xmlns:a16="http://schemas.microsoft.com/office/drawing/2014/main" id="{BC515707-0A83-B326-D8F0-0822A6208A87}"/>
+            </a:ext>
+          </a:extLst>
+        </p:cNvPr>
+        <p:cNvGrpSpPr/>
+        <p:nvPr/>
+      </p:nvGrpSpPr>
+      <p:grpSpPr>
+        <a:xfrm>
+          <a:off x="0" y="0"/>
+          <a:ext cx="0" cy="0"/>
+          <a:chOff x="0" y="0"/>
+          <a:chExt cx="0" cy="0"/>
+        </a:xfrm>
+      </p:grpSpPr>
+      <mc:AlternateContent xmlns:mc="http://schemas.openxmlformats.org/markup-compatibility/2006">
+        <mc:Choice xmlns:a14="http://schemas.microsoft.com/office/drawing/2010/main" Requires="a14">
+          <p:sp>
+            <p:nvSpPr>
+              <p:cNvPr id="4" name="テキスト ボックス 3">
+                <a:extLst>
+                  <a:ext uri="{FF2B5EF4-FFF2-40B4-BE49-F238E27FC236}">
+                    <a16:creationId xmlns:a16="http://schemas.microsoft.com/office/drawing/2014/main" id="{699E7D94-2B25-C30C-E0E5-846486D11166}"/>
+                  </a:ext>
+                </a:extLst>
+              </p:cNvPr>
+              <p:cNvSpPr txBox="1"/>
+              <p:nvPr/>
+            </p:nvSpPr>
+            <p:spPr>
+              <a:xfrm>
+                <a:off x="246454" y="155115"/>
+                <a:ext cx="1219886" cy="372218"/>
+              </a:xfrm>
+              <a:prstGeom prst="rect">
+                <a:avLst/>
+              </a:prstGeom>
+              <a:noFill/>
+            </p:spPr>
+            <p:txBody>
+              <a:bodyPr wrap="none" lIns="0" tIns="0" rIns="0" bIns="0" rtlCol="0">
+                <a:spAutoFit/>
+              </a:bodyPr>
+              <a:lstStyle/>
+              <a:p>
+                <a14:m>
+                  <m:oMathPara xmlns:m="http://schemas.openxmlformats.org/officeDocument/2006/math">
+                    <m:oMathParaPr>
+                      <m:jc m:val="centerGroup"/>
+                    </m:oMathParaPr>
+                    <m:oMath xmlns:m="http://schemas.openxmlformats.org/officeDocument/2006/math">
+                      <m:r>
+                        <m:rPr>
+                          <m:nor/>
+                        </m:rPr>
+                        <a:rPr lang="ja-JP" altLang="en-US" sz="2400" dirty="0"/>
+                        <m:t>全事象</m:t>
+                      </m:r>
+                      <m:r>
+                        <m:rPr>
+                          <m:sty m:val="p"/>
+                        </m:rPr>
+                        <a:rPr kumimoji="1" lang="el-GR" altLang="ja-JP" sz="2400" i="1" smtClean="0">
+                          <a:latin typeface="Cambria Math" panose="02040503050406030204" pitchFamily="18" charset="0"/>
+                          <a:ea typeface="Cambria Math" panose="02040503050406030204" pitchFamily="18" charset="0"/>
+                        </a:rPr>
+                        <m:t>Ω</m:t>
+                      </m:r>
+                    </m:oMath>
+                  </m:oMathPara>
+                </a14:m>
+                <a:endParaRPr kumimoji="1" lang="ja-JP" altLang="en-US" sz="2400" dirty="0"/>
+              </a:p>
+            </p:txBody>
+          </p:sp>
+        </mc:Choice>
+        <mc:Fallback>
+          <p:sp>
+            <p:nvSpPr>
+              <p:cNvPr id="4" name="テキスト ボックス 3">
+                <a:extLst>
+                  <a:ext uri="{FF2B5EF4-FFF2-40B4-BE49-F238E27FC236}">
+                    <a16:creationId xmlns:a16="http://schemas.microsoft.com/office/drawing/2014/main" id="{699E7D94-2B25-C30C-E0E5-846486D11166}"/>
+                  </a:ext>
+                </a:extLst>
+              </p:cNvPr>
+              <p:cNvSpPr txBox="1">
+                <a:spLocks noRot="1" noChangeAspect="1" noMove="1" noResize="1" noEditPoints="1" noAdjustHandles="1" noChangeArrowheads="1" noChangeShapeType="1" noTextEdit="1"/>
+              </p:cNvSpPr>
+              <p:nvPr/>
+            </p:nvSpPr>
+            <p:spPr>
+              <a:xfrm>
+                <a:off x="246454" y="155115"/>
+                <a:ext cx="1219886" cy="372218"/>
+              </a:xfrm>
+              <a:prstGeom prst="rect">
+                <a:avLst/>
+              </a:prstGeom>
+              <a:blipFill>
+                <a:blip r:embed="rId2"/>
+                <a:stretch>
+                  <a:fillRect l="-7463" t="-9677" r="-4478" b="-17742"/>
+                </a:stretch>
+              </a:blipFill>
+            </p:spPr>
+            <p:txBody>
+              <a:bodyPr/>
+              <a:lstStyle/>
+              <a:p>
+                <a:r>
+                  <a:rPr lang="ja-JP" altLang="en-US">
+                    <a:noFill/>
+                  </a:rPr>
+                  <a:t> </a:t>
+                </a:r>
+              </a:p>
+            </p:txBody>
+          </p:sp>
+        </mc:Fallback>
+      </mc:AlternateContent>
+      <mc:AlternateContent xmlns:mc="http://schemas.openxmlformats.org/markup-compatibility/2006">
+        <mc:Choice xmlns:a14="http://schemas.microsoft.com/office/drawing/2010/main" Requires="a14">
+          <p:sp>
+            <p:nvSpPr>
+              <p:cNvPr id="5" name="テキスト ボックス 4">
+                <a:extLst>
+                  <a:ext uri="{FF2B5EF4-FFF2-40B4-BE49-F238E27FC236}">
+                    <a16:creationId xmlns:a16="http://schemas.microsoft.com/office/drawing/2014/main" id="{5BAA2246-331D-EAB0-5265-AFDBE339D228}"/>
+                  </a:ext>
+                </a:extLst>
+              </p:cNvPr>
+              <p:cNvSpPr txBox="1"/>
+              <p:nvPr/>
+            </p:nvSpPr>
+            <p:spPr>
+              <a:xfrm>
+                <a:off x="454029" y="750672"/>
+                <a:ext cx="291747" cy="369332"/>
+              </a:xfrm>
+              <a:prstGeom prst="rect">
+                <a:avLst/>
+              </a:prstGeom>
+              <a:noFill/>
+            </p:spPr>
+            <p:txBody>
+              <a:bodyPr wrap="none" lIns="0" tIns="0" rIns="0" bIns="0" rtlCol="0">
+                <a:spAutoFit/>
+              </a:bodyPr>
+              <a:lstStyle/>
+              <a:p>
+                <a:pPr/>
+                <a14:m>
+                  <m:oMathPara xmlns:m="http://schemas.openxmlformats.org/officeDocument/2006/math">
+                    <m:oMathParaPr>
+                      <m:jc m:val="centerGroup"/>
+                    </m:oMathParaPr>
+                    <m:oMath xmlns:m="http://schemas.openxmlformats.org/officeDocument/2006/math">
+                      <m:r>
+                        <a:rPr kumimoji="1" lang="en-US" altLang="ja-JP" sz="2400" b="0" i="1" smtClean="0">
+                          <a:latin typeface="Cambria Math" panose="02040503050406030204" pitchFamily="18" charset="0"/>
+                          <a:ea typeface="Cambria Math" panose="02040503050406030204" pitchFamily="18" charset="0"/>
+                        </a:rPr>
+                        <m:t>𝐴</m:t>
+                      </m:r>
+                    </m:oMath>
+                  </m:oMathPara>
+                </a14:m>
+                <a:endParaRPr kumimoji="1" lang="ja-JP" altLang="en-US" sz="2400" dirty="0"/>
+              </a:p>
+            </p:txBody>
+          </p:sp>
+        </mc:Choice>
+        <mc:Fallback>
+          <p:sp>
+            <p:nvSpPr>
+              <p:cNvPr id="5" name="テキスト ボックス 4">
+                <a:extLst>
+                  <a:ext uri="{FF2B5EF4-FFF2-40B4-BE49-F238E27FC236}">
+                    <a16:creationId xmlns:a16="http://schemas.microsoft.com/office/drawing/2014/main" id="{5BAA2246-331D-EAB0-5265-AFDBE339D228}"/>
+                  </a:ext>
+                </a:extLst>
+              </p:cNvPr>
+              <p:cNvSpPr txBox="1">
+                <a:spLocks noRot="1" noChangeAspect="1" noMove="1" noResize="1" noEditPoints="1" noAdjustHandles="1" noChangeArrowheads="1" noChangeShapeType="1" noTextEdit="1"/>
+              </p:cNvSpPr>
+              <p:nvPr/>
+            </p:nvSpPr>
+            <p:spPr>
+              <a:xfrm>
+                <a:off x="454029" y="750672"/>
+                <a:ext cx="291747" cy="369332"/>
+              </a:xfrm>
+              <a:prstGeom prst="rect">
+                <a:avLst/>
+              </a:prstGeom>
+              <a:blipFill>
+                <a:blip r:embed="rId3"/>
+                <a:stretch>
+                  <a:fillRect l="-18750" r="-20833" b="-4918"/>
+                </a:stretch>
+              </a:blipFill>
+            </p:spPr>
+            <p:txBody>
+              <a:bodyPr/>
+              <a:lstStyle/>
+              <a:p>
+                <a:r>
+                  <a:rPr lang="ja-JP" altLang="en-US">
+                    <a:noFill/>
+                  </a:rPr>
+                  <a:t> </a:t>
+                </a:r>
+              </a:p>
+            </p:txBody>
+          </p:sp>
+        </mc:Fallback>
+      </mc:AlternateContent>
+      <mc:AlternateContent xmlns:mc="http://schemas.openxmlformats.org/markup-compatibility/2006">
+        <mc:Choice xmlns:a14="http://schemas.microsoft.com/office/drawing/2010/main" Requires="a14">
+          <p:sp>
+            <p:nvSpPr>
+              <p:cNvPr id="6" name="テキスト ボックス 5">
+                <a:extLst>
+                  <a:ext uri="{FF2B5EF4-FFF2-40B4-BE49-F238E27FC236}">
+                    <a16:creationId xmlns:a16="http://schemas.microsoft.com/office/drawing/2014/main" id="{CBF39B60-0D79-9469-BE51-945DE019FAC7}"/>
+                  </a:ext>
+                </a:extLst>
+              </p:cNvPr>
+              <p:cNvSpPr txBox="1"/>
+              <p:nvPr/>
+            </p:nvSpPr>
+            <p:spPr>
+              <a:xfrm>
+                <a:off x="4131588" y="917753"/>
+                <a:ext cx="430053" cy="369332"/>
+              </a:xfrm>
+              <a:prstGeom prst="rect">
+                <a:avLst/>
+              </a:prstGeom>
+              <a:noFill/>
+            </p:spPr>
+            <p:txBody>
+              <a:bodyPr wrap="none" lIns="0" tIns="0" rIns="0" bIns="0" rtlCol="0">
+                <a:spAutoFit/>
+              </a:bodyPr>
+              <a:lstStyle/>
+              <a:p>
+                <a:pPr/>
+                <a14:m>
+                  <m:oMathPara xmlns:m="http://schemas.openxmlformats.org/officeDocument/2006/math">
+                    <m:oMathParaPr>
+                      <m:jc m:val="centerGroup"/>
+                    </m:oMathParaPr>
+                    <m:oMath xmlns:m="http://schemas.openxmlformats.org/officeDocument/2006/math">
+                      <m:sSub>
+                        <m:sSubPr>
+                          <m:ctrlPr>
+                            <a:rPr kumimoji="1" lang="en-US" altLang="ja-JP" sz="2400" b="0" i="1" smtClean="0">
+                              <a:latin typeface="Cambria Math" panose="02040503050406030204" pitchFamily="18" charset="0"/>
+                            </a:rPr>
+                          </m:ctrlPr>
+                        </m:sSubPr>
+                        <m:e>
+                          <m:r>
+                            <a:rPr kumimoji="1" lang="en-US" altLang="ja-JP" sz="2400" b="0" i="1" smtClean="0">
+                              <a:latin typeface="Cambria Math" panose="02040503050406030204" pitchFamily="18" charset="0"/>
+                            </a:rPr>
+                            <m:t>𝐻</m:t>
+                          </m:r>
+                        </m:e>
+                        <m:sub>
+                          <m:r>
+                            <a:rPr kumimoji="1" lang="en-US" altLang="ja-JP" sz="2400" b="0" i="1" smtClean="0">
+                              <a:latin typeface="Cambria Math" panose="02040503050406030204" pitchFamily="18" charset="0"/>
+                            </a:rPr>
+                            <m:t>1</m:t>
+                          </m:r>
+                        </m:sub>
+                      </m:sSub>
+                    </m:oMath>
+                  </m:oMathPara>
+                </a14:m>
+                <a:endParaRPr kumimoji="1" lang="ja-JP" altLang="en-US" sz="2400" dirty="0"/>
+              </a:p>
+            </p:txBody>
+          </p:sp>
+        </mc:Choice>
+        <mc:Fallback>
+          <p:sp>
+            <p:nvSpPr>
+              <p:cNvPr id="6" name="テキスト ボックス 5">
+                <a:extLst>
+                  <a:ext uri="{FF2B5EF4-FFF2-40B4-BE49-F238E27FC236}">
+                    <a16:creationId xmlns:a16="http://schemas.microsoft.com/office/drawing/2014/main" id="{CBF39B60-0D79-9469-BE51-945DE019FAC7}"/>
+                  </a:ext>
+                </a:extLst>
+              </p:cNvPr>
+              <p:cNvSpPr txBox="1">
+                <a:spLocks noRot="1" noChangeAspect="1" noMove="1" noResize="1" noEditPoints="1" noAdjustHandles="1" noChangeArrowheads="1" noChangeShapeType="1" noTextEdit="1"/>
+              </p:cNvSpPr>
+              <p:nvPr/>
+            </p:nvSpPr>
+            <p:spPr>
+              <a:xfrm>
+                <a:off x="4131588" y="917753"/>
+                <a:ext cx="430053" cy="369332"/>
+              </a:xfrm>
+              <a:prstGeom prst="rect">
+                <a:avLst/>
+              </a:prstGeom>
+              <a:blipFill>
+                <a:blip r:embed="rId4"/>
+                <a:stretch>
+                  <a:fillRect l="-15714" r="-2857" b="-13333"/>
+                </a:stretch>
+              </a:blipFill>
+            </p:spPr>
+            <p:txBody>
+              <a:bodyPr/>
+              <a:lstStyle/>
+              <a:p>
+                <a:r>
+                  <a:rPr lang="ja-JP" altLang="en-US">
+                    <a:noFill/>
+                  </a:rPr>
+                  <a:t> </a:t>
+                </a:r>
+              </a:p>
+            </p:txBody>
+          </p:sp>
+        </mc:Fallback>
+      </mc:AlternateContent>
+      <mc:AlternateContent xmlns:mc="http://schemas.openxmlformats.org/markup-compatibility/2006">
+        <mc:Choice xmlns:a14="http://schemas.microsoft.com/office/drawing/2010/main" Requires="a14">
+          <p:sp>
+            <p:nvSpPr>
+              <p:cNvPr id="9" name="テキスト ボックス 8">
+                <a:extLst>
+                  <a:ext uri="{FF2B5EF4-FFF2-40B4-BE49-F238E27FC236}">
+                    <a16:creationId xmlns:a16="http://schemas.microsoft.com/office/drawing/2014/main" id="{E2929012-07DE-73FC-CEAE-4AB4C00EB5BB}"/>
+                  </a:ext>
+                </a:extLst>
+              </p:cNvPr>
+              <p:cNvSpPr txBox="1"/>
+              <p:nvPr/>
+            </p:nvSpPr>
+            <p:spPr>
+              <a:xfrm>
+                <a:off x="1817006" y="917753"/>
+                <a:ext cx="886782" cy="369332"/>
+              </a:xfrm>
+              <a:prstGeom prst="rect">
+                <a:avLst/>
+              </a:prstGeom>
+              <a:noFill/>
+            </p:spPr>
+            <p:txBody>
+              <a:bodyPr wrap="none" lIns="0" tIns="0" rIns="0" bIns="0" rtlCol="0">
+                <a:spAutoFit/>
+              </a:bodyPr>
+              <a:lstStyle/>
+              <a:p>
+                <a:pPr/>
+                <a14:m>
+                  <m:oMathPara xmlns:m="http://schemas.openxmlformats.org/officeDocument/2006/math">
+                    <m:oMathParaPr>
+                      <m:jc m:val="centerGroup"/>
+                    </m:oMathParaPr>
+                    <m:oMath xmlns:m="http://schemas.openxmlformats.org/officeDocument/2006/math">
+                      <m:r>
+                        <a:rPr kumimoji="1" lang="en-US" altLang="ja-JP" sz="2400" b="0" i="1" smtClean="0">
+                          <a:latin typeface="Cambria Math" panose="02040503050406030204" pitchFamily="18" charset="0"/>
+                        </a:rPr>
+                        <m:t>𝐴</m:t>
+                      </m:r>
+                      <m:r>
+                        <a:rPr kumimoji="1" lang="en-US" altLang="ja-JP" sz="2400" b="0" i="1" smtClean="0">
+                          <a:latin typeface="Cambria Math" panose="02040503050406030204" pitchFamily="18" charset="0"/>
+                          <a:ea typeface="Cambria Math" panose="02040503050406030204" pitchFamily="18" charset="0"/>
+                        </a:rPr>
+                        <m:t>∩</m:t>
+                      </m:r>
+                      <m:sSub>
+                        <m:sSubPr>
+                          <m:ctrlPr>
+                            <a:rPr lang="en-US" altLang="ja-JP" sz="2400" i="1">
+                              <a:latin typeface="Cambria Math" panose="02040503050406030204" pitchFamily="18" charset="0"/>
+                            </a:rPr>
+                          </m:ctrlPr>
+                        </m:sSubPr>
+                        <m:e>
+                          <m:r>
+                            <a:rPr lang="en-US" altLang="ja-JP" sz="2400" i="1">
+                              <a:latin typeface="Cambria Math" panose="02040503050406030204" pitchFamily="18" charset="0"/>
+                            </a:rPr>
+                            <m:t>𝐻</m:t>
+                          </m:r>
+                        </m:e>
+                        <m:sub>
+                          <m:r>
+                            <a:rPr lang="en-US" altLang="ja-JP" sz="2400" i="1">
+                              <a:latin typeface="Cambria Math" panose="02040503050406030204" pitchFamily="18" charset="0"/>
+                            </a:rPr>
+                            <m:t>1</m:t>
+                          </m:r>
+                        </m:sub>
+                      </m:sSub>
+                    </m:oMath>
+                  </m:oMathPara>
+                </a14:m>
+                <a:endParaRPr kumimoji="1" lang="ja-JP" altLang="en-US" sz="2400" dirty="0"/>
+              </a:p>
+            </p:txBody>
+          </p:sp>
+        </mc:Choice>
+        <mc:Fallback>
+          <p:sp>
+            <p:nvSpPr>
+              <p:cNvPr id="9" name="テキスト ボックス 8">
+                <a:extLst>
+                  <a:ext uri="{FF2B5EF4-FFF2-40B4-BE49-F238E27FC236}">
+                    <a16:creationId xmlns:a16="http://schemas.microsoft.com/office/drawing/2014/main" id="{E2929012-07DE-73FC-CEAE-4AB4C00EB5BB}"/>
+                  </a:ext>
+                </a:extLst>
+              </p:cNvPr>
+              <p:cNvSpPr txBox="1">
+                <a:spLocks noRot="1" noChangeAspect="1" noMove="1" noResize="1" noEditPoints="1" noAdjustHandles="1" noChangeArrowheads="1" noChangeShapeType="1" noTextEdit="1"/>
+              </p:cNvSpPr>
+              <p:nvPr/>
+            </p:nvSpPr>
+            <p:spPr>
+              <a:xfrm>
+                <a:off x="1817006" y="917753"/>
+                <a:ext cx="886782" cy="369332"/>
+              </a:xfrm>
+              <a:prstGeom prst="rect">
+                <a:avLst/>
+              </a:prstGeom>
+              <a:blipFill>
+                <a:blip r:embed="rId5"/>
+                <a:stretch>
+                  <a:fillRect l="-10959" r="-5479" b="-13333"/>
+                </a:stretch>
+              </a:blipFill>
+            </p:spPr>
+            <p:txBody>
+              <a:bodyPr/>
+              <a:lstStyle/>
+              <a:p>
+                <a:r>
+                  <a:rPr lang="ja-JP" altLang="en-US">
+                    <a:noFill/>
+                  </a:rPr>
+                  <a:t> </a:t>
+                </a:r>
+              </a:p>
+            </p:txBody>
+          </p:sp>
+        </mc:Fallback>
+      </mc:AlternateContent>
+      <p:sp>
+        <p:nvSpPr>
+          <p:cNvPr id="8" name="正方形/長方形 7">
+            <a:extLst>
+              <a:ext uri="{FF2B5EF4-FFF2-40B4-BE49-F238E27FC236}">
+                <a16:creationId xmlns:a16="http://schemas.microsoft.com/office/drawing/2014/main" id="{712EFCC3-93B2-D6F0-5CA4-34087A4EFD62}"/>
+              </a:ext>
+            </a:extLst>
+          </p:cNvPr>
+          <p:cNvSpPr/>
+          <p:nvPr/>
+        </p:nvSpPr>
+        <p:spPr>
+          <a:xfrm>
+            <a:off x="843697" y="742419"/>
+            <a:ext cx="4176000" cy="720000"/>
+          </a:xfrm>
+          <a:prstGeom prst="rect">
+            <a:avLst/>
+          </a:prstGeom>
+          <a:solidFill>
+            <a:srgbClr val="0070C0">
+              <a:alpha val="20000"/>
+            </a:srgbClr>
+          </a:solidFill>
+          <a:ln>
+            <a:solidFill>
+              <a:schemeClr val="tx1"/>
+            </a:solidFill>
+          </a:ln>
+        </p:spPr>
+        <p:style>
+          <a:lnRef idx="2">
+            <a:schemeClr val="accent1">
+              <a:shade val="15000"/>
+            </a:schemeClr>
+          </a:lnRef>
+          <a:fillRef idx="1">
+            <a:schemeClr val="accent1"/>
+          </a:fillRef>
+          <a:effectRef idx="0">
+            <a:schemeClr val="accent1"/>
+          </a:effectRef>
+          <a:fontRef idx="minor">
+            <a:schemeClr val="lt1"/>
+          </a:fontRef>
+        </p:style>
+        <p:txBody>
+          <a:bodyPr rtlCol="0" anchor="ctr"/>
+          <a:lstStyle/>
+          <a:p>
+            <a:pPr algn="ctr"/>
+            <a:endParaRPr lang="ja-JP" altLang="en-US"/>
+          </a:p>
+        </p:txBody>
+      </p:sp>
+      <mc:AlternateContent xmlns:mc="http://schemas.openxmlformats.org/markup-compatibility/2006">
+        <mc:Choice xmlns:a14="http://schemas.microsoft.com/office/drawing/2010/main" Requires="a14">
+          <p:sp>
+            <p:nvSpPr>
+              <p:cNvPr id="10" name="テキスト ボックス 9">
+                <a:extLst>
+                  <a:ext uri="{FF2B5EF4-FFF2-40B4-BE49-F238E27FC236}">
+                    <a16:creationId xmlns:a16="http://schemas.microsoft.com/office/drawing/2014/main" id="{5A64952D-7381-8941-6999-7ABEDB159B42}"/>
+                  </a:ext>
+                </a:extLst>
+              </p:cNvPr>
+              <p:cNvSpPr txBox="1"/>
+              <p:nvPr/>
+            </p:nvSpPr>
+            <p:spPr>
+              <a:xfrm>
+                <a:off x="4128029" y="1633261"/>
+                <a:ext cx="437171" cy="369332"/>
+              </a:xfrm>
+              <a:prstGeom prst="rect">
+                <a:avLst/>
+              </a:prstGeom>
+              <a:noFill/>
+            </p:spPr>
+            <p:txBody>
+              <a:bodyPr wrap="none" lIns="0" tIns="0" rIns="0" bIns="0" rtlCol="0">
+                <a:spAutoFit/>
+              </a:bodyPr>
+              <a:lstStyle/>
+              <a:p>
+                <a:pPr/>
+                <a14:m>
+                  <m:oMathPara xmlns:m="http://schemas.openxmlformats.org/officeDocument/2006/math">
+                    <m:oMathParaPr>
+                      <m:jc m:val="centerGroup"/>
+                    </m:oMathParaPr>
+                    <m:oMath xmlns:m="http://schemas.openxmlformats.org/officeDocument/2006/math">
+                      <m:sSub>
+                        <m:sSubPr>
+                          <m:ctrlPr>
+                            <a:rPr kumimoji="1" lang="en-US" altLang="ja-JP" sz="2400" b="0" i="1" smtClean="0">
+                              <a:latin typeface="Cambria Math" panose="02040503050406030204" pitchFamily="18" charset="0"/>
+                            </a:rPr>
+                          </m:ctrlPr>
+                        </m:sSubPr>
+                        <m:e>
+                          <m:r>
+                            <a:rPr kumimoji="1" lang="en-US" altLang="ja-JP" sz="2400" b="0" i="1" smtClean="0">
+                              <a:latin typeface="Cambria Math" panose="02040503050406030204" pitchFamily="18" charset="0"/>
+                            </a:rPr>
+                            <m:t>𝐻</m:t>
+                          </m:r>
+                        </m:e>
+                        <m:sub>
+                          <m:r>
+                            <a:rPr kumimoji="1" lang="en-US" altLang="ja-JP" sz="2400" b="0" i="1" smtClean="0">
+                              <a:latin typeface="Cambria Math" panose="02040503050406030204" pitchFamily="18" charset="0"/>
+                            </a:rPr>
+                            <m:t>2</m:t>
+                          </m:r>
+                        </m:sub>
+                      </m:sSub>
+                    </m:oMath>
+                  </m:oMathPara>
+                </a14:m>
+                <a:endParaRPr kumimoji="1" lang="ja-JP" altLang="en-US" sz="2400" dirty="0"/>
+              </a:p>
+            </p:txBody>
+          </p:sp>
+        </mc:Choice>
+        <mc:Fallback>
+          <p:sp>
+            <p:nvSpPr>
+              <p:cNvPr id="10" name="テキスト ボックス 9">
+                <a:extLst>
+                  <a:ext uri="{FF2B5EF4-FFF2-40B4-BE49-F238E27FC236}">
+                    <a16:creationId xmlns:a16="http://schemas.microsoft.com/office/drawing/2014/main" id="{5A64952D-7381-8941-6999-7ABEDB159B42}"/>
+                  </a:ext>
+                </a:extLst>
+              </p:cNvPr>
+              <p:cNvSpPr txBox="1">
+                <a:spLocks noRot="1" noChangeAspect="1" noMove="1" noResize="1" noEditPoints="1" noAdjustHandles="1" noChangeArrowheads="1" noChangeShapeType="1" noTextEdit="1"/>
+              </p:cNvSpPr>
+              <p:nvPr/>
+            </p:nvSpPr>
+            <p:spPr>
+              <a:xfrm>
+                <a:off x="4128029" y="1633261"/>
+                <a:ext cx="437171" cy="369332"/>
+              </a:xfrm>
+              <a:prstGeom prst="rect">
+                <a:avLst/>
+              </a:prstGeom>
+              <a:blipFill>
+                <a:blip r:embed="rId6"/>
+                <a:stretch>
+                  <a:fillRect l="-13889" r="-1389" b="-11475"/>
+                </a:stretch>
+              </a:blipFill>
+            </p:spPr>
+            <p:txBody>
+              <a:bodyPr/>
+              <a:lstStyle/>
+              <a:p>
+                <a:r>
+                  <a:rPr lang="ja-JP" altLang="en-US">
+                    <a:noFill/>
+                  </a:rPr>
+                  <a:t> </a:t>
+                </a:r>
+              </a:p>
+            </p:txBody>
+          </p:sp>
+        </mc:Fallback>
+      </mc:AlternateContent>
+      <mc:AlternateContent xmlns:mc="http://schemas.openxmlformats.org/markup-compatibility/2006">
+        <mc:Choice xmlns:a14="http://schemas.microsoft.com/office/drawing/2010/main" Requires="a14">
+          <p:sp>
+            <p:nvSpPr>
+              <p:cNvPr id="11" name="テキスト ボックス 10">
+                <a:extLst>
+                  <a:ext uri="{FF2B5EF4-FFF2-40B4-BE49-F238E27FC236}">
+                    <a16:creationId xmlns:a16="http://schemas.microsoft.com/office/drawing/2014/main" id="{0C047052-53EE-ADBE-C692-DD94AB8B71F1}"/>
+                  </a:ext>
+                </a:extLst>
+              </p:cNvPr>
+              <p:cNvSpPr txBox="1"/>
+              <p:nvPr/>
+            </p:nvSpPr>
+            <p:spPr>
+              <a:xfrm>
+                <a:off x="1813771" y="1633261"/>
+                <a:ext cx="893252" cy="369332"/>
+              </a:xfrm>
+              <a:prstGeom prst="rect">
+                <a:avLst/>
+              </a:prstGeom>
+              <a:noFill/>
+            </p:spPr>
+            <p:txBody>
+              <a:bodyPr wrap="none" lIns="0" tIns="0" rIns="0" bIns="0" rtlCol="0">
+                <a:spAutoFit/>
+              </a:bodyPr>
+              <a:lstStyle/>
+              <a:p>
+                <a:pPr/>
+                <a14:m>
+                  <m:oMathPara xmlns:m="http://schemas.openxmlformats.org/officeDocument/2006/math">
+                    <m:oMathParaPr>
+                      <m:jc m:val="centerGroup"/>
+                    </m:oMathParaPr>
+                    <m:oMath xmlns:m="http://schemas.openxmlformats.org/officeDocument/2006/math">
+                      <m:r>
+                        <a:rPr kumimoji="1" lang="en-US" altLang="ja-JP" sz="2400" b="0" i="1" smtClean="0">
+                          <a:latin typeface="Cambria Math" panose="02040503050406030204" pitchFamily="18" charset="0"/>
+                        </a:rPr>
+                        <m:t>𝐴</m:t>
+                      </m:r>
+                      <m:r>
+                        <a:rPr kumimoji="1" lang="en-US" altLang="ja-JP" sz="2400" b="0" i="1" smtClean="0">
+                          <a:latin typeface="Cambria Math" panose="02040503050406030204" pitchFamily="18" charset="0"/>
+                          <a:ea typeface="Cambria Math" panose="02040503050406030204" pitchFamily="18" charset="0"/>
+                        </a:rPr>
+                        <m:t>∩</m:t>
+                      </m:r>
+                      <m:sSub>
+                        <m:sSubPr>
+                          <m:ctrlPr>
+                            <a:rPr lang="en-US" altLang="ja-JP" sz="2400" i="1">
+                              <a:latin typeface="Cambria Math" panose="02040503050406030204" pitchFamily="18" charset="0"/>
+                            </a:rPr>
+                          </m:ctrlPr>
+                        </m:sSubPr>
+                        <m:e>
+                          <m:r>
+                            <a:rPr lang="en-US" altLang="ja-JP" sz="2400" i="1">
+                              <a:latin typeface="Cambria Math" panose="02040503050406030204" pitchFamily="18" charset="0"/>
+                            </a:rPr>
+                            <m:t>𝐻</m:t>
+                          </m:r>
+                        </m:e>
+                        <m:sub>
+                          <m:r>
+                            <a:rPr lang="en-US" altLang="ja-JP" sz="2400" b="0" i="1" smtClean="0">
+                              <a:latin typeface="Cambria Math" panose="02040503050406030204" pitchFamily="18" charset="0"/>
+                            </a:rPr>
+                            <m:t>2</m:t>
+                          </m:r>
+                        </m:sub>
+                      </m:sSub>
+                    </m:oMath>
+                  </m:oMathPara>
+                </a14:m>
+                <a:endParaRPr kumimoji="1" lang="ja-JP" altLang="en-US" sz="2400" dirty="0"/>
+              </a:p>
+            </p:txBody>
+          </p:sp>
+        </mc:Choice>
+        <mc:Fallback>
+          <p:sp>
+            <p:nvSpPr>
+              <p:cNvPr id="11" name="テキスト ボックス 10">
+                <a:extLst>
+                  <a:ext uri="{FF2B5EF4-FFF2-40B4-BE49-F238E27FC236}">
+                    <a16:creationId xmlns:a16="http://schemas.microsoft.com/office/drawing/2014/main" id="{0C047052-53EE-ADBE-C692-DD94AB8B71F1}"/>
+                  </a:ext>
+                </a:extLst>
+              </p:cNvPr>
+              <p:cNvSpPr txBox="1">
+                <a:spLocks noRot="1" noChangeAspect="1" noMove="1" noResize="1" noEditPoints="1" noAdjustHandles="1" noChangeArrowheads="1" noChangeShapeType="1" noTextEdit="1"/>
+              </p:cNvSpPr>
+              <p:nvPr/>
+            </p:nvSpPr>
+            <p:spPr>
+              <a:xfrm>
+                <a:off x="1813771" y="1633261"/>
+                <a:ext cx="893252" cy="369332"/>
+              </a:xfrm>
+              <a:prstGeom prst="rect">
+                <a:avLst/>
+              </a:prstGeom>
+              <a:blipFill>
+                <a:blip r:embed="rId7"/>
+                <a:stretch>
+                  <a:fillRect l="-11644" r="-6164" b="-11475"/>
+                </a:stretch>
+              </a:blipFill>
+            </p:spPr>
+            <p:txBody>
+              <a:bodyPr/>
+              <a:lstStyle/>
+              <a:p>
+                <a:r>
+                  <a:rPr lang="ja-JP" altLang="en-US">
+                    <a:noFill/>
+                  </a:rPr>
+                  <a:t> </a:t>
+                </a:r>
+              </a:p>
+            </p:txBody>
+          </p:sp>
+        </mc:Fallback>
+      </mc:AlternateContent>
+      <p:sp>
+        <p:nvSpPr>
+          <p:cNvPr id="12" name="正方形/長方形 11">
+            <a:extLst>
+              <a:ext uri="{FF2B5EF4-FFF2-40B4-BE49-F238E27FC236}">
+                <a16:creationId xmlns:a16="http://schemas.microsoft.com/office/drawing/2014/main" id="{D0BEC3D2-A566-7608-1C4C-4FBDA038CBA3}"/>
+              </a:ext>
+            </a:extLst>
+          </p:cNvPr>
+          <p:cNvSpPr/>
+          <p:nvPr/>
+        </p:nvSpPr>
+        <p:spPr>
+          <a:xfrm>
+            <a:off x="856397" y="1457927"/>
+            <a:ext cx="4163750" cy="720000"/>
+          </a:xfrm>
+          <a:prstGeom prst="rect">
+            <a:avLst/>
+          </a:prstGeom>
+          <a:solidFill>
+            <a:srgbClr val="E97132">
+              <a:alpha val="20000"/>
+            </a:srgbClr>
+          </a:solidFill>
+          <a:ln>
+            <a:solidFill>
+              <a:schemeClr val="tx1"/>
+            </a:solidFill>
+          </a:ln>
+        </p:spPr>
+        <p:style>
+          <a:lnRef idx="2">
+            <a:schemeClr val="accent1">
+              <a:shade val="15000"/>
+            </a:schemeClr>
+          </a:lnRef>
+          <a:fillRef idx="1">
+            <a:schemeClr val="accent1"/>
+          </a:fillRef>
+          <a:effectRef idx="0">
+            <a:schemeClr val="accent1"/>
+          </a:effectRef>
+          <a:fontRef idx="minor">
+            <a:schemeClr val="lt1"/>
+          </a:fontRef>
+        </p:style>
+        <p:txBody>
+          <a:bodyPr rtlCol="0" anchor="ctr"/>
+          <a:lstStyle/>
+          <a:p>
+            <a:pPr algn="ctr"/>
+            <a:endParaRPr lang="ja-JP" altLang="en-US"/>
+          </a:p>
+        </p:txBody>
+      </p:sp>
+      <mc:AlternateContent xmlns:mc="http://schemas.openxmlformats.org/markup-compatibility/2006">
+        <mc:Choice xmlns:a14="http://schemas.microsoft.com/office/drawing/2010/main" Requires="a14">
+          <p:sp>
+            <p:nvSpPr>
+              <p:cNvPr id="13" name="テキスト ボックス 12">
+                <a:extLst>
+                  <a:ext uri="{FF2B5EF4-FFF2-40B4-BE49-F238E27FC236}">
+                    <a16:creationId xmlns:a16="http://schemas.microsoft.com/office/drawing/2014/main" id="{A4C90B92-B127-B93D-F932-D2845D518036}"/>
+                  </a:ext>
+                </a:extLst>
+              </p:cNvPr>
+              <p:cNvSpPr txBox="1"/>
+              <p:nvPr/>
+            </p:nvSpPr>
+            <p:spPr>
+              <a:xfrm>
+                <a:off x="4118090" y="3137675"/>
+                <a:ext cx="457048" cy="369332"/>
+              </a:xfrm>
+              <a:prstGeom prst="rect">
+                <a:avLst/>
+              </a:prstGeom>
+              <a:noFill/>
+            </p:spPr>
+            <p:txBody>
+              <a:bodyPr wrap="none" lIns="0" tIns="0" rIns="0" bIns="0" rtlCol="0">
+                <a:spAutoFit/>
+              </a:bodyPr>
+              <a:lstStyle/>
+              <a:p>
+                <a:pPr/>
+                <a14:m>
+                  <m:oMathPara xmlns:m="http://schemas.openxmlformats.org/officeDocument/2006/math">
+                    <m:oMathParaPr>
+                      <m:jc m:val="centerGroup"/>
+                    </m:oMathParaPr>
+                    <m:oMath xmlns:m="http://schemas.openxmlformats.org/officeDocument/2006/math">
+                      <m:sSub>
+                        <m:sSubPr>
+                          <m:ctrlPr>
+                            <a:rPr kumimoji="1" lang="en-US" altLang="ja-JP" sz="2400" b="0" i="1" smtClean="0">
+                              <a:latin typeface="Cambria Math" panose="02040503050406030204" pitchFamily="18" charset="0"/>
+                            </a:rPr>
+                          </m:ctrlPr>
+                        </m:sSubPr>
+                        <m:e>
+                          <m:r>
+                            <a:rPr kumimoji="1" lang="en-US" altLang="ja-JP" sz="2400" b="0" i="1" smtClean="0">
+                              <a:latin typeface="Cambria Math" panose="02040503050406030204" pitchFamily="18" charset="0"/>
+                            </a:rPr>
+                            <m:t>𝐻</m:t>
+                          </m:r>
+                        </m:e>
+                        <m:sub>
+                          <m:r>
+                            <a:rPr kumimoji="1" lang="en-US" altLang="ja-JP" sz="2400" b="0" i="1" smtClean="0">
+                              <a:latin typeface="Cambria Math" panose="02040503050406030204" pitchFamily="18" charset="0"/>
+                            </a:rPr>
+                            <m:t>𝑛</m:t>
+                          </m:r>
+                        </m:sub>
+                      </m:sSub>
+                    </m:oMath>
+                  </m:oMathPara>
+                </a14:m>
+                <a:endParaRPr kumimoji="1" lang="ja-JP" altLang="en-US" sz="2400" dirty="0"/>
+              </a:p>
+            </p:txBody>
+          </p:sp>
+        </mc:Choice>
+        <mc:Fallback>
+          <p:sp>
+            <p:nvSpPr>
+              <p:cNvPr id="13" name="テキスト ボックス 12">
+                <a:extLst>
+                  <a:ext uri="{FF2B5EF4-FFF2-40B4-BE49-F238E27FC236}">
+                    <a16:creationId xmlns:a16="http://schemas.microsoft.com/office/drawing/2014/main" id="{A4C90B92-B127-B93D-F932-D2845D518036}"/>
+                  </a:ext>
+                </a:extLst>
+              </p:cNvPr>
+              <p:cNvSpPr txBox="1">
+                <a:spLocks noRot="1" noChangeAspect="1" noMove="1" noResize="1" noEditPoints="1" noAdjustHandles="1" noChangeArrowheads="1" noChangeShapeType="1" noTextEdit="1"/>
+              </p:cNvSpPr>
+              <p:nvPr/>
+            </p:nvSpPr>
+            <p:spPr>
+              <a:xfrm>
+                <a:off x="4118090" y="3137675"/>
+                <a:ext cx="457048" cy="369332"/>
+              </a:xfrm>
+              <a:prstGeom prst="rect">
+                <a:avLst/>
+              </a:prstGeom>
+              <a:blipFill>
+                <a:blip r:embed="rId8"/>
+                <a:stretch>
+                  <a:fillRect l="-14667" b="-8333"/>
+                </a:stretch>
+              </a:blipFill>
+            </p:spPr>
+            <p:txBody>
+              <a:bodyPr/>
+              <a:lstStyle/>
+              <a:p>
+                <a:r>
+                  <a:rPr lang="ja-JP" altLang="en-US">
+                    <a:noFill/>
+                  </a:rPr>
+                  <a:t> </a:t>
+                </a:r>
+              </a:p>
+            </p:txBody>
+          </p:sp>
+        </mc:Fallback>
+      </mc:AlternateContent>
+      <mc:AlternateContent xmlns:mc="http://schemas.openxmlformats.org/markup-compatibility/2006">
+        <mc:Choice xmlns:a14="http://schemas.microsoft.com/office/drawing/2010/main" Requires="a14">
+          <p:sp>
+            <p:nvSpPr>
+              <p:cNvPr id="14" name="テキスト ボックス 13">
+                <a:extLst>
+                  <a:ext uri="{FF2B5EF4-FFF2-40B4-BE49-F238E27FC236}">
+                    <a16:creationId xmlns:a16="http://schemas.microsoft.com/office/drawing/2014/main" id="{4673ACB8-4F94-5F23-2B40-D9480733C491}"/>
+                  </a:ext>
+                </a:extLst>
+              </p:cNvPr>
+              <p:cNvSpPr txBox="1"/>
+              <p:nvPr/>
+            </p:nvSpPr>
+            <p:spPr>
+              <a:xfrm>
+                <a:off x="1804736" y="3137675"/>
+                <a:ext cx="911322" cy="369332"/>
+              </a:xfrm>
+              <a:prstGeom prst="rect">
+                <a:avLst/>
+              </a:prstGeom>
+              <a:noFill/>
+            </p:spPr>
+            <p:txBody>
+              <a:bodyPr wrap="none" lIns="0" tIns="0" rIns="0" bIns="0" rtlCol="0">
+                <a:spAutoFit/>
+              </a:bodyPr>
+              <a:lstStyle/>
+              <a:p>
+                <a:pPr/>
+                <a14:m>
+                  <m:oMathPara xmlns:m="http://schemas.openxmlformats.org/officeDocument/2006/math">
+                    <m:oMathParaPr>
+                      <m:jc m:val="centerGroup"/>
+                    </m:oMathParaPr>
+                    <m:oMath xmlns:m="http://schemas.openxmlformats.org/officeDocument/2006/math">
+                      <m:r>
+                        <a:rPr kumimoji="1" lang="en-US" altLang="ja-JP" sz="2400" b="0" i="1" smtClean="0">
+                          <a:latin typeface="Cambria Math" panose="02040503050406030204" pitchFamily="18" charset="0"/>
+                        </a:rPr>
+                        <m:t>𝐴</m:t>
+                      </m:r>
+                      <m:r>
+                        <a:rPr kumimoji="1" lang="en-US" altLang="ja-JP" sz="2400" b="0" i="1" smtClean="0">
+                          <a:latin typeface="Cambria Math" panose="02040503050406030204" pitchFamily="18" charset="0"/>
+                          <a:ea typeface="Cambria Math" panose="02040503050406030204" pitchFamily="18" charset="0"/>
+                        </a:rPr>
+                        <m:t>∩</m:t>
+                      </m:r>
+                      <m:sSub>
+                        <m:sSubPr>
+                          <m:ctrlPr>
+                            <a:rPr lang="en-US" altLang="ja-JP" sz="2400" i="1">
+                              <a:latin typeface="Cambria Math" panose="02040503050406030204" pitchFamily="18" charset="0"/>
+                            </a:rPr>
+                          </m:ctrlPr>
+                        </m:sSubPr>
+                        <m:e>
+                          <m:r>
+                            <a:rPr lang="en-US" altLang="ja-JP" sz="2400" i="1">
+                              <a:latin typeface="Cambria Math" panose="02040503050406030204" pitchFamily="18" charset="0"/>
+                            </a:rPr>
+                            <m:t>𝐻</m:t>
+                          </m:r>
+                        </m:e>
+                        <m:sub>
+                          <m:r>
+                            <a:rPr lang="en-US" altLang="ja-JP" sz="2400" b="0" i="1" smtClean="0">
+                              <a:latin typeface="Cambria Math" panose="02040503050406030204" pitchFamily="18" charset="0"/>
+                            </a:rPr>
+                            <m:t>𝑛</m:t>
+                          </m:r>
+                        </m:sub>
+                      </m:sSub>
+                    </m:oMath>
+                  </m:oMathPara>
+                </a14:m>
+                <a:endParaRPr kumimoji="1" lang="ja-JP" altLang="en-US" sz="2400" dirty="0"/>
+              </a:p>
+            </p:txBody>
+          </p:sp>
+        </mc:Choice>
+        <mc:Fallback>
+          <p:sp>
+            <p:nvSpPr>
+              <p:cNvPr id="14" name="テキスト ボックス 13">
+                <a:extLst>
+                  <a:ext uri="{FF2B5EF4-FFF2-40B4-BE49-F238E27FC236}">
+                    <a16:creationId xmlns:a16="http://schemas.microsoft.com/office/drawing/2014/main" id="{4673ACB8-4F94-5F23-2B40-D9480733C491}"/>
+                  </a:ext>
+                </a:extLst>
+              </p:cNvPr>
+              <p:cNvSpPr txBox="1">
+                <a:spLocks noRot="1" noChangeAspect="1" noMove="1" noResize="1" noEditPoints="1" noAdjustHandles="1" noChangeArrowheads="1" noChangeShapeType="1" noTextEdit="1"/>
+              </p:cNvSpPr>
+              <p:nvPr/>
+            </p:nvSpPr>
+            <p:spPr>
+              <a:xfrm>
+                <a:off x="1804736" y="3137675"/>
+                <a:ext cx="911322" cy="369332"/>
+              </a:xfrm>
+              <a:prstGeom prst="rect">
+                <a:avLst/>
+              </a:prstGeom>
+              <a:blipFill>
+                <a:blip r:embed="rId9"/>
+                <a:stretch>
+                  <a:fillRect l="-11333" r="-4000" b="-8333"/>
+                </a:stretch>
+              </a:blipFill>
+            </p:spPr>
+            <p:txBody>
+              <a:bodyPr/>
+              <a:lstStyle/>
+              <a:p>
+                <a:r>
+                  <a:rPr lang="ja-JP" altLang="en-US">
+                    <a:noFill/>
+                  </a:rPr>
+                  <a:t> </a:t>
+                </a:r>
+              </a:p>
+            </p:txBody>
+          </p:sp>
+        </mc:Fallback>
+      </mc:AlternateContent>
+      <p:sp>
+        <p:nvSpPr>
+          <p:cNvPr id="15" name="正方形/長方形 14">
+            <a:extLst>
+              <a:ext uri="{FF2B5EF4-FFF2-40B4-BE49-F238E27FC236}">
+                <a16:creationId xmlns:a16="http://schemas.microsoft.com/office/drawing/2014/main" id="{AB200BA2-8709-87FF-7F41-D0A6E1F6A5A9}"/>
+              </a:ext>
+            </a:extLst>
+          </p:cNvPr>
+          <p:cNvSpPr/>
+          <p:nvPr/>
+        </p:nvSpPr>
+        <p:spPr>
+          <a:xfrm>
+            <a:off x="856397" y="2962341"/>
+            <a:ext cx="4163750" cy="720000"/>
+          </a:xfrm>
+          <a:prstGeom prst="rect">
+            <a:avLst/>
+          </a:prstGeom>
+          <a:solidFill>
+            <a:srgbClr val="4EA72E">
+              <a:alpha val="20000"/>
+            </a:srgbClr>
+          </a:solidFill>
+          <a:ln>
+            <a:solidFill>
+              <a:schemeClr val="tx1"/>
+            </a:solidFill>
+          </a:ln>
+        </p:spPr>
+        <p:style>
+          <a:lnRef idx="2">
+            <a:schemeClr val="accent1">
+              <a:shade val="15000"/>
+            </a:schemeClr>
+          </a:lnRef>
+          <a:fillRef idx="1">
+            <a:schemeClr val="accent1"/>
+          </a:fillRef>
+          <a:effectRef idx="0">
+            <a:schemeClr val="accent1"/>
+          </a:effectRef>
+          <a:fontRef idx="minor">
+            <a:schemeClr val="lt1"/>
+          </a:fontRef>
+        </p:style>
+        <p:txBody>
+          <a:bodyPr rtlCol="0" anchor="ctr"/>
+          <a:lstStyle/>
+          <a:p>
+            <a:pPr algn="ctr"/>
+            <a:endParaRPr lang="ja-JP" altLang="en-US"/>
+          </a:p>
+        </p:txBody>
+      </p:sp>
+      <p:grpSp>
+        <p:nvGrpSpPr>
+          <p:cNvPr id="22" name="グループ化 21">
+            <a:extLst>
+              <a:ext uri="{FF2B5EF4-FFF2-40B4-BE49-F238E27FC236}">
+                <a16:creationId xmlns:a16="http://schemas.microsoft.com/office/drawing/2014/main" id="{31E7B140-1592-E9F5-488B-C9BE0DF6FF30}"/>
+              </a:ext>
+            </a:extLst>
+          </p:cNvPr>
+          <p:cNvGrpSpPr/>
+          <p:nvPr/>
+        </p:nvGrpSpPr>
+        <p:grpSpPr>
+          <a:xfrm>
+            <a:off x="4310988" y="2403407"/>
+            <a:ext cx="71252" cy="337952"/>
+            <a:chOff x="6282047" y="2838203"/>
+            <a:chExt cx="71252" cy="337952"/>
+          </a:xfrm>
+        </p:grpSpPr>
+        <p:sp>
+          <p:nvSpPr>
+            <p:cNvPr id="19" name="楕円 18">
+              <a:extLst>
+                <a:ext uri="{FF2B5EF4-FFF2-40B4-BE49-F238E27FC236}">
+                  <a16:creationId xmlns:a16="http://schemas.microsoft.com/office/drawing/2014/main" id="{D3C2A730-6FE5-8CD8-FB1C-09B7122DEFA1}"/>
+                </a:ext>
+              </a:extLst>
+            </p:cNvPr>
+            <p:cNvSpPr/>
+            <p:nvPr/>
+          </p:nvSpPr>
+          <p:spPr>
+            <a:xfrm>
+              <a:off x="6282047" y="2838203"/>
+              <a:ext cx="71252" cy="71252"/>
+            </a:xfrm>
+            <a:prstGeom prst="ellipse">
+              <a:avLst/>
+            </a:prstGeom>
+            <a:solidFill>
+              <a:schemeClr val="tx1"/>
+            </a:solidFill>
+            <a:ln>
+              <a:solidFill>
+                <a:schemeClr val="tx1"/>
+              </a:solidFill>
+            </a:ln>
+          </p:spPr>
+          <p:style>
+            <a:lnRef idx="2">
+              <a:schemeClr val="accent1">
+                <a:shade val="15000"/>
+              </a:schemeClr>
+            </a:lnRef>
+            <a:fillRef idx="1">
+              <a:schemeClr val="accent1"/>
+            </a:fillRef>
+            <a:effectRef idx="0">
+              <a:schemeClr val="accent1"/>
+            </a:effectRef>
+            <a:fontRef idx="minor">
+              <a:schemeClr val="lt1"/>
+            </a:fontRef>
+          </p:style>
+          <p:txBody>
+            <a:bodyPr rtlCol="0" anchor="ctr"/>
+            <a:lstStyle/>
+            <a:p>
+              <a:pPr algn="ctr"/>
+              <a:endParaRPr kumimoji="1" lang="ja-JP" altLang="en-US"/>
+            </a:p>
+          </p:txBody>
+        </p:sp>
+        <p:sp>
+          <p:nvSpPr>
+            <p:cNvPr id="20" name="楕円 19">
+              <a:extLst>
+                <a:ext uri="{FF2B5EF4-FFF2-40B4-BE49-F238E27FC236}">
+                  <a16:creationId xmlns:a16="http://schemas.microsoft.com/office/drawing/2014/main" id="{110DBA02-4D0A-59C6-644E-1A770C0947C0}"/>
+                </a:ext>
+              </a:extLst>
+            </p:cNvPr>
+            <p:cNvSpPr/>
+            <p:nvPr/>
+          </p:nvSpPr>
+          <p:spPr>
+            <a:xfrm>
+              <a:off x="6282047" y="2971553"/>
+              <a:ext cx="71252" cy="71252"/>
+            </a:xfrm>
+            <a:prstGeom prst="ellipse">
+              <a:avLst/>
+            </a:prstGeom>
+            <a:solidFill>
+              <a:schemeClr val="tx1"/>
+            </a:solidFill>
+            <a:ln>
+              <a:solidFill>
+                <a:schemeClr val="tx1"/>
+              </a:solidFill>
+            </a:ln>
+          </p:spPr>
+          <p:style>
+            <a:lnRef idx="2">
+              <a:schemeClr val="accent1">
+                <a:shade val="15000"/>
+              </a:schemeClr>
+            </a:lnRef>
+            <a:fillRef idx="1">
+              <a:schemeClr val="accent1"/>
+            </a:fillRef>
+            <a:effectRef idx="0">
+              <a:schemeClr val="accent1"/>
+            </a:effectRef>
+            <a:fontRef idx="minor">
+              <a:schemeClr val="lt1"/>
+            </a:fontRef>
+          </p:style>
+          <p:txBody>
+            <a:bodyPr rtlCol="0" anchor="ctr"/>
+            <a:lstStyle/>
+            <a:p>
+              <a:pPr algn="ctr"/>
+              <a:endParaRPr kumimoji="1" lang="ja-JP" altLang="en-US"/>
+            </a:p>
+          </p:txBody>
+        </p:sp>
+        <p:sp>
+          <p:nvSpPr>
+            <p:cNvPr id="21" name="楕円 20">
+              <a:extLst>
+                <a:ext uri="{FF2B5EF4-FFF2-40B4-BE49-F238E27FC236}">
+                  <a16:creationId xmlns:a16="http://schemas.microsoft.com/office/drawing/2014/main" id="{529F41A5-3AB9-18DB-9028-A0B252EF3B7F}"/>
+                </a:ext>
+              </a:extLst>
+            </p:cNvPr>
+            <p:cNvSpPr/>
+            <p:nvPr/>
+          </p:nvSpPr>
+          <p:spPr>
+            <a:xfrm>
+              <a:off x="6282047" y="3104903"/>
+              <a:ext cx="71252" cy="71252"/>
+            </a:xfrm>
+            <a:prstGeom prst="ellipse">
+              <a:avLst/>
+            </a:prstGeom>
+            <a:solidFill>
+              <a:schemeClr val="tx1"/>
+            </a:solidFill>
+            <a:ln>
+              <a:solidFill>
+                <a:schemeClr val="tx1"/>
+              </a:solidFill>
+            </a:ln>
+          </p:spPr>
+          <p:style>
+            <a:lnRef idx="2">
+              <a:schemeClr val="accent1">
+                <a:shade val="15000"/>
+              </a:schemeClr>
+            </a:lnRef>
+            <a:fillRef idx="1">
+              <a:schemeClr val="accent1"/>
+            </a:fillRef>
+            <a:effectRef idx="0">
+              <a:schemeClr val="accent1"/>
+            </a:effectRef>
+            <a:fontRef idx="minor">
+              <a:schemeClr val="lt1"/>
+            </a:fontRef>
+          </p:style>
+          <p:txBody>
+            <a:bodyPr rtlCol="0" anchor="ctr"/>
+            <a:lstStyle/>
+            <a:p>
+              <a:pPr algn="ctr"/>
+              <a:endParaRPr kumimoji="1" lang="ja-JP" altLang="en-US"/>
+            </a:p>
+          </p:txBody>
+        </p:sp>
+      </p:grpSp>
+      <p:sp>
+        <p:nvSpPr>
+          <p:cNvPr id="3" name="正方形/長方形 2">
+            <a:extLst>
+              <a:ext uri="{FF2B5EF4-FFF2-40B4-BE49-F238E27FC236}">
+                <a16:creationId xmlns:a16="http://schemas.microsoft.com/office/drawing/2014/main" id="{78799007-FD1B-A7F3-6794-D98CEE116115}"/>
+              </a:ext>
+            </a:extLst>
+          </p:cNvPr>
+          <p:cNvSpPr/>
+          <p:nvPr/>
+        </p:nvSpPr>
+        <p:spPr>
+          <a:xfrm>
+            <a:off x="856397" y="750672"/>
+            <a:ext cx="2808000" cy="2931669"/>
+          </a:xfrm>
+          <a:prstGeom prst="rect">
+            <a:avLst/>
+          </a:prstGeom>
+          <a:noFill/>
+          <a:ln w="57150">
+            <a:solidFill>
+              <a:schemeClr val="tx1"/>
+            </a:solidFill>
+          </a:ln>
+        </p:spPr>
+        <p:style>
+          <a:lnRef idx="2">
+            <a:schemeClr val="accent1">
+              <a:shade val="15000"/>
+            </a:schemeClr>
+          </a:lnRef>
+          <a:fillRef idx="1">
+            <a:schemeClr val="accent1"/>
+          </a:fillRef>
+          <a:effectRef idx="0">
+            <a:schemeClr val="accent1"/>
+          </a:effectRef>
+          <a:fontRef idx="minor">
+            <a:schemeClr val="lt1"/>
+          </a:fontRef>
+        </p:style>
+        <p:txBody>
+          <a:bodyPr rtlCol="0" anchor="ctr"/>
+          <a:lstStyle/>
+          <a:p>
+            <a:pPr algn="ctr"/>
+            <a:endParaRPr lang="ja-JP" altLang="en-US"/>
+          </a:p>
+        </p:txBody>
+      </p:sp>
+    </p:spTree>
+    <p:extLst>
+      <p:ext uri="{BB962C8B-B14F-4D97-AF65-F5344CB8AC3E}">
+        <p14:creationId xmlns:p14="http://schemas.microsoft.com/office/powerpoint/2010/main" val="2310612156"/>
       </p:ext>
     </p:extLst>
   </p:cSld>

--- a/stat/bayes theorem and PCR test.pptx
+++ b/stat/bayes theorem and PCR test.pptx
@@ -7,6 +7,7 @@
   <p:sldIdLst>
     <p:sldId id="256" r:id="rId2"/>
     <p:sldId id="257" r:id="rId3"/>
+    <p:sldId id="258" r:id="rId4"/>
   </p:sldIdLst>
   <p:sldSz cx="12192000" cy="6858000"/>
   <p:notesSz cx="6858000" cy="9144000"/>
@@ -260,7 +261,7 @@
           <a:p>
             <a:fld id="{2C686577-0B07-4659-A689-95AC7CAE39AB}" type="datetimeFigureOut">
               <a:rPr kumimoji="1" lang="ja-JP" altLang="en-US" smtClean="0"/>
-              <a:t>2025/2/18</a:t>
+              <a:t>2025/2/21</a:t>
             </a:fld>
             <a:endParaRPr kumimoji="1" lang="ja-JP" altLang="en-US"/>
           </a:p>
@@ -490,7 +491,7 @@
           <a:p>
             <a:fld id="{2C686577-0B07-4659-A689-95AC7CAE39AB}" type="datetimeFigureOut">
               <a:rPr kumimoji="1" lang="ja-JP" altLang="en-US" smtClean="0"/>
-              <a:t>2025/2/18</a:t>
+              <a:t>2025/2/21</a:t>
             </a:fld>
             <a:endParaRPr kumimoji="1" lang="ja-JP" altLang="en-US"/>
           </a:p>
@@ -730,7 +731,7 @@
           <a:p>
             <a:fld id="{2C686577-0B07-4659-A689-95AC7CAE39AB}" type="datetimeFigureOut">
               <a:rPr kumimoji="1" lang="ja-JP" altLang="en-US" smtClean="0"/>
-              <a:t>2025/2/18</a:t>
+              <a:t>2025/2/21</a:t>
             </a:fld>
             <a:endParaRPr kumimoji="1" lang="ja-JP" altLang="en-US"/>
           </a:p>
@@ -960,7 +961,7 @@
           <a:p>
             <a:fld id="{2C686577-0B07-4659-A689-95AC7CAE39AB}" type="datetimeFigureOut">
               <a:rPr kumimoji="1" lang="ja-JP" altLang="en-US" smtClean="0"/>
-              <a:t>2025/2/18</a:t>
+              <a:t>2025/2/21</a:t>
             </a:fld>
             <a:endParaRPr kumimoji="1" lang="ja-JP" altLang="en-US"/>
           </a:p>
@@ -1235,7 +1236,7 @@
           <a:p>
             <a:fld id="{2C686577-0B07-4659-A689-95AC7CAE39AB}" type="datetimeFigureOut">
               <a:rPr kumimoji="1" lang="ja-JP" altLang="en-US" smtClean="0"/>
-              <a:t>2025/2/18</a:t>
+              <a:t>2025/2/21</a:t>
             </a:fld>
             <a:endParaRPr kumimoji="1" lang="ja-JP" altLang="en-US"/>
           </a:p>
@@ -1564,7 +1565,7 @@
           <a:p>
             <a:fld id="{2C686577-0B07-4659-A689-95AC7CAE39AB}" type="datetimeFigureOut">
               <a:rPr kumimoji="1" lang="ja-JP" altLang="en-US" smtClean="0"/>
-              <a:t>2025/2/18</a:t>
+              <a:t>2025/2/21</a:t>
             </a:fld>
             <a:endParaRPr kumimoji="1" lang="ja-JP" altLang="en-US"/>
           </a:p>
@@ -2040,7 +2041,7 @@
           <a:p>
             <a:fld id="{2C686577-0B07-4659-A689-95AC7CAE39AB}" type="datetimeFigureOut">
               <a:rPr kumimoji="1" lang="ja-JP" altLang="en-US" smtClean="0"/>
-              <a:t>2025/2/18</a:t>
+              <a:t>2025/2/21</a:t>
             </a:fld>
             <a:endParaRPr kumimoji="1" lang="ja-JP" altLang="en-US"/>
           </a:p>
@@ -2181,7 +2182,7 @@
           <a:p>
             <a:fld id="{2C686577-0B07-4659-A689-95AC7CAE39AB}" type="datetimeFigureOut">
               <a:rPr kumimoji="1" lang="ja-JP" altLang="en-US" smtClean="0"/>
-              <a:t>2025/2/18</a:t>
+              <a:t>2025/2/21</a:t>
             </a:fld>
             <a:endParaRPr kumimoji="1" lang="ja-JP" altLang="en-US"/>
           </a:p>
@@ -2294,7 +2295,7 @@
           <a:p>
             <a:fld id="{2C686577-0B07-4659-A689-95AC7CAE39AB}" type="datetimeFigureOut">
               <a:rPr kumimoji="1" lang="ja-JP" altLang="en-US" smtClean="0"/>
-              <a:t>2025/2/18</a:t>
+              <a:t>2025/2/21</a:t>
             </a:fld>
             <a:endParaRPr kumimoji="1" lang="ja-JP" altLang="en-US"/>
           </a:p>
@@ -2637,7 +2638,7 @@
           <a:p>
             <a:fld id="{2C686577-0B07-4659-A689-95AC7CAE39AB}" type="datetimeFigureOut">
               <a:rPr kumimoji="1" lang="ja-JP" altLang="en-US" smtClean="0"/>
-              <a:t>2025/2/18</a:t>
+              <a:t>2025/2/21</a:t>
             </a:fld>
             <a:endParaRPr kumimoji="1" lang="ja-JP" altLang="en-US"/>
           </a:p>
@@ -2925,7 +2926,7 @@
           <a:p>
             <a:fld id="{2C686577-0B07-4659-A689-95AC7CAE39AB}" type="datetimeFigureOut">
               <a:rPr kumimoji="1" lang="ja-JP" altLang="en-US" smtClean="0"/>
-              <a:t>2025/2/18</a:t>
+              <a:t>2025/2/21</a:t>
             </a:fld>
             <a:endParaRPr kumimoji="1" lang="ja-JP" altLang="en-US"/>
           </a:p>
@@ -3198,7 +3199,7 @@
           <a:p>
             <a:fld id="{2C686577-0B07-4659-A689-95AC7CAE39AB}" type="datetimeFigureOut">
               <a:rPr kumimoji="1" lang="ja-JP" altLang="en-US" smtClean="0"/>
-              <a:t>2025/2/18</a:t>
+              <a:t>2025/2/21</a:t>
             </a:fld>
             <a:endParaRPr kumimoji="1" lang="ja-JP" altLang="en-US"/>
           </a:p>
@@ -3667,8 +3668,8 @@
           </a:p>
         </p:txBody>
       </p:sp>
-      <mc:AlternateContent xmlns:mc="http://schemas.openxmlformats.org/markup-compatibility/2006">
-        <mc:Choice xmlns:a14="http://schemas.microsoft.com/office/drawing/2010/main" Requires="a14">
+      <mc:AlternateContent xmlns:mc="http://schemas.openxmlformats.org/markup-compatibility/2006" xmlns:a14="http://schemas.microsoft.com/office/drawing/2010/main">
+        <mc:Choice Requires="a14">
           <p:sp>
             <p:nvSpPr>
               <p:cNvPr id="4" name="テキスト ボックス 3">
@@ -3697,6 +3698,7 @@
               </a:bodyPr>
               <a:lstStyle/>
               <a:p>
+                <a:pPr/>
                 <a14:m>
                   <m:oMathPara xmlns:m="http://schemas.openxmlformats.org/officeDocument/2006/math">
                     <m:oMathParaPr>
@@ -3728,7 +3730,7 @@
             </p:txBody>
           </p:sp>
         </mc:Choice>
-        <mc:Fallback>
+        <mc:Fallback xmlns="">
           <p:sp>
             <p:nvSpPr>
               <p:cNvPr id="4" name="テキスト ボックス 3">
@@ -3773,8 +3775,8 @@
           </p:sp>
         </mc:Fallback>
       </mc:AlternateContent>
-      <mc:AlternateContent xmlns:mc="http://schemas.openxmlformats.org/markup-compatibility/2006">
-        <mc:Choice xmlns:a14="http://schemas.microsoft.com/office/drawing/2010/main" Requires="a14">
+      <mc:AlternateContent xmlns:mc="http://schemas.openxmlformats.org/markup-compatibility/2006" xmlns:a14="http://schemas.microsoft.com/office/drawing/2010/main">
+        <mc:Choice Requires="a14">
           <p:sp>
             <p:nvSpPr>
               <p:cNvPr id="5" name="テキスト ボックス 4">
@@ -3825,7 +3827,7 @@
             </p:txBody>
           </p:sp>
         </mc:Choice>
-        <mc:Fallback>
+        <mc:Fallback xmlns="">
           <p:sp>
             <p:nvSpPr>
               <p:cNvPr id="5" name="テキスト ボックス 4">
@@ -3870,8 +3872,8 @@
           </p:sp>
         </mc:Fallback>
       </mc:AlternateContent>
-      <mc:AlternateContent xmlns:mc="http://schemas.openxmlformats.org/markup-compatibility/2006">
-        <mc:Choice xmlns:a14="http://schemas.microsoft.com/office/drawing/2010/main" Requires="a14">
+      <mc:AlternateContent xmlns:mc="http://schemas.openxmlformats.org/markup-compatibility/2006" xmlns:a14="http://schemas.microsoft.com/office/drawing/2010/main">
+        <mc:Choice Requires="a14">
           <p:sp>
             <p:nvSpPr>
               <p:cNvPr id="6" name="テキスト ボックス 5">
@@ -3921,7 +3923,7 @@
             </p:txBody>
           </p:sp>
         </mc:Choice>
-        <mc:Fallback>
+        <mc:Fallback xmlns="">
           <p:sp>
             <p:nvSpPr>
               <p:cNvPr id="6" name="テキスト ボックス 5">
@@ -4018,8 +4020,8 @@
           </a:p>
         </p:txBody>
       </p:sp>
-      <mc:AlternateContent xmlns:mc="http://schemas.openxmlformats.org/markup-compatibility/2006">
-        <mc:Choice xmlns:a14="http://schemas.microsoft.com/office/drawing/2010/main" Requires="a14">
+      <mc:AlternateContent xmlns:mc="http://schemas.openxmlformats.org/markup-compatibility/2006" xmlns:a14="http://schemas.microsoft.com/office/drawing/2010/main">
+        <mc:Choice Requires="a14">
           <p:sp>
             <p:nvSpPr>
               <p:cNvPr id="9" name="テキスト ボックス 8">
@@ -4082,7 +4084,7 @@
             </p:txBody>
           </p:sp>
         </mc:Choice>
-        <mc:Fallback>
+        <mc:Fallback xmlns="">
           <p:sp>
             <p:nvSpPr>
               <p:cNvPr id="9" name="テキスト ボックス 8">
@@ -4163,8 +4165,8 @@
           <a:chExt cx="0" cy="0"/>
         </a:xfrm>
       </p:grpSpPr>
-      <mc:AlternateContent xmlns:mc="http://schemas.openxmlformats.org/markup-compatibility/2006">
-        <mc:Choice xmlns:a14="http://schemas.microsoft.com/office/drawing/2010/main" Requires="a14">
+      <mc:AlternateContent xmlns:mc="http://schemas.openxmlformats.org/markup-compatibility/2006" xmlns:a14="http://schemas.microsoft.com/office/drawing/2010/main">
+        <mc:Choice Requires="a14">
           <p:sp>
             <p:nvSpPr>
               <p:cNvPr id="4" name="テキスト ボックス 3">
@@ -4193,6 +4195,7 @@
               </a:bodyPr>
               <a:lstStyle/>
               <a:p>
+                <a:pPr/>
                 <a14:m>
                   <m:oMathPara xmlns:m="http://schemas.openxmlformats.org/officeDocument/2006/math">
                     <m:oMathParaPr>
@@ -4224,7 +4227,7 @@
             </p:txBody>
           </p:sp>
         </mc:Choice>
-        <mc:Fallback>
+        <mc:Fallback xmlns="">
           <p:sp>
             <p:nvSpPr>
               <p:cNvPr id="4" name="テキスト ボックス 3">
@@ -4269,8 +4272,8 @@
           </p:sp>
         </mc:Fallback>
       </mc:AlternateContent>
-      <mc:AlternateContent xmlns:mc="http://schemas.openxmlformats.org/markup-compatibility/2006">
-        <mc:Choice xmlns:a14="http://schemas.microsoft.com/office/drawing/2010/main" Requires="a14">
+      <mc:AlternateContent xmlns:mc="http://schemas.openxmlformats.org/markup-compatibility/2006" xmlns:a14="http://schemas.microsoft.com/office/drawing/2010/main">
+        <mc:Choice Requires="a14">
           <p:sp>
             <p:nvSpPr>
               <p:cNvPr id="5" name="テキスト ボックス 4">
@@ -4321,7 +4324,7 @@
             </p:txBody>
           </p:sp>
         </mc:Choice>
-        <mc:Fallback>
+        <mc:Fallback xmlns="">
           <p:sp>
             <p:nvSpPr>
               <p:cNvPr id="5" name="テキスト ボックス 4">
@@ -4366,8 +4369,8 @@
           </p:sp>
         </mc:Fallback>
       </mc:AlternateContent>
-      <mc:AlternateContent xmlns:mc="http://schemas.openxmlformats.org/markup-compatibility/2006">
-        <mc:Choice xmlns:a14="http://schemas.microsoft.com/office/drawing/2010/main" Requires="a14">
+      <mc:AlternateContent xmlns:mc="http://schemas.openxmlformats.org/markup-compatibility/2006" xmlns:a14="http://schemas.microsoft.com/office/drawing/2010/main">
+        <mc:Choice Requires="a14">
           <p:sp>
             <p:nvSpPr>
               <p:cNvPr id="6" name="テキスト ボックス 5">
@@ -4436,7 +4439,7 @@
             </p:txBody>
           </p:sp>
         </mc:Choice>
-        <mc:Fallback>
+        <mc:Fallback xmlns="">
           <p:sp>
             <p:nvSpPr>
               <p:cNvPr id="6" name="テキスト ボックス 5">
@@ -4481,8 +4484,8 @@
           </p:sp>
         </mc:Fallback>
       </mc:AlternateContent>
-      <mc:AlternateContent xmlns:mc="http://schemas.openxmlformats.org/markup-compatibility/2006">
-        <mc:Choice xmlns:a14="http://schemas.microsoft.com/office/drawing/2010/main" Requires="a14">
+      <mc:AlternateContent xmlns:mc="http://schemas.openxmlformats.org/markup-compatibility/2006" xmlns:a14="http://schemas.microsoft.com/office/drawing/2010/main">
+        <mc:Choice Requires="a14">
           <p:sp>
             <p:nvSpPr>
               <p:cNvPr id="9" name="テキスト ボックス 8">
@@ -4564,7 +4567,7 @@
             </p:txBody>
           </p:sp>
         </mc:Choice>
-        <mc:Fallback>
+        <mc:Fallback xmlns="">
           <p:sp>
             <p:nvSpPr>
               <p:cNvPr id="9" name="テキスト ボックス 8">
@@ -4623,7 +4626,7 @@
         </p:nvSpPr>
         <p:spPr>
           <a:xfrm>
-            <a:off x="843697" y="742419"/>
+            <a:off x="844147" y="2981603"/>
             <a:ext cx="4176000" cy="720000"/>
           </a:xfrm>
           <a:prstGeom prst="rect">
@@ -4665,8 +4668,8 @@
           </a:p>
         </p:txBody>
       </p:sp>
-      <mc:AlternateContent xmlns:mc="http://schemas.openxmlformats.org/markup-compatibility/2006">
-        <mc:Choice xmlns:a14="http://schemas.microsoft.com/office/drawing/2010/main" Requires="a14">
+      <mc:AlternateContent xmlns:mc="http://schemas.openxmlformats.org/markup-compatibility/2006" xmlns:a14="http://schemas.microsoft.com/office/drawing/2010/main">
+        <mc:Choice Requires="a14">
           <p:sp>
             <p:nvSpPr>
               <p:cNvPr id="10" name="テキスト ボックス 9">
@@ -4735,7 +4738,7 @@
             </p:txBody>
           </p:sp>
         </mc:Choice>
-        <mc:Fallback>
+        <mc:Fallback xmlns="">
           <p:sp>
             <p:nvSpPr>
               <p:cNvPr id="10" name="テキスト ボックス 9">
@@ -4780,8 +4783,8 @@
           </p:sp>
         </mc:Fallback>
       </mc:AlternateContent>
-      <mc:AlternateContent xmlns:mc="http://schemas.openxmlformats.org/markup-compatibility/2006">
-        <mc:Choice xmlns:a14="http://schemas.microsoft.com/office/drawing/2010/main" Requires="a14">
+      <mc:AlternateContent xmlns:mc="http://schemas.openxmlformats.org/markup-compatibility/2006" xmlns:a14="http://schemas.microsoft.com/office/drawing/2010/main">
+        <mc:Choice Requires="a14">
           <p:sp>
             <p:nvSpPr>
               <p:cNvPr id="11" name="テキスト ボックス 10">
@@ -4863,7 +4866,7 @@
             </p:txBody>
           </p:sp>
         </mc:Choice>
-        <mc:Fallback>
+        <mc:Fallback xmlns="">
           <p:sp>
             <p:nvSpPr>
               <p:cNvPr id="11" name="テキスト ボックス 10">
@@ -4922,7 +4925,7 @@
         </p:nvSpPr>
         <p:spPr>
           <a:xfrm>
-            <a:off x="856397" y="1457927"/>
+            <a:off x="856397" y="756208"/>
             <a:ext cx="4163750" cy="720000"/>
           </a:xfrm>
           <a:prstGeom prst="rect">
@@ -4964,8 +4967,8 @@
           </a:p>
         </p:txBody>
       </p:sp>
-      <mc:AlternateContent xmlns:mc="http://schemas.openxmlformats.org/markup-compatibility/2006">
-        <mc:Choice xmlns:a14="http://schemas.microsoft.com/office/drawing/2010/main" Requires="a14">
+      <mc:AlternateContent xmlns:mc="http://schemas.openxmlformats.org/markup-compatibility/2006" xmlns:a14="http://schemas.microsoft.com/office/drawing/2010/main">
+        <mc:Choice Requires="a14">
           <p:sp>
             <p:nvSpPr>
               <p:cNvPr id="13" name="テキスト ボックス 12">
@@ -5034,7 +5037,7 @@
             </p:txBody>
           </p:sp>
         </mc:Choice>
-        <mc:Fallback>
+        <mc:Fallback xmlns="">
           <p:sp>
             <p:nvSpPr>
               <p:cNvPr id="13" name="テキスト ボックス 12">
@@ -5079,8 +5082,8 @@
           </p:sp>
         </mc:Fallback>
       </mc:AlternateContent>
-      <mc:AlternateContent xmlns:mc="http://schemas.openxmlformats.org/markup-compatibility/2006">
-        <mc:Choice xmlns:a14="http://schemas.microsoft.com/office/drawing/2010/main" Requires="a14">
+      <mc:AlternateContent xmlns:mc="http://schemas.openxmlformats.org/markup-compatibility/2006" xmlns:a14="http://schemas.microsoft.com/office/drawing/2010/main">
+        <mc:Choice Requires="a14">
           <p:sp>
             <p:nvSpPr>
               <p:cNvPr id="14" name="テキスト ボックス 13">
@@ -5162,7 +5165,7 @@
             </p:txBody>
           </p:sp>
         </mc:Choice>
-        <mc:Fallback>
+        <mc:Fallback xmlns="">
           <p:sp>
             <p:nvSpPr>
               <p:cNvPr id="14" name="テキスト ボックス 13">
@@ -5221,7 +5224,7 @@
         </p:nvSpPr>
         <p:spPr>
           <a:xfrm>
-            <a:off x="856397" y="2962341"/>
+            <a:off x="856397" y="1477220"/>
             <a:ext cx="4163750" cy="720000"/>
           </a:xfrm>
           <a:prstGeom prst="rect">
@@ -5502,6 +5505,3243 @@
     <p:extLst>
       <p:ext uri="{BB962C8B-B14F-4D97-AF65-F5344CB8AC3E}">
         <p14:creationId xmlns:p14="http://schemas.microsoft.com/office/powerpoint/2010/main" val="2310612156"/>
+      </p:ext>
+    </p:extLst>
+  </p:cSld>
+  <p:clrMapOvr>
+    <a:masterClrMapping/>
+  </p:clrMapOvr>
+</p:sld>
+</file>
+
+<file path=ppt/slides/slide3.xml><?xml version="1.0" encoding="utf-8"?>
+<p:sld xmlns:a="http://schemas.openxmlformats.org/drawingml/2006/main" xmlns:r="http://schemas.openxmlformats.org/officeDocument/2006/relationships" xmlns:p="http://schemas.openxmlformats.org/presentationml/2006/main">
+  <p:cSld>
+    <p:spTree>
+      <p:nvGrpSpPr>
+        <p:cNvPr id="1" name="">
+          <a:extLst>
+            <a:ext uri="{FF2B5EF4-FFF2-40B4-BE49-F238E27FC236}">
+              <a16:creationId xmlns:a16="http://schemas.microsoft.com/office/drawing/2014/main" id="{C697ADC7-17F2-39AC-F631-5F2FE2158DE5}"/>
+            </a:ext>
+          </a:extLst>
+        </p:cNvPr>
+        <p:cNvGrpSpPr/>
+        <p:nvPr/>
+      </p:nvGrpSpPr>
+      <p:grpSpPr>
+        <a:xfrm>
+          <a:off x="0" y="0"/>
+          <a:ext cx="0" cy="0"/>
+          <a:chOff x="0" y="0"/>
+          <a:chExt cx="0" cy="0"/>
+        </a:xfrm>
+      </p:grpSpPr>
+      <p:sp>
+        <p:nvSpPr>
+          <p:cNvPr id="18" name="正方形/長方形 17">
+            <a:extLst>
+              <a:ext uri="{FF2B5EF4-FFF2-40B4-BE49-F238E27FC236}">
+                <a16:creationId xmlns:a16="http://schemas.microsoft.com/office/drawing/2014/main" id="{BA78EB91-50C5-0D0F-964B-7BF94C1DCED4}"/>
+              </a:ext>
+            </a:extLst>
+          </p:cNvPr>
+          <p:cNvSpPr/>
+          <p:nvPr/>
+        </p:nvSpPr>
+        <p:spPr>
+          <a:xfrm>
+            <a:off x="256010" y="2013825"/>
+            <a:ext cx="4957262" cy="1080000"/>
+          </a:xfrm>
+          <a:prstGeom prst="rect">
+            <a:avLst/>
+          </a:prstGeom>
+          <a:solidFill>
+            <a:srgbClr val="E97132">
+              <a:alpha val="20000"/>
+            </a:srgbClr>
+          </a:solidFill>
+          <a:ln>
+            <a:solidFill>
+              <a:schemeClr val="tx1"/>
+            </a:solidFill>
+          </a:ln>
+        </p:spPr>
+        <p:style>
+          <a:lnRef idx="2">
+            <a:schemeClr val="accent1">
+              <a:shade val="15000"/>
+            </a:schemeClr>
+          </a:lnRef>
+          <a:fillRef idx="1">
+            <a:schemeClr val="accent1"/>
+          </a:fillRef>
+          <a:effectRef idx="0">
+            <a:schemeClr val="accent1"/>
+          </a:effectRef>
+          <a:fontRef idx="minor">
+            <a:schemeClr val="lt1"/>
+          </a:fontRef>
+        </p:style>
+        <p:txBody>
+          <a:bodyPr rtlCol="0" anchor="ctr"/>
+          <a:lstStyle/>
+          <a:p>
+            <a:pPr algn="ctr"/>
+            <a:endParaRPr lang="ja-JP" altLang="en-US"/>
+          </a:p>
+        </p:txBody>
+      </p:sp>
+      <p:sp>
+        <p:nvSpPr>
+          <p:cNvPr id="23" name="正方形/長方形 22">
+            <a:extLst>
+              <a:ext uri="{FF2B5EF4-FFF2-40B4-BE49-F238E27FC236}">
+                <a16:creationId xmlns:a16="http://schemas.microsoft.com/office/drawing/2014/main" id="{E3FB1E36-348D-BAFF-4E8E-0CAF3F03ED26}"/>
+              </a:ext>
+            </a:extLst>
+          </p:cNvPr>
+          <p:cNvSpPr/>
+          <p:nvPr/>
+        </p:nvSpPr>
+        <p:spPr>
+          <a:xfrm>
+            <a:off x="256010" y="3102975"/>
+            <a:ext cx="4957262" cy="2520000"/>
+          </a:xfrm>
+          <a:prstGeom prst="rect">
+            <a:avLst/>
+          </a:prstGeom>
+          <a:solidFill>
+            <a:srgbClr val="4EA72E">
+              <a:alpha val="20000"/>
+            </a:srgbClr>
+          </a:solidFill>
+          <a:ln>
+            <a:solidFill>
+              <a:schemeClr val="tx1"/>
+            </a:solidFill>
+          </a:ln>
+        </p:spPr>
+        <p:style>
+          <a:lnRef idx="2">
+            <a:schemeClr val="accent1">
+              <a:shade val="15000"/>
+            </a:schemeClr>
+          </a:lnRef>
+          <a:fillRef idx="1">
+            <a:schemeClr val="accent1"/>
+          </a:fillRef>
+          <a:effectRef idx="0">
+            <a:schemeClr val="accent1"/>
+          </a:effectRef>
+          <a:fontRef idx="minor">
+            <a:schemeClr val="lt1"/>
+          </a:fontRef>
+        </p:style>
+        <p:txBody>
+          <a:bodyPr rtlCol="0" anchor="ctr"/>
+          <a:lstStyle/>
+          <a:p>
+            <a:pPr algn="ctr"/>
+            <a:endParaRPr lang="ja-JP" altLang="en-US"/>
+          </a:p>
+        </p:txBody>
+      </p:sp>
+      <mc:AlternateContent xmlns:mc="http://schemas.openxmlformats.org/markup-compatibility/2006">
+        <mc:Choice xmlns:a14="http://schemas.microsoft.com/office/drawing/2010/main" Requires="a14">
+          <p:sp>
+            <p:nvSpPr>
+              <p:cNvPr id="4" name="テキスト ボックス 3">
+                <a:extLst>
+                  <a:ext uri="{FF2B5EF4-FFF2-40B4-BE49-F238E27FC236}">
+                    <a16:creationId xmlns:a16="http://schemas.microsoft.com/office/drawing/2014/main" id="{02190A81-2808-8C7B-9044-239E050486DD}"/>
+                  </a:ext>
+                </a:extLst>
+              </p:cNvPr>
+              <p:cNvSpPr txBox="1"/>
+              <p:nvPr/>
+            </p:nvSpPr>
+            <p:spPr>
+              <a:xfrm>
+                <a:off x="286004" y="956484"/>
+                <a:ext cx="1476366" cy="369332"/>
+              </a:xfrm>
+              <a:prstGeom prst="rect">
+                <a:avLst/>
+              </a:prstGeom>
+              <a:noFill/>
+            </p:spPr>
+            <p:txBody>
+              <a:bodyPr wrap="square" lIns="0" tIns="0" rIns="0" bIns="0" rtlCol="0">
+                <a:spAutoFit/>
+              </a:bodyPr>
+              <a:lstStyle/>
+              <a:p>
+                <a:pPr/>
+                <a14:m>
+                  <m:oMathPara xmlns:m="http://schemas.openxmlformats.org/officeDocument/2006/math">
+                    <m:oMathParaPr>
+                      <m:jc m:val="centerGroup"/>
+                    </m:oMathParaPr>
+                    <m:oMath xmlns:m="http://schemas.openxmlformats.org/officeDocument/2006/math">
+                      <m:r>
+                        <m:rPr>
+                          <m:sty m:val="p"/>
+                        </m:rPr>
+                        <a:rPr kumimoji="1" lang="el-GR" altLang="ja-JP" sz="2400" i="1" smtClean="0">
+                          <a:latin typeface="Cambria Math" panose="02040503050406030204" pitchFamily="18" charset="0"/>
+                          <a:ea typeface="Cambria Math" panose="02040503050406030204" pitchFamily="18" charset="0"/>
+                        </a:rPr>
+                        <m:t>Ω</m:t>
+                      </m:r>
+                      <m:r>
+                        <a:rPr kumimoji="1" lang="en-US" altLang="ja-JP" sz="2400" b="0" i="1" smtClean="0">
+                          <a:latin typeface="Cambria Math" panose="02040503050406030204" pitchFamily="18" charset="0"/>
+                          <a:ea typeface="Cambria Math" panose="02040503050406030204" pitchFamily="18" charset="0"/>
+                        </a:rPr>
+                        <m:t>(</m:t>
+                      </m:r>
+                      <m:r>
+                        <a:rPr lang="ja-JP" altLang="en-US" sz="2400" i="1" smtClean="0">
+                          <a:latin typeface="Cambria Math" panose="02040503050406030204" pitchFamily="18" charset="0"/>
+                          <a:ea typeface="Cambria Math" panose="02040503050406030204" pitchFamily="18" charset="0"/>
+                        </a:rPr>
+                        <m:t>全人口</m:t>
+                      </m:r>
+                      <m:r>
+                        <a:rPr kumimoji="1" lang="en-US" altLang="ja-JP" sz="2400" b="0" i="1" smtClean="0">
+                          <a:latin typeface="Cambria Math" panose="02040503050406030204" pitchFamily="18" charset="0"/>
+                          <a:ea typeface="Cambria Math" panose="02040503050406030204" pitchFamily="18" charset="0"/>
+                        </a:rPr>
+                        <m:t>)</m:t>
+                      </m:r>
+                    </m:oMath>
+                  </m:oMathPara>
+                </a14:m>
+                <a:endParaRPr kumimoji="1" lang="ja-JP" altLang="en-US" sz="2400" dirty="0"/>
+              </a:p>
+            </p:txBody>
+          </p:sp>
+        </mc:Choice>
+        <mc:Fallback>
+          <p:sp>
+            <p:nvSpPr>
+              <p:cNvPr id="4" name="テキスト ボックス 3">
+                <a:extLst>
+                  <a:ext uri="{FF2B5EF4-FFF2-40B4-BE49-F238E27FC236}">
+                    <a16:creationId xmlns:a16="http://schemas.microsoft.com/office/drawing/2014/main" id="{02190A81-2808-8C7B-9044-239E050486DD}"/>
+                  </a:ext>
+                </a:extLst>
+              </p:cNvPr>
+              <p:cNvSpPr txBox="1">
+                <a:spLocks noRot="1" noChangeAspect="1" noMove="1" noResize="1" noEditPoints="1" noAdjustHandles="1" noChangeArrowheads="1" noChangeShapeType="1" noTextEdit="1"/>
+              </p:cNvSpPr>
+              <p:nvPr/>
+            </p:nvSpPr>
+            <p:spPr>
+              <a:xfrm>
+                <a:off x="286004" y="956484"/>
+                <a:ext cx="1476366" cy="369332"/>
+              </a:xfrm>
+              <a:prstGeom prst="rect">
+                <a:avLst/>
+              </a:prstGeom>
+              <a:blipFill>
+                <a:blip r:embed="rId2"/>
+                <a:stretch>
+                  <a:fillRect l="-4132" t="-11667" r="-6198" b="-33333"/>
+                </a:stretch>
+              </a:blipFill>
+            </p:spPr>
+            <p:txBody>
+              <a:bodyPr/>
+              <a:lstStyle/>
+              <a:p>
+                <a:r>
+                  <a:rPr lang="ja-JP" altLang="en-US">
+                    <a:noFill/>
+                  </a:rPr>
+                  <a:t> </a:t>
+                </a:r>
+              </a:p>
+            </p:txBody>
+          </p:sp>
+        </mc:Fallback>
+      </mc:AlternateContent>
+      <mc:AlternateContent xmlns:mc="http://schemas.openxmlformats.org/markup-compatibility/2006">
+        <mc:Choice xmlns:a14="http://schemas.microsoft.com/office/drawing/2010/main" Requires="a14">
+          <p:sp>
+            <p:nvSpPr>
+              <p:cNvPr id="5" name="テキスト ボックス 4">
+                <a:extLst>
+                  <a:ext uri="{FF2B5EF4-FFF2-40B4-BE49-F238E27FC236}">
+                    <a16:creationId xmlns:a16="http://schemas.microsoft.com/office/drawing/2014/main" id="{7910731C-94EB-D221-E7B8-27E3E493CADC}"/>
+                  </a:ext>
+                </a:extLst>
+              </p:cNvPr>
+              <p:cNvSpPr txBox="1"/>
+              <p:nvPr/>
+            </p:nvSpPr>
+            <p:spPr>
+              <a:xfrm>
+                <a:off x="420935" y="1558327"/>
+                <a:ext cx="1158779" cy="369332"/>
+              </a:xfrm>
+              <a:prstGeom prst="rect">
+                <a:avLst/>
+              </a:prstGeom>
+              <a:noFill/>
+            </p:spPr>
+            <p:txBody>
+              <a:bodyPr wrap="square" lIns="0" tIns="0" rIns="0" bIns="0" rtlCol="0">
+                <a:spAutoFit/>
+              </a:bodyPr>
+              <a:lstStyle/>
+              <a:p>
+                <a:pPr/>
+                <a14:m>
+                  <m:oMathPara xmlns:m="http://schemas.openxmlformats.org/officeDocument/2006/math">
+                    <m:oMathParaPr>
+                      <m:jc m:val="centerGroup"/>
+                    </m:oMathParaPr>
+                    <m:oMath xmlns:m="http://schemas.openxmlformats.org/officeDocument/2006/math">
+                      <m:r>
+                        <a:rPr kumimoji="1" lang="en-US" altLang="ja-JP" sz="2400" b="0" i="1" smtClean="0">
+                          <a:solidFill>
+                            <a:schemeClr val="accent2"/>
+                          </a:solidFill>
+                          <a:latin typeface="Cambria Math" panose="02040503050406030204" pitchFamily="18" charset="0"/>
+                          <a:ea typeface="Cambria Math" panose="02040503050406030204" pitchFamily="18" charset="0"/>
+                        </a:rPr>
+                        <m:t>𝐴</m:t>
+                      </m:r>
+                      <m:r>
+                        <a:rPr kumimoji="1" lang="en-US" altLang="ja-JP" sz="2400" b="0" i="1" smtClean="0">
+                          <a:solidFill>
+                            <a:schemeClr val="accent2"/>
+                          </a:solidFill>
+                          <a:latin typeface="Cambria Math" panose="02040503050406030204" pitchFamily="18" charset="0"/>
+                          <a:ea typeface="Cambria Math" panose="02040503050406030204" pitchFamily="18" charset="0"/>
+                        </a:rPr>
+                        <m:t>(陽性)</m:t>
+                      </m:r>
+                    </m:oMath>
+                  </m:oMathPara>
+                </a14:m>
+                <a:endParaRPr kumimoji="1" lang="ja-JP" altLang="en-US" sz="2400" dirty="0">
+                  <a:solidFill>
+                    <a:schemeClr val="accent2"/>
+                  </a:solidFill>
+                </a:endParaRPr>
+              </a:p>
+            </p:txBody>
+          </p:sp>
+        </mc:Choice>
+        <mc:Fallback>
+          <p:sp>
+            <p:nvSpPr>
+              <p:cNvPr id="5" name="テキスト ボックス 4">
+                <a:extLst>
+                  <a:ext uri="{FF2B5EF4-FFF2-40B4-BE49-F238E27FC236}">
+                    <a16:creationId xmlns:a16="http://schemas.microsoft.com/office/drawing/2014/main" id="{7910731C-94EB-D221-E7B8-27E3E493CADC}"/>
+                  </a:ext>
+                </a:extLst>
+              </p:cNvPr>
+              <p:cNvSpPr txBox="1">
+                <a:spLocks noRot="1" noChangeAspect="1" noMove="1" noResize="1" noEditPoints="1" noAdjustHandles="1" noChangeArrowheads="1" noChangeShapeType="1" noTextEdit="1"/>
+              </p:cNvSpPr>
+              <p:nvPr/>
+            </p:nvSpPr>
+            <p:spPr>
+              <a:xfrm>
+                <a:off x="420935" y="1558327"/>
+                <a:ext cx="1158779" cy="369332"/>
+              </a:xfrm>
+              <a:prstGeom prst="rect">
+                <a:avLst/>
+              </a:prstGeom>
+              <a:blipFill>
+                <a:blip r:embed="rId3"/>
+                <a:stretch>
+                  <a:fillRect l="-4737" t="-11667" r="-8421" b="-33333"/>
+                </a:stretch>
+              </a:blipFill>
+            </p:spPr>
+            <p:txBody>
+              <a:bodyPr/>
+              <a:lstStyle/>
+              <a:p>
+                <a:r>
+                  <a:rPr lang="ja-JP" altLang="en-US">
+                    <a:noFill/>
+                  </a:rPr>
+                  <a:t> </a:t>
+                </a:r>
+              </a:p>
+            </p:txBody>
+          </p:sp>
+        </mc:Fallback>
+      </mc:AlternateContent>
+      <mc:AlternateContent xmlns:mc="http://schemas.openxmlformats.org/markup-compatibility/2006">
+        <mc:Choice xmlns:a14="http://schemas.microsoft.com/office/drawing/2010/main" Requires="a14">
+          <p:sp>
+            <p:nvSpPr>
+              <p:cNvPr id="6" name="テキスト ボックス 5">
+                <a:extLst>
+                  <a:ext uri="{FF2B5EF4-FFF2-40B4-BE49-F238E27FC236}">
+                    <a16:creationId xmlns:a16="http://schemas.microsoft.com/office/drawing/2014/main" id="{B0536892-D431-F037-BE4F-3B97862145C3}"/>
+                  </a:ext>
+                </a:extLst>
+              </p:cNvPr>
+              <p:cNvSpPr txBox="1"/>
+              <p:nvPr/>
+            </p:nvSpPr>
+            <p:spPr>
+              <a:xfrm>
+                <a:off x="5219743" y="2183788"/>
+                <a:ext cx="1663671" cy="740074"/>
+              </a:xfrm>
+              <a:prstGeom prst="rect">
+                <a:avLst/>
+              </a:prstGeom>
+              <a:noFill/>
+            </p:spPr>
+            <p:txBody>
+              <a:bodyPr wrap="square" lIns="0" tIns="0" rIns="0" bIns="0" rtlCol="0">
+                <a:spAutoFit/>
+              </a:bodyPr>
+              <a:lstStyle/>
+              <a:p>
+                <a:pPr algn="ctr"/>
+                <a14:m>
+                  <m:oMathPara xmlns:m="http://schemas.openxmlformats.org/officeDocument/2006/math">
+                    <m:oMathParaPr>
+                      <m:jc m:val="center"/>
+                    </m:oMathParaPr>
+                    <m:oMath xmlns:m="http://schemas.openxmlformats.org/officeDocument/2006/math">
+                      <m:sSub>
+                        <m:sSubPr>
+                          <m:ctrlPr>
+                            <a:rPr kumimoji="1" lang="en-US" altLang="ja-JP" sz="2400" b="0" i="1" smtClean="0">
+                              <a:solidFill>
+                                <a:srgbClr val="FF0000"/>
+                              </a:solidFill>
+                              <a:latin typeface="Cambria Math" panose="02040503050406030204" pitchFamily="18" charset="0"/>
+                            </a:rPr>
+                          </m:ctrlPr>
+                        </m:sSubPr>
+                        <m:e>
+                          <m:r>
+                            <a:rPr kumimoji="1" lang="en-US" altLang="ja-JP" sz="2400" b="0" i="1" smtClean="0">
+                              <a:solidFill>
+                                <a:srgbClr val="FF0000"/>
+                              </a:solidFill>
+                              <a:latin typeface="Cambria Math" panose="02040503050406030204" pitchFamily="18" charset="0"/>
+                            </a:rPr>
+                            <m:t>𝐻</m:t>
+                          </m:r>
+                        </m:e>
+                        <m:sub>
+                          <m:r>
+                            <a:rPr kumimoji="1" lang="en-US" altLang="ja-JP" sz="2400" b="0" i="1" smtClean="0">
+                              <a:solidFill>
+                                <a:srgbClr val="FF0000"/>
+                              </a:solidFill>
+                              <a:latin typeface="Cambria Math" panose="02040503050406030204" pitchFamily="18" charset="0"/>
+                            </a:rPr>
+                            <m:t>1</m:t>
+                          </m:r>
+                        </m:sub>
+                      </m:sSub>
+                    </m:oMath>
+                  </m:oMathPara>
+                </a14:m>
+                <a:endParaRPr kumimoji="1" lang="en-US" altLang="ja-JP" sz="2400" b="0" i="1" dirty="0">
+                  <a:solidFill>
+                    <a:srgbClr val="FF0000"/>
+                  </a:solidFill>
+                  <a:latin typeface="Cambria Math" panose="02040503050406030204" pitchFamily="18" charset="0"/>
+                </a:endParaRPr>
+              </a:p>
+              <a:p>
+                <a:pPr algn="ctr"/>
+                <a14:m>
+                  <m:oMathPara xmlns:m="http://schemas.openxmlformats.org/officeDocument/2006/math">
+                    <m:oMathParaPr>
+                      <m:jc m:val="center"/>
+                    </m:oMathParaPr>
+                    <m:oMath xmlns:m="http://schemas.openxmlformats.org/officeDocument/2006/math">
+                      <m:r>
+                        <a:rPr lang="ja-JP" altLang="en-US" sz="2400" i="1">
+                          <a:solidFill>
+                            <a:srgbClr val="FF0000"/>
+                          </a:solidFill>
+                          <a:latin typeface="Cambria Math" panose="02040503050406030204" pitchFamily="18" charset="0"/>
+                        </a:rPr>
+                        <m:t>疾患</m:t>
+                      </m:r>
+                      <m:r>
+                        <a:rPr lang="ja-JP" altLang="en-US" sz="2400" i="1" smtClean="0">
+                          <a:solidFill>
+                            <a:srgbClr val="FF0000"/>
+                          </a:solidFill>
+                          <a:latin typeface="Cambria Math" panose="02040503050406030204" pitchFamily="18" charset="0"/>
+                        </a:rPr>
+                        <m:t>あり</m:t>
+                      </m:r>
+                    </m:oMath>
+                  </m:oMathPara>
+                </a14:m>
+                <a:endParaRPr kumimoji="1" lang="ja-JP" altLang="en-US" sz="2400" dirty="0"/>
+              </a:p>
+            </p:txBody>
+          </p:sp>
+        </mc:Choice>
+        <mc:Fallback>
+          <p:sp>
+            <p:nvSpPr>
+              <p:cNvPr id="6" name="テキスト ボックス 5">
+                <a:extLst>
+                  <a:ext uri="{FF2B5EF4-FFF2-40B4-BE49-F238E27FC236}">
+                    <a16:creationId xmlns:a16="http://schemas.microsoft.com/office/drawing/2014/main" id="{B0536892-D431-F037-BE4F-3B97862145C3}"/>
+                  </a:ext>
+                </a:extLst>
+              </p:cNvPr>
+              <p:cNvSpPr txBox="1">
+                <a:spLocks noRot="1" noChangeAspect="1" noMove="1" noResize="1" noEditPoints="1" noAdjustHandles="1" noChangeArrowheads="1" noChangeShapeType="1" noTextEdit="1"/>
+              </p:cNvSpPr>
+              <p:nvPr/>
+            </p:nvSpPr>
+            <p:spPr>
+              <a:xfrm>
+                <a:off x="5219743" y="2183788"/>
+                <a:ext cx="1663671" cy="740074"/>
+              </a:xfrm>
+              <a:prstGeom prst="rect">
+                <a:avLst/>
+              </a:prstGeom>
+              <a:blipFill>
+                <a:blip r:embed="rId4"/>
+                <a:stretch>
+                  <a:fillRect b="-9016"/>
+                </a:stretch>
+              </a:blipFill>
+            </p:spPr>
+            <p:txBody>
+              <a:bodyPr/>
+              <a:lstStyle/>
+              <a:p>
+                <a:r>
+                  <a:rPr lang="ja-JP" altLang="en-US">
+                    <a:noFill/>
+                  </a:rPr>
+                  <a:t> </a:t>
+                </a:r>
+              </a:p>
+            </p:txBody>
+          </p:sp>
+        </mc:Fallback>
+      </mc:AlternateContent>
+      <mc:AlternateContent xmlns:mc="http://schemas.openxmlformats.org/markup-compatibility/2006">
+        <mc:Choice xmlns:a14="http://schemas.microsoft.com/office/drawing/2010/main" Requires="a14">
+          <p:sp>
+            <p:nvSpPr>
+              <p:cNvPr id="10" name="テキスト ボックス 9">
+                <a:extLst>
+                  <a:ext uri="{FF2B5EF4-FFF2-40B4-BE49-F238E27FC236}">
+                    <a16:creationId xmlns:a16="http://schemas.microsoft.com/office/drawing/2014/main" id="{C98078CB-5E91-14D9-2141-29D18E741322}"/>
+                  </a:ext>
+                </a:extLst>
+              </p:cNvPr>
+              <p:cNvSpPr txBox="1"/>
+              <p:nvPr/>
+            </p:nvSpPr>
+            <p:spPr>
+              <a:xfrm>
+                <a:off x="5221116" y="3993643"/>
+                <a:ext cx="1660925" cy="738664"/>
+              </a:xfrm>
+              <a:prstGeom prst="rect">
+                <a:avLst/>
+              </a:prstGeom>
+              <a:noFill/>
+            </p:spPr>
+            <p:txBody>
+              <a:bodyPr wrap="square" lIns="0" tIns="0" rIns="0" bIns="0" rtlCol="0">
+                <a:spAutoFit/>
+              </a:bodyPr>
+              <a:lstStyle/>
+              <a:p>
+                <a:pPr algn="ctr"/>
+                <a14:m>
+                  <m:oMathPara xmlns:m="http://schemas.openxmlformats.org/officeDocument/2006/math">
+                    <m:oMathParaPr>
+                      <m:jc m:val="center"/>
+                    </m:oMathParaPr>
+                    <m:oMath xmlns:m="http://schemas.openxmlformats.org/officeDocument/2006/math">
+                      <m:sSub>
+                        <m:sSubPr>
+                          <m:ctrlPr>
+                            <a:rPr kumimoji="1" lang="en-US" altLang="ja-JP" sz="2400" b="0" i="1" smtClean="0">
+                              <a:solidFill>
+                                <a:srgbClr val="00B050"/>
+                              </a:solidFill>
+                              <a:latin typeface="Cambria Math" panose="02040503050406030204" pitchFamily="18" charset="0"/>
+                            </a:rPr>
+                          </m:ctrlPr>
+                        </m:sSubPr>
+                        <m:e>
+                          <m:r>
+                            <a:rPr kumimoji="1" lang="en-US" altLang="ja-JP" sz="2400" b="0" i="1" smtClean="0">
+                              <a:solidFill>
+                                <a:srgbClr val="00B050"/>
+                              </a:solidFill>
+                              <a:latin typeface="Cambria Math" panose="02040503050406030204" pitchFamily="18" charset="0"/>
+                            </a:rPr>
+                            <m:t>𝐻</m:t>
+                          </m:r>
+                        </m:e>
+                        <m:sub>
+                          <m:r>
+                            <a:rPr kumimoji="1" lang="en-US" altLang="ja-JP" sz="2400" b="0" i="1" smtClean="0">
+                              <a:solidFill>
+                                <a:srgbClr val="00B050"/>
+                              </a:solidFill>
+                              <a:latin typeface="Cambria Math" panose="02040503050406030204" pitchFamily="18" charset="0"/>
+                            </a:rPr>
+                            <m:t>2</m:t>
+                          </m:r>
+                        </m:sub>
+                      </m:sSub>
+                    </m:oMath>
+                  </m:oMathPara>
+                </a14:m>
+                <a:endParaRPr kumimoji="1" lang="en-US" altLang="ja-JP" sz="2400" dirty="0">
+                  <a:solidFill>
+                    <a:srgbClr val="00B050"/>
+                  </a:solidFill>
+                </a:endParaRPr>
+              </a:p>
+              <a:p>
+                <a:pPr algn="ctr"/>
+                <a:r>
+                  <a:rPr lang="ja-JP" altLang="en-US" sz="2400" dirty="0">
+                    <a:solidFill>
+                      <a:srgbClr val="00B050"/>
+                    </a:solidFill>
+                  </a:rPr>
+                  <a:t>疾患</a:t>
+                </a:r>
+                <a:r>
+                  <a:rPr kumimoji="1" lang="ja-JP" altLang="en-US" sz="2400" dirty="0">
+                    <a:solidFill>
+                      <a:srgbClr val="00B050"/>
+                    </a:solidFill>
+                  </a:rPr>
+                  <a:t>なし</a:t>
+                </a:r>
+              </a:p>
+            </p:txBody>
+          </p:sp>
+        </mc:Choice>
+        <mc:Fallback>
+          <p:sp>
+            <p:nvSpPr>
+              <p:cNvPr id="10" name="テキスト ボックス 9">
+                <a:extLst>
+                  <a:ext uri="{FF2B5EF4-FFF2-40B4-BE49-F238E27FC236}">
+                    <a16:creationId xmlns:a16="http://schemas.microsoft.com/office/drawing/2014/main" id="{C98078CB-5E91-14D9-2141-29D18E741322}"/>
+                  </a:ext>
+                </a:extLst>
+              </p:cNvPr>
+              <p:cNvSpPr txBox="1">
+                <a:spLocks noRot="1" noChangeAspect="1" noMove="1" noResize="1" noEditPoints="1" noAdjustHandles="1" noChangeArrowheads="1" noChangeShapeType="1" noTextEdit="1"/>
+              </p:cNvSpPr>
+              <p:nvPr/>
+            </p:nvSpPr>
+            <p:spPr>
+              <a:xfrm>
+                <a:off x="5221116" y="3993643"/>
+                <a:ext cx="1660925" cy="738664"/>
+              </a:xfrm>
+              <a:prstGeom prst="rect">
+                <a:avLst/>
+              </a:prstGeom>
+              <a:blipFill>
+                <a:blip r:embed="rId5"/>
+                <a:stretch>
+                  <a:fillRect b="-24793"/>
+                </a:stretch>
+              </a:blipFill>
+            </p:spPr>
+            <p:txBody>
+              <a:bodyPr/>
+              <a:lstStyle/>
+              <a:p>
+                <a:r>
+                  <a:rPr lang="ja-JP" altLang="en-US">
+                    <a:noFill/>
+                  </a:rPr>
+                  <a:t> </a:t>
+                </a:r>
+              </a:p>
+            </p:txBody>
+          </p:sp>
+        </mc:Fallback>
+      </mc:AlternateContent>
+      <mc:AlternateContent xmlns:mc="http://schemas.openxmlformats.org/markup-compatibility/2006">
+        <mc:Choice xmlns:a14="http://schemas.microsoft.com/office/drawing/2010/main" Requires="a14">
+          <p:sp>
+            <p:nvSpPr>
+              <p:cNvPr id="7" name="テキスト ボックス 6">
+                <a:extLst>
+                  <a:ext uri="{FF2B5EF4-FFF2-40B4-BE49-F238E27FC236}">
+                    <a16:creationId xmlns:a16="http://schemas.microsoft.com/office/drawing/2014/main" id="{54F582EF-7975-CDD3-6A20-A670301E4AA8}"/>
+                  </a:ext>
+                </a:extLst>
+              </p:cNvPr>
+              <p:cNvSpPr txBox="1"/>
+              <p:nvPr/>
+            </p:nvSpPr>
+            <p:spPr>
+              <a:xfrm>
+                <a:off x="2060133" y="1591347"/>
+                <a:ext cx="1286442" cy="369332"/>
+              </a:xfrm>
+              <a:prstGeom prst="rect">
+                <a:avLst/>
+              </a:prstGeom>
+              <a:noFill/>
+            </p:spPr>
+            <p:txBody>
+              <a:bodyPr wrap="square" lIns="0" tIns="0" rIns="0" bIns="0" rtlCol="0">
+                <a:spAutoFit/>
+              </a:bodyPr>
+              <a:lstStyle/>
+              <a:p>
+                <a:pPr/>
+                <a14:m>
+                  <m:oMathPara xmlns:m="http://schemas.openxmlformats.org/officeDocument/2006/math">
+                    <m:oMathParaPr>
+                      <m:jc m:val="centerGroup"/>
+                    </m:oMathParaPr>
+                    <m:oMath xmlns:m="http://schemas.openxmlformats.org/officeDocument/2006/math">
+                      <m:sSup>
+                        <m:sSupPr>
+                          <m:ctrlPr>
+                            <a:rPr kumimoji="1" lang="en-US" altLang="ja-JP" sz="2400" b="0" i="1" smtClean="0">
+                              <a:solidFill>
+                                <a:srgbClr val="0070C0"/>
+                              </a:solidFill>
+                              <a:latin typeface="Cambria Math" panose="02040503050406030204" pitchFamily="18" charset="0"/>
+                              <a:ea typeface="Cambria Math" panose="02040503050406030204" pitchFamily="18" charset="0"/>
+                            </a:rPr>
+                          </m:ctrlPr>
+                        </m:sSupPr>
+                        <m:e>
+                          <m:r>
+                            <a:rPr kumimoji="1" lang="en-US" altLang="ja-JP" sz="2400" b="0" i="1" smtClean="0">
+                              <a:solidFill>
+                                <a:srgbClr val="0070C0"/>
+                              </a:solidFill>
+                              <a:latin typeface="Cambria Math" panose="02040503050406030204" pitchFamily="18" charset="0"/>
+                              <a:ea typeface="Cambria Math" panose="02040503050406030204" pitchFamily="18" charset="0"/>
+                            </a:rPr>
+                            <m:t>𝐴</m:t>
+                          </m:r>
+                        </m:e>
+                        <m:sup>
+                          <m:r>
+                            <a:rPr kumimoji="1" lang="en-US" altLang="ja-JP" sz="2400" b="0" i="1" smtClean="0">
+                              <a:solidFill>
+                                <a:srgbClr val="0070C0"/>
+                              </a:solidFill>
+                              <a:latin typeface="Cambria Math" panose="02040503050406030204" pitchFamily="18" charset="0"/>
+                              <a:ea typeface="Cambria Math" panose="02040503050406030204" pitchFamily="18" charset="0"/>
+                            </a:rPr>
+                            <m:t>𝑐</m:t>
+                          </m:r>
+                        </m:sup>
+                      </m:sSup>
+                      <m:r>
+                        <a:rPr kumimoji="1" lang="en-US" altLang="ja-JP" sz="2400" b="0" i="1" smtClean="0">
+                          <a:solidFill>
+                            <a:srgbClr val="0070C0"/>
+                          </a:solidFill>
+                          <a:latin typeface="Cambria Math" panose="02040503050406030204" pitchFamily="18" charset="0"/>
+                          <a:ea typeface="Cambria Math" panose="02040503050406030204" pitchFamily="18" charset="0"/>
+                        </a:rPr>
+                        <m:t>(</m:t>
+                      </m:r>
+                      <m:r>
+                        <a:rPr lang="ja-JP" altLang="en-US" sz="2400" i="1">
+                          <a:solidFill>
+                            <a:srgbClr val="0070C0"/>
+                          </a:solidFill>
+                          <a:latin typeface="Cambria Math" panose="02040503050406030204" pitchFamily="18" charset="0"/>
+                          <a:ea typeface="Cambria Math" panose="02040503050406030204" pitchFamily="18" charset="0"/>
+                        </a:rPr>
+                        <m:t>陰性</m:t>
+                      </m:r>
+                      <m:r>
+                        <a:rPr kumimoji="1" lang="en-US" altLang="ja-JP" sz="2400" b="0" i="1" smtClean="0">
+                          <a:solidFill>
+                            <a:srgbClr val="0070C0"/>
+                          </a:solidFill>
+                          <a:latin typeface="Cambria Math" panose="02040503050406030204" pitchFamily="18" charset="0"/>
+                          <a:ea typeface="Cambria Math" panose="02040503050406030204" pitchFamily="18" charset="0"/>
+                        </a:rPr>
+                        <m:t>)</m:t>
+                      </m:r>
+                    </m:oMath>
+                  </m:oMathPara>
+                </a14:m>
+                <a:endParaRPr kumimoji="1" lang="ja-JP" altLang="en-US" sz="2400" dirty="0"/>
+              </a:p>
+            </p:txBody>
+          </p:sp>
+        </mc:Choice>
+        <mc:Fallback>
+          <p:sp>
+            <p:nvSpPr>
+              <p:cNvPr id="7" name="テキスト ボックス 6">
+                <a:extLst>
+                  <a:ext uri="{FF2B5EF4-FFF2-40B4-BE49-F238E27FC236}">
+                    <a16:creationId xmlns:a16="http://schemas.microsoft.com/office/drawing/2014/main" id="{54F582EF-7975-CDD3-6A20-A670301E4AA8}"/>
+                  </a:ext>
+                </a:extLst>
+              </p:cNvPr>
+              <p:cNvSpPr txBox="1">
+                <a:spLocks noRot="1" noChangeAspect="1" noMove="1" noResize="1" noEditPoints="1" noAdjustHandles="1" noChangeArrowheads="1" noChangeShapeType="1" noTextEdit="1"/>
+              </p:cNvSpPr>
+              <p:nvPr/>
+            </p:nvSpPr>
+            <p:spPr>
+              <a:xfrm>
+                <a:off x="2060133" y="1591347"/>
+                <a:ext cx="1286442" cy="369332"/>
+              </a:xfrm>
+              <a:prstGeom prst="rect">
+                <a:avLst/>
+              </a:prstGeom>
+              <a:blipFill>
+                <a:blip r:embed="rId6"/>
+                <a:stretch>
+                  <a:fillRect l="-4739" t="-11475" r="-7109" b="-32787"/>
+                </a:stretch>
+              </a:blipFill>
+            </p:spPr>
+            <p:txBody>
+              <a:bodyPr/>
+              <a:lstStyle/>
+              <a:p>
+                <a:r>
+                  <a:rPr lang="ja-JP" altLang="en-US">
+                    <a:noFill/>
+                  </a:rPr>
+                  <a:t> </a:t>
+                </a:r>
+              </a:p>
+            </p:txBody>
+          </p:sp>
+        </mc:Fallback>
+      </mc:AlternateContent>
+      <mc:AlternateContent xmlns:mc="http://schemas.openxmlformats.org/markup-compatibility/2006">
+        <mc:Choice xmlns:a14="http://schemas.microsoft.com/office/drawing/2010/main" Requires="a14">
+          <p:sp>
+            <p:nvSpPr>
+              <p:cNvPr id="9" name="テキスト ボックス 8">
+                <a:extLst>
+                  <a:ext uri="{FF2B5EF4-FFF2-40B4-BE49-F238E27FC236}">
+                    <a16:creationId xmlns:a16="http://schemas.microsoft.com/office/drawing/2014/main" id="{80BCC3FE-D015-79E9-D027-34B54C8E70E6}"/>
+                  </a:ext>
+                </a:extLst>
+              </p:cNvPr>
+              <p:cNvSpPr txBox="1"/>
+              <p:nvPr/>
+            </p:nvSpPr>
+            <p:spPr>
+              <a:xfrm>
+                <a:off x="512594" y="2172200"/>
+                <a:ext cx="975460" cy="369332"/>
+              </a:xfrm>
+              <a:prstGeom prst="rect">
+                <a:avLst/>
+              </a:prstGeom>
+              <a:noFill/>
+            </p:spPr>
+            <p:txBody>
+              <a:bodyPr wrap="square" lIns="0" tIns="0" rIns="0" bIns="0" rtlCol="0">
+                <a:spAutoFit/>
+              </a:bodyPr>
+              <a:lstStyle/>
+              <a:p>
+                <a:pPr/>
+                <a14:m>
+                  <m:oMathPara xmlns:m="http://schemas.openxmlformats.org/officeDocument/2006/math">
+                    <m:oMathParaPr>
+                      <m:jc m:val="centerGroup"/>
+                    </m:oMathParaPr>
+                    <m:oMath xmlns:m="http://schemas.openxmlformats.org/officeDocument/2006/math">
+                      <m:r>
+                        <a:rPr kumimoji="1" lang="en-US" altLang="ja-JP" sz="2400" b="0" i="1" smtClean="0">
+                          <a:solidFill>
+                            <a:schemeClr val="accent2"/>
+                          </a:solidFill>
+                          <a:latin typeface="Cambria Math" panose="02040503050406030204" pitchFamily="18" charset="0"/>
+                        </a:rPr>
+                        <m:t>𝐴</m:t>
+                      </m:r>
+                      <m:r>
+                        <a:rPr kumimoji="1" lang="en-US" altLang="ja-JP" sz="2400" b="0" i="1" smtClean="0">
+                          <a:latin typeface="Cambria Math" panose="02040503050406030204" pitchFamily="18" charset="0"/>
+                          <a:ea typeface="Cambria Math" panose="02040503050406030204" pitchFamily="18" charset="0"/>
+                        </a:rPr>
+                        <m:t>∩</m:t>
+                      </m:r>
+                      <m:sSub>
+                        <m:sSubPr>
+                          <m:ctrlPr>
+                            <a:rPr lang="en-US" altLang="ja-JP" sz="2400" i="1" smtClean="0">
+                              <a:solidFill>
+                                <a:srgbClr val="FF0000"/>
+                              </a:solidFill>
+                              <a:latin typeface="Cambria Math" panose="02040503050406030204" pitchFamily="18" charset="0"/>
+                            </a:rPr>
+                          </m:ctrlPr>
+                        </m:sSubPr>
+                        <m:e>
+                          <m:r>
+                            <a:rPr lang="en-US" altLang="ja-JP" sz="2400" i="1">
+                              <a:solidFill>
+                                <a:srgbClr val="FF0000"/>
+                              </a:solidFill>
+                              <a:latin typeface="Cambria Math" panose="02040503050406030204" pitchFamily="18" charset="0"/>
+                            </a:rPr>
+                            <m:t>𝐻</m:t>
+                          </m:r>
+                        </m:e>
+                        <m:sub>
+                          <m:r>
+                            <a:rPr lang="en-US" altLang="ja-JP" sz="2400" i="1">
+                              <a:solidFill>
+                                <a:srgbClr val="FF0000"/>
+                              </a:solidFill>
+                              <a:latin typeface="Cambria Math" panose="02040503050406030204" pitchFamily="18" charset="0"/>
+                            </a:rPr>
+                            <m:t>1</m:t>
+                          </m:r>
+                        </m:sub>
+                      </m:sSub>
+                    </m:oMath>
+                  </m:oMathPara>
+                </a14:m>
+                <a:endParaRPr lang="en-US" altLang="ja-JP" sz="2400" dirty="0"/>
+              </a:p>
+            </p:txBody>
+          </p:sp>
+        </mc:Choice>
+        <mc:Fallback>
+          <p:sp>
+            <p:nvSpPr>
+              <p:cNvPr id="9" name="テキスト ボックス 8">
+                <a:extLst>
+                  <a:ext uri="{FF2B5EF4-FFF2-40B4-BE49-F238E27FC236}">
+                    <a16:creationId xmlns:a16="http://schemas.microsoft.com/office/drawing/2014/main" id="{80BCC3FE-D015-79E9-D027-34B54C8E70E6}"/>
+                  </a:ext>
+                </a:extLst>
+              </p:cNvPr>
+              <p:cNvSpPr txBox="1">
+                <a:spLocks noRot="1" noChangeAspect="1" noMove="1" noResize="1" noEditPoints="1" noAdjustHandles="1" noChangeArrowheads="1" noChangeShapeType="1" noTextEdit="1"/>
+              </p:cNvSpPr>
+              <p:nvPr/>
+            </p:nvSpPr>
+            <p:spPr>
+              <a:xfrm>
+                <a:off x="512594" y="2172200"/>
+                <a:ext cx="975460" cy="369332"/>
+              </a:xfrm>
+              <a:prstGeom prst="rect">
+                <a:avLst/>
+              </a:prstGeom>
+              <a:blipFill>
+                <a:blip r:embed="rId7"/>
+                <a:stretch>
+                  <a:fillRect l="-5625" r="-625" b="-11475"/>
+                </a:stretch>
+              </a:blipFill>
+            </p:spPr>
+            <p:txBody>
+              <a:bodyPr/>
+              <a:lstStyle/>
+              <a:p>
+                <a:r>
+                  <a:rPr lang="ja-JP" altLang="en-US">
+                    <a:noFill/>
+                  </a:rPr>
+                  <a:t> </a:t>
+                </a:r>
+              </a:p>
+            </p:txBody>
+          </p:sp>
+        </mc:Fallback>
+      </mc:AlternateContent>
+      <mc:AlternateContent xmlns:mc="http://schemas.openxmlformats.org/markup-compatibility/2006">
+        <mc:Choice xmlns:a14="http://schemas.microsoft.com/office/drawing/2010/main" Requires="a14">
+          <p:sp>
+            <p:nvSpPr>
+              <p:cNvPr id="11" name="テキスト ボックス 10">
+                <a:extLst>
+                  <a:ext uri="{FF2B5EF4-FFF2-40B4-BE49-F238E27FC236}">
+                    <a16:creationId xmlns:a16="http://schemas.microsoft.com/office/drawing/2014/main" id="{A8D5F846-3743-1340-7949-33649AACDAB3}"/>
+                  </a:ext>
+                </a:extLst>
+              </p:cNvPr>
+              <p:cNvSpPr txBox="1"/>
+              <p:nvPr/>
+            </p:nvSpPr>
+            <p:spPr>
+              <a:xfrm>
+                <a:off x="509036" y="3456704"/>
+                <a:ext cx="982577" cy="369332"/>
+              </a:xfrm>
+              <a:prstGeom prst="rect">
+                <a:avLst/>
+              </a:prstGeom>
+              <a:noFill/>
+            </p:spPr>
+            <p:txBody>
+              <a:bodyPr wrap="square" lIns="0" tIns="0" rIns="0" bIns="0" rtlCol="0">
+                <a:spAutoFit/>
+              </a:bodyPr>
+              <a:lstStyle/>
+              <a:p>
+                <a:pPr/>
+                <a14:m>
+                  <m:oMathPara xmlns:m="http://schemas.openxmlformats.org/officeDocument/2006/math">
+                    <m:oMathParaPr>
+                      <m:jc m:val="centerGroup"/>
+                    </m:oMathParaPr>
+                    <m:oMath xmlns:m="http://schemas.openxmlformats.org/officeDocument/2006/math">
+                      <m:r>
+                        <a:rPr kumimoji="1" lang="en-US" altLang="ja-JP" sz="2400" b="0" i="1" smtClean="0">
+                          <a:solidFill>
+                            <a:schemeClr val="accent2"/>
+                          </a:solidFill>
+                          <a:latin typeface="Cambria Math" panose="02040503050406030204" pitchFamily="18" charset="0"/>
+                        </a:rPr>
+                        <m:t>𝐴</m:t>
+                      </m:r>
+                      <m:r>
+                        <a:rPr kumimoji="1" lang="en-US" altLang="ja-JP" sz="2400" b="0" i="1" smtClean="0">
+                          <a:latin typeface="Cambria Math" panose="02040503050406030204" pitchFamily="18" charset="0"/>
+                          <a:ea typeface="Cambria Math" panose="02040503050406030204" pitchFamily="18" charset="0"/>
+                        </a:rPr>
+                        <m:t>∩</m:t>
+                      </m:r>
+                      <m:sSub>
+                        <m:sSubPr>
+                          <m:ctrlPr>
+                            <a:rPr lang="en-US" altLang="ja-JP" sz="2400" i="1" smtClean="0">
+                              <a:solidFill>
+                                <a:srgbClr val="00B050"/>
+                              </a:solidFill>
+                              <a:latin typeface="Cambria Math" panose="02040503050406030204" pitchFamily="18" charset="0"/>
+                            </a:rPr>
+                          </m:ctrlPr>
+                        </m:sSubPr>
+                        <m:e>
+                          <m:r>
+                            <a:rPr lang="en-US" altLang="ja-JP" sz="2400" i="1">
+                              <a:solidFill>
+                                <a:srgbClr val="00B050"/>
+                              </a:solidFill>
+                              <a:latin typeface="Cambria Math" panose="02040503050406030204" pitchFamily="18" charset="0"/>
+                            </a:rPr>
+                            <m:t>𝐻</m:t>
+                          </m:r>
+                        </m:e>
+                        <m:sub>
+                          <m:r>
+                            <a:rPr lang="en-US" altLang="ja-JP" sz="2400" b="0" i="1" smtClean="0">
+                              <a:solidFill>
+                                <a:srgbClr val="00B050"/>
+                              </a:solidFill>
+                              <a:latin typeface="Cambria Math" panose="02040503050406030204" pitchFamily="18" charset="0"/>
+                            </a:rPr>
+                            <m:t>2</m:t>
+                          </m:r>
+                        </m:sub>
+                      </m:sSub>
+                    </m:oMath>
+                  </m:oMathPara>
+                </a14:m>
+                <a:endParaRPr kumimoji="1" lang="ja-JP" altLang="en-US" sz="2400" dirty="0"/>
+              </a:p>
+            </p:txBody>
+          </p:sp>
+        </mc:Choice>
+        <mc:Fallback>
+          <p:sp>
+            <p:nvSpPr>
+              <p:cNvPr id="11" name="テキスト ボックス 10">
+                <a:extLst>
+                  <a:ext uri="{FF2B5EF4-FFF2-40B4-BE49-F238E27FC236}">
+                    <a16:creationId xmlns:a16="http://schemas.microsoft.com/office/drawing/2014/main" id="{A8D5F846-3743-1340-7949-33649AACDAB3}"/>
+                  </a:ext>
+                </a:extLst>
+              </p:cNvPr>
+              <p:cNvSpPr txBox="1">
+                <a:spLocks noRot="1" noChangeAspect="1" noMove="1" noResize="1" noEditPoints="1" noAdjustHandles="1" noChangeArrowheads="1" noChangeShapeType="1" noTextEdit="1"/>
+              </p:cNvSpPr>
+              <p:nvPr/>
+            </p:nvSpPr>
+            <p:spPr>
+              <a:xfrm>
+                <a:off x="509036" y="3456704"/>
+                <a:ext cx="982577" cy="369332"/>
+              </a:xfrm>
+              <a:prstGeom prst="rect">
+                <a:avLst/>
+              </a:prstGeom>
+              <a:blipFill>
+                <a:blip r:embed="rId8"/>
+                <a:stretch>
+                  <a:fillRect l="-6211" r="-621" b="-11475"/>
+                </a:stretch>
+              </a:blipFill>
+            </p:spPr>
+            <p:txBody>
+              <a:bodyPr/>
+              <a:lstStyle/>
+              <a:p>
+                <a:r>
+                  <a:rPr lang="ja-JP" altLang="en-US">
+                    <a:noFill/>
+                  </a:rPr>
+                  <a:t> </a:t>
+                </a:r>
+              </a:p>
+            </p:txBody>
+          </p:sp>
+        </mc:Fallback>
+      </mc:AlternateContent>
+      <mc:AlternateContent xmlns:mc="http://schemas.openxmlformats.org/markup-compatibility/2006">
+        <mc:Choice xmlns:a14="http://schemas.microsoft.com/office/drawing/2010/main" Requires="a14">
+          <p:sp>
+            <p:nvSpPr>
+              <p:cNvPr id="25" name="テキスト ボックス 24">
+                <a:extLst>
+                  <a:ext uri="{FF2B5EF4-FFF2-40B4-BE49-F238E27FC236}">
+                    <a16:creationId xmlns:a16="http://schemas.microsoft.com/office/drawing/2014/main" id="{8D30368F-5AE1-72D8-F91D-0EF7259D527C}"/>
+                  </a:ext>
+                </a:extLst>
+              </p:cNvPr>
+              <p:cNvSpPr txBox="1"/>
+              <p:nvPr/>
+            </p:nvSpPr>
+            <p:spPr>
+              <a:xfrm>
+                <a:off x="2341798" y="2172200"/>
+                <a:ext cx="1103122" cy="369332"/>
+              </a:xfrm>
+              <a:prstGeom prst="rect">
+                <a:avLst/>
+              </a:prstGeom>
+              <a:noFill/>
+            </p:spPr>
+            <p:txBody>
+              <a:bodyPr wrap="square" lIns="0" tIns="0" rIns="0" bIns="0" rtlCol="0">
+                <a:spAutoFit/>
+              </a:bodyPr>
+              <a:lstStyle/>
+              <a:p>
+                <a:pPr/>
+                <a14:m>
+                  <m:oMathPara xmlns:m="http://schemas.openxmlformats.org/officeDocument/2006/math">
+                    <m:oMathParaPr>
+                      <m:jc m:val="centerGroup"/>
+                    </m:oMathParaPr>
+                    <m:oMath xmlns:m="http://schemas.openxmlformats.org/officeDocument/2006/math">
+                      <m:sSup>
+                        <m:sSupPr>
+                          <m:ctrlPr>
+                            <a:rPr lang="en-US" altLang="ja-JP" sz="2400" i="1" smtClean="0">
+                              <a:solidFill>
+                                <a:srgbClr val="0070C0"/>
+                              </a:solidFill>
+                              <a:latin typeface="Cambria Math" panose="02040503050406030204" pitchFamily="18" charset="0"/>
+                              <a:ea typeface="Cambria Math" panose="02040503050406030204" pitchFamily="18" charset="0"/>
+                            </a:rPr>
+                          </m:ctrlPr>
+                        </m:sSupPr>
+                        <m:e>
+                          <m:r>
+                            <a:rPr lang="en-US" altLang="ja-JP" sz="2400" i="1">
+                              <a:solidFill>
+                                <a:srgbClr val="0070C0"/>
+                              </a:solidFill>
+                              <a:latin typeface="Cambria Math" panose="02040503050406030204" pitchFamily="18" charset="0"/>
+                              <a:ea typeface="Cambria Math" panose="02040503050406030204" pitchFamily="18" charset="0"/>
+                            </a:rPr>
+                            <m:t>𝐴</m:t>
+                          </m:r>
+                        </m:e>
+                        <m:sup>
+                          <m:r>
+                            <a:rPr lang="en-US" altLang="ja-JP" sz="2400" i="1">
+                              <a:solidFill>
+                                <a:srgbClr val="0070C0"/>
+                              </a:solidFill>
+                              <a:latin typeface="Cambria Math" panose="02040503050406030204" pitchFamily="18" charset="0"/>
+                              <a:ea typeface="Cambria Math" panose="02040503050406030204" pitchFamily="18" charset="0"/>
+                            </a:rPr>
+                            <m:t>𝑐</m:t>
+                          </m:r>
+                        </m:sup>
+                      </m:sSup>
+                      <m:r>
+                        <a:rPr kumimoji="1" lang="en-US" altLang="ja-JP" sz="2400" b="0" i="1" smtClean="0">
+                          <a:latin typeface="Cambria Math" panose="02040503050406030204" pitchFamily="18" charset="0"/>
+                          <a:ea typeface="Cambria Math" panose="02040503050406030204" pitchFamily="18" charset="0"/>
+                        </a:rPr>
+                        <m:t>∩</m:t>
+                      </m:r>
+                      <m:sSub>
+                        <m:sSubPr>
+                          <m:ctrlPr>
+                            <a:rPr lang="en-US" altLang="ja-JP" sz="2400" i="1" smtClean="0">
+                              <a:solidFill>
+                                <a:srgbClr val="FF0000"/>
+                              </a:solidFill>
+                              <a:latin typeface="Cambria Math" panose="02040503050406030204" pitchFamily="18" charset="0"/>
+                            </a:rPr>
+                          </m:ctrlPr>
+                        </m:sSubPr>
+                        <m:e>
+                          <m:r>
+                            <a:rPr lang="en-US" altLang="ja-JP" sz="2400" i="1">
+                              <a:solidFill>
+                                <a:srgbClr val="FF0000"/>
+                              </a:solidFill>
+                              <a:latin typeface="Cambria Math" panose="02040503050406030204" pitchFamily="18" charset="0"/>
+                            </a:rPr>
+                            <m:t>𝐻</m:t>
+                          </m:r>
+                        </m:e>
+                        <m:sub>
+                          <m:r>
+                            <a:rPr lang="en-US" altLang="ja-JP" sz="2400" i="1">
+                              <a:solidFill>
+                                <a:srgbClr val="FF0000"/>
+                              </a:solidFill>
+                              <a:latin typeface="Cambria Math" panose="02040503050406030204" pitchFamily="18" charset="0"/>
+                            </a:rPr>
+                            <m:t>1</m:t>
+                          </m:r>
+                        </m:sub>
+                      </m:sSub>
+                    </m:oMath>
+                  </m:oMathPara>
+                </a14:m>
+                <a:endParaRPr kumimoji="1" lang="ja-JP" altLang="en-US" sz="2400" dirty="0"/>
+              </a:p>
+            </p:txBody>
+          </p:sp>
+        </mc:Choice>
+        <mc:Fallback>
+          <p:sp>
+            <p:nvSpPr>
+              <p:cNvPr id="25" name="テキスト ボックス 24">
+                <a:extLst>
+                  <a:ext uri="{FF2B5EF4-FFF2-40B4-BE49-F238E27FC236}">
+                    <a16:creationId xmlns:a16="http://schemas.microsoft.com/office/drawing/2014/main" id="{8D30368F-5AE1-72D8-F91D-0EF7259D527C}"/>
+                  </a:ext>
+                </a:extLst>
+              </p:cNvPr>
+              <p:cNvSpPr txBox="1">
+                <a:spLocks noRot="1" noChangeAspect="1" noMove="1" noResize="1" noEditPoints="1" noAdjustHandles="1" noChangeArrowheads="1" noChangeShapeType="1" noTextEdit="1"/>
+              </p:cNvSpPr>
+              <p:nvPr/>
+            </p:nvSpPr>
+            <p:spPr>
+              <a:xfrm>
+                <a:off x="2341798" y="2172200"/>
+                <a:ext cx="1103122" cy="369332"/>
+              </a:xfrm>
+              <a:prstGeom prst="rect">
+                <a:avLst/>
+              </a:prstGeom>
+              <a:blipFill>
+                <a:blip r:embed="rId9"/>
+                <a:stretch>
+                  <a:fillRect l="-4972" r="-552" b="-11475"/>
+                </a:stretch>
+              </a:blipFill>
+            </p:spPr>
+            <p:txBody>
+              <a:bodyPr/>
+              <a:lstStyle/>
+              <a:p>
+                <a:r>
+                  <a:rPr lang="ja-JP" altLang="en-US">
+                    <a:noFill/>
+                  </a:rPr>
+                  <a:t> </a:t>
+                </a:r>
+              </a:p>
+            </p:txBody>
+          </p:sp>
+        </mc:Fallback>
+      </mc:AlternateContent>
+      <mc:AlternateContent xmlns:mc="http://schemas.openxmlformats.org/markup-compatibility/2006">
+        <mc:Choice xmlns:a14="http://schemas.microsoft.com/office/drawing/2010/main" Requires="a14">
+          <p:sp>
+            <p:nvSpPr>
+              <p:cNvPr id="26" name="テキスト ボックス 25">
+                <a:extLst>
+                  <a:ext uri="{FF2B5EF4-FFF2-40B4-BE49-F238E27FC236}">
+                    <a16:creationId xmlns:a16="http://schemas.microsoft.com/office/drawing/2014/main" id="{320A94F4-494F-6DC3-FD26-8D6709813B8A}"/>
+                  </a:ext>
+                </a:extLst>
+              </p:cNvPr>
+              <p:cNvSpPr txBox="1"/>
+              <p:nvPr/>
+            </p:nvSpPr>
+            <p:spPr>
+              <a:xfrm>
+                <a:off x="2338239" y="3456704"/>
+                <a:ext cx="1110240" cy="369332"/>
+              </a:xfrm>
+              <a:prstGeom prst="rect">
+                <a:avLst/>
+              </a:prstGeom>
+              <a:noFill/>
+            </p:spPr>
+            <p:txBody>
+              <a:bodyPr wrap="square" lIns="0" tIns="0" rIns="0" bIns="0" rtlCol="0">
+                <a:spAutoFit/>
+              </a:bodyPr>
+              <a:lstStyle/>
+              <a:p>
+                <a:pPr/>
+                <a14:m>
+                  <m:oMathPara xmlns:m="http://schemas.openxmlformats.org/officeDocument/2006/math">
+                    <m:oMathParaPr>
+                      <m:jc m:val="centerGroup"/>
+                    </m:oMathParaPr>
+                    <m:oMath xmlns:m="http://schemas.openxmlformats.org/officeDocument/2006/math">
+                      <m:sSup>
+                        <m:sSupPr>
+                          <m:ctrlPr>
+                            <a:rPr lang="en-US" altLang="ja-JP" sz="2400" i="1" smtClean="0">
+                              <a:solidFill>
+                                <a:srgbClr val="0070C0"/>
+                              </a:solidFill>
+                              <a:latin typeface="Cambria Math" panose="02040503050406030204" pitchFamily="18" charset="0"/>
+                              <a:ea typeface="Cambria Math" panose="02040503050406030204" pitchFamily="18" charset="0"/>
+                            </a:rPr>
+                          </m:ctrlPr>
+                        </m:sSupPr>
+                        <m:e>
+                          <m:r>
+                            <a:rPr lang="en-US" altLang="ja-JP" sz="2400" i="1">
+                              <a:solidFill>
+                                <a:srgbClr val="0070C0"/>
+                              </a:solidFill>
+                              <a:latin typeface="Cambria Math" panose="02040503050406030204" pitchFamily="18" charset="0"/>
+                              <a:ea typeface="Cambria Math" panose="02040503050406030204" pitchFamily="18" charset="0"/>
+                            </a:rPr>
+                            <m:t>𝐴</m:t>
+                          </m:r>
+                        </m:e>
+                        <m:sup>
+                          <m:r>
+                            <a:rPr lang="en-US" altLang="ja-JP" sz="2400" i="1">
+                              <a:solidFill>
+                                <a:srgbClr val="0070C0"/>
+                              </a:solidFill>
+                              <a:latin typeface="Cambria Math" panose="02040503050406030204" pitchFamily="18" charset="0"/>
+                              <a:ea typeface="Cambria Math" panose="02040503050406030204" pitchFamily="18" charset="0"/>
+                            </a:rPr>
+                            <m:t>𝑐</m:t>
+                          </m:r>
+                        </m:sup>
+                      </m:sSup>
+                      <m:r>
+                        <a:rPr kumimoji="1" lang="en-US" altLang="ja-JP" sz="2400" b="0" i="1" smtClean="0">
+                          <a:latin typeface="Cambria Math" panose="02040503050406030204" pitchFamily="18" charset="0"/>
+                          <a:ea typeface="Cambria Math" panose="02040503050406030204" pitchFamily="18" charset="0"/>
+                        </a:rPr>
+                        <m:t>∩</m:t>
+                      </m:r>
+                      <m:sSub>
+                        <m:sSubPr>
+                          <m:ctrlPr>
+                            <a:rPr lang="en-US" altLang="ja-JP" sz="2400" i="1" smtClean="0">
+                              <a:solidFill>
+                                <a:srgbClr val="00B050"/>
+                              </a:solidFill>
+                              <a:latin typeface="Cambria Math" panose="02040503050406030204" pitchFamily="18" charset="0"/>
+                            </a:rPr>
+                          </m:ctrlPr>
+                        </m:sSubPr>
+                        <m:e>
+                          <m:r>
+                            <a:rPr lang="en-US" altLang="ja-JP" sz="2400" i="1">
+                              <a:solidFill>
+                                <a:srgbClr val="00B050"/>
+                              </a:solidFill>
+                              <a:latin typeface="Cambria Math" panose="02040503050406030204" pitchFamily="18" charset="0"/>
+                            </a:rPr>
+                            <m:t>𝐻</m:t>
+                          </m:r>
+                        </m:e>
+                        <m:sub>
+                          <m:r>
+                            <a:rPr lang="en-US" altLang="ja-JP" sz="2400" b="0" i="1" smtClean="0">
+                              <a:solidFill>
+                                <a:srgbClr val="00B050"/>
+                              </a:solidFill>
+                              <a:latin typeface="Cambria Math" panose="02040503050406030204" pitchFamily="18" charset="0"/>
+                            </a:rPr>
+                            <m:t>2</m:t>
+                          </m:r>
+                        </m:sub>
+                      </m:sSub>
+                    </m:oMath>
+                  </m:oMathPara>
+                </a14:m>
+                <a:endParaRPr kumimoji="1" lang="ja-JP" altLang="en-US" sz="2400" dirty="0"/>
+              </a:p>
+            </p:txBody>
+          </p:sp>
+        </mc:Choice>
+        <mc:Fallback>
+          <p:sp>
+            <p:nvSpPr>
+              <p:cNvPr id="26" name="テキスト ボックス 25">
+                <a:extLst>
+                  <a:ext uri="{FF2B5EF4-FFF2-40B4-BE49-F238E27FC236}">
+                    <a16:creationId xmlns:a16="http://schemas.microsoft.com/office/drawing/2014/main" id="{320A94F4-494F-6DC3-FD26-8D6709813B8A}"/>
+                  </a:ext>
+                </a:extLst>
+              </p:cNvPr>
+              <p:cNvSpPr txBox="1">
+                <a:spLocks noRot="1" noChangeAspect="1" noMove="1" noResize="1" noEditPoints="1" noAdjustHandles="1" noChangeArrowheads="1" noChangeShapeType="1" noTextEdit="1"/>
+              </p:cNvSpPr>
+              <p:nvPr/>
+            </p:nvSpPr>
+            <p:spPr>
+              <a:xfrm>
+                <a:off x="2338239" y="3456704"/>
+                <a:ext cx="1110240" cy="369332"/>
+              </a:xfrm>
+              <a:prstGeom prst="rect">
+                <a:avLst/>
+              </a:prstGeom>
+              <a:blipFill>
+                <a:blip r:embed="rId10"/>
+                <a:stretch>
+                  <a:fillRect l="-5495" r="-549" b="-11475"/>
+                </a:stretch>
+              </a:blipFill>
+            </p:spPr>
+            <p:txBody>
+              <a:bodyPr/>
+              <a:lstStyle/>
+              <a:p>
+                <a:r>
+                  <a:rPr lang="ja-JP" altLang="en-US">
+                    <a:noFill/>
+                  </a:rPr>
+                  <a:t> </a:t>
+                </a:r>
+              </a:p>
+            </p:txBody>
+          </p:sp>
+        </mc:Fallback>
+      </mc:AlternateContent>
+      <p:sp>
+        <p:nvSpPr>
+          <p:cNvPr id="30" name="正方形/長方形 29">
+            <a:extLst>
+              <a:ext uri="{FF2B5EF4-FFF2-40B4-BE49-F238E27FC236}">
+                <a16:creationId xmlns:a16="http://schemas.microsoft.com/office/drawing/2014/main" id="{FC094987-14AB-E120-9FEC-0B31E37ACF7F}"/>
+              </a:ext>
+            </a:extLst>
+          </p:cNvPr>
+          <p:cNvSpPr/>
+          <p:nvPr/>
+        </p:nvSpPr>
+        <p:spPr>
+          <a:xfrm>
+            <a:off x="256009" y="2013825"/>
+            <a:ext cx="1656000" cy="3600000"/>
+          </a:xfrm>
+          <a:prstGeom prst="rect">
+            <a:avLst/>
+          </a:prstGeom>
+          <a:noFill/>
+          <a:ln w="57150">
+            <a:solidFill>
+              <a:schemeClr val="accent2"/>
+            </a:solidFill>
+          </a:ln>
+        </p:spPr>
+        <p:style>
+          <a:lnRef idx="2">
+            <a:schemeClr val="accent1">
+              <a:shade val="15000"/>
+            </a:schemeClr>
+          </a:lnRef>
+          <a:fillRef idx="1">
+            <a:schemeClr val="accent1"/>
+          </a:fillRef>
+          <a:effectRef idx="0">
+            <a:schemeClr val="accent1"/>
+          </a:effectRef>
+          <a:fontRef idx="minor">
+            <a:schemeClr val="lt1"/>
+          </a:fontRef>
+        </p:style>
+        <p:txBody>
+          <a:bodyPr rtlCol="0" anchor="ctr"/>
+          <a:lstStyle/>
+          <a:p>
+            <a:pPr algn="ctr"/>
+            <a:endParaRPr lang="ja-JP" altLang="en-US"/>
+          </a:p>
+        </p:txBody>
+      </p:sp>
+      <p:sp>
+        <p:nvSpPr>
+          <p:cNvPr id="32" name="正方形/長方形 31">
+            <a:extLst>
+              <a:ext uri="{FF2B5EF4-FFF2-40B4-BE49-F238E27FC236}">
+                <a16:creationId xmlns:a16="http://schemas.microsoft.com/office/drawing/2014/main" id="{73E1439A-03A1-B784-7643-012C19006424}"/>
+              </a:ext>
+            </a:extLst>
+          </p:cNvPr>
+          <p:cNvSpPr/>
+          <p:nvPr/>
+        </p:nvSpPr>
+        <p:spPr>
+          <a:xfrm>
+            <a:off x="1966320" y="2013825"/>
+            <a:ext cx="2160000" cy="3600000"/>
+          </a:xfrm>
+          <a:prstGeom prst="rect">
+            <a:avLst/>
+          </a:prstGeom>
+          <a:noFill/>
+          <a:ln w="57150">
+            <a:solidFill>
+              <a:srgbClr val="0070C0"/>
+            </a:solidFill>
+          </a:ln>
+        </p:spPr>
+        <p:style>
+          <a:lnRef idx="2">
+            <a:schemeClr val="accent1">
+              <a:shade val="15000"/>
+            </a:schemeClr>
+          </a:lnRef>
+          <a:fillRef idx="1">
+            <a:schemeClr val="accent1"/>
+          </a:fillRef>
+          <a:effectRef idx="0">
+            <a:schemeClr val="accent1"/>
+          </a:effectRef>
+          <a:fontRef idx="minor">
+            <a:schemeClr val="lt1"/>
+          </a:fontRef>
+        </p:style>
+        <p:txBody>
+          <a:bodyPr rtlCol="0" anchor="ctr"/>
+          <a:lstStyle/>
+          <a:p>
+            <a:pPr algn="ctr"/>
+            <a:endParaRPr lang="ja-JP" altLang="en-US"/>
+          </a:p>
+        </p:txBody>
+      </p:sp>
+      <p:sp>
+        <p:nvSpPr>
+          <p:cNvPr id="33" name="右中かっこ 32">
+            <a:extLst>
+              <a:ext uri="{FF2B5EF4-FFF2-40B4-BE49-F238E27FC236}">
+                <a16:creationId xmlns:a16="http://schemas.microsoft.com/office/drawing/2014/main" id="{0E9B6A48-5360-7150-EACD-46BA08F967AE}"/>
+              </a:ext>
+            </a:extLst>
+          </p:cNvPr>
+          <p:cNvSpPr/>
+          <p:nvPr/>
+        </p:nvSpPr>
+        <p:spPr>
+          <a:xfrm rot="5400000">
+            <a:off x="2048658" y="4016935"/>
+            <a:ext cx="237259" cy="3822559"/>
+          </a:xfrm>
+          <a:prstGeom prst="rightBrace">
+            <a:avLst/>
+          </a:prstGeom>
+          <a:ln>
+            <a:solidFill>
+              <a:schemeClr val="tx1"/>
+            </a:solidFill>
+          </a:ln>
+        </p:spPr>
+        <p:style>
+          <a:lnRef idx="2">
+            <a:schemeClr val="accent1"/>
+          </a:lnRef>
+          <a:fillRef idx="0">
+            <a:schemeClr val="accent1"/>
+          </a:fillRef>
+          <a:effectRef idx="1">
+            <a:schemeClr val="accent1"/>
+          </a:effectRef>
+          <a:fontRef idx="minor">
+            <a:schemeClr val="tx1"/>
+          </a:fontRef>
+        </p:style>
+        <p:txBody>
+          <a:bodyPr rtlCol="0" anchor="ctr"/>
+          <a:lstStyle/>
+          <a:p>
+            <a:pPr algn="ctr"/>
+            <a:endParaRPr kumimoji="1" lang="ja-JP" altLang="en-US"/>
+          </a:p>
+        </p:txBody>
+      </p:sp>
+      <mc:AlternateContent xmlns:mc="http://schemas.openxmlformats.org/markup-compatibility/2006">
+        <mc:Choice xmlns:a14="http://schemas.microsoft.com/office/drawing/2010/main" Requires="a14">
+          <p:sp>
+            <p:nvSpPr>
+              <p:cNvPr id="34" name="テキスト ボックス 33">
+                <a:extLst>
+                  <a:ext uri="{FF2B5EF4-FFF2-40B4-BE49-F238E27FC236}">
+                    <a16:creationId xmlns:a16="http://schemas.microsoft.com/office/drawing/2014/main" id="{DFA62EC3-D769-D01E-D845-567444CEE450}"/>
+                  </a:ext>
+                </a:extLst>
+              </p:cNvPr>
+              <p:cNvSpPr txBox="1"/>
+              <p:nvPr/>
+            </p:nvSpPr>
+            <p:spPr>
+              <a:xfrm>
+                <a:off x="1815427" y="6161613"/>
+                <a:ext cx="703719" cy="369332"/>
+              </a:xfrm>
+              <a:prstGeom prst="rect">
+                <a:avLst/>
+              </a:prstGeom>
+              <a:noFill/>
+            </p:spPr>
+            <p:txBody>
+              <a:bodyPr wrap="square" lIns="0" tIns="0" rIns="0" bIns="0" rtlCol="0">
+                <a:spAutoFit/>
+              </a:bodyPr>
+              <a:lstStyle/>
+              <a:p>
+                <a:pPr/>
+                <a14:m>
+                  <m:oMathPara xmlns:m="http://schemas.openxmlformats.org/officeDocument/2006/math">
+                    <m:oMathParaPr>
+                      <m:jc m:val="centerGroup"/>
+                    </m:oMathParaPr>
+                    <m:oMath xmlns:m="http://schemas.openxmlformats.org/officeDocument/2006/math">
+                      <m:r>
+                        <a:rPr lang="ja-JP" altLang="en-US" sz="2400" i="1">
+                          <a:latin typeface="Cambria Math" panose="02040503050406030204" pitchFamily="18" charset="0"/>
+                          <a:ea typeface="Cambria Math" panose="02040503050406030204" pitchFamily="18" charset="0"/>
+                        </a:rPr>
+                        <m:t>検査</m:t>
+                      </m:r>
+                    </m:oMath>
+                  </m:oMathPara>
+                </a14:m>
+                <a:endParaRPr kumimoji="1" lang="ja-JP" altLang="en-US" sz="2400" dirty="0"/>
+              </a:p>
+            </p:txBody>
+          </p:sp>
+        </mc:Choice>
+        <mc:Fallback>
+          <p:sp>
+            <p:nvSpPr>
+              <p:cNvPr id="34" name="テキスト ボックス 33">
+                <a:extLst>
+                  <a:ext uri="{FF2B5EF4-FFF2-40B4-BE49-F238E27FC236}">
+                    <a16:creationId xmlns:a16="http://schemas.microsoft.com/office/drawing/2014/main" id="{DFA62EC3-D769-D01E-D845-567444CEE450}"/>
+                  </a:ext>
+                </a:extLst>
+              </p:cNvPr>
+              <p:cNvSpPr txBox="1">
+                <a:spLocks noRot="1" noChangeAspect="1" noMove="1" noResize="1" noEditPoints="1" noAdjustHandles="1" noChangeArrowheads="1" noChangeShapeType="1" noTextEdit="1"/>
+              </p:cNvSpPr>
+              <p:nvPr/>
+            </p:nvSpPr>
+            <p:spPr>
+              <a:xfrm>
+                <a:off x="1815427" y="6161613"/>
+                <a:ext cx="703719" cy="369332"/>
+              </a:xfrm>
+              <a:prstGeom prst="rect">
+                <a:avLst/>
+              </a:prstGeom>
+              <a:blipFill>
+                <a:blip r:embed="rId11"/>
+                <a:stretch>
+                  <a:fillRect l="-13913" t="-11667" r="-14783" b="-26667"/>
+                </a:stretch>
+              </a:blipFill>
+            </p:spPr>
+            <p:txBody>
+              <a:bodyPr/>
+              <a:lstStyle/>
+              <a:p>
+                <a:r>
+                  <a:rPr lang="ja-JP" altLang="en-US">
+                    <a:noFill/>
+                  </a:rPr>
+                  <a:t> </a:t>
+                </a:r>
+              </a:p>
+            </p:txBody>
+          </p:sp>
+        </mc:Fallback>
+      </mc:AlternateContent>
+      <mc:AlternateContent xmlns:mc="http://schemas.openxmlformats.org/markup-compatibility/2006">
+        <mc:Choice xmlns:a14="http://schemas.microsoft.com/office/drawing/2010/main" Requires="a14">
+          <p:sp>
+            <p:nvSpPr>
+              <p:cNvPr id="2" name="テキスト ボックス 1">
+                <a:extLst>
+                  <a:ext uri="{FF2B5EF4-FFF2-40B4-BE49-F238E27FC236}">
+                    <a16:creationId xmlns:a16="http://schemas.microsoft.com/office/drawing/2014/main" id="{CD4AB3E0-E00F-132A-E4E2-5695876DDE52}"/>
+                  </a:ext>
+                </a:extLst>
+              </p:cNvPr>
+              <p:cNvSpPr txBox="1"/>
+              <p:nvPr/>
+            </p:nvSpPr>
+            <p:spPr>
+              <a:xfrm>
+                <a:off x="387699" y="2672515"/>
+                <a:ext cx="1401558" cy="369332"/>
+              </a:xfrm>
+              <a:prstGeom prst="rect">
+                <a:avLst/>
+              </a:prstGeom>
+              <a:noFill/>
+            </p:spPr>
+            <p:txBody>
+              <a:bodyPr wrap="square" lIns="0" tIns="0" rIns="0" bIns="0" rtlCol="0">
+                <a:spAutoFit/>
+              </a:bodyPr>
+              <a:lstStyle/>
+              <a:p>
+                <a:pPr/>
+                <a14:m>
+                  <m:oMathPara xmlns:m="http://schemas.openxmlformats.org/officeDocument/2006/math">
+                    <m:oMathParaPr>
+                      <m:jc m:val="centerGroup"/>
+                    </m:oMathParaPr>
+                    <m:oMath xmlns:m="http://schemas.openxmlformats.org/officeDocument/2006/math">
+                      <m:r>
+                        <a:rPr lang="en-US" altLang="ja-JP" sz="2400" b="0" i="1" smtClean="0">
+                          <a:latin typeface="Cambria Math" panose="02040503050406030204" pitchFamily="18" charset="0"/>
+                        </a:rPr>
+                        <m:t>(1)</m:t>
+                      </m:r>
+                      <m:r>
+                        <a:rPr lang="ja-JP" altLang="en-US" sz="2400" i="1">
+                          <a:latin typeface="Cambria Math" panose="02040503050406030204" pitchFamily="18" charset="0"/>
+                        </a:rPr>
+                        <m:t>真陽性</m:t>
+                      </m:r>
+                    </m:oMath>
+                  </m:oMathPara>
+                </a14:m>
+                <a:endParaRPr kumimoji="1" lang="ja-JP" altLang="en-US" sz="2400" dirty="0"/>
+              </a:p>
+            </p:txBody>
+          </p:sp>
+        </mc:Choice>
+        <mc:Fallback>
+          <p:sp>
+            <p:nvSpPr>
+              <p:cNvPr id="2" name="テキスト ボックス 1">
+                <a:extLst>
+                  <a:ext uri="{FF2B5EF4-FFF2-40B4-BE49-F238E27FC236}">
+                    <a16:creationId xmlns:a16="http://schemas.microsoft.com/office/drawing/2014/main" id="{CD4AB3E0-E00F-132A-E4E2-5695876DDE52}"/>
+                  </a:ext>
+                </a:extLst>
+              </p:cNvPr>
+              <p:cNvSpPr txBox="1">
+                <a:spLocks noRot="1" noChangeAspect="1" noMove="1" noResize="1" noEditPoints="1" noAdjustHandles="1" noChangeArrowheads="1" noChangeShapeType="1" noTextEdit="1"/>
+              </p:cNvSpPr>
+              <p:nvPr/>
+            </p:nvSpPr>
+            <p:spPr>
+              <a:xfrm>
+                <a:off x="387699" y="2672515"/>
+                <a:ext cx="1401558" cy="369332"/>
+              </a:xfrm>
+              <a:prstGeom prst="rect">
+                <a:avLst/>
+              </a:prstGeom>
+              <a:blipFill>
+                <a:blip r:embed="rId12"/>
+                <a:stretch>
+                  <a:fillRect l="-8261" t="-9836" r="-7826" b="-34426"/>
+                </a:stretch>
+              </a:blipFill>
+            </p:spPr>
+            <p:txBody>
+              <a:bodyPr/>
+              <a:lstStyle/>
+              <a:p>
+                <a:r>
+                  <a:rPr lang="ja-JP" altLang="en-US">
+                    <a:noFill/>
+                  </a:rPr>
+                  <a:t> </a:t>
+                </a:r>
+              </a:p>
+            </p:txBody>
+          </p:sp>
+        </mc:Fallback>
+      </mc:AlternateContent>
+      <mc:AlternateContent xmlns:mc="http://schemas.openxmlformats.org/markup-compatibility/2006">
+        <mc:Choice xmlns:a14="http://schemas.microsoft.com/office/drawing/2010/main" Requires="a14">
+          <p:sp>
+            <p:nvSpPr>
+              <p:cNvPr id="3" name="テキスト ボックス 2">
+                <a:extLst>
+                  <a:ext uri="{FF2B5EF4-FFF2-40B4-BE49-F238E27FC236}">
+                    <a16:creationId xmlns:a16="http://schemas.microsoft.com/office/drawing/2014/main" id="{3E29E329-A298-F700-3924-B528C07E0DC6}"/>
+                  </a:ext>
+                </a:extLst>
+              </p:cNvPr>
+              <p:cNvSpPr txBox="1"/>
+              <p:nvPr/>
+            </p:nvSpPr>
+            <p:spPr>
+              <a:xfrm>
+                <a:off x="2241688" y="2642448"/>
+                <a:ext cx="1401557" cy="369332"/>
+              </a:xfrm>
+              <a:prstGeom prst="rect">
+                <a:avLst/>
+              </a:prstGeom>
+              <a:noFill/>
+            </p:spPr>
+            <p:txBody>
+              <a:bodyPr wrap="square" lIns="0" tIns="0" rIns="0" bIns="0" rtlCol="0">
+                <a:spAutoFit/>
+              </a:bodyPr>
+              <a:lstStyle/>
+              <a:p>
+                <a14:m>
+                  <m:oMath xmlns:m="http://schemas.openxmlformats.org/officeDocument/2006/math">
+                    <m:r>
+                      <a:rPr lang="en-US" altLang="ja-JP" sz="2400" b="0" i="1" smtClean="0">
+                        <a:latin typeface="Cambria Math" panose="02040503050406030204" pitchFamily="18" charset="0"/>
+                      </a:rPr>
+                      <m:t>(4)</m:t>
+                    </m:r>
+                    <m:r>
+                      <a:rPr lang="ja-JP" altLang="en-US" sz="2400" i="1" smtClean="0">
+                        <a:latin typeface="Cambria Math" panose="02040503050406030204" pitchFamily="18" charset="0"/>
+                      </a:rPr>
+                      <m:t>偽</m:t>
+                    </m:r>
+                  </m:oMath>
+                </a14:m>
+                <a:r>
+                  <a:rPr kumimoji="1" lang="ja-JP" altLang="en-US" sz="2400" dirty="0"/>
+                  <a:t>陰性</a:t>
+                </a:r>
+              </a:p>
+            </p:txBody>
+          </p:sp>
+        </mc:Choice>
+        <mc:Fallback>
+          <p:sp>
+            <p:nvSpPr>
+              <p:cNvPr id="3" name="テキスト ボックス 2">
+                <a:extLst>
+                  <a:ext uri="{FF2B5EF4-FFF2-40B4-BE49-F238E27FC236}">
+                    <a16:creationId xmlns:a16="http://schemas.microsoft.com/office/drawing/2014/main" id="{3E29E329-A298-F700-3924-B528C07E0DC6}"/>
+                  </a:ext>
+                </a:extLst>
+              </p:cNvPr>
+              <p:cNvSpPr txBox="1">
+                <a:spLocks noRot="1" noChangeAspect="1" noMove="1" noResize="1" noEditPoints="1" noAdjustHandles="1" noChangeArrowheads="1" noChangeShapeType="1" noTextEdit="1"/>
+              </p:cNvSpPr>
+              <p:nvPr/>
+            </p:nvSpPr>
+            <p:spPr>
+              <a:xfrm>
+                <a:off x="2241688" y="2642448"/>
+                <a:ext cx="1401557" cy="369332"/>
+              </a:xfrm>
+              <a:prstGeom prst="rect">
+                <a:avLst/>
+              </a:prstGeom>
+              <a:blipFill>
+                <a:blip r:embed="rId13"/>
+                <a:stretch>
+                  <a:fillRect l="-10435" t="-22951" r="-8261" b="-50820"/>
+                </a:stretch>
+              </a:blipFill>
+            </p:spPr>
+            <p:txBody>
+              <a:bodyPr/>
+              <a:lstStyle/>
+              <a:p>
+                <a:r>
+                  <a:rPr lang="ja-JP" altLang="en-US">
+                    <a:noFill/>
+                  </a:rPr>
+                  <a:t> </a:t>
+                </a:r>
+              </a:p>
+            </p:txBody>
+          </p:sp>
+        </mc:Fallback>
+      </mc:AlternateContent>
+      <mc:AlternateContent xmlns:mc="http://schemas.openxmlformats.org/markup-compatibility/2006">
+        <mc:Choice xmlns:a14="http://schemas.microsoft.com/office/drawing/2010/main" Requires="a14">
+          <p:sp>
+            <p:nvSpPr>
+              <p:cNvPr id="8" name="テキスト ボックス 7">
+                <a:extLst>
+                  <a:ext uri="{FF2B5EF4-FFF2-40B4-BE49-F238E27FC236}">
+                    <a16:creationId xmlns:a16="http://schemas.microsoft.com/office/drawing/2014/main" id="{9E84B159-8C1D-33A5-2629-FAF7713B498F}"/>
+                  </a:ext>
+                </a:extLst>
+              </p:cNvPr>
+              <p:cNvSpPr txBox="1"/>
+              <p:nvPr/>
+            </p:nvSpPr>
+            <p:spPr>
+              <a:xfrm>
+                <a:off x="431781" y="3992862"/>
+                <a:ext cx="1401558" cy="369332"/>
+              </a:xfrm>
+              <a:prstGeom prst="rect">
+                <a:avLst/>
+              </a:prstGeom>
+              <a:noFill/>
+            </p:spPr>
+            <p:txBody>
+              <a:bodyPr wrap="square" lIns="0" tIns="0" rIns="0" bIns="0" rtlCol="0">
+                <a:spAutoFit/>
+              </a:bodyPr>
+              <a:lstStyle/>
+              <a:p>
+                <a14:m>
+                  <m:oMath xmlns:m="http://schemas.openxmlformats.org/officeDocument/2006/math">
+                    <m:r>
+                      <a:rPr lang="en-US" altLang="ja-JP" sz="2400" b="0" i="1" smtClean="0">
+                        <a:latin typeface="Cambria Math" panose="02040503050406030204" pitchFamily="18" charset="0"/>
+                      </a:rPr>
+                      <m:t>(2)</m:t>
+                    </m:r>
+                    <m:r>
+                      <a:rPr lang="ja-JP" altLang="en-US" sz="2400" i="1" smtClean="0">
+                        <a:latin typeface="Cambria Math" panose="02040503050406030204" pitchFamily="18" charset="0"/>
+                      </a:rPr>
+                      <m:t>偽</m:t>
+                    </m:r>
+                  </m:oMath>
+                </a14:m>
+                <a:r>
+                  <a:rPr kumimoji="1" lang="ja-JP" altLang="en-US" sz="2400" dirty="0"/>
+                  <a:t>陽性</a:t>
+                </a:r>
+              </a:p>
+            </p:txBody>
+          </p:sp>
+        </mc:Choice>
+        <mc:Fallback>
+          <p:sp>
+            <p:nvSpPr>
+              <p:cNvPr id="8" name="テキスト ボックス 7">
+                <a:extLst>
+                  <a:ext uri="{FF2B5EF4-FFF2-40B4-BE49-F238E27FC236}">
+                    <a16:creationId xmlns:a16="http://schemas.microsoft.com/office/drawing/2014/main" id="{9E84B159-8C1D-33A5-2629-FAF7713B498F}"/>
+                  </a:ext>
+                </a:extLst>
+              </p:cNvPr>
+              <p:cNvSpPr txBox="1">
+                <a:spLocks noRot="1" noChangeAspect="1" noMove="1" noResize="1" noEditPoints="1" noAdjustHandles="1" noChangeArrowheads="1" noChangeShapeType="1" noTextEdit="1"/>
+              </p:cNvSpPr>
+              <p:nvPr/>
+            </p:nvSpPr>
+            <p:spPr>
+              <a:xfrm>
+                <a:off x="431781" y="3992862"/>
+                <a:ext cx="1401558" cy="369332"/>
+              </a:xfrm>
+              <a:prstGeom prst="rect">
+                <a:avLst/>
+              </a:prstGeom>
+              <a:blipFill>
+                <a:blip r:embed="rId14"/>
+                <a:stretch>
+                  <a:fillRect l="-10435" t="-24590" r="-8261" b="-49180"/>
+                </a:stretch>
+              </a:blipFill>
+            </p:spPr>
+            <p:txBody>
+              <a:bodyPr/>
+              <a:lstStyle/>
+              <a:p>
+                <a:r>
+                  <a:rPr lang="ja-JP" altLang="en-US">
+                    <a:noFill/>
+                  </a:rPr>
+                  <a:t> </a:t>
+                </a:r>
+              </a:p>
+            </p:txBody>
+          </p:sp>
+        </mc:Fallback>
+      </mc:AlternateContent>
+      <mc:AlternateContent xmlns:mc="http://schemas.openxmlformats.org/markup-compatibility/2006">
+        <mc:Choice xmlns:a14="http://schemas.microsoft.com/office/drawing/2010/main" Requires="a14">
+          <p:sp>
+            <p:nvSpPr>
+              <p:cNvPr id="12" name="テキスト ボックス 11">
+                <a:extLst>
+                  <a:ext uri="{FF2B5EF4-FFF2-40B4-BE49-F238E27FC236}">
+                    <a16:creationId xmlns:a16="http://schemas.microsoft.com/office/drawing/2014/main" id="{628F37DC-0ED0-D9F2-5B25-3D8D621AEF35}"/>
+                  </a:ext>
+                </a:extLst>
+              </p:cNvPr>
+              <p:cNvSpPr txBox="1"/>
+              <p:nvPr/>
+            </p:nvSpPr>
+            <p:spPr>
+              <a:xfrm>
+                <a:off x="2241689" y="3992862"/>
+                <a:ext cx="1401556" cy="369332"/>
+              </a:xfrm>
+              <a:prstGeom prst="rect">
+                <a:avLst/>
+              </a:prstGeom>
+              <a:noFill/>
+            </p:spPr>
+            <p:txBody>
+              <a:bodyPr wrap="square" lIns="0" tIns="0" rIns="0" bIns="0" rtlCol="0">
+                <a:spAutoFit/>
+              </a:bodyPr>
+              <a:lstStyle/>
+              <a:p>
+                <a14:m>
+                  <m:oMath xmlns:m="http://schemas.openxmlformats.org/officeDocument/2006/math">
+                    <m:r>
+                      <a:rPr lang="en-US" altLang="ja-JP" sz="2400" b="0" i="1" smtClean="0">
+                        <a:latin typeface="Cambria Math" panose="02040503050406030204" pitchFamily="18" charset="0"/>
+                      </a:rPr>
+                      <m:t>(3)</m:t>
+                    </m:r>
+                    <m:r>
+                      <a:rPr lang="ja-JP" altLang="en-US" sz="2400" i="1" smtClean="0">
+                        <a:latin typeface="Cambria Math" panose="02040503050406030204" pitchFamily="18" charset="0"/>
+                      </a:rPr>
+                      <m:t>真</m:t>
+                    </m:r>
+                  </m:oMath>
+                </a14:m>
+                <a:r>
+                  <a:rPr kumimoji="1" lang="ja-JP" altLang="en-US" sz="2400" dirty="0"/>
+                  <a:t>陰性</a:t>
+                </a:r>
+              </a:p>
+            </p:txBody>
+          </p:sp>
+        </mc:Choice>
+        <mc:Fallback>
+          <p:sp>
+            <p:nvSpPr>
+              <p:cNvPr id="12" name="テキスト ボックス 11">
+                <a:extLst>
+                  <a:ext uri="{FF2B5EF4-FFF2-40B4-BE49-F238E27FC236}">
+                    <a16:creationId xmlns:a16="http://schemas.microsoft.com/office/drawing/2014/main" id="{628F37DC-0ED0-D9F2-5B25-3D8D621AEF35}"/>
+                  </a:ext>
+                </a:extLst>
+              </p:cNvPr>
+              <p:cNvSpPr txBox="1">
+                <a:spLocks noRot="1" noChangeAspect="1" noMove="1" noResize="1" noEditPoints="1" noAdjustHandles="1" noChangeArrowheads="1" noChangeShapeType="1" noTextEdit="1"/>
+              </p:cNvSpPr>
+              <p:nvPr/>
+            </p:nvSpPr>
+            <p:spPr>
+              <a:xfrm>
+                <a:off x="2241689" y="3992862"/>
+                <a:ext cx="1401556" cy="369332"/>
+              </a:xfrm>
+              <a:prstGeom prst="rect">
+                <a:avLst/>
+              </a:prstGeom>
+              <a:blipFill>
+                <a:blip r:embed="rId15"/>
+                <a:stretch>
+                  <a:fillRect l="-10435" t="-24590" r="-8261" b="-49180"/>
+                </a:stretch>
+              </a:blipFill>
+            </p:spPr>
+            <p:txBody>
+              <a:bodyPr/>
+              <a:lstStyle/>
+              <a:p>
+                <a:r>
+                  <a:rPr lang="ja-JP" altLang="en-US">
+                    <a:noFill/>
+                  </a:rPr>
+                  <a:t> </a:t>
+                </a:r>
+              </a:p>
+            </p:txBody>
+          </p:sp>
+        </mc:Fallback>
+      </mc:AlternateContent>
+      <p:sp>
+        <p:nvSpPr>
+          <p:cNvPr id="19" name="テキスト ボックス 18">
+            <a:extLst>
+              <a:ext uri="{FF2B5EF4-FFF2-40B4-BE49-F238E27FC236}">
+                <a16:creationId xmlns:a16="http://schemas.microsoft.com/office/drawing/2014/main" id="{A1201DEE-AE58-EC8E-3EFC-D2FCDC137667}"/>
+              </a:ext>
+            </a:extLst>
+          </p:cNvPr>
+          <p:cNvSpPr txBox="1"/>
+          <p:nvPr/>
+        </p:nvSpPr>
+        <p:spPr>
+          <a:xfrm>
+            <a:off x="135963" y="225631"/>
+            <a:ext cx="2603598" cy="461665"/>
+          </a:xfrm>
+          <a:prstGeom prst="rect">
+            <a:avLst/>
+          </a:prstGeom>
+          <a:noFill/>
+        </p:spPr>
+        <p:txBody>
+          <a:bodyPr wrap="none" rtlCol="0">
+            <a:spAutoFit/>
+          </a:bodyPr>
+          <a:lstStyle/>
+          <a:p>
+            <a:r>
+              <a:rPr kumimoji="1" lang="ja-JP" altLang="en-US" sz="2400" b="1" dirty="0"/>
+              <a:t>検査 </a:t>
+            </a:r>
+            <a:r>
+              <a:rPr kumimoji="1" lang="en-US" altLang="ja-JP" sz="2400" b="1" dirty="0"/>
+              <a:t>1</a:t>
+            </a:r>
+            <a:r>
+              <a:rPr kumimoji="1" lang="ja-JP" altLang="en-US" sz="2400" b="1" dirty="0"/>
+              <a:t>回目の状況</a:t>
+            </a:r>
+          </a:p>
+        </p:txBody>
+      </p:sp>
+      <p:grpSp>
+        <p:nvGrpSpPr>
+          <p:cNvPr id="13" name="グループ化 12">
+            <a:extLst>
+              <a:ext uri="{FF2B5EF4-FFF2-40B4-BE49-F238E27FC236}">
+                <a16:creationId xmlns:a16="http://schemas.microsoft.com/office/drawing/2014/main" id="{BB31EB3A-0B32-6DE4-0DD3-E84C3D08CAEE}"/>
+              </a:ext>
+            </a:extLst>
+          </p:cNvPr>
+          <p:cNvGrpSpPr/>
+          <p:nvPr/>
+        </p:nvGrpSpPr>
+        <p:grpSpPr>
+          <a:xfrm>
+            <a:off x="6913031" y="1787302"/>
+            <a:ext cx="5124594" cy="4077468"/>
+            <a:chOff x="7661167" y="1787302"/>
+            <a:chExt cx="5124594" cy="4077468"/>
+          </a:xfrm>
+        </p:grpSpPr>
+        <mc:AlternateContent xmlns:mc="http://schemas.openxmlformats.org/markup-compatibility/2006">
+          <mc:Choice xmlns:a14="http://schemas.microsoft.com/office/drawing/2010/main" Requires="a14">
+            <p:sp>
+              <p:nvSpPr>
+                <p:cNvPr id="16" name="テキスト ボックス 15">
+                  <a:extLst>
+                    <a:ext uri="{FF2B5EF4-FFF2-40B4-BE49-F238E27FC236}">
+                      <a16:creationId xmlns:a16="http://schemas.microsoft.com/office/drawing/2014/main" id="{EB6F0025-AB29-C46F-A6FA-1ACE42E91C86}"/>
+                    </a:ext>
+                  </a:extLst>
+                </p:cNvPr>
+                <p:cNvSpPr txBox="1"/>
+                <p:nvPr/>
+              </p:nvSpPr>
+              <p:spPr>
+                <a:xfrm>
+                  <a:off x="7904775" y="2612990"/>
+                  <a:ext cx="4316225" cy="570156"/>
+                </a:xfrm>
+                <a:prstGeom prst="rect">
+                  <a:avLst/>
+                </a:prstGeom>
+                <a:noFill/>
+              </p:spPr>
+              <p:txBody>
+                <a:bodyPr wrap="square" lIns="0" tIns="0" rIns="0" bIns="0" rtlCol="0">
+                  <a:spAutoFit/>
+                </a:bodyPr>
+                <a:lstStyle/>
+                <a:p>
+                  <a:r>
+                    <a:rPr kumimoji="1" lang="ja-JP" altLang="en-US" sz="2400" b="1" dirty="0"/>
+                    <a:t>感度</a:t>
+                  </a:r>
+                  <a14:m>
+                    <m:oMath xmlns:m="http://schemas.openxmlformats.org/officeDocument/2006/math">
+                      <m:r>
+                        <a:rPr kumimoji="1" lang="en-US" altLang="ja-JP" sz="2400" b="0" i="0" smtClean="0">
+                          <a:latin typeface="Cambria Math" panose="02040503050406030204" pitchFamily="18" charset="0"/>
+                        </a:rPr>
+                        <m:t>=</m:t>
+                      </m:r>
+                      <m:r>
+                        <a:rPr kumimoji="1" lang="en-US" altLang="ja-JP" sz="2400" b="0" i="1" smtClean="0">
+                          <a:latin typeface="Cambria Math" panose="02040503050406030204" pitchFamily="18" charset="0"/>
+                        </a:rPr>
+                        <m:t>𝑃</m:t>
+                      </m:r>
+                      <m:d>
+                        <m:dPr>
+                          <m:ctrlPr>
+                            <a:rPr kumimoji="1" lang="en-US" altLang="ja-JP" sz="2400" b="0" i="1" smtClean="0">
+                              <a:latin typeface="Cambria Math" panose="02040503050406030204" pitchFamily="18" charset="0"/>
+                            </a:rPr>
+                          </m:ctrlPr>
+                        </m:dPr>
+                        <m:e>
+                          <m:r>
+                            <a:rPr kumimoji="1" lang="en-US" altLang="ja-JP" sz="2400" b="0" i="1" smtClean="0">
+                              <a:solidFill>
+                                <a:schemeClr val="accent2"/>
+                              </a:solidFill>
+                              <a:latin typeface="Cambria Math" panose="02040503050406030204" pitchFamily="18" charset="0"/>
+                            </a:rPr>
+                            <m:t>𝐴</m:t>
+                          </m:r>
+                          <m:r>
+                            <a:rPr kumimoji="1" lang="en-US" altLang="ja-JP" sz="2400" b="0" i="1" smtClean="0">
+                              <a:latin typeface="Cambria Math" panose="02040503050406030204" pitchFamily="18" charset="0"/>
+                            </a:rPr>
+                            <m:t>|</m:t>
+                          </m:r>
+                          <m:sSub>
+                            <m:sSubPr>
+                              <m:ctrlPr>
+                                <a:rPr kumimoji="1" lang="en-US" altLang="ja-JP" sz="2400" b="0" i="1" smtClean="0">
+                                  <a:solidFill>
+                                    <a:srgbClr val="FF0000"/>
+                                  </a:solidFill>
+                                  <a:latin typeface="Cambria Math" panose="02040503050406030204" pitchFamily="18" charset="0"/>
+                                </a:rPr>
+                              </m:ctrlPr>
+                            </m:sSubPr>
+                            <m:e>
+                              <m:r>
+                                <a:rPr kumimoji="1" lang="en-US" altLang="ja-JP" sz="2400" b="0" i="1" smtClean="0">
+                                  <a:solidFill>
+                                    <a:srgbClr val="FF0000"/>
+                                  </a:solidFill>
+                                  <a:latin typeface="Cambria Math" panose="02040503050406030204" pitchFamily="18" charset="0"/>
+                                </a:rPr>
+                                <m:t>𝐻</m:t>
+                              </m:r>
+                            </m:e>
+                            <m:sub>
+                              <m:r>
+                                <a:rPr kumimoji="1" lang="en-US" altLang="ja-JP" sz="2400" b="0" i="1" smtClean="0">
+                                  <a:solidFill>
+                                    <a:srgbClr val="FF0000"/>
+                                  </a:solidFill>
+                                  <a:latin typeface="Cambria Math" panose="02040503050406030204" pitchFamily="18" charset="0"/>
+                                </a:rPr>
+                                <m:t>1</m:t>
+                              </m:r>
+                            </m:sub>
+                          </m:sSub>
+                        </m:e>
+                      </m:d>
+                      <m:r>
+                        <a:rPr kumimoji="1" lang="en-US" altLang="ja-JP" sz="2400" b="0" i="1" smtClean="0">
+                          <a:latin typeface="Cambria Math" panose="02040503050406030204" pitchFamily="18" charset="0"/>
+                        </a:rPr>
+                        <m:t>=</m:t>
+                      </m:r>
+                      <m:f>
+                        <m:fPr>
+                          <m:ctrlPr>
+                            <a:rPr kumimoji="1" lang="en-US" altLang="ja-JP" sz="2400" i="1" smtClean="0">
+                              <a:latin typeface="Cambria Math" panose="02040503050406030204" pitchFamily="18" charset="0"/>
+                            </a:rPr>
+                          </m:ctrlPr>
+                        </m:fPr>
+                        <m:num>
+                          <m:r>
+                            <a:rPr lang="en-US" altLang="ja-JP" sz="2400" i="1">
+                              <a:solidFill>
+                                <a:schemeClr val="accent2"/>
+                              </a:solidFill>
+                              <a:latin typeface="Cambria Math" panose="02040503050406030204" pitchFamily="18" charset="0"/>
+                            </a:rPr>
+                            <m:t>𝐴</m:t>
+                          </m:r>
+                          <m:r>
+                            <a:rPr lang="en-US" altLang="ja-JP" sz="2400" i="1">
+                              <a:latin typeface="Cambria Math" panose="02040503050406030204" pitchFamily="18" charset="0"/>
+                              <a:ea typeface="Cambria Math" panose="02040503050406030204" pitchFamily="18" charset="0"/>
+                            </a:rPr>
+                            <m:t>∩</m:t>
+                          </m:r>
+                          <m:sSub>
+                            <m:sSubPr>
+                              <m:ctrlPr>
+                                <a:rPr lang="en-US" altLang="ja-JP" sz="2400" i="1" smtClean="0">
+                                  <a:solidFill>
+                                    <a:srgbClr val="FF0000"/>
+                                  </a:solidFill>
+                                  <a:latin typeface="Cambria Math" panose="02040503050406030204" pitchFamily="18" charset="0"/>
+                                </a:rPr>
+                              </m:ctrlPr>
+                            </m:sSubPr>
+                            <m:e>
+                              <m:r>
+                                <a:rPr lang="en-US" altLang="ja-JP" sz="2400" i="1">
+                                  <a:solidFill>
+                                    <a:srgbClr val="FF0000"/>
+                                  </a:solidFill>
+                                  <a:latin typeface="Cambria Math" panose="02040503050406030204" pitchFamily="18" charset="0"/>
+                                </a:rPr>
+                                <m:t>𝐻</m:t>
+                              </m:r>
+                            </m:e>
+                            <m:sub>
+                              <m:r>
+                                <a:rPr lang="en-US" altLang="ja-JP" sz="2400" i="1">
+                                  <a:solidFill>
+                                    <a:srgbClr val="FF0000"/>
+                                  </a:solidFill>
+                                  <a:latin typeface="Cambria Math" panose="02040503050406030204" pitchFamily="18" charset="0"/>
+                                </a:rPr>
+                                <m:t>1</m:t>
+                              </m:r>
+                            </m:sub>
+                          </m:sSub>
+                        </m:num>
+                        <m:den>
+                          <m:d>
+                            <m:dPr>
+                              <m:ctrlPr>
+                                <a:rPr lang="en-US" altLang="ja-JP" sz="2400" i="1">
+                                  <a:latin typeface="Cambria Math" panose="02040503050406030204" pitchFamily="18" charset="0"/>
+                                  <a:ea typeface="Cambria Math" panose="02040503050406030204" pitchFamily="18" charset="0"/>
+                                </a:rPr>
+                              </m:ctrlPr>
+                            </m:dPr>
+                            <m:e>
+                              <m:r>
+                                <a:rPr lang="en-US" altLang="ja-JP" sz="2400" i="1">
+                                  <a:solidFill>
+                                    <a:schemeClr val="accent2"/>
+                                  </a:solidFill>
+                                  <a:latin typeface="Cambria Math" panose="02040503050406030204" pitchFamily="18" charset="0"/>
+                                </a:rPr>
+                                <m:t>𝐴</m:t>
+                              </m:r>
+                              <m:r>
+                                <a:rPr lang="en-US" altLang="ja-JP" sz="2400" i="1">
+                                  <a:latin typeface="Cambria Math" panose="02040503050406030204" pitchFamily="18" charset="0"/>
+                                  <a:ea typeface="Cambria Math" panose="02040503050406030204" pitchFamily="18" charset="0"/>
+                                </a:rPr>
+                                <m:t>∩</m:t>
+                              </m:r>
+                              <m:sSub>
+                                <m:sSubPr>
+                                  <m:ctrlPr>
+                                    <a:rPr lang="en-US" altLang="ja-JP" sz="2400" i="1" smtClean="0">
+                                      <a:solidFill>
+                                        <a:srgbClr val="FF0000"/>
+                                      </a:solidFill>
+                                      <a:latin typeface="Cambria Math" panose="02040503050406030204" pitchFamily="18" charset="0"/>
+                                    </a:rPr>
+                                  </m:ctrlPr>
+                                </m:sSubPr>
+                                <m:e>
+                                  <m:r>
+                                    <a:rPr lang="en-US" altLang="ja-JP" sz="2400" i="1">
+                                      <a:solidFill>
+                                        <a:srgbClr val="FF0000"/>
+                                      </a:solidFill>
+                                      <a:latin typeface="Cambria Math" panose="02040503050406030204" pitchFamily="18" charset="0"/>
+                                    </a:rPr>
+                                    <m:t>𝐻</m:t>
+                                  </m:r>
+                                </m:e>
+                                <m:sub>
+                                  <m:r>
+                                    <a:rPr lang="en-US" altLang="ja-JP" sz="2400" i="1">
+                                      <a:solidFill>
+                                        <a:srgbClr val="FF0000"/>
+                                      </a:solidFill>
+                                      <a:latin typeface="Cambria Math" panose="02040503050406030204" pitchFamily="18" charset="0"/>
+                                    </a:rPr>
+                                    <m:t>1</m:t>
+                                  </m:r>
+                                </m:sub>
+                              </m:sSub>
+                            </m:e>
+                          </m:d>
+                          <m:r>
+                            <a:rPr lang="en-US" altLang="ja-JP" sz="2400" i="1">
+                              <a:latin typeface="Cambria Math" panose="02040503050406030204" pitchFamily="18" charset="0"/>
+                              <a:ea typeface="Cambria Math" panose="02040503050406030204" pitchFamily="18" charset="0"/>
+                            </a:rPr>
+                            <m:t>+</m:t>
+                          </m:r>
+                          <m:d>
+                            <m:dPr>
+                              <m:ctrlPr>
+                                <a:rPr lang="en-US" altLang="ja-JP" sz="2400" i="1">
+                                  <a:latin typeface="Cambria Math" panose="02040503050406030204" pitchFamily="18" charset="0"/>
+                                  <a:ea typeface="Cambria Math" panose="02040503050406030204" pitchFamily="18" charset="0"/>
+                                </a:rPr>
+                              </m:ctrlPr>
+                            </m:dPr>
+                            <m:e>
+                              <m:sSup>
+                                <m:sSupPr>
+                                  <m:ctrlPr>
+                                    <a:rPr lang="en-US" altLang="ja-JP" sz="2400" i="1">
+                                      <a:solidFill>
+                                        <a:srgbClr val="0070C0"/>
+                                      </a:solidFill>
+                                      <a:latin typeface="Cambria Math" panose="02040503050406030204" pitchFamily="18" charset="0"/>
+                                      <a:ea typeface="Cambria Math" panose="02040503050406030204" pitchFamily="18" charset="0"/>
+                                    </a:rPr>
+                                  </m:ctrlPr>
+                                </m:sSupPr>
+                                <m:e>
+                                  <m:r>
+                                    <a:rPr lang="en-US" altLang="ja-JP" sz="2400" i="1">
+                                      <a:solidFill>
+                                        <a:srgbClr val="0070C0"/>
+                                      </a:solidFill>
+                                      <a:latin typeface="Cambria Math" panose="02040503050406030204" pitchFamily="18" charset="0"/>
+                                      <a:ea typeface="Cambria Math" panose="02040503050406030204" pitchFamily="18" charset="0"/>
+                                    </a:rPr>
+                                    <m:t>𝐴</m:t>
+                                  </m:r>
+                                </m:e>
+                                <m:sup>
+                                  <m:r>
+                                    <a:rPr lang="en-US" altLang="ja-JP" sz="2400" i="1">
+                                      <a:solidFill>
+                                        <a:srgbClr val="0070C0"/>
+                                      </a:solidFill>
+                                      <a:latin typeface="Cambria Math" panose="02040503050406030204" pitchFamily="18" charset="0"/>
+                                      <a:ea typeface="Cambria Math" panose="02040503050406030204" pitchFamily="18" charset="0"/>
+                                    </a:rPr>
+                                    <m:t>𝑐</m:t>
+                                  </m:r>
+                                </m:sup>
+                              </m:sSup>
+                              <m:r>
+                                <a:rPr lang="en-US" altLang="ja-JP" sz="2400" i="1">
+                                  <a:latin typeface="Cambria Math" panose="02040503050406030204" pitchFamily="18" charset="0"/>
+                                  <a:ea typeface="Cambria Math" panose="02040503050406030204" pitchFamily="18" charset="0"/>
+                                </a:rPr>
+                                <m:t>∩</m:t>
+                              </m:r>
+                              <m:sSub>
+                                <m:sSubPr>
+                                  <m:ctrlPr>
+                                    <a:rPr lang="en-US" altLang="ja-JP" sz="2400" i="1" smtClean="0">
+                                      <a:solidFill>
+                                        <a:srgbClr val="FF0000"/>
+                                      </a:solidFill>
+                                      <a:latin typeface="Cambria Math" panose="02040503050406030204" pitchFamily="18" charset="0"/>
+                                    </a:rPr>
+                                  </m:ctrlPr>
+                                </m:sSubPr>
+                                <m:e>
+                                  <m:r>
+                                    <a:rPr lang="en-US" altLang="ja-JP" sz="2400" i="1">
+                                      <a:solidFill>
+                                        <a:srgbClr val="FF0000"/>
+                                      </a:solidFill>
+                                      <a:latin typeface="Cambria Math" panose="02040503050406030204" pitchFamily="18" charset="0"/>
+                                    </a:rPr>
+                                    <m:t>𝐻</m:t>
+                                  </m:r>
+                                </m:e>
+                                <m:sub>
+                                  <m:r>
+                                    <a:rPr lang="en-US" altLang="ja-JP" sz="2400" i="1">
+                                      <a:solidFill>
+                                        <a:srgbClr val="FF0000"/>
+                                      </a:solidFill>
+                                      <a:latin typeface="Cambria Math" panose="02040503050406030204" pitchFamily="18" charset="0"/>
+                                    </a:rPr>
+                                    <m:t>1</m:t>
+                                  </m:r>
+                                </m:sub>
+                              </m:sSub>
+                            </m:e>
+                          </m:d>
+                          <m:r>
+                            <m:rPr>
+                              <m:nor/>
+                            </m:rPr>
+                            <a:rPr lang="ja-JP" altLang="en-US" sz="2400" dirty="0"/>
+                            <m:t> </m:t>
+                          </m:r>
+                        </m:den>
+                      </m:f>
+                    </m:oMath>
+                  </a14:m>
+                  <a:endParaRPr kumimoji="1" lang="ja-JP" altLang="en-US" sz="2400" dirty="0"/>
+                </a:p>
+              </p:txBody>
+            </p:sp>
+          </mc:Choice>
+          <mc:Fallback>
+            <p:sp>
+              <p:nvSpPr>
+                <p:cNvPr id="16" name="テキスト ボックス 15">
+                  <a:extLst>
+                    <a:ext uri="{FF2B5EF4-FFF2-40B4-BE49-F238E27FC236}">
+                      <a16:creationId xmlns:a16="http://schemas.microsoft.com/office/drawing/2014/main" id="{EB6F0025-AB29-C46F-A6FA-1ACE42E91C86}"/>
+                    </a:ext>
+                  </a:extLst>
+                </p:cNvPr>
+                <p:cNvSpPr txBox="1">
+                  <a:spLocks noRot="1" noChangeAspect="1" noMove="1" noResize="1" noEditPoints="1" noAdjustHandles="1" noChangeArrowheads="1" noChangeShapeType="1" noTextEdit="1"/>
+                </p:cNvSpPr>
+                <p:nvPr/>
+              </p:nvSpPr>
+              <p:spPr>
+                <a:xfrm>
+                  <a:off x="7904775" y="2612990"/>
+                  <a:ext cx="4316225" cy="570156"/>
+                </a:xfrm>
+                <a:prstGeom prst="rect">
+                  <a:avLst/>
+                </a:prstGeom>
+                <a:blipFill>
+                  <a:blip r:embed="rId16"/>
+                  <a:stretch>
+                    <a:fillRect l="-4379" t="-2151" b="-11828"/>
+                  </a:stretch>
+                </a:blipFill>
+              </p:spPr>
+              <p:txBody>
+                <a:bodyPr/>
+                <a:lstStyle/>
+                <a:p>
+                  <a:r>
+                    <a:rPr lang="ja-JP" altLang="en-US">
+                      <a:noFill/>
+                    </a:rPr>
+                    <a:t> </a:t>
+                  </a:r>
+                </a:p>
+              </p:txBody>
+            </p:sp>
+          </mc:Fallback>
+        </mc:AlternateContent>
+        <mc:AlternateContent xmlns:mc="http://schemas.openxmlformats.org/markup-compatibility/2006">
+          <mc:Choice xmlns:a14="http://schemas.microsoft.com/office/drawing/2010/main" Requires="a14">
+            <p:sp>
+              <p:nvSpPr>
+                <p:cNvPr id="17" name="テキスト ボックス 16">
+                  <a:extLst>
+                    <a:ext uri="{FF2B5EF4-FFF2-40B4-BE49-F238E27FC236}">
+                      <a16:creationId xmlns:a16="http://schemas.microsoft.com/office/drawing/2014/main" id="{E1581CE0-76E9-D0B3-251C-613430F901E7}"/>
+                    </a:ext>
+                  </a:extLst>
+                </p:cNvPr>
+                <p:cNvSpPr txBox="1"/>
+                <p:nvPr/>
+              </p:nvSpPr>
+              <p:spPr>
+                <a:xfrm>
+                  <a:off x="7897073" y="4323846"/>
+                  <a:ext cx="4722438" cy="603050"/>
+                </a:xfrm>
+                <a:prstGeom prst="rect">
+                  <a:avLst/>
+                </a:prstGeom>
+                <a:noFill/>
+              </p:spPr>
+              <p:txBody>
+                <a:bodyPr wrap="square" lIns="0" tIns="0" rIns="0" bIns="0" rtlCol="0">
+                  <a:spAutoFit/>
+                </a:bodyPr>
+                <a:lstStyle/>
+                <a:p>
+                  <a:r>
+                    <a:rPr lang="ja-JP" altLang="en-US" sz="2400" b="1" dirty="0"/>
+                    <a:t>特異</a:t>
+                  </a:r>
+                  <a:r>
+                    <a:rPr kumimoji="1" lang="ja-JP" altLang="en-US" sz="2400" b="1" dirty="0"/>
+                    <a:t>度</a:t>
+                  </a:r>
+                  <a14:m>
+                    <m:oMath xmlns:m="http://schemas.openxmlformats.org/officeDocument/2006/math">
+                      <m:r>
+                        <a:rPr kumimoji="1" lang="en-US" altLang="ja-JP" sz="2400" b="0" i="0" smtClean="0">
+                          <a:latin typeface="Cambria Math" panose="02040503050406030204" pitchFamily="18" charset="0"/>
+                        </a:rPr>
+                        <m:t>=</m:t>
+                      </m:r>
+                      <m:r>
+                        <a:rPr lang="en-US" altLang="ja-JP" sz="2400" i="1">
+                          <a:latin typeface="Cambria Math" panose="02040503050406030204" pitchFamily="18" charset="0"/>
+                        </a:rPr>
+                        <m:t>𝑃</m:t>
+                      </m:r>
+                      <m:d>
+                        <m:dPr>
+                          <m:ctrlPr>
+                            <a:rPr lang="en-US" altLang="ja-JP" sz="2400" i="1">
+                              <a:latin typeface="Cambria Math" panose="02040503050406030204" pitchFamily="18" charset="0"/>
+                            </a:rPr>
+                          </m:ctrlPr>
+                        </m:dPr>
+                        <m:e>
+                          <m:sSup>
+                            <m:sSupPr>
+                              <m:ctrlPr>
+                                <a:rPr lang="en-US" altLang="ja-JP" sz="2400" i="1">
+                                  <a:solidFill>
+                                    <a:srgbClr val="0070C0"/>
+                                  </a:solidFill>
+                                  <a:latin typeface="Cambria Math" panose="02040503050406030204" pitchFamily="18" charset="0"/>
+                                  <a:ea typeface="Cambria Math" panose="02040503050406030204" pitchFamily="18" charset="0"/>
+                                </a:rPr>
+                              </m:ctrlPr>
+                            </m:sSupPr>
+                            <m:e>
+                              <m:r>
+                                <a:rPr lang="en-US" altLang="ja-JP" sz="2400" i="1">
+                                  <a:solidFill>
+                                    <a:srgbClr val="0070C0"/>
+                                  </a:solidFill>
+                                  <a:latin typeface="Cambria Math" panose="02040503050406030204" pitchFamily="18" charset="0"/>
+                                  <a:ea typeface="Cambria Math" panose="02040503050406030204" pitchFamily="18" charset="0"/>
+                                </a:rPr>
+                                <m:t>𝐴</m:t>
+                              </m:r>
+                            </m:e>
+                            <m:sup>
+                              <m:r>
+                                <a:rPr lang="en-US" altLang="ja-JP" sz="2400" i="1">
+                                  <a:solidFill>
+                                    <a:srgbClr val="0070C0"/>
+                                  </a:solidFill>
+                                  <a:latin typeface="Cambria Math" panose="02040503050406030204" pitchFamily="18" charset="0"/>
+                                  <a:ea typeface="Cambria Math" panose="02040503050406030204" pitchFamily="18" charset="0"/>
+                                </a:rPr>
+                                <m:t>𝑐</m:t>
+                              </m:r>
+                            </m:sup>
+                          </m:sSup>
+                          <m:r>
+                            <a:rPr lang="en-US" altLang="ja-JP" sz="2400" i="1">
+                              <a:latin typeface="Cambria Math" panose="02040503050406030204" pitchFamily="18" charset="0"/>
+                            </a:rPr>
+                            <m:t>|</m:t>
+                          </m:r>
+                          <m:sSub>
+                            <m:sSubPr>
+                              <m:ctrlPr>
+                                <a:rPr lang="en-US" altLang="ja-JP" sz="2400" i="1" smtClean="0">
+                                  <a:solidFill>
+                                    <a:srgbClr val="00B050"/>
+                                  </a:solidFill>
+                                  <a:latin typeface="Cambria Math" panose="02040503050406030204" pitchFamily="18" charset="0"/>
+                                </a:rPr>
+                              </m:ctrlPr>
+                            </m:sSubPr>
+                            <m:e>
+                              <m:r>
+                                <a:rPr lang="en-US" altLang="ja-JP" sz="2400" i="1">
+                                  <a:solidFill>
+                                    <a:srgbClr val="00B050"/>
+                                  </a:solidFill>
+                                  <a:latin typeface="Cambria Math" panose="02040503050406030204" pitchFamily="18" charset="0"/>
+                                </a:rPr>
+                                <m:t>𝐻</m:t>
+                              </m:r>
+                            </m:e>
+                            <m:sub>
+                              <m:r>
+                                <a:rPr lang="en-US" altLang="ja-JP" sz="2400" b="0" i="1" smtClean="0">
+                                  <a:solidFill>
+                                    <a:srgbClr val="00B050"/>
+                                  </a:solidFill>
+                                  <a:latin typeface="Cambria Math" panose="02040503050406030204" pitchFamily="18" charset="0"/>
+                                </a:rPr>
+                                <m:t>2</m:t>
+                              </m:r>
+                            </m:sub>
+                          </m:sSub>
+                        </m:e>
+                      </m:d>
+                      <m:r>
+                        <a:rPr lang="en-US" altLang="ja-JP" sz="2400" b="0" i="1" smtClean="0">
+                          <a:solidFill>
+                            <a:schemeClr val="tx1"/>
+                          </a:solidFill>
+                          <a:latin typeface="Cambria Math" panose="02040503050406030204" pitchFamily="18" charset="0"/>
+                        </a:rPr>
+                        <m:t>=</m:t>
+                      </m:r>
+                      <m:f>
+                        <m:fPr>
+                          <m:ctrlPr>
+                            <a:rPr kumimoji="1" lang="en-US" altLang="ja-JP" sz="2400" i="1" smtClean="0">
+                              <a:latin typeface="Cambria Math" panose="02040503050406030204" pitchFamily="18" charset="0"/>
+                            </a:rPr>
+                          </m:ctrlPr>
+                        </m:fPr>
+                        <m:num>
+                          <m:sSup>
+                            <m:sSupPr>
+                              <m:ctrlPr>
+                                <a:rPr lang="en-US" altLang="ja-JP" sz="2400" i="1">
+                                  <a:solidFill>
+                                    <a:srgbClr val="0070C0"/>
+                                  </a:solidFill>
+                                  <a:latin typeface="Cambria Math" panose="02040503050406030204" pitchFamily="18" charset="0"/>
+                                  <a:ea typeface="Cambria Math" panose="02040503050406030204" pitchFamily="18" charset="0"/>
+                                </a:rPr>
+                              </m:ctrlPr>
+                            </m:sSupPr>
+                            <m:e>
+                              <m:r>
+                                <a:rPr lang="en-US" altLang="ja-JP" sz="2400" i="1">
+                                  <a:solidFill>
+                                    <a:srgbClr val="0070C0"/>
+                                  </a:solidFill>
+                                  <a:latin typeface="Cambria Math" panose="02040503050406030204" pitchFamily="18" charset="0"/>
+                                  <a:ea typeface="Cambria Math" panose="02040503050406030204" pitchFamily="18" charset="0"/>
+                                </a:rPr>
+                                <m:t>𝐴</m:t>
+                              </m:r>
+                            </m:e>
+                            <m:sup>
+                              <m:r>
+                                <a:rPr lang="en-US" altLang="ja-JP" sz="2400" i="1">
+                                  <a:solidFill>
+                                    <a:srgbClr val="0070C0"/>
+                                  </a:solidFill>
+                                  <a:latin typeface="Cambria Math" panose="02040503050406030204" pitchFamily="18" charset="0"/>
+                                  <a:ea typeface="Cambria Math" panose="02040503050406030204" pitchFamily="18" charset="0"/>
+                                </a:rPr>
+                                <m:t>𝑐</m:t>
+                              </m:r>
+                            </m:sup>
+                          </m:sSup>
+                          <m:r>
+                            <a:rPr lang="en-US" altLang="ja-JP" sz="2400" i="1">
+                              <a:latin typeface="Cambria Math" panose="02040503050406030204" pitchFamily="18" charset="0"/>
+                              <a:ea typeface="Cambria Math" panose="02040503050406030204" pitchFamily="18" charset="0"/>
+                            </a:rPr>
+                            <m:t>∩</m:t>
+                          </m:r>
+                          <m:sSub>
+                            <m:sSubPr>
+                              <m:ctrlPr>
+                                <a:rPr lang="en-US" altLang="ja-JP" sz="2400" i="1" smtClean="0">
+                                  <a:solidFill>
+                                    <a:srgbClr val="00B050"/>
+                                  </a:solidFill>
+                                  <a:latin typeface="Cambria Math" panose="02040503050406030204" pitchFamily="18" charset="0"/>
+                                </a:rPr>
+                              </m:ctrlPr>
+                            </m:sSubPr>
+                            <m:e>
+                              <m:r>
+                                <a:rPr lang="en-US" altLang="ja-JP" sz="2400" i="1">
+                                  <a:solidFill>
+                                    <a:srgbClr val="00B050"/>
+                                  </a:solidFill>
+                                  <a:latin typeface="Cambria Math" panose="02040503050406030204" pitchFamily="18" charset="0"/>
+                                </a:rPr>
+                                <m:t>𝐻</m:t>
+                              </m:r>
+                            </m:e>
+                            <m:sub>
+                              <m:r>
+                                <a:rPr lang="en-US" altLang="ja-JP" sz="2400" b="0" i="1" smtClean="0">
+                                  <a:solidFill>
+                                    <a:srgbClr val="00B050"/>
+                                  </a:solidFill>
+                                  <a:latin typeface="Cambria Math" panose="02040503050406030204" pitchFamily="18" charset="0"/>
+                                </a:rPr>
+                                <m:t>2</m:t>
+                              </m:r>
+                            </m:sub>
+                          </m:sSub>
+                        </m:num>
+                        <m:den>
+                          <m:d>
+                            <m:dPr>
+                              <m:ctrlPr>
+                                <a:rPr lang="en-US" altLang="ja-JP" sz="2400" i="1">
+                                  <a:latin typeface="Cambria Math" panose="02040503050406030204" pitchFamily="18" charset="0"/>
+                                  <a:ea typeface="Cambria Math" panose="02040503050406030204" pitchFamily="18" charset="0"/>
+                                </a:rPr>
+                              </m:ctrlPr>
+                            </m:dPr>
+                            <m:e>
+                              <m:r>
+                                <a:rPr lang="en-US" altLang="ja-JP" sz="2400" i="1">
+                                  <a:solidFill>
+                                    <a:schemeClr val="accent2"/>
+                                  </a:solidFill>
+                                  <a:latin typeface="Cambria Math" panose="02040503050406030204" pitchFamily="18" charset="0"/>
+                                </a:rPr>
+                                <m:t>𝐴</m:t>
+                              </m:r>
+                              <m:r>
+                                <a:rPr lang="en-US" altLang="ja-JP" sz="2400" i="1">
+                                  <a:latin typeface="Cambria Math" panose="02040503050406030204" pitchFamily="18" charset="0"/>
+                                  <a:ea typeface="Cambria Math" panose="02040503050406030204" pitchFamily="18" charset="0"/>
+                                </a:rPr>
+                                <m:t>∩</m:t>
+                              </m:r>
+                              <m:sSub>
+                                <m:sSubPr>
+                                  <m:ctrlPr>
+                                    <a:rPr lang="en-US" altLang="ja-JP" sz="2400" i="1" smtClean="0">
+                                      <a:solidFill>
+                                        <a:srgbClr val="00B050"/>
+                                      </a:solidFill>
+                                      <a:latin typeface="Cambria Math" panose="02040503050406030204" pitchFamily="18" charset="0"/>
+                                    </a:rPr>
+                                  </m:ctrlPr>
+                                </m:sSubPr>
+                                <m:e>
+                                  <m:r>
+                                    <a:rPr lang="en-US" altLang="ja-JP" sz="2400" i="1">
+                                      <a:solidFill>
+                                        <a:srgbClr val="00B050"/>
+                                      </a:solidFill>
+                                      <a:latin typeface="Cambria Math" panose="02040503050406030204" pitchFamily="18" charset="0"/>
+                                    </a:rPr>
+                                    <m:t>𝐻</m:t>
+                                  </m:r>
+                                </m:e>
+                                <m:sub>
+                                  <m:r>
+                                    <a:rPr lang="en-US" altLang="ja-JP" sz="2400" b="0" i="1" smtClean="0">
+                                      <a:solidFill>
+                                        <a:srgbClr val="00B050"/>
+                                      </a:solidFill>
+                                      <a:latin typeface="Cambria Math" panose="02040503050406030204" pitchFamily="18" charset="0"/>
+                                    </a:rPr>
+                                    <m:t>2</m:t>
+                                  </m:r>
+                                </m:sub>
+                              </m:sSub>
+                            </m:e>
+                          </m:d>
+                          <m:r>
+                            <a:rPr lang="en-US" altLang="ja-JP" sz="2400" i="1">
+                              <a:latin typeface="Cambria Math" panose="02040503050406030204" pitchFamily="18" charset="0"/>
+                              <a:ea typeface="Cambria Math" panose="02040503050406030204" pitchFamily="18" charset="0"/>
+                            </a:rPr>
+                            <m:t>+</m:t>
+                          </m:r>
+                          <m:d>
+                            <m:dPr>
+                              <m:ctrlPr>
+                                <a:rPr lang="en-US" altLang="ja-JP" sz="2400" i="1">
+                                  <a:latin typeface="Cambria Math" panose="02040503050406030204" pitchFamily="18" charset="0"/>
+                                  <a:ea typeface="Cambria Math" panose="02040503050406030204" pitchFamily="18" charset="0"/>
+                                </a:rPr>
+                              </m:ctrlPr>
+                            </m:dPr>
+                            <m:e>
+                              <m:sSup>
+                                <m:sSupPr>
+                                  <m:ctrlPr>
+                                    <a:rPr lang="en-US" altLang="ja-JP" sz="2400" i="1">
+                                      <a:solidFill>
+                                        <a:srgbClr val="0070C0"/>
+                                      </a:solidFill>
+                                      <a:latin typeface="Cambria Math" panose="02040503050406030204" pitchFamily="18" charset="0"/>
+                                      <a:ea typeface="Cambria Math" panose="02040503050406030204" pitchFamily="18" charset="0"/>
+                                    </a:rPr>
+                                  </m:ctrlPr>
+                                </m:sSupPr>
+                                <m:e>
+                                  <m:r>
+                                    <a:rPr lang="en-US" altLang="ja-JP" sz="2400" i="1">
+                                      <a:solidFill>
+                                        <a:srgbClr val="0070C0"/>
+                                      </a:solidFill>
+                                      <a:latin typeface="Cambria Math" panose="02040503050406030204" pitchFamily="18" charset="0"/>
+                                      <a:ea typeface="Cambria Math" panose="02040503050406030204" pitchFamily="18" charset="0"/>
+                                    </a:rPr>
+                                    <m:t>𝐴</m:t>
+                                  </m:r>
+                                </m:e>
+                                <m:sup>
+                                  <m:r>
+                                    <a:rPr lang="en-US" altLang="ja-JP" sz="2400" i="1">
+                                      <a:solidFill>
+                                        <a:srgbClr val="0070C0"/>
+                                      </a:solidFill>
+                                      <a:latin typeface="Cambria Math" panose="02040503050406030204" pitchFamily="18" charset="0"/>
+                                      <a:ea typeface="Cambria Math" panose="02040503050406030204" pitchFamily="18" charset="0"/>
+                                    </a:rPr>
+                                    <m:t>𝑐</m:t>
+                                  </m:r>
+                                </m:sup>
+                              </m:sSup>
+                              <m:r>
+                                <a:rPr lang="en-US" altLang="ja-JP" sz="2400" i="1">
+                                  <a:latin typeface="Cambria Math" panose="02040503050406030204" pitchFamily="18" charset="0"/>
+                                  <a:ea typeface="Cambria Math" panose="02040503050406030204" pitchFamily="18" charset="0"/>
+                                </a:rPr>
+                                <m:t>∩</m:t>
+                              </m:r>
+                              <m:sSub>
+                                <m:sSubPr>
+                                  <m:ctrlPr>
+                                    <a:rPr lang="en-US" altLang="ja-JP" sz="2400" i="1" smtClean="0">
+                                      <a:solidFill>
+                                        <a:srgbClr val="00B050"/>
+                                      </a:solidFill>
+                                      <a:latin typeface="Cambria Math" panose="02040503050406030204" pitchFamily="18" charset="0"/>
+                                    </a:rPr>
+                                  </m:ctrlPr>
+                                </m:sSubPr>
+                                <m:e>
+                                  <m:r>
+                                    <a:rPr lang="en-US" altLang="ja-JP" sz="2400" i="1">
+                                      <a:solidFill>
+                                        <a:srgbClr val="00B050"/>
+                                      </a:solidFill>
+                                      <a:latin typeface="Cambria Math" panose="02040503050406030204" pitchFamily="18" charset="0"/>
+                                    </a:rPr>
+                                    <m:t>𝐻</m:t>
+                                  </m:r>
+                                </m:e>
+                                <m:sub>
+                                  <m:r>
+                                    <a:rPr lang="en-US" altLang="ja-JP" sz="2400" b="0" i="1" smtClean="0">
+                                      <a:solidFill>
+                                        <a:srgbClr val="00B050"/>
+                                      </a:solidFill>
+                                      <a:latin typeface="Cambria Math" panose="02040503050406030204" pitchFamily="18" charset="0"/>
+                                    </a:rPr>
+                                    <m:t>2</m:t>
+                                  </m:r>
+                                </m:sub>
+                              </m:sSub>
+                            </m:e>
+                          </m:d>
+                          <m:r>
+                            <m:rPr>
+                              <m:nor/>
+                            </m:rPr>
+                            <a:rPr lang="ja-JP" altLang="en-US" sz="2400" dirty="0"/>
+                            <m:t> </m:t>
+                          </m:r>
+                        </m:den>
+                      </m:f>
+                    </m:oMath>
+                  </a14:m>
+                  <a:endParaRPr kumimoji="1" lang="ja-JP" altLang="en-US" sz="2400" dirty="0"/>
+                </a:p>
+              </p:txBody>
+            </p:sp>
+          </mc:Choice>
+          <mc:Fallback>
+            <p:sp>
+              <p:nvSpPr>
+                <p:cNvPr id="17" name="テキスト ボックス 16">
+                  <a:extLst>
+                    <a:ext uri="{FF2B5EF4-FFF2-40B4-BE49-F238E27FC236}">
+                      <a16:creationId xmlns:a16="http://schemas.microsoft.com/office/drawing/2014/main" id="{E1581CE0-76E9-D0B3-251C-613430F901E7}"/>
+                    </a:ext>
+                  </a:extLst>
+                </p:cNvPr>
+                <p:cNvSpPr txBox="1">
+                  <a:spLocks noRot="1" noChangeAspect="1" noMove="1" noResize="1" noEditPoints="1" noAdjustHandles="1" noChangeArrowheads="1" noChangeShapeType="1" noTextEdit="1"/>
+                </p:cNvSpPr>
+                <p:nvPr/>
+              </p:nvSpPr>
+              <p:spPr>
+                <a:xfrm>
+                  <a:off x="7897073" y="4323846"/>
+                  <a:ext cx="4722438" cy="603050"/>
+                </a:xfrm>
+                <a:prstGeom prst="rect">
+                  <a:avLst/>
+                </a:prstGeom>
+                <a:blipFill>
+                  <a:blip r:embed="rId17"/>
+                  <a:stretch>
+                    <a:fillRect l="-4005" b="-11111"/>
+                  </a:stretch>
+                </a:blipFill>
+              </p:spPr>
+              <p:txBody>
+                <a:bodyPr/>
+                <a:lstStyle/>
+                <a:p>
+                  <a:r>
+                    <a:rPr lang="ja-JP" altLang="en-US">
+                      <a:noFill/>
+                    </a:rPr>
+                    <a:t> </a:t>
+                  </a:r>
+                </a:p>
+              </p:txBody>
+            </p:sp>
+          </mc:Fallback>
+        </mc:AlternateContent>
+        <p:sp>
+          <p:nvSpPr>
+            <p:cNvPr id="20" name="テキスト ボックス 19">
+              <a:extLst>
+                <a:ext uri="{FF2B5EF4-FFF2-40B4-BE49-F238E27FC236}">
+                  <a16:creationId xmlns:a16="http://schemas.microsoft.com/office/drawing/2014/main" id="{D74BFE24-23D2-FA02-69E0-F5A6ADAA8F93}"/>
+                </a:ext>
+              </a:extLst>
+            </p:cNvPr>
+            <p:cNvSpPr txBox="1"/>
+            <p:nvPr/>
+          </p:nvSpPr>
+          <p:spPr>
+            <a:xfrm>
+              <a:off x="7804316" y="1905263"/>
+              <a:ext cx="1723549" cy="461665"/>
+            </a:xfrm>
+            <a:prstGeom prst="rect">
+              <a:avLst/>
+            </a:prstGeom>
+            <a:noFill/>
+          </p:spPr>
+          <p:txBody>
+            <a:bodyPr wrap="none" rtlCol="0">
+              <a:spAutoFit/>
+            </a:bodyPr>
+            <a:lstStyle/>
+            <a:p>
+              <a:r>
+                <a:rPr lang="ja-JP" altLang="en-US" sz="2400" b="1" dirty="0"/>
+                <a:t>検査の性能</a:t>
+              </a:r>
+              <a:endParaRPr lang="en-US" altLang="ja-JP" sz="2400" b="1" dirty="0"/>
+            </a:p>
+          </p:txBody>
+        </p:sp>
+        <p:sp>
+          <p:nvSpPr>
+            <p:cNvPr id="21" name="テキスト ボックス 20">
+              <a:extLst>
+                <a:ext uri="{FF2B5EF4-FFF2-40B4-BE49-F238E27FC236}">
+                  <a16:creationId xmlns:a16="http://schemas.microsoft.com/office/drawing/2014/main" id="{D5A08A50-E175-3D8F-5D4B-6E2686BAEC14}"/>
+                </a:ext>
+              </a:extLst>
+            </p:cNvPr>
+            <p:cNvSpPr txBox="1"/>
+            <p:nvPr/>
+          </p:nvSpPr>
+          <p:spPr>
+            <a:xfrm>
+              <a:off x="7803667" y="3449236"/>
+              <a:ext cx="4031873" cy="400110"/>
+            </a:xfrm>
+            <a:prstGeom prst="rect">
+              <a:avLst/>
+            </a:prstGeom>
+            <a:noFill/>
+          </p:spPr>
+          <p:txBody>
+            <a:bodyPr wrap="none" rtlCol="0">
+              <a:spAutoFit/>
+            </a:bodyPr>
+            <a:lstStyle/>
+            <a:p>
+              <a:r>
+                <a:rPr lang="ja-JP" altLang="en-US" sz="2000" dirty="0"/>
+                <a:t>「</a:t>
+              </a:r>
+              <a:r>
+                <a:rPr lang="ja-JP" altLang="en-US" sz="2000" dirty="0">
+                  <a:solidFill>
+                    <a:srgbClr val="FF0000"/>
+                  </a:solidFill>
+                </a:rPr>
+                <a:t>疾患あり</a:t>
+              </a:r>
+              <a:r>
+                <a:rPr lang="ja-JP" altLang="en-US" sz="2000" dirty="0"/>
+                <a:t>」のうち、</a:t>
+              </a:r>
+              <a:r>
+                <a:rPr lang="ja-JP" altLang="en-US" sz="2000" dirty="0">
+                  <a:solidFill>
+                    <a:schemeClr val="accent2"/>
+                  </a:solidFill>
+                </a:rPr>
+                <a:t>陽性</a:t>
+              </a:r>
+              <a:r>
+                <a:rPr lang="ja-JP" altLang="en-US" sz="2000" dirty="0"/>
+                <a:t>の割合</a:t>
+              </a:r>
+              <a:endParaRPr lang="en-US" altLang="ja-JP" sz="2000" dirty="0"/>
+            </a:p>
+          </p:txBody>
+        </p:sp>
+        <p:sp>
+          <p:nvSpPr>
+            <p:cNvPr id="22" name="テキスト ボックス 21">
+              <a:extLst>
+                <a:ext uri="{FF2B5EF4-FFF2-40B4-BE49-F238E27FC236}">
+                  <a16:creationId xmlns:a16="http://schemas.microsoft.com/office/drawing/2014/main" id="{184E4A92-A588-FED9-261D-1B32C0C58A6C}"/>
+                </a:ext>
+              </a:extLst>
+            </p:cNvPr>
+            <p:cNvSpPr txBox="1"/>
+            <p:nvPr/>
+          </p:nvSpPr>
+          <p:spPr>
+            <a:xfrm>
+              <a:off x="7803667" y="5218485"/>
+              <a:ext cx="4031873" cy="400110"/>
+            </a:xfrm>
+            <a:prstGeom prst="rect">
+              <a:avLst/>
+            </a:prstGeom>
+            <a:noFill/>
+          </p:spPr>
+          <p:txBody>
+            <a:bodyPr wrap="none" rtlCol="0">
+              <a:spAutoFit/>
+            </a:bodyPr>
+            <a:lstStyle/>
+            <a:p>
+              <a:r>
+                <a:rPr lang="ja-JP" altLang="en-US" sz="2000" dirty="0"/>
+                <a:t>「</a:t>
+              </a:r>
+              <a:r>
+                <a:rPr lang="ja-JP" altLang="en-US" sz="2000" dirty="0">
+                  <a:solidFill>
+                    <a:srgbClr val="00B050"/>
+                  </a:solidFill>
+                </a:rPr>
+                <a:t>疾患なし</a:t>
+              </a:r>
+              <a:r>
+                <a:rPr lang="ja-JP" altLang="en-US" sz="2000" dirty="0"/>
+                <a:t>」のうち、</a:t>
+              </a:r>
+              <a:r>
+                <a:rPr lang="ja-JP" altLang="en-US" sz="2000" dirty="0">
+                  <a:solidFill>
+                    <a:srgbClr val="0070C0"/>
+                  </a:solidFill>
+                </a:rPr>
+                <a:t>陰性</a:t>
+              </a:r>
+              <a:r>
+                <a:rPr lang="ja-JP" altLang="en-US" sz="2000" dirty="0"/>
+                <a:t>の割合</a:t>
+              </a:r>
+              <a:endParaRPr lang="en-US" altLang="ja-JP" sz="2000" dirty="0"/>
+            </a:p>
+          </p:txBody>
+        </p:sp>
+        <p:sp>
+          <p:nvSpPr>
+            <p:cNvPr id="24" name="四角形: 角を丸くする 23">
+              <a:extLst>
+                <a:ext uri="{FF2B5EF4-FFF2-40B4-BE49-F238E27FC236}">
+                  <a16:creationId xmlns:a16="http://schemas.microsoft.com/office/drawing/2014/main" id="{07C469B1-9C41-6E23-FF29-6D98A9A5DDF3}"/>
+                </a:ext>
+              </a:extLst>
+            </p:cNvPr>
+            <p:cNvSpPr/>
+            <p:nvPr/>
+          </p:nvSpPr>
+          <p:spPr>
+            <a:xfrm>
+              <a:off x="7661167" y="1787302"/>
+              <a:ext cx="5124594" cy="4077468"/>
+            </a:xfrm>
+            <a:prstGeom prst="roundRect">
+              <a:avLst>
+                <a:gd name="adj" fmla="val 2959"/>
+              </a:avLst>
+            </a:prstGeom>
+            <a:noFill/>
+            <a:ln>
+              <a:prstDash val="sysDot"/>
+            </a:ln>
+          </p:spPr>
+          <p:style>
+            <a:lnRef idx="2">
+              <a:schemeClr val="accent1">
+                <a:shade val="15000"/>
+              </a:schemeClr>
+            </a:lnRef>
+            <a:fillRef idx="1">
+              <a:schemeClr val="accent1"/>
+            </a:fillRef>
+            <a:effectRef idx="0">
+              <a:schemeClr val="accent1"/>
+            </a:effectRef>
+            <a:fontRef idx="minor">
+              <a:schemeClr val="lt1"/>
+            </a:fontRef>
+          </p:style>
+          <p:txBody>
+            <a:bodyPr rtlCol="0" anchor="ctr"/>
+            <a:lstStyle/>
+            <a:p>
+              <a:pPr algn="ctr"/>
+              <a:endParaRPr kumimoji="1" lang="ja-JP" altLang="en-US"/>
+            </a:p>
+          </p:txBody>
+        </p:sp>
+      </p:grpSp>
+    </p:spTree>
+    <p:extLst>
+      <p:ext uri="{BB962C8B-B14F-4D97-AF65-F5344CB8AC3E}">
+        <p14:creationId xmlns:p14="http://schemas.microsoft.com/office/powerpoint/2010/main" val="1757649910"/>
       </p:ext>
     </p:extLst>
   </p:cSld>

--- a/stat/bayes theorem and PCR test.pptx
+++ b/stat/bayes theorem and PCR test.pptx
@@ -8,6 +8,8 @@
     <p:sldId id="256" r:id="rId2"/>
     <p:sldId id="257" r:id="rId3"/>
     <p:sldId id="258" r:id="rId4"/>
+    <p:sldId id="259" r:id="rId5"/>
+    <p:sldId id="260" r:id="rId6"/>
   </p:sldIdLst>
   <p:sldSz cx="12192000" cy="6858000"/>
   <p:notesSz cx="6858000" cy="9144000"/>
@@ -261,7 +263,7 @@
           <a:p>
             <a:fld id="{2C686577-0B07-4659-A689-95AC7CAE39AB}" type="datetimeFigureOut">
               <a:rPr kumimoji="1" lang="ja-JP" altLang="en-US" smtClean="0"/>
-              <a:t>2025/2/21</a:t>
+              <a:t>2025/2/22</a:t>
             </a:fld>
             <a:endParaRPr kumimoji="1" lang="ja-JP" altLang="en-US"/>
           </a:p>
@@ -491,7 +493,7 @@
           <a:p>
             <a:fld id="{2C686577-0B07-4659-A689-95AC7CAE39AB}" type="datetimeFigureOut">
               <a:rPr kumimoji="1" lang="ja-JP" altLang="en-US" smtClean="0"/>
-              <a:t>2025/2/21</a:t>
+              <a:t>2025/2/22</a:t>
             </a:fld>
             <a:endParaRPr kumimoji="1" lang="ja-JP" altLang="en-US"/>
           </a:p>
@@ -731,7 +733,7 @@
           <a:p>
             <a:fld id="{2C686577-0B07-4659-A689-95AC7CAE39AB}" type="datetimeFigureOut">
               <a:rPr kumimoji="1" lang="ja-JP" altLang="en-US" smtClean="0"/>
-              <a:t>2025/2/21</a:t>
+              <a:t>2025/2/22</a:t>
             </a:fld>
             <a:endParaRPr kumimoji="1" lang="ja-JP" altLang="en-US"/>
           </a:p>
@@ -961,7 +963,7 @@
           <a:p>
             <a:fld id="{2C686577-0B07-4659-A689-95AC7CAE39AB}" type="datetimeFigureOut">
               <a:rPr kumimoji="1" lang="ja-JP" altLang="en-US" smtClean="0"/>
-              <a:t>2025/2/21</a:t>
+              <a:t>2025/2/22</a:t>
             </a:fld>
             <a:endParaRPr kumimoji="1" lang="ja-JP" altLang="en-US"/>
           </a:p>
@@ -1236,7 +1238,7 @@
           <a:p>
             <a:fld id="{2C686577-0B07-4659-A689-95AC7CAE39AB}" type="datetimeFigureOut">
               <a:rPr kumimoji="1" lang="ja-JP" altLang="en-US" smtClean="0"/>
-              <a:t>2025/2/21</a:t>
+              <a:t>2025/2/22</a:t>
             </a:fld>
             <a:endParaRPr kumimoji="1" lang="ja-JP" altLang="en-US"/>
           </a:p>
@@ -1565,7 +1567,7 @@
           <a:p>
             <a:fld id="{2C686577-0B07-4659-A689-95AC7CAE39AB}" type="datetimeFigureOut">
               <a:rPr kumimoji="1" lang="ja-JP" altLang="en-US" smtClean="0"/>
-              <a:t>2025/2/21</a:t>
+              <a:t>2025/2/22</a:t>
             </a:fld>
             <a:endParaRPr kumimoji="1" lang="ja-JP" altLang="en-US"/>
           </a:p>
@@ -2041,7 +2043,7 @@
           <a:p>
             <a:fld id="{2C686577-0B07-4659-A689-95AC7CAE39AB}" type="datetimeFigureOut">
               <a:rPr kumimoji="1" lang="ja-JP" altLang="en-US" smtClean="0"/>
-              <a:t>2025/2/21</a:t>
+              <a:t>2025/2/22</a:t>
             </a:fld>
             <a:endParaRPr kumimoji="1" lang="ja-JP" altLang="en-US"/>
           </a:p>
@@ -2182,7 +2184,7 @@
           <a:p>
             <a:fld id="{2C686577-0B07-4659-A689-95AC7CAE39AB}" type="datetimeFigureOut">
               <a:rPr kumimoji="1" lang="ja-JP" altLang="en-US" smtClean="0"/>
-              <a:t>2025/2/21</a:t>
+              <a:t>2025/2/22</a:t>
             </a:fld>
             <a:endParaRPr kumimoji="1" lang="ja-JP" altLang="en-US"/>
           </a:p>
@@ -2295,7 +2297,7 @@
           <a:p>
             <a:fld id="{2C686577-0B07-4659-A689-95AC7CAE39AB}" type="datetimeFigureOut">
               <a:rPr kumimoji="1" lang="ja-JP" altLang="en-US" smtClean="0"/>
-              <a:t>2025/2/21</a:t>
+              <a:t>2025/2/22</a:t>
             </a:fld>
             <a:endParaRPr kumimoji="1" lang="ja-JP" altLang="en-US"/>
           </a:p>
@@ -2638,7 +2640,7 @@
           <a:p>
             <a:fld id="{2C686577-0B07-4659-A689-95AC7CAE39AB}" type="datetimeFigureOut">
               <a:rPr kumimoji="1" lang="ja-JP" altLang="en-US" smtClean="0"/>
-              <a:t>2025/2/21</a:t>
+              <a:t>2025/2/22</a:t>
             </a:fld>
             <a:endParaRPr kumimoji="1" lang="ja-JP" altLang="en-US"/>
           </a:p>
@@ -2926,7 +2928,7 @@
           <a:p>
             <a:fld id="{2C686577-0B07-4659-A689-95AC7CAE39AB}" type="datetimeFigureOut">
               <a:rPr kumimoji="1" lang="ja-JP" altLang="en-US" smtClean="0"/>
-              <a:t>2025/2/21</a:t>
+              <a:t>2025/2/22</a:t>
             </a:fld>
             <a:endParaRPr kumimoji="1" lang="ja-JP" altLang="en-US"/>
           </a:p>
@@ -3199,7 +3201,7 @@
           <a:p>
             <a:fld id="{2C686577-0B07-4659-A689-95AC7CAE39AB}" type="datetimeFigureOut">
               <a:rPr kumimoji="1" lang="ja-JP" altLang="en-US" smtClean="0"/>
-              <a:t>2025/2/21</a:t>
+              <a:t>2025/2/22</a:t>
             </a:fld>
             <a:endParaRPr kumimoji="1" lang="ja-JP" altLang="en-US"/>
           </a:p>
@@ -3616,6 +3618,145 @@
           <a:chExt cx="0" cy="0"/>
         </a:xfrm>
       </p:grpSpPr>
+      <p:sp>
+        <p:nvSpPr>
+          <p:cNvPr id="13" name="フリーフォーム: 図形 12">
+            <a:extLst>
+              <a:ext uri="{FF2B5EF4-FFF2-40B4-BE49-F238E27FC236}">
+                <a16:creationId xmlns:a16="http://schemas.microsoft.com/office/drawing/2014/main" id="{D5B03D37-5E49-9E26-B4B0-19F3004D9E67}"/>
+              </a:ext>
+            </a:extLst>
+          </p:cNvPr>
+          <p:cNvSpPr/>
+          <p:nvPr/>
+        </p:nvSpPr>
+        <p:spPr>
+          <a:xfrm>
+            <a:off x="1920875" y="845148"/>
+            <a:ext cx="1475467" cy="1539792"/>
+          </a:xfrm>
+          <a:custGeom>
+            <a:avLst/>
+            <a:gdLst>
+              <a:gd name="connsiteX0" fmla="*/ 737734 w 1475467"/>
+              <a:gd name="connsiteY0" fmla="*/ 0 h 1539792"/>
+              <a:gd name="connsiteX1" fmla="*/ 771263 w 1475467"/>
+              <a:gd name="connsiteY1" fmla="*/ 11661 h 1539792"/>
+              <a:gd name="connsiteX2" fmla="*/ 1475467 w 1475467"/>
+              <a:gd name="connsiteY2" fmla="*/ 769896 h 1539792"/>
+              <a:gd name="connsiteX3" fmla="*/ 771263 w 1475467"/>
+              <a:gd name="connsiteY3" fmla="*/ 1528131 h 1539792"/>
+              <a:gd name="connsiteX4" fmla="*/ 737734 w 1475467"/>
+              <a:gd name="connsiteY4" fmla="*/ 1539792 h 1539792"/>
+              <a:gd name="connsiteX5" fmla="*/ 704204 w 1475467"/>
+              <a:gd name="connsiteY5" fmla="*/ 1528131 h 1539792"/>
+              <a:gd name="connsiteX6" fmla="*/ 0 w 1475467"/>
+              <a:gd name="connsiteY6" fmla="*/ 769896 h 1539792"/>
+              <a:gd name="connsiteX7" fmla="*/ 704204 w 1475467"/>
+              <a:gd name="connsiteY7" fmla="*/ 11661 h 1539792"/>
+            </a:gdLst>
+            <a:ahLst/>
+            <a:cxnLst>
+              <a:cxn ang="0">
+                <a:pos x="connsiteX0" y="connsiteY0"/>
+              </a:cxn>
+              <a:cxn ang="0">
+                <a:pos x="connsiteX1" y="connsiteY1"/>
+              </a:cxn>
+              <a:cxn ang="0">
+                <a:pos x="connsiteX2" y="connsiteY2"/>
+              </a:cxn>
+              <a:cxn ang="0">
+                <a:pos x="connsiteX3" y="connsiteY3"/>
+              </a:cxn>
+              <a:cxn ang="0">
+                <a:pos x="connsiteX4" y="connsiteY4"/>
+              </a:cxn>
+              <a:cxn ang="0">
+                <a:pos x="connsiteX5" y="connsiteY5"/>
+              </a:cxn>
+              <a:cxn ang="0">
+                <a:pos x="connsiteX6" y="connsiteY6"/>
+              </a:cxn>
+              <a:cxn ang="0">
+                <a:pos x="connsiteX7" y="connsiteY7"/>
+              </a:cxn>
+            </a:cxnLst>
+            <a:rect l="l" t="t" r="r" b="b"/>
+            <a:pathLst>
+              <a:path w="1475467" h="1539792">
+                <a:moveTo>
+                  <a:pt x="737734" y="0"/>
+                </a:moveTo>
+                <a:lnTo>
+                  <a:pt x="771263" y="11661"/>
+                </a:lnTo>
+                <a:cubicBezTo>
+                  <a:pt x="1196129" y="175986"/>
+                  <a:pt x="1475467" y="454266"/>
+                  <a:pt x="1475467" y="769896"/>
+                </a:cubicBezTo>
+                <a:cubicBezTo>
+                  <a:pt x="1475467" y="1085527"/>
+                  <a:pt x="1196129" y="1363807"/>
+                  <a:pt x="771263" y="1528131"/>
+                </a:cubicBezTo>
+                <a:lnTo>
+                  <a:pt x="737734" y="1539792"/>
+                </a:lnTo>
+                <a:lnTo>
+                  <a:pt x="704204" y="1528131"/>
+                </a:lnTo>
+                <a:cubicBezTo>
+                  <a:pt x="279338" y="1363807"/>
+                  <a:pt x="0" y="1085527"/>
+                  <a:pt x="0" y="769896"/>
+                </a:cubicBezTo>
+                <a:cubicBezTo>
+                  <a:pt x="0" y="454266"/>
+                  <a:pt x="279338" y="175986"/>
+                  <a:pt x="704204" y="11661"/>
+                </a:cubicBezTo>
+                <a:close/>
+              </a:path>
+            </a:pathLst>
+          </a:custGeom>
+          <a:solidFill>
+            <a:srgbClr val="E97132">
+              <a:alpha val="20000"/>
+            </a:srgbClr>
+          </a:solidFill>
+          <a:ln>
+            <a:solidFill>
+              <a:schemeClr val="tx1"/>
+            </a:solidFill>
+          </a:ln>
+        </p:spPr>
+        <p:style>
+          <a:lnRef idx="2">
+            <a:schemeClr val="accent1">
+              <a:shade val="15000"/>
+            </a:schemeClr>
+          </a:lnRef>
+          <a:fillRef idx="1">
+            <a:schemeClr val="accent1"/>
+          </a:fillRef>
+          <a:effectRef idx="0">
+            <a:schemeClr val="accent1"/>
+          </a:effectRef>
+          <a:fontRef idx="minor">
+            <a:schemeClr val="lt1"/>
+          </a:fontRef>
+        </p:style>
+        <p:txBody>
+          <a:bodyPr rtlCol="0" anchor="ctr"/>
+          <a:lstStyle/>
+          <a:p>
+            <a:pPr algn="ctr"/>
+            <a:endParaRPr lang="ja-JP" altLang="en-US"/>
+          </a:p>
+        </p:txBody>
+      </p:sp>
       <p:sp>
         <p:nvSpPr>
           <p:cNvPr id="2" name="楕円 1">
@@ -5649,8 +5790,8 @@
           </a:p>
         </p:txBody>
       </p:sp>
-      <mc:AlternateContent xmlns:mc="http://schemas.openxmlformats.org/markup-compatibility/2006">
-        <mc:Choice xmlns:a14="http://schemas.microsoft.com/office/drawing/2010/main" Requires="a14">
+      <mc:AlternateContent xmlns:mc="http://schemas.openxmlformats.org/markup-compatibility/2006" xmlns:a14="http://schemas.microsoft.com/office/drawing/2010/main">
+        <mc:Choice Requires="a14">
           <p:sp>
             <p:nvSpPr>
               <p:cNvPr id="4" name="テキスト ボックス 3">
@@ -5725,7 +5866,7 @@
             </p:txBody>
           </p:sp>
         </mc:Choice>
-        <mc:Fallback>
+        <mc:Fallback xmlns="">
           <p:sp>
             <p:nvSpPr>
               <p:cNvPr id="4" name="テキスト ボックス 3">
@@ -5786,7 +5927,7 @@
             </p:nvSpPr>
             <p:spPr>
               <a:xfrm>
-                <a:off x="420935" y="1558327"/>
+                <a:off x="504620" y="1558327"/>
                 <a:ext cx="1158779" cy="369332"/>
               </a:xfrm>
               <a:prstGeom prst="rect">
@@ -5856,7 +5997,7 @@
             </p:nvSpPr>
             <p:spPr>
               <a:xfrm>
-                <a:off x="420935" y="1558327"/>
+                <a:off x="504620" y="1558327"/>
                 <a:ext cx="1158779" cy="369332"/>
               </a:xfrm>
               <a:prstGeom prst="rect">
@@ -5865,7 +6006,7 @@
               <a:blipFill>
                 <a:blip r:embed="rId3"/>
                 <a:stretch>
-                  <a:fillRect l="-4737" t="-11667" r="-8421" b="-33333"/>
+                  <a:fillRect l="-5263" t="-11667" r="-7895" b="-33333"/>
                 </a:stretch>
               </a:blipFill>
             </p:spPr>
@@ -6044,8 +6185,8 @@
           </p:sp>
         </mc:Fallback>
       </mc:AlternateContent>
-      <mc:AlternateContent xmlns:mc="http://schemas.openxmlformats.org/markup-compatibility/2006">
-        <mc:Choice xmlns:a14="http://schemas.microsoft.com/office/drawing/2010/main" Requires="a14">
+      <mc:AlternateContent xmlns:mc="http://schemas.openxmlformats.org/markup-compatibility/2006" xmlns:a14="http://schemas.microsoft.com/office/drawing/2010/main">
+        <mc:Choice Requires="a14">
           <p:sp>
             <p:nvSpPr>
               <p:cNvPr id="10" name="テキスト ボックス 9">
@@ -6146,7 +6287,7 @@
             </p:txBody>
           </p:sp>
         </mc:Choice>
-        <mc:Fallback>
+        <mc:Fallback xmlns="">
           <p:sp>
             <p:nvSpPr>
               <p:cNvPr id="10" name="テキスト ボックス 9">
@@ -6207,7 +6348,7 @@
             </p:nvSpPr>
             <p:spPr>
               <a:xfrm>
-                <a:off x="2060133" y="1591347"/>
+                <a:off x="2403099" y="1591347"/>
                 <a:ext cx="1286442" cy="369332"/>
               </a:xfrm>
               <a:prstGeom prst="rect">
@@ -6320,7 +6461,7 @@
             </p:nvSpPr>
             <p:spPr>
               <a:xfrm>
-                <a:off x="2060133" y="1591347"/>
+                <a:off x="2403099" y="1591347"/>
                 <a:ext cx="1286442" cy="369332"/>
               </a:xfrm>
               <a:prstGeom prst="rect">
@@ -6329,7 +6470,7 @@
               <a:blipFill>
                 <a:blip r:embed="rId6"/>
                 <a:stretch>
-                  <a:fillRect l="-4739" t="-11475" r="-7109" b="-32787"/>
+                  <a:fillRect l="-4265" t="-11475" r="-7583" b="-32787"/>
                 </a:stretch>
               </a:blipFill>
             </p:spPr>
@@ -6364,7 +6505,7 @@
             </p:nvSpPr>
             <p:spPr>
               <a:xfrm>
-                <a:off x="512594" y="2172200"/>
+                <a:off x="596279" y="2172200"/>
                 <a:ext cx="975460" cy="369332"/>
               </a:xfrm>
               <a:prstGeom prst="rect">
@@ -6460,7 +6601,7 @@
             </p:nvSpPr>
             <p:spPr>
               <a:xfrm>
-                <a:off x="512594" y="2172200"/>
+                <a:off x="596279" y="2172200"/>
                 <a:ext cx="975460" cy="369332"/>
               </a:xfrm>
               <a:prstGeom prst="rect">
@@ -6469,7 +6610,7 @@
               <a:blipFill>
                 <a:blip r:embed="rId7"/>
                 <a:stretch>
-                  <a:fillRect l="-5625" r="-625" b="-11475"/>
+                  <a:fillRect l="-6250" r="-625" b="-11475"/>
                 </a:stretch>
               </a:blipFill>
             </p:spPr>
@@ -6504,7 +6645,7 @@
             </p:nvSpPr>
             <p:spPr>
               <a:xfrm>
-                <a:off x="509036" y="3456704"/>
+                <a:off x="592721" y="3456704"/>
                 <a:ext cx="982577" cy="369332"/>
               </a:xfrm>
               <a:prstGeom prst="rect">
@@ -6600,7 +6741,7 @@
             </p:nvSpPr>
             <p:spPr>
               <a:xfrm>
-                <a:off x="509036" y="3456704"/>
+                <a:off x="592721" y="3456704"/>
                 <a:ext cx="982577" cy="369332"/>
               </a:xfrm>
               <a:prstGeom prst="rect">
@@ -6609,7 +6750,7 @@
               <a:blipFill>
                 <a:blip r:embed="rId8"/>
                 <a:stretch>
-                  <a:fillRect l="-6211" r="-621" b="-11475"/>
+                  <a:fillRect l="-5590" r="-621" b="-11475"/>
                 </a:stretch>
               </a:blipFill>
             </p:spPr>
@@ -6644,7 +6785,7 @@
             </p:nvSpPr>
             <p:spPr>
               <a:xfrm>
-                <a:off x="2341798" y="2172200"/>
+                <a:off x="2494759" y="2172200"/>
                 <a:ext cx="1103122" cy="369332"/>
               </a:xfrm>
               <a:prstGeom prst="rect">
@@ -6768,7 +6909,7 @@
             </p:nvSpPr>
             <p:spPr>
               <a:xfrm>
-                <a:off x="2341798" y="2172200"/>
+                <a:off x="2494759" y="2172200"/>
                 <a:ext cx="1103122" cy="369332"/>
               </a:xfrm>
               <a:prstGeom prst="rect">
@@ -6812,7 +6953,7 @@
             </p:nvSpPr>
             <p:spPr>
               <a:xfrm>
-                <a:off x="2338239" y="3456704"/>
+                <a:off x="2491200" y="3456704"/>
                 <a:ext cx="1110240" cy="369332"/>
               </a:xfrm>
               <a:prstGeom prst="rect">
@@ -6936,7 +7077,7 @@
             </p:nvSpPr>
             <p:spPr>
               <a:xfrm>
-                <a:off x="2338239" y="3456704"/>
+                <a:off x="2491200" y="3456704"/>
                 <a:ext cx="1110240" cy="369332"/>
               </a:xfrm>
               <a:prstGeom prst="rect">
@@ -7117,8 +7258,8 @@
           </a:p>
         </p:txBody>
       </p:sp>
-      <mc:AlternateContent xmlns:mc="http://schemas.openxmlformats.org/markup-compatibility/2006">
-        <mc:Choice xmlns:a14="http://schemas.microsoft.com/office/drawing/2010/main" Requires="a14">
+      <mc:AlternateContent xmlns:mc="http://schemas.openxmlformats.org/markup-compatibility/2006" xmlns:a14="http://schemas.microsoft.com/office/drawing/2010/main">
+        <mc:Choice Requires="a14">
           <p:sp>
             <p:nvSpPr>
               <p:cNvPr id="34" name="テキスト ボックス 33">
@@ -7169,7 +7310,7 @@
             </p:txBody>
           </p:sp>
         </mc:Choice>
-        <mc:Fallback>
+        <mc:Fallback xmlns="">
           <p:sp>
             <p:nvSpPr>
               <p:cNvPr id="34" name="テキスト ボックス 33">
@@ -7230,7 +7371,7 @@
             </p:nvSpPr>
             <p:spPr>
               <a:xfrm>
-                <a:off x="387699" y="2672515"/>
+                <a:off x="383230" y="2672515"/>
                 <a:ext cx="1401558" cy="369332"/>
               </a:xfrm>
               <a:prstGeom prst="rect">
@@ -7288,7 +7429,7 @@
             </p:nvSpPr>
             <p:spPr>
               <a:xfrm>
-                <a:off x="387699" y="2672515"/>
+                <a:off x="383230" y="2672515"/>
                 <a:ext cx="1401558" cy="369332"/>
               </a:xfrm>
               <a:prstGeom prst="rect">
@@ -7332,7 +7473,7 @@
             </p:nvSpPr>
             <p:spPr>
               <a:xfrm>
-                <a:off x="2241688" y="2642448"/>
+                <a:off x="2345542" y="2642448"/>
                 <a:ext cx="1401557" cy="369332"/>
               </a:xfrm>
               <a:prstGeom prst="rect">
@@ -7387,7 +7528,7 @@
             </p:nvSpPr>
             <p:spPr>
               <a:xfrm>
-                <a:off x="2241688" y="2642448"/>
+                <a:off x="2345542" y="2642448"/>
                 <a:ext cx="1401557" cy="369332"/>
               </a:xfrm>
               <a:prstGeom prst="rect">
@@ -7431,7 +7572,7 @@
             </p:nvSpPr>
             <p:spPr>
               <a:xfrm>
-                <a:off x="431781" y="3992862"/>
+                <a:off x="383230" y="3992862"/>
                 <a:ext cx="1401558" cy="369332"/>
               </a:xfrm>
               <a:prstGeom prst="rect">
@@ -7486,7 +7627,7 @@
             </p:nvSpPr>
             <p:spPr>
               <a:xfrm>
-                <a:off x="431781" y="3992862"/>
+                <a:off x="383230" y="3992862"/>
                 <a:ext cx="1401558" cy="369332"/>
               </a:xfrm>
               <a:prstGeom prst="rect">
@@ -7530,7 +7671,7 @@
             </p:nvSpPr>
             <p:spPr>
               <a:xfrm>
-                <a:off x="2241689" y="3992862"/>
+                <a:off x="2345542" y="3992862"/>
                 <a:ext cx="1401556" cy="369332"/>
               </a:xfrm>
               <a:prstGeom prst="rect">
@@ -7585,7 +7726,7 @@
             </p:nvSpPr>
             <p:spPr>
               <a:xfrm>
-                <a:off x="2241689" y="3992862"/>
+                <a:off x="2345542" y="3992862"/>
                 <a:ext cx="1401556" cy="369332"/>
               </a:xfrm>
               <a:prstGeom prst="rect">
@@ -7628,7 +7769,7 @@
         <p:spPr>
           <a:xfrm>
             <a:off x="135963" y="225631"/>
-            <a:ext cx="2603598" cy="461665"/>
+            <a:ext cx="1723549" cy="461665"/>
           </a:xfrm>
           <a:prstGeom prst="rect">
             <a:avLst/>
@@ -7643,15 +7784,7 @@
           <a:p>
             <a:r>
               <a:rPr kumimoji="1" lang="ja-JP" altLang="en-US" sz="2400" b="1" dirty="0"/>
-              <a:t>検査 </a:t>
-            </a:r>
-            <a:r>
-              <a:rPr kumimoji="1" lang="en-US" altLang="ja-JP" sz="2400" b="1" dirty="0"/>
-              <a:t>1</a:t>
-            </a:r>
-            <a:r>
-              <a:rPr kumimoji="1" lang="ja-JP" altLang="en-US" sz="2400" b="1" dirty="0"/>
-              <a:t>回目の状況</a:t>
+              <a:t>検査の状況</a:t>
             </a:r>
           </a:p>
         </p:txBody>
@@ -7676,8 +7809,8 @@
             <a:chExt cx="5124594" cy="4077468"/>
           </a:xfrm>
         </p:grpSpPr>
-        <mc:AlternateContent xmlns:mc="http://schemas.openxmlformats.org/markup-compatibility/2006">
-          <mc:Choice xmlns:a14="http://schemas.microsoft.com/office/drawing/2010/main" Requires="a14">
+        <mc:AlternateContent xmlns:mc="http://schemas.openxmlformats.org/markup-compatibility/2006" xmlns:a14="http://schemas.microsoft.com/office/drawing/2010/main">
+          <mc:Choice Requires="a14">
             <p:sp>
               <p:nvSpPr>
                 <p:cNvPr id="16" name="テキスト ボックス 15">
@@ -8026,7 +8159,7 @@
               </p:txBody>
             </p:sp>
           </mc:Choice>
-          <mc:Fallback>
+          <mc:Fallback xmlns="">
             <p:sp>
               <p:nvSpPr>
                 <p:cNvPr id="16" name="テキスト ボックス 15">
@@ -8071,8 +8204,8 @@
             </p:sp>
           </mc:Fallback>
         </mc:AlternateContent>
-        <mc:AlternateContent xmlns:mc="http://schemas.openxmlformats.org/markup-compatibility/2006">
-          <mc:Choice xmlns:a14="http://schemas.microsoft.com/office/drawing/2010/main" Requires="a14">
+        <mc:AlternateContent xmlns:mc="http://schemas.openxmlformats.org/markup-compatibility/2006" xmlns:a14="http://schemas.microsoft.com/office/drawing/2010/main">
+          <mc:Choice Requires="a14">
             <p:sp>
               <p:nvSpPr>
                 <p:cNvPr id="17" name="テキスト ボックス 16">
@@ -8484,7 +8617,7 @@
               </p:txBody>
             </p:sp>
           </mc:Choice>
-          <mc:Fallback>
+          <mc:Fallback xmlns="">
             <p:sp>
               <p:nvSpPr>
                 <p:cNvPr id="17" name="テキスト ボックス 16">
@@ -8544,7 +8677,7 @@
           <p:spPr>
             <a:xfrm>
               <a:off x="7804316" y="1905263"/>
-              <a:ext cx="1723549" cy="461665"/>
+              <a:ext cx="1415772" cy="461665"/>
             </a:xfrm>
             <a:prstGeom prst="rect">
               <a:avLst/>
@@ -8559,7 +8692,7 @@
             <a:p>
               <a:r>
                 <a:rPr lang="ja-JP" altLang="en-US" sz="2400" b="1" dirty="0"/>
-                <a:t>検査の性能</a:t>
+                <a:t>検査精度</a:t>
               </a:r>
               <a:endParaRPr lang="en-US" altLang="ja-JP" sz="2400" b="1" dirty="0"/>
             </a:p>
@@ -8742,6 +8875,4492 @@
     <p:extLst>
       <p:ext uri="{BB962C8B-B14F-4D97-AF65-F5344CB8AC3E}">
         <p14:creationId xmlns:p14="http://schemas.microsoft.com/office/powerpoint/2010/main" val="1757649910"/>
+      </p:ext>
+    </p:extLst>
+  </p:cSld>
+  <p:clrMapOvr>
+    <a:masterClrMapping/>
+  </p:clrMapOvr>
+</p:sld>
+</file>
+
+<file path=ppt/slides/slide4.xml><?xml version="1.0" encoding="utf-8"?>
+<p:sld xmlns:a="http://schemas.openxmlformats.org/drawingml/2006/main" xmlns:r="http://schemas.openxmlformats.org/officeDocument/2006/relationships" xmlns:p="http://schemas.openxmlformats.org/presentationml/2006/main">
+  <p:cSld>
+    <p:spTree>
+      <p:nvGrpSpPr>
+        <p:cNvPr id="1" name="">
+          <a:extLst>
+            <a:ext uri="{FF2B5EF4-FFF2-40B4-BE49-F238E27FC236}">
+              <a16:creationId xmlns:a16="http://schemas.microsoft.com/office/drawing/2014/main" id="{09C22084-5857-E122-6276-66469CCC72B0}"/>
+            </a:ext>
+          </a:extLst>
+        </p:cNvPr>
+        <p:cNvGrpSpPr/>
+        <p:nvPr/>
+      </p:nvGrpSpPr>
+      <p:grpSpPr>
+        <a:xfrm>
+          <a:off x="0" y="0"/>
+          <a:ext cx="0" cy="0"/>
+          <a:chOff x="0" y="0"/>
+          <a:chExt cx="0" cy="0"/>
+        </a:xfrm>
+      </p:grpSpPr>
+      <p:sp>
+        <p:nvSpPr>
+          <p:cNvPr id="18" name="正方形/長方形 17">
+            <a:extLst>
+              <a:ext uri="{FF2B5EF4-FFF2-40B4-BE49-F238E27FC236}">
+                <a16:creationId xmlns:a16="http://schemas.microsoft.com/office/drawing/2014/main" id="{83890D68-B52A-CAB5-58F0-80649C2C60A1}"/>
+              </a:ext>
+            </a:extLst>
+          </p:cNvPr>
+          <p:cNvSpPr/>
+          <p:nvPr/>
+        </p:nvSpPr>
+        <p:spPr>
+          <a:xfrm>
+            <a:off x="256010" y="2013825"/>
+            <a:ext cx="4896000" cy="1080000"/>
+          </a:xfrm>
+          <a:prstGeom prst="rect">
+            <a:avLst/>
+          </a:prstGeom>
+          <a:solidFill>
+            <a:srgbClr val="E97132">
+              <a:alpha val="20000"/>
+            </a:srgbClr>
+          </a:solidFill>
+          <a:ln>
+            <a:solidFill>
+              <a:schemeClr val="tx1"/>
+            </a:solidFill>
+          </a:ln>
+        </p:spPr>
+        <p:style>
+          <a:lnRef idx="2">
+            <a:schemeClr val="accent1">
+              <a:shade val="15000"/>
+            </a:schemeClr>
+          </a:lnRef>
+          <a:fillRef idx="1">
+            <a:schemeClr val="accent1"/>
+          </a:fillRef>
+          <a:effectRef idx="0">
+            <a:schemeClr val="accent1"/>
+          </a:effectRef>
+          <a:fontRef idx="minor">
+            <a:schemeClr val="lt1"/>
+          </a:fontRef>
+        </p:style>
+        <p:txBody>
+          <a:bodyPr rtlCol="0" anchor="ctr"/>
+          <a:lstStyle/>
+          <a:p>
+            <a:pPr algn="ctr"/>
+            <a:endParaRPr lang="ja-JP" altLang="en-US"/>
+          </a:p>
+        </p:txBody>
+      </p:sp>
+      <mc:AlternateContent xmlns:mc="http://schemas.openxmlformats.org/markup-compatibility/2006" xmlns:a14="http://schemas.microsoft.com/office/drawing/2010/main">
+        <mc:Choice Requires="a14">
+          <p:sp>
+            <p:nvSpPr>
+              <p:cNvPr id="4" name="テキスト ボックス 3">
+                <a:extLst>
+                  <a:ext uri="{FF2B5EF4-FFF2-40B4-BE49-F238E27FC236}">
+                    <a16:creationId xmlns:a16="http://schemas.microsoft.com/office/drawing/2014/main" id="{7ECCC1A3-0339-AC42-B7A7-4539037751CF}"/>
+                  </a:ext>
+                </a:extLst>
+              </p:cNvPr>
+              <p:cNvSpPr txBox="1"/>
+              <p:nvPr/>
+            </p:nvSpPr>
+            <p:spPr>
+              <a:xfrm>
+                <a:off x="286004" y="956484"/>
+                <a:ext cx="1476366" cy="369332"/>
+              </a:xfrm>
+              <a:prstGeom prst="rect">
+                <a:avLst/>
+              </a:prstGeom>
+              <a:noFill/>
+            </p:spPr>
+            <p:txBody>
+              <a:bodyPr wrap="square" lIns="0" tIns="0" rIns="0" bIns="0" rtlCol="0">
+                <a:spAutoFit/>
+              </a:bodyPr>
+              <a:lstStyle/>
+              <a:p>
+                <a:pPr/>
+                <a14:m>
+                  <m:oMathPara xmlns:m="http://schemas.openxmlformats.org/officeDocument/2006/math">
+                    <m:oMathParaPr>
+                      <m:jc m:val="centerGroup"/>
+                    </m:oMathParaPr>
+                    <m:oMath xmlns:m="http://schemas.openxmlformats.org/officeDocument/2006/math">
+                      <m:r>
+                        <m:rPr>
+                          <m:sty m:val="p"/>
+                        </m:rPr>
+                        <a:rPr kumimoji="1" lang="el-GR" altLang="ja-JP" sz="2400" i="1" smtClean="0">
+                          <a:latin typeface="Cambria Math" panose="02040503050406030204" pitchFamily="18" charset="0"/>
+                          <a:ea typeface="Cambria Math" panose="02040503050406030204" pitchFamily="18" charset="0"/>
+                        </a:rPr>
+                        <m:t>Ω</m:t>
+                      </m:r>
+                      <m:r>
+                        <a:rPr kumimoji="1" lang="en-US" altLang="ja-JP" sz="2400" b="0" i="1" smtClean="0">
+                          <a:latin typeface="Cambria Math" panose="02040503050406030204" pitchFamily="18" charset="0"/>
+                          <a:ea typeface="Cambria Math" panose="02040503050406030204" pitchFamily="18" charset="0"/>
+                        </a:rPr>
+                        <m:t>(</m:t>
+                      </m:r>
+                      <m:r>
+                        <a:rPr lang="ja-JP" altLang="en-US" sz="2400" i="1" smtClean="0">
+                          <a:latin typeface="Cambria Math" panose="02040503050406030204" pitchFamily="18" charset="0"/>
+                          <a:ea typeface="Cambria Math" panose="02040503050406030204" pitchFamily="18" charset="0"/>
+                        </a:rPr>
+                        <m:t>全人口</m:t>
+                      </m:r>
+                      <m:r>
+                        <a:rPr kumimoji="1" lang="en-US" altLang="ja-JP" sz="2400" b="0" i="1" smtClean="0">
+                          <a:latin typeface="Cambria Math" panose="02040503050406030204" pitchFamily="18" charset="0"/>
+                          <a:ea typeface="Cambria Math" panose="02040503050406030204" pitchFamily="18" charset="0"/>
+                        </a:rPr>
+                        <m:t>)</m:t>
+                      </m:r>
+                    </m:oMath>
+                  </m:oMathPara>
+                </a14:m>
+                <a:endParaRPr kumimoji="1" lang="ja-JP" altLang="en-US" sz="2400" dirty="0"/>
+              </a:p>
+            </p:txBody>
+          </p:sp>
+        </mc:Choice>
+        <mc:Fallback xmlns="">
+          <p:sp>
+            <p:nvSpPr>
+              <p:cNvPr id="4" name="テキスト ボックス 3">
+                <a:extLst>
+                  <a:ext uri="{FF2B5EF4-FFF2-40B4-BE49-F238E27FC236}">
+                    <a16:creationId xmlns:a16="http://schemas.microsoft.com/office/drawing/2014/main" id="{02190A81-2808-8C7B-9044-239E050486DD}"/>
+                  </a:ext>
+                </a:extLst>
+              </p:cNvPr>
+              <p:cNvSpPr txBox="1">
+                <a:spLocks noRot="1" noChangeAspect="1" noMove="1" noResize="1" noEditPoints="1" noAdjustHandles="1" noChangeArrowheads="1" noChangeShapeType="1" noTextEdit="1"/>
+              </p:cNvSpPr>
+              <p:nvPr/>
+            </p:nvSpPr>
+            <p:spPr>
+              <a:xfrm>
+                <a:off x="286004" y="956484"/>
+                <a:ext cx="1476366" cy="369332"/>
+              </a:xfrm>
+              <a:prstGeom prst="rect">
+                <a:avLst/>
+              </a:prstGeom>
+              <a:blipFill>
+                <a:blip r:embed="rId2"/>
+                <a:stretch>
+                  <a:fillRect l="-4132" t="-11667" r="-6198" b="-33333"/>
+                </a:stretch>
+              </a:blipFill>
+            </p:spPr>
+            <p:txBody>
+              <a:bodyPr/>
+              <a:lstStyle/>
+              <a:p>
+                <a:r>
+                  <a:rPr lang="ja-JP" altLang="en-US">
+                    <a:noFill/>
+                  </a:rPr>
+                  <a:t> </a:t>
+                </a:r>
+              </a:p>
+            </p:txBody>
+          </p:sp>
+        </mc:Fallback>
+      </mc:AlternateContent>
+      <mc:AlternateContent xmlns:mc="http://schemas.openxmlformats.org/markup-compatibility/2006" xmlns:a14="http://schemas.microsoft.com/office/drawing/2010/main">
+        <mc:Choice Requires="a14">
+          <p:sp>
+            <p:nvSpPr>
+              <p:cNvPr id="5" name="テキスト ボックス 4">
+                <a:extLst>
+                  <a:ext uri="{FF2B5EF4-FFF2-40B4-BE49-F238E27FC236}">
+                    <a16:creationId xmlns:a16="http://schemas.microsoft.com/office/drawing/2014/main" id="{1AAD6165-16AF-8019-AE2C-DEA59FE0B67D}"/>
+                  </a:ext>
+                </a:extLst>
+              </p:cNvPr>
+              <p:cNvSpPr txBox="1"/>
+              <p:nvPr/>
+            </p:nvSpPr>
+            <p:spPr>
+              <a:xfrm>
+                <a:off x="420935" y="1558327"/>
+                <a:ext cx="1158779" cy="369332"/>
+              </a:xfrm>
+              <a:prstGeom prst="rect">
+                <a:avLst/>
+              </a:prstGeom>
+              <a:noFill/>
+            </p:spPr>
+            <p:txBody>
+              <a:bodyPr wrap="square" lIns="0" tIns="0" rIns="0" bIns="0" rtlCol="0">
+                <a:spAutoFit/>
+              </a:bodyPr>
+              <a:lstStyle/>
+              <a:p>
+                <a:pPr/>
+                <a14:m>
+                  <m:oMathPara xmlns:m="http://schemas.openxmlformats.org/officeDocument/2006/math">
+                    <m:oMathParaPr>
+                      <m:jc m:val="centerGroup"/>
+                    </m:oMathParaPr>
+                    <m:oMath xmlns:m="http://schemas.openxmlformats.org/officeDocument/2006/math">
+                      <m:r>
+                        <a:rPr kumimoji="1" lang="en-US" altLang="ja-JP" sz="2400" b="0" i="1" smtClean="0">
+                          <a:solidFill>
+                            <a:schemeClr val="accent2"/>
+                          </a:solidFill>
+                          <a:latin typeface="Cambria Math" panose="02040503050406030204" pitchFamily="18" charset="0"/>
+                          <a:ea typeface="Cambria Math" panose="02040503050406030204" pitchFamily="18" charset="0"/>
+                        </a:rPr>
+                        <m:t>𝐴</m:t>
+                      </m:r>
+                      <m:r>
+                        <a:rPr kumimoji="1" lang="en-US" altLang="ja-JP" sz="2400" b="0" i="1" smtClean="0">
+                          <a:solidFill>
+                            <a:schemeClr val="accent2"/>
+                          </a:solidFill>
+                          <a:latin typeface="Cambria Math" panose="02040503050406030204" pitchFamily="18" charset="0"/>
+                          <a:ea typeface="Cambria Math" panose="02040503050406030204" pitchFamily="18" charset="0"/>
+                        </a:rPr>
+                        <m:t>(陽性)</m:t>
+                      </m:r>
+                    </m:oMath>
+                  </m:oMathPara>
+                </a14:m>
+                <a:endParaRPr kumimoji="1" lang="ja-JP" altLang="en-US" sz="2400" dirty="0">
+                  <a:solidFill>
+                    <a:schemeClr val="accent2"/>
+                  </a:solidFill>
+                </a:endParaRPr>
+              </a:p>
+            </p:txBody>
+          </p:sp>
+        </mc:Choice>
+        <mc:Fallback xmlns="">
+          <p:sp>
+            <p:nvSpPr>
+              <p:cNvPr id="5" name="テキスト ボックス 4">
+                <a:extLst>
+                  <a:ext uri="{FF2B5EF4-FFF2-40B4-BE49-F238E27FC236}">
+                    <a16:creationId xmlns:a16="http://schemas.microsoft.com/office/drawing/2014/main" id="{7910731C-94EB-D221-E7B8-27E3E493CADC}"/>
+                  </a:ext>
+                </a:extLst>
+              </p:cNvPr>
+              <p:cNvSpPr txBox="1">
+                <a:spLocks noRot="1" noChangeAspect="1" noMove="1" noResize="1" noEditPoints="1" noAdjustHandles="1" noChangeArrowheads="1" noChangeShapeType="1" noTextEdit="1"/>
+              </p:cNvSpPr>
+              <p:nvPr/>
+            </p:nvSpPr>
+            <p:spPr>
+              <a:xfrm>
+                <a:off x="420935" y="1558327"/>
+                <a:ext cx="1158779" cy="369332"/>
+              </a:xfrm>
+              <a:prstGeom prst="rect">
+                <a:avLst/>
+              </a:prstGeom>
+              <a:blipFill>
+                <a:blip r:embed="rId3"/>
+                <a:stretch>
+                  <a:fillRect l="-4737" t="-11667" r="-8421" b="-33333"/>
+                </a:stretch>
+              </a:blipFill>
+            </p:spPr>
+            <p:txBody>
+              <a:bodyPr/>
+              <a:lstStyle/>
+              <a:p>
+                <a:r>
+                  <a:rPr lang="ja-JP" altLang="en-US">
+                    <a:noFill/>
+                  </a:rPr>
+                  <a:t> </a:t>
+                </a:r>
+              </a:p>
+            </p:txBody>
+          </p:sp>
+        </mc:Fallback>
+      </mc:AlternateContent>
+      <mc:AlternateContent xmlns:mc="http://schemas.openxmlformats.org/markup-compatibility/2006">
+        <mc:Choice xmlns:a14="http://schemas.microsoft.com/office/drawing/2010/main" Requires="a14">
+          <p:sp>
+            <p:nvSpPr>
+              <p:cNvPr id="6" name="テキスト ボックス 5">
+                <a:extLst>
+                  <a:ext uri="{FF2B5EF4-FFF2-40B4-BE49-F238E27FC236}">
+                    <a16:creationId xmlns:a16="http://schemas.microsoft.com/office/drawing/2014/main" id="{A69D105B-DDA9-3080-4B81-0CA05E516381}"/>
+                  </a:ext>
+                </a:extLst>
+              </p:cNvPr>
+              <p:cNvSpPr txBox="1"/>
+              <p:nvPr/>
+            </p:nvSpPr>
+            <p:spPr>
+              <a:xfrm>
+                <a:off x="5219743" y="2183788"/>
+                <a:ext cx="1663671" cy="740074"/>
+              </a:xfrm>
+              <a:prstGeom prst="rect">
+                <a:avLst/>
+              </a:prstGeom>
+              <a:noFill/>
+            </p:spPr>
+            <p:txBody>
+              <a:bodyPr wrap="square" lIns="0" tIns="0" rIns="0" bIns="0" rtlCol="0">
+                <a:spAutoFit/>
+              </a:bodyPr>
+              <a:lstStyle/>
+              <a:p>
+                <a:pPr algn="ctr"/>
+                <a14:m>
+                  <m:oMathPara xmlns:m="http://schemas.openxmlformats.org/officeDocument/2006/math">
+                    <m:oMathParaPr>
+                      <m:jc m:val="center"/>
+                    </m:oMathParaPr>
+                    <m:oMath xmlns:m="http://schemas.openxmlformats.org/officeDocument/2006/math">
+                      <m:sSub>
+                        <m:sSubPr>
+                          <m:ctrlPr>
+                            <a:rPr kumimoji="1" lang="en-US" altLang="ja-JP" sz="2400" b="0" i="1" smtClean="0">
+                              <a:solidFill>
+                                <a:srgbClr val="FF0000"/>
+                              </a:solidFill>
+                              <a:latin typeface="Cambria Math" panose="02040503050406030204" pitchFamily="18" charset="0"/>
+                            </a:rPr>
+                          </m:ctrlPr>
+                        </m:sSubPr>
+                        <m:e>
+                          <m:r>
+                            <a:rPr kumimoji="1" lang="en-US" altLang="ja-JP" sz="2400" b="0" i="1" smtClean="0">
+                              <a:solidFill>
+                                <a:srgbClr val="FF0000"/>
+                              </a:solidFill>
+                              <a:latin typeface="Cambria Math" panose="02040503050406030204" pitchFamily="18" charset="0"/>
+                            </a:rPr>
+                            <m:t>𝐻</m:t>
+                          </m:r>
+                        </m:e>
+                        <m:sub>
+                          <m:r>
+                            <a:rPr kumimoji="1" lang="en-US" altLang="ja-JP" sz="2400" b="0" i="1" smtClean="0">
+                              <a:solidFill>
+                                <a:srgbClr val="FF0000"/>
+                              </a:solidFill>
+                              <a:latin typeface="Cambria Math" panose="02040503050406030204" pitchFamily="18" charset="0"/>
+                            </a:rPr>
+                            <m:t>1</m:t>
+                          </m:r>
+                        </m:sub>
+                      </m:sSub>
+                    </m:oMath>
+                  </m:oMathPara>
+                </a14:m>
+                <a:endParaRPr kumimoji="1" lang="en-US" altLang="ja-JP" sz="2400" b="0" i="1" dirty="0">
+                  <a:solidFill>
+                    <a:srgbClr val="FF0000"/>
+                  </a:solidFill>
+                  <a:latin typeface="Cambria Math" panose="02040503050406030204" pitchFamily="18" charset="0"/>
+                </a:endParaRPr>
+              </a:p>
+              <a:p>
+                <a:pPr algn="ctr"/>
+                <a14:m>
+                  <m:oMathPara xmlns:m="http://schemas.openxmlformats.org/officeDocument/2006/math">
+                    <m:oMathParaPr>
+                      <m:jc m:val="center"/>
+                    </m:oMathParaPr>
+                    <m:oMath xmlns:m="http://schemas.openxmlformats.org/officeDocument/2006/math">
+                      <m:r>
+                        <a:rPr lang="ja-JP" altLang="en-US" sz="2400" i="1">
+                          <a:solidFill>
+                            <a:srgbClr val="FF0000"/>
+                          </a:solidFill>
+                          <a:latin typeface="Cambria Math" panose="02040503050406030204" pitchFamily="18" charset="0"/>
+                        </a:rPr>
+                        <m:t>疾患</m:t>
+                      </m:r>
+                      <m:r>
+                        <a:rPr lang="ja-JP" altLang="en-US" sz="2400" i="1" smtClean="0">
+                          <a:solidFill>
+                            <a:srgbClr val="FF0000"/>
+                          </a:solidFill>
+                          <a:latin typeface="Cambria Math" panose="02040503050406030204" pitchFamily="18" charset="0"/>
+                        </a:rPr>
+                        <m:t>あり</m:t>
+                      </m:r>
+                    </m:oMath>
+                  </m:oMathPara>
+                </a14:m>
+                <a:endParaRPr kumimoji="1" lang="ja-JP" altLang="en-US" sz="2400" dirty="0"/>
+              </a:p>
+            </p:txBody>
+          </p:sp>
+        </mc:Choice>
+        <mc:Fallback>
+          <p:sp>
+            <p:nvSpPr>
+              <p:cNvPr id="6" name="テキスト ボックス 5">
+                <a:extLst>
+                  <a:ext uri="{FF2B5EF4-FFF2-40B4-BE49-F238E27FC236}">
+                    <a16:creationId xmlns:a16="http://schemas.microsoft.com/office/drawing/2014/main" id="{A69D105B-DDA9-3080-4B81-0CA05E516381}"/>
+                  </a:ext>
+                </a:extLst>
+              </p:cNvPr>
+              <p:cNvSpPr txBox="1">
+                <a:spLocks noRot="1" noChangeAspect="1" noMove="1" noResize="1" noEditPoints="1" noAdjustHandles="1" noChangeArrowheads="1" noChangeShapeType="1" noTextEdit="1"/>
+              </p:cNvSpPr>
+              <p:nvPr/>
+            </p:nvSpPr>
+            <p:spPr>
+              <a:xfrm>
+                <a:off x="5219743" y="2183788"/>
+                <a:ext cx="1663671" cy="740074"/>
+              </a:xfrm>
+              <a:prstGeom prst="rect">
+                <a:avLst/>
+              </a:prstGeom>
+              <a:blipFill>
+                <a:blip r:embed="rId4"/>
+                <a:stretch>
+                  <a:fillRect b="-9016"/>
+                </a:stretch>
+              </a:blipFill>
+            </p:spPr>
+            <p:txBody>
+              <a:bodyPr/>
+              <a:lstStyle/>
+              <a:p>
+                <a:r>
+                  <a:rPr lang="ja-JP" altLang="en-US">
+                    <a:noFill/>
+                  </a:rPr>
+                  <a:t> </a:t>
+                </a:r>
+              </a:p>
+            </p:txBody>
+          </p:sp>
+        </mc:Fallback>
+      </mc:AlternateContent>
+      <mc:AlternateContent xmlns:mc="http://schemas.openxmlformats.org/markup-compatibility/2006" xmlns:a14="http://schemas.microsoft.com/office/drawing/2010/main">
+        <mc:Choice Requires="a14">
+          <p:sp>
+            <p:nvSpPr>
+              <p:cNvPr id="10" name="テキスト ボックス 9">
+                <a:extLst>
+                  <a:ext uri="{FF2B5EF4-FFF2-40B4-BE49-F238E27FC236}">
+                    <a16:creationId xmlns:a16="http://schemas.microsoft.com/office/drawing/2014/main" id="{CD12249B-76D3-E2CF-7307-8971A018CBA3}"/>
+                  </a:ext>
+                </a:extLst>
+              </p:cNvPr>
+              <p:cNvSpPr txBox="1"/>
+              <p:nvPr/>
+            </p:nvSpPr>
+            <p:spPr>
+              <a:xfrm>
+                <a:off x="5221116" y="3993643"/>
+                <a:ext cx="1660925" cy="738664"/>
+              </a:xfrm>
+              <a:prstGeom prst="rect">
+                <a:avLst/>
+              </a:prstGeom>
+              <a:noFill/>
+            </p:spPr>
+            <p:txBody>
+              <a:bodyPr wrap="square" lIns="0" tIns="0" rIns="0" bIns="0" rtlCol="0">
+                <a:spAutoFit/>
+              </a:bodyPr>
+              <a:lstStyle/>
+              <a:p>
+                <a:pPr algn="ctr"/>
+                <a14:m>
+                  <m:oMathPara xmlns:m="http://schemas.openxmlformats.org/officeDocument/2006/math">
+                    <m:oMathParaPr>
+                      <m:jc m:val="center"/>
+                    </m:oMathParaPr>
+                    <m:oMath xmlns:m="http://schemas.openxmlformats.org/officeDocument/2006/math">
+                      <m:sSub>
+                        <m:sSubPr>
+                          <m:ctrlPr>
+                            <a:rPr kumimoji="1" lang="en-US" altLang="ja-JP" sz="2400" b="0" i="1" smtClean="0">
+                              <a:solidFill>
+                                <a:srgbClr val="00B050"/>
+                              </a:solidFill>
+                              <a:latin typeface="Cambria Math" panose="02040503050406030204" pitchFamily="18" charset="0"/>
+                            </a:rPr>
+                          </m:ctrlPr>
+                        </m:sSubPr>
+                        <m:e>
+                          <m:r>
+                            <a:rPr kumimoji="1" lang="en-US" altLang="ja-JP" sz="2400" b="0" i="1" smtClean="0">
+                              <a:solidFill>
+                                <a:srgbClr val="00B050"/>
+                              </a:solidFill>
+                              <a:latin typeface="Cambria Math" panose="02040503050406030204" pitchFamily="18" charset="0"/>
+                            </a:rPr>
+                            <m:t>𝐻</m:t>
+                          </m:r>
+                        </m:e>
+                        <m:sub>
+                          <m:r>
+                            <a:rPr kumimoji="1" lang="en-US" altLang="ja-JP" sz="2400" b="0" i="1" smtClean="0">
+                              <a:solidFill>
+                                <a:srgbClr val="00B050"/>
+                              </a:solidFill>
+                              <a:latin typeface="Cambria Math" panose="02040503050406030204" pitchFamily="18" charset="0"/>
+                            </a:rPr>
+                            <m:t>2</m:t>
+                          </m:r>
+                        </m:sub>
+                      </m:sSub>
+                    </m:oMath>
+                  </m:oMathPara>
+                </a14:m>
+                <a:endParaRPr kumimoji="1" lang="en-US" altLang="ja-JP" sz="2400" dirty="0">
+                  <a:solidFill>
+                    <a:srgbClr val="00B050"/>
+                  </a:solidFill>
+                </a:endParaRPr>
+              </a:p>
+              <a:p>
+                <a:pPr algn="ctr"/>
+                <a:r>
+                  <a:rPr lang="ja-JP" altLang="en-US" sz="2400" dirty="0">
+                    <a:solidFill>
+                      <a:srgbClr val="00B050"/>
+                    </a:solidFill>
+                  </a:rPr>
+                  <a:t>疾患</a:t>
+                </a:r>
+                <a:r>
+                  <a:rPr kumimoji="1" lang="ja-JP" altLang="en-US" sz="2400" dirty="0">
+                    <a:solidFill>
+                      <a:srgbClr val="00B050"/>
+                    </a:solidFill>
+                  </a:rPr>
+                  <a:t>なし</a:t>
+                </a:r>
+              </a:p>
+            </p:txBody>
+          </p:sp>
+        </mc:Choice>
+        <mc:Fallback xmlns="">
+          <p:sp>
+            <p:nvSpPr>
+              <p:cNvPr id="10" name="テキスト ボックス 9">
+                <a:extLst>
+                  <a:ext uri="{FF2B5EF4-FFF2-40B4-BE49-F238E27FC236}">
+                    <a16:creationId xmlns:a16="http://schemas.microsoft.com/office/drawing/2014/main" id="{C98078CB-5E91-14D9-2141-29D18E741322}"/>
+                  </a:ext>
+                </a:extLst>
+              </p:cNvPr>
+              <p:cNvSpPr txBox="1">
+                <a:spLocks noRot="1" noChangeAspect="1" noMove="1" noResize="1" noEditPoints="1" noAdjustHandles="1" noChangeArrowheads="1" noChangeShapeType="1" noTextEdit="1"/>
+              </p:cNvSpPr>
+              <p:nvPr/>
+            </p:nvSpPr>
+            <p:spPr>
+              <a:xfrm>
+                <a:off x="5221116" y="3993643"/>
+                <a:ext cx="1660925" cy="738664"/>
+              </a:xfrm>
+              <a:prstGeom prst="rect">
+                <a:avLst/>
+              </a:prstGeom>
+              <a:blipFill>
+                <a:blip r:embed="rId5"/>
+                <a:stretch>
+                  <a:fillRect b="-24793"/>
+                </a:stretch>
+              </a:blipFill>
+            </p:spPr>
+            <p:txBody>
+              <a:bodyPr/>
+              <a:lstStyle/>
+              <a:p>
+                <a:r>
+                  <a:rPr lang="ja-JP" altLang="en-US">
+                    <a:noFill/>
+                  </a:rPr>
+                  <a:t> </a:t>
+                </a:r>
+              </a:p>
+            </p:txBody>
+          </p:sp>
+        </mc:Fallback>
+      </mc:AlternateContent>
+      <mc:AlternateContent xmlns:mc="http://schemas.openxmlformats.org/markup-compatibility/2006" xmlns:a14="http://schemas.microsoft.com/office/drawing/2010/main">
+        <mc:Choice Requires="a14">
+          <p:sp>
+            <p:nvSpPr>
+              <p:cNvPr id="7" name="テキスト ボックス 6">
+                <a:extLst>
+                  <a:ext uri="{FF2B5EF4-FFF2-40B4-BE49-F238E27FC236}">
+                    <a16:creationId xmlns:a16="http://schemas.microsoft.com/office/drawing/2014/main" id="{07CF3351-5133-BE25-FFB1-40E990A52FE6}"/>
+                  </a:ext>
+                </a:extLst>
+              </p:cNvPr>
+              <p:cNvSpPr txBox="1"/>
+              <p:nvPr/>
+            </p:nvSpPr>
+            <p:spPr>
+              <a:xfrm>
+                <a:off x="2060133" y="1591347"/>
+                <a:ext cx="1286442" cy="369332"/>
+              </a:xfrm>
+              <a:prstGeom prst="rect">
+                <a:avLst/>
+              </a:prstGeom>
+              <a:noFill/>
+            </p:spPr>
+            <p:txBody>
+              <a:bodyPr wrap="square" lIns="0" tIns="0" rIns="0" bIns="0" rtlCol="0">
+                <a:spAutoFit/>
+              </a:bodyPr>
+              <a:lstStyle/>
+              <a:p>
+                <a:pPr/>
+                <a14:m>
+                  <m:oMathPara xmlns:m="http://schemas.openxmlformats.org/officeDocument/2006/math">
+                    <m:oMathParaPr>
+                      <m:jc m:val="centerGroup"/>
+                    </m:oMathParaPr>
+                    <m:oMath xmlns:m="http://schemas.openxmlformats.org/officeDocument/2006/math">
+                      <m:sSup>
+                        <m:sSupPr>
+                          <m:ctrlPr>
+                            <a:rPr kumimoji="1" lang="en-US" altLang="ja-JP" sz="2400" b="0" i="1" smtClean="0">
+                              <a:solidFill>
+                                <a:srgbClr val="0070C0"/>
+                              </a:solidFill>
+                              <a:latin typeface="Cambria Math" panose="02040503050406030204" pitchFamily="18" charset="0"/>
+                              <a:ea typeface="Cambria Math" panose="02040503050406030204" pitchFamily="18" charset="0"/>
+                            </a:rPr>
+                          </m:ctrlPr>
+                        </m:sSupPr>
+                        <m:e>
+                          <m:r>
+                            <a:rPr kumimoji="1" lang="en-US" altLang="ja-JP" sz="2400" b="0" i="1" smtClean="0">
+                              <a:solidFill>
+                                <a:srgbClr val="0070C0"/>
+                              </a:solidFill>
+                              <a:latin typeface="Cambria Math" panose="02040503050406030204" pitchFamily="18" charset="0"/>
+                              <a:ea typeface="Cambria Math" panose="02040503050406030204" pitchFamily="18" charset="0"/>
+                            </a:rPr>
+                            <m:t>𝐴</m:t>
+                          </m:r>
+                        </m:e>
+                        <m:sup>
+                          <m:r>
+                            <a:rPr kumimoji="1" lang="en-US" altLang="ja-JP" sz="2400" b="0" i="1" smtClean="0">
+                              <a:solidFill>
+                                <a:srgbClr val="0070C0"/>
+                              </a:solidFill>
+                              <a:latin typeface="Cambria Math" panose="02040503050406030204" pitchFamily="18" charset="0"/>
+                              <a:ea typeface="Cambria Math" panose="02040503050406030204" pitchFamily="18" charset="0"/>
+                            </a:rPr>
+                            <m:t>𝑐</m:t>
+                          </m:r>
+                        </m:sup>
+                      </m:sSup>
+                      <m:r>
+                        <a:rPr kumimoji="1" lang="en-US" altLang="ja-JP" sz="2400" b="0" i="1" smtClean="0">
+                          <a:solidFill>
+                            <a:srgbClr val="0070C0"/>
+                          </a:solidFill>
+                          <a:latin typeface="Cambria Math" panose="02040503050406030204" pitchFamily="18" charset="0"/>
+                          <a:ea typeface="Cambria Math" panose="02040503050406030204" pitchFamily="18" charset="0"/>
+                        </a:rPr>
+                        <m:t>(</m:t>
+                      </m:r>
+                      <m:r>
+                        <a:rPr lang="ja-JP" altLang="en-US" sz="2400" i="1">
+                          <a:solidFill>
+                            <a:srgbClr val="0070C0"/>
+                          </a:solidFill>
+                          <a:latin typeface="Cambria Math" panose="02040503050406030204" pitchFamily="18" charset="0"/>
+                          <a:ea typeface="Cambria Math" panose="02040503050406030204" pitchFamily="18" charset="0"/>
+                        </a:rPr>
+                        <m:t>陰性</m:t>
+                      </m:r>
+                      <m:r>
+                        <a:rPr kumimoji="1" lang="en-US" altLang="ja-JP" sz="2400" b="0" i="1" smtClean="0">
+                          <a:solidFill>
+                            <a:srgbClr val="0070C0"/>
+                          </a:solidFill>
+                          <a:latin typeface="Cambria Math" panose="02040503050406030204" pitchFamily="18" charset="0"/>
+                          <a:ea typeface="Cambria Math" panose="02040503050406030204" pitchFamily="18" charset="0"/>
+                        </a:rPr>
+                        <m:t>)</m:t>
+                      </m:r>
+                    </m:oMath>
+                  </m:oMathPara>
+                </a14:m>
+                <a:endParaRPr kumimoji="1" lang="ja-JP" altLang="en-US" sz="2400" dirty="0"/>
+              </a:p>
+            </p:txBody>
+          </p:sp>
+        </mc:Choice>
+        <mc:Fallback xmlns="">
+          <p:sp>
+            <p:nvSpPr>
+              <p:cNvPr id="7" name="テキスト ボックス 6">
+                <a:extLst>
+                  <a:ext uri="{FF2B5EF4-FFF2-40B4-BE49-F238E27FC236}">
+                    <a16:creationId xmlns:a16="http://schemas.microsoft.com/office/drawing/2014/main" id="{54F582EF-7975-CDD3-6A20-A670301E4AA8}"/>
+                  </a:ext>
+                </a:extLst>
+              </p:cNvPr>
+              <p:cNvSpPr txBox="1">
+                <a:spLocks noRot="1" noChangeAspect="1" noMove="1" noResize="1" noEditPoints="1" noAdjustHandles="1" noChangeArrowheads="1" noChangeShapeType="1" noTextEdit="1"/>
+              </p:cNvSpPr>
+              <p:nvPr/>
+            </p:nvSpPr>
+            <p:spPr>
+              <a:xfrm>
+                <a:off x="2060133" y="1591347"/>
+                <a:ext cx="1286442" cy="369332"/>
+              </a:xfrm>
+              <a:prstGeom prst="rect">
+                <a:avLst/>
+              </a:prstGeom>
+              <a:blipFill>
+                <a:blip r:embed="rId6"/>
+                <a:stretch>
+                  <a:fillRect l="-4739" t="-11475" r="-7109" b="-32787"/>
+                </a:stretch>
+              </a:blipFill>
+            </p:spPr>
+            <p:txBody>
+              <a:bodyPr/>
+              <a:lstStyle/>
+              <a:p>
+                <a:r>
+                  <a:rPr lang="ja-JP" altLang="en-US">
+                    <a:noFill/>
+                  </a:rPr>
+                  <a:t> </a:t>
+                </a:r>
+              </a:p>
+            </p:txBody>
+          </p:sp>
+        </mc:Fallback>
+      </mc:AlternateContent>
+      <mc:AlternateContent xmlns:mc="http://schemas.openxmlformats.org/markup-compatibility/2006" xmlns:a14="http://schemas.microsoft.com/office/drawing/2010/main">
+        <mc:Choice Requires="a14">
+          <p:sp>
+            <p:nvSpPr>
+              <p:cNvPr id="9" name="テキスト ボックス 8">
+                <a:extLst>
+                  <a:ext uri="{FF2B5EF4-FFF2-40B4-BE49-F238E27FC236}">
+                    <a16:creationId xmlns:a16="http://schemas.microsoft.com/office/drawing/2014/main" id="{F1B637AE-8B0B-7713-1B8D-F53499F08FC9}"/>
+                  </a:ext>
+                </a:extLst>
+              </p:cNvPr>
+              <p:cNvSpPr txBox="1"/>
+              <p:nvPr/>
+            </p:nvSpPr>
+            <p:spPr>
+              <a:xfrm>
+                <a:off x="512594" y="2172200"/>
+                <a:ext cx="975460" cy="369332"/>
+              </a:xfrm>
+              <a:prstGeom prst="rect">
+                <a:avLst/>
+              </a:prstGeom>
+              <a:noFill/>
+            </p:spPr>
+            <p:txBody>
+              <a:bodyPr wrap="square" lIns="0" tIns="0" rIns="0" bIns="0" rtlCol="0">
+                <a:spAutoFit/>
+              </a:bodyPr>
+              <a:lstStyle/>
+              <a:p>
+                <a:pPr/>
+                <a14:m>
+                  <m:oMathPara xmlns:m="http://schemas.openxmlformats.org/officeDocument/2006/math">
+                    <m:oMathParaPr>
+                      <m:jc m:val="centerGroup"/>
+                    </m:oMathParaPr>
+                    <m:oMath xmlns:m="http://schemas.openxmlformats.org/officeDocument/2006/math">
+                      <m:r>
+                        <a:rPr kumimoji="1" lang="en-US" altLang="ja-JP" sz="2400" b="0" i="1" smtClean="0">
+                          <a:solidFill>
+                            <a:schemeClr val="accent2"/>
+                          </a:solidFill>
+                          <a:latin typeface="Cambria Math" panose="02040503050406030204" pitchFamily="18" charset="0"/>
+                        </a:rPr>
+                        <m:t>𝐴</m:t>
+                      </m:r>
+                      <m:r>
+                        <a:rPr kumimoji="1" lang="en-US" altLang="ja-JP" sz="2400" b="0" i="1" smtClean="0">
+                          <a:latin typeface="Cambria Math" panose="02040503050406030204" pitchFamily="18" charset="0"/>
+                          <a:ea typeface="Cambria Math" panose="02040503050406030204" pitchFamily="18" charset="0"/>
+                        </a:rPr>
+                        <m:t>∩</m:t>
+                      </m:r>
+                      <m:sSub>
+                        <m:sSubPr>
+                          <m:ctrlPr>
+                            <a:rPr lang="en-US" altLang="ja-JP" sz="2400" i="1" smtClean="0">
+                              <a:solidFill>
+                                <a:srgbClr val="FF0000"/>
+                              </a:solidFill>
+                              <a:latin typeface="Cambria Math" panose="02040503050406030204" pitchFamily="18" charset="0"/>
+                            </a:rPr>
+                          </m:ctrlPr>
+                        </m:sSubPr>
+                        <m:e>
+                          <m:r>
+                            <a:rPr lang="en-US" altLang="ja-JP" sz="2400" i="1">
+                              <a:solidFill>
+                                <a:srgbClr val="FF0000"/>
+                              </a:solidFill>
+                              <a:latin typeface="Cambria Math" panose="02040503050406030204" pitchFamily="18" charset="0"/>
+                            </a:rPr>
+                            <m:t>𝐻</m:t>
+                          </m:r>
+                        </m:e>
+                        <m:sub>
+                          <m:r>
+                            <a:rPr lang="en-US" altLang="ja-JP" sz="2400" i="1">
+                              <a:solidFill>
+                                <a:srgbClr val="FF0000"/>
+                              </a:solidFill>
+                              <a:latin typeface="Cambria Math" panose="02040503050406030204" pitchFamily="18" charset="0"/>
+                            </a:rPr>
+                            <m:t>1</m:t>
+                          </m:r>
+                        </m:sub>
+                      </m:sSub>
+                    </m:oMath>
+                  </m:oMathPara>
+                </a14:m>
+                <a:endParaRPr lang="en-US" altLang="ja-JP" sz="2400" dirty="0"/>
+              </a:p>
+            </p:txBody>
+          </p:sp>
+        </mc:Choice>
+        <mc:Fallback xmlns="">
+          <p:sp>
+            <p:nvSpPr>
+              <p:cNvPr id="9" name="テキスト ボックス 8">
+                <a:extLst>
+                  <a:ext uri="{FF2B5EF4-FFF2-40B4-BE49-F238E27FC236}">
+                    <a16:creationId xmlns:a16="http://schemas.microsoft.com/office/drawing/2014/main" id="{80BCC3FE-D015-79E9-D027-34B54C8E70E6}"/>
+                  </a:ext>
+                </a:extLst>
+              </p:cNvPr>
+              <p:cNvSpPr txBox="1">
+                <a:spLocks noRot="1" noChangeAspect="1" noMove="1" noResize="1" noEditPoints="1" noAdjustHandles="1" noChangeArrowheads="1" noChangeShapeType="1" noTextEdit="1"/>
+              </p:cNvSpPr>
+              <p:nvPr/>
+            </p:nvSpPr>
+            <p:spPr>
+              <a:xfrm>
+                <a:off x="512594" y="2172200"/>
+                <a:ext cx="975460" cy="369332"/>
+              </a:xfrm>
+              <a:prstGeom prst="rect">
+                <a:avLst/>
+              </a:prstGeom>
+              <a:blipFill>
+                <a:blip r:embed="rId7"/>
+                <a:stretch>
+                  <a:fillRect l="-5625" r="-625" b="-11475"/>
+                </a:stretch>
+              </a:blipFill>
+            </p:spPr>
+            <p:txBody>
+              <a:bodyPr/>
+              <a:lstStyle/>
+              <a:p>
+                <a:r>
+                  <a:rPr lang="ja-JP" altLang="en-US">
+                    <a:noFill/>
+                  </a:rPr>
+                  <a:t> </a:t>
+                </a:r>
+              </a:p>
+            </p:txBody>
+          </p:sp>
+        </mc:Fallback>
+      </mc:AlternateContent>
+      <mc:AlternateContent xmlns:mc="http://schemas.openxmlformats.org/markup-compatibility/2006" xmlns:a14="http://schemas.microsoft.com/office/drawing/2010/main">
+        <mc:Choice Requires="a14">
+          <p:sp>
+            <p:nvSpPr>
+              <p:cNvPr id="11" name="テキスト ボックス 10">
+                <a:extLst>
+                  <a:ext uri="{FF2B5EF4-FFF2-40B4-BE49-F238E27FC236}">
+                    <a16:creationId xmlns:a16="http://schemas.microsoft.com/office/drawing/2014/main" id="{DFA71614-38FA-E826-8C6B-DD8D4BBF338C}"/>
+                  </a:ext>
+                </a:extLst>
+              </p:cNvPr>
+              <p:cNvSpPr txBox="1"/>
+              <p:nvPr/>
+            </p:nvSpPr>
+            <p:spPr>
+              <a:xfrm>
+                <a:off x="509036" y="3456704"/>
+                <a:ext cx="982577" cy="369332"/>
+              </a:xfrm>
+              <a:prstGeom prst="rect">
+                <a:avLst/>
+              </a:prstGeom>
+              <a:noFill/>
+            </p:spPr>
+            <p:txBody>
+              <a:bodyPr wrap="square" lIns="0" tIns="0" rIns="0" bIns="0" rtlCol="0">
+                <a:spAutoFit/>
+              </a:bodyPr>
+              <a:lstStyle/>
+              <a:p>
+                <a:pPr/>
+                <a14:m>
+                  <m:oMathPara xmlns:m="http://schemas.openxmlformats.org/officeDocument/2006/math">
+                    <m:oMathParaPr>
+                      <m:jc m:val="centerGroup"/>
+                    </m:oMathParaPr>
+                    <m:oMath xmlns:m="http://schemas.openxmlformats.org/officeDocument/2006/math">
+                      <m:r>
+                        <a:rPr kumimoji="1" lang="en-US" altLang="ja-JP" sz="2400" b="0" i="1" smtClean="0">
+                          <a:solidFill>
+                            <a:schemeClr val="accent2"/>
+                          </a:solidFill>
+                          <a:latin typeface="Cambria Math" panose="02040503050406030204" pitchFamily="18" charset="0"/>
+                        </a:rPr>
+                        <m:t>𝐴</m:t>
+                      </m:r>
+                      <m:r>
+                        <a:rPr kumimoji="1" lang="en-US" altLang="ja-JP" sz="2400" b="0" i="1" smtClean="0">
+                          <a:latin typeface="Cambria Math" panose="02040503050406030204" pitchFamily="18" charset="0"/>
+                          <a:ea typeface="Cambria Math" panose="02040503050406030204" pitchFamily="18" charset="0"/>
+                        </a:rPr>
+                        <m:t>∩</m:t>
+                      </m:r>
+                      <m:sSub>
+                        <m:sSubPr>
+                          <m:ctrlPr>
+                            <a:rPr lang="en-US" altLang="ja-JP" sz="2400" i="1" smtClean="0">
+                              <a:solidFill>
+                                <a:srgbClr val="00B050"/>
+                              </a:solidFill>
+                              <a:latin typeface="Cambria Math" panose="02040503050406030204" pitchFamily="18" charset="0"/>
+                            </a:rPr>
+                          </m:ctrlPr>
+                        </m:sSubPr>
+                        <m:e>
+                          <m:r>
+                            <a:rPr lang="en-US" altLang="ja-JP" sz="2400" i="1">
+                              <a:solidFill>
+                                <a:srgbClr val="00B050"/>
+                              </a:solidFill>
+                              <a:latin typeface="Cambria Math" panose="02040503050406030204" pitchFamily="18" charset="0"/>
+                            </a:rPr>
+                            <m:t>𝐻</m:t>
+                          </m:r>
+                        </m:e>
+                        <m:sub>
+                          <m:r>
+                            <a:rPr lang="en-US" altLang="ja-JP" sz="2400" b="0" i="1" smtClean="0">
+                              <a:solidFill>
+                                <a:srgbClr val="00B050"/>
+                              </a:solidFill>
+                              <a:latin typeface="Cambria Math" panose="02040503050406030204" pitchFamily="18" charset="0"/>
+                            </a:rPr>
+                            <m:t>2</m:t>
+                          </m:r>
+                        </m:sub>
+                      </m:sSub>
+                    </m:oMath>
+                  </m:oMathPara>
+                </a14:m>
+                <a:endParaRPr kumimoji="1" lang="ja-JP" altLang="en-US" sz="2400" dirty="0"/>
+              </a:p>
+            </p:txBody>
+          </p:sp>
+        </mc:Choice>
+        <mc:Fallback xmlns="">
+          <p:sp>
+            <p:nvSpPr>
+              <p:cNvPr id="11" name="テキスト ボックス 10">
+                <a:extLst>
+                  <a:ext uri="{FF2B5EF4-FFF2-40B4-BE49-F238E27FC236}">
+                    <a16:creationId xmlns:a16="http://schemas.microsoft.com/office/drawing/2014/main" id="{A8D5F846-3743-1340-7949-33649AACDAB3}"/>
+                  </a:ext>
+                </a:extLst>
+              </p:cNvPr>
+              <p:cNvSpPr txBox="1">
+                <a:spLocks noRot="1" noChangeAspect="1" noMove="1" noResize="1" noEditPoints="1" noAdjustHandles="1" noChangeArrowheads="1" noChangeShapeType="1" noTextEdit="1"/>
+              </p:cNvSpPr>
+              <p:nvPr/>
+            </p:nvSpPr>
+            <p:spPr>
+              <a:xfrm>
+                <a:off x="509036" y="3456704"/>
+                <a:ext cx="982577" cy="369332"/>
+              </a:xfrm>
+              <a:prstGeom prst="rect">
+                <a:avLst/>
+              </a:prstGeom>
+              <a:blipFill>
+                <a:blip r:embed="rId8"/>
+                <a:stretch>
+                  <a:fillRect l="-6211" r="-621" b="-11475"/>
+                </a:stretch>
+              </a:blipFill>
+            </p:spPr>
+            <p:txBody>
+              <a:bodyPr/>
+              <a:lstStyle/>
+              <a:p>
+                <a:r>
+                  <a:rPr lang="ja-JP" altLang="en-US">
+                    <a:noFill/>
+                  </a:rPr>
+                  <a:t> </a:t>
+                </a:r>
+              </a:p>
+            </p:txBody>
+          </p:sp>
+        </mc:Fallback>
+      </mc:AlternateContent>
+      <mc:AlternateContent xmlns:mc="http://schemas.openxmlformats.org/markup-compatibility/2006" xmlns:a14="http://schemas.microsoft.com/office/drawing/2010/main">
+        <mc:Choice Requires="a14">
+          <p:sp>
+            <p:nvSpPr>
+              <p:cNvPr id="25" name="テキスト ボックス 24">
+                <a:extLst>
+                  <a:ext uri="{FF2B5EF4-FFF2-40B4-BE49-F238E27FC236}">
+                    <a16:creationId xmlns:a16="http://schemas.microsoft.com/office/drawing/2014/main" id="{FE48116D-C0D1-22DF-6928-8DAFB829116D}"/>
+                  </a:ext>
+                </a:extLst>
+              </p:cNvPr>
+              <p:cNvSpPr txBox="1"/>
+              <p:nvPr/>
+            </p:nvSpPr>
+            <p:spPr>
+              <a:xfrm>
+                <a:off x="2341798" y="2172200"/>
+                <a:ext cx="1103122" cy="369332"/>
+              </a:xfrm>
+              <a:prstGeom prst="rect">
+                <a:avLst/>
+              </a:prstGeom>
+              <a:noFill/>
+            </p:spPr>
+            <p:txBody>
+              <a:bodyPr wrap="square" lIns="0" tIns="0" rIns="0" bIns="0" rtlCol="0">
+                <a:spAutoFit/>
+              </a:bodyPr>
+              <a:lstStyle/>
+              <a:p>
+                <a:pPr/>
+                <a14:m>
+                  <m:oMathPara xmlns:m="http://schemas.openxmlformats.org/officeDocument/2006/math">
+                    <m:oMathParaPr>
+                      <m:jc m:val="centerGroup"/>
+                    </m:oMathParaPr>
+                    <m:oMath xmlns:m="http://schemas.openxmlformats.org/officeDocument/2006/math">
+                      <m:sSup>
+                        <m:sSupPr>
+                          <m:ctrlPr>
+                            <a:rPr lang="en-US" altLang="ja-JP" sz="2400" i="1" smtClean="0">
+                              <a:solidFill>
+                                <a:srgbClr val="0070C0"/>
+                              </a:solidFill>
+                              <a:latin typeface="Cambria Math" panose="02040503050406030204" pitchFamily="18" charset="0"/>
+                              <a:ea typeface="Cambria Math" panose="02040503050406030204" pitchFamily="18" charset="0"/>
+                            </a:rPr>
+                          </m:ctrlPr>
+                        </m:sSupPr>
+                        <m:e>
+                          <m:r>
+                            <a:rPr lang="en-US" altLang="ja-JP" sz="2400" i="1">
+                              <a:solidFill>
+                                <a:srgbClr val="0070C0"/>
+                              </a:solidFill>
+                              <a:latin typeface="Cambria Math" panose="02040503050406030204" pitchFamily="18" charset="0"/>
+                              <a:ea typeface="Cambria Math" panose="02040503050406030204" pitchFamily="18" charset="0"/>
+                            </a:rPr>
+                            <m:t>𝐴</m:t>
+                          </m:r>
+                        </m:e>
+                        <m:sup>
+                          <m:r>
+                            <a:rPr lang="en-US" altLang="ja-JP" sz="2400" i="1">
+                              <a:solidFill>
+                                <a:srgbClr val="0070C0"/>
+                              </a:solidFill>
+                              <a:latin typeface="Cambria Math" panose="02040503050406030204" pitchFamily="18" charset="0"/>
+                              <a:ea typeface="Cambria Math" panose="02040503050406030204" pitchFamily="18" charset="0"/>
+                            </a:rPr>
+                            <m:t>𝑐</m:t>
+                          </m:r>
+                        </m:sup>
+                      </m:sSup>
+                      <m:r>
+                        <a:rPr kumimoji="1" lang="en-US" altLang="ja-JP" sz="2400" b="0" i="1" smtClean="0">
+                          <a:latin typeface="Cambria Math" panose="02040503050406030204" pitchFamily="18" charset="0"/>
+                          <a:ea typeface="Cambria Math" panose="02040503050406030204" pitchFamily="18" charset="0"/>
+                        </a:rPr>
+                        <m:t>∩</m:t>
+                      </m:r>
+                      <m:sSub>
+                        <m:sSubPr>
+                          <m:ctrlPr>
+                            <a:rPr lang="en-US" altLang="ja-JP" sz="2400" i="1" smtClean="0">
+                              <a:solidFill>
+                                <a:srgbClr val="FF0000"/>
+                              </a:solidFill>
+                              <a:latin typeface="Cambria Math" panose="02040503050406030204" pitchFamily="18" charset="0"/>
+                            </a:rPr>
+                          </m:ctrlPr>
+                        </m:sSubPr>
+                        <m:e>
+                          <m:r>
+                            <a:rPr lang="en-US" altLang="ja-JP" sz="2400" i="1">
+                              <a:solidFill>
+                                <a:srgbClr val="FF0000"/>
+                              </a:solidFill>
+                              <a:latin typeface="Cambria Math" panose="02040503050406030204" pitchFamily="18" charset="0"/>
+                            </a:rPr>
+                            <m:t>𝐻</m:t>
+                          </m:r>
+                        </m:e>
+                        <m:sub>
+                          <m:r>
+                            <a:rPr lang="en-US" altLang="ja-JP" sz="2400" i="1">
+                              <a:solidFill>
+                                <a:srgbClr val="FF0000"/>
+                              </a:solidFill>
+                              <a:latin typeface="Cambria Math" panose="02040503050406030204" pitchFamily="18" charset="0"/>
+                            </a:rPr>
+                            <m:t>1</m:t>
+                          </m:r>
+                        </m:sub>
+                      </m:sSub>
+                    </m:oMath>
+                  </m:oMathPara>
+                </a14:m>
+                <a:endParaRPr kumimoji="1" lang="ja-JP" altLang="en-US" sz="2400" dirty="0"/>
+              </a:p>
+            </p:txBody>
+          </p:sp>
+        </mc:Choice>
+        <mc:Fallback xmlns="">
+          <p:sp>
+            <p:nvSpPr>
+              <p:cNvPr id="25" name="テキスト ボックス 24">
+                <a:extLst>
+                  <a:ext uri="{FF2B5EF4-FFF2-40B4-BE49-F238E27FC236}">
+                    <a16:creationId xmlns:a16="http://schemas.microsoft.com/office/drawing/2014/main" id="{8D30368F-5AE1-72D8-F91D-0EF7259D527C}"/>
+                  </a:ext>
+                </a:extLst>
+              </p:cNvPr>
+              <p:cNvSpPr txBox="1">
+                <a:spLocks noRot="1" noChangeAspect="1" noMove="1" noResize="1" noEditPoints="1" noAdjustHandles="1" noChangeArrowheads="1" noChangeShapeType="1" noTextEdit="1"/>
+              </p:cNvSpPr>
+              <p:nvPr/>
+            </p:nvSpPr>
+            <p:spPr>
+              <a:xfrm>
+                <a:off x="2341798" y="2172200"/>
+                <a:ext cx="1103122" cy="369332"/>
+              </a:xfrm>
+              <a:prstGeom prst="rect">
+                <a:avLst/>
+              </a:prstGeom>
+              <a:blipFill>
+                <a:blip r:embed="rId9"/>
+                <a:stretch>
+                  <a:fillRect l="-4972" r="-552" b="-11475"/>
+                </a:stretch>
+              </a:blipFill>
+            </p:spPr>
+            <p:txBody>
+              <a:bodyPr/>
+              <a:lstStyle/>
+              <a:p>
+                <a:r>
+                  <a:rPr lang="ja-JP" altLang="en-US">
+                    <a:noFill/>
+                  </a:rPr>
+                  <a:t> </a:t>
+                </a:r>
+              </a:p>
+            </p:txBody>
+          </p:sp>
+        </mc:Fallback>
+      </mc:AlternateContent>
+      <mc:AlternateContent xmlns:mc="http://schemas.openxmlformats.org/markup-compatibility/2006" xmlns:a14="http://schemas.microsoft.com/office/drawing/2010/main">
+        <mc:Choice Requires="a14">
+          <p:sp>
+            <p:nvSpPr>
+              <p:cNvPr id="26" name="テキスト ボックス 25">
+                <a:extLst>
+                  <a:ext uri="{FF2B5EF4-FFF2-40B4-BE49-F238E27FC236}">
+                    <a16:creationId xmlns:a16="http://schemas.microsoft.com/office/drawing/2014/main" id="{661365AF-0F5B-0515-95A0-438F7AE65816}"/>
+                  </a:ext>
+                </a:extLst>
+              </p:cNvPr>
+              <p:cNvSpPr txBox="1"/>
+              <p:nvPr/>
+            </p:nvSpPr>
+            <p:spPr>
+              <a:xfrm>
+                <a:off x="2338239" y="3456704"/>
+                <a:ext cx="1110240" cy="369332"/>
+              </a:xfrm>
+              <a:prstGeom prst="rect">
+                <a:avLst/>
+              </a:prstGeom>
+              <a:noFill/>
+            </p:spPr>
+            <p:txBody>
+              <a:bodyPr wrap="square" lIns="0" tIns="0" rIns="0" bIns="0" rtlCol="0">
+                <a:spAutoFit/>
+              </a:bodyPr>
+              <a:lstStyle/>
+              <a:p>
+                <a:pPr/>
+                <a14:m>
+                  <m:oMathPara xmlns:m="http://schemas.openxmlformats.org/officeDocument/2006/math">
+                    <m:oMathParaPr>
+                      <m:jc m:val="centerGroup"/>
+                    </m:oMathParaPr>
+                    <m:oMath xmlns:m="http://schemas.openxmlformats.org/officeDocument/2006/math">
+                      <m:sSup>
+                        <m:sSupPr>
+                          <m:ctrlPr>
+                            <a:rPr lang="en-US" altLang="ja-JP" sz="2400" i="1" smtClean="0">
+                              <a:solidFill>
+                                <a:srgbClr val="0070C0"/>
+                              </a:solidFill>
+                              <a:latin typeface="Cambria Math" panose="02040503050406030204" pitchFamily="18" charset="0"/>
+                              <a:ea typeface="Cambria Math" panose="02040503050406030204" pitchFamily="18" charset="0"/>
+                            </a:rPr>
+                          </m:ctrlPr>
+                        </m:sSupPr>
+                        <m:e>
+                          <m:r>
+                            <a:rPr lang="en-US" altLang="ja-JP" sz="2400" i="1">
+                              <a:solidFill>
+                                <a:srgbClr val="0070C0"/>
+                              </a:solidFill>
+                              <a:latin typeface="Cambria Math" panose="02040503050406030204" pitchFamily="18" charset="0"/>
+                              <a:ea typeface="Cambria Math" panose="02040503050406030204" pitchFamily="18" charset="0"/>
+                            </a:rPr>
+                            <m:t>𝐴</m:t>
+                          </m:r>
+                        </m:e>
+                        <m:sup>
+                          <m:r>
+                            <a:rPr lang="en-US" altLang="ja-JP" sz="2400" i="1">
+                              <a:solidFill>
+                                <a:srgbClr val="0070C0"/>
+                              </a:solidFill>
+                              <a:latin typeface="Cambria Math" panose="02040503050406030204" pitchFamily="18" charset="0"/>
+                              <a:ea typeface="Cambria Math" panose="02040503050406030204" pitchFamily="18" charset="0"/>
+                            </a:rPr>
+                            <m:t>𝑐</m:t>
+                          </m:r>
+                        </m:sup>
+                      </m:sSup>
+                      <m:r>
+                        <a:rPr kumimoji="1" lang="en-US" altLang="ja-JP" sz="2400" b="0" i="1" smtClean="0">
+                          <a:latin typeface="Cambria Math" panose="02040503050406030204" pitchFamily="18" charset="0"/>
+                          <a:ea typeface="Cambria Math" panose="02040503050406030204" pitchFamily="18" charset="0"/>
+                        </a:rPr>
+                        <m:t>∩</m:t>
+                      </m:r>
+                      <m:sSub>
+                        <m:sSubPr>
+                          <m:ctrlPr>
+                            <a:rPr lang="en-US" altLang="ja-JP" sz="2400" i="1" smtClean="0">
+                              <a:solidFill>
+                                <a:srgbClr val="00B050"/>
+                              </a:solidFill>
+                              <a:latin typeface="Cambria Math" panose="02040503050406030204" pitchFamily="18" charset="0"/>
+                            </a:rPr>
+                          </m:ctrlPr>
+                        </m:sSubPr>
+                        <m:e>
+                          <m:r>
+                            <a:rPr lang="en-US" altLang="ja-JP" sz="2400" i="1">
+                              <a:solidFill>
+                                <a:srgbClr val="00B050"/>
+                              </a:solidFill>
+                              <a:latin typeface="Cambria Math" panose="02040503050406030204" pitchFamily="18" charset="0"/>
+                            </a:rPr>
+                            <m:t>𝐻</m:t>
+                          </m:r>
+                        </m:e>
+                        <m:sub>
+                          <m:r>
+                            <a:rPr lang="en-US" altLang="ja-JP" sz="2400" b="0" i="1" smtClean="0">
+                              <a:solidFill>
+                                <a:srgbClr val="00B050"/>
+                              </a:solidFill>
+                              <a:latin typeface="Cambria Math" panose="02040503050406030204" pitchFamily="18" charset="0"/>
+                            </a:rPr>
+                            <m:t>2</m:t>
+                          </m:r>
+                        </m:sub>
+                      </m:sSub>
+                    </m:oMath>
+                  </m:oMathPara>
+                </a14:m>
+                <a:endParaRPr kumimoji="1" lang="ja-JP" altLang="en-US" sz="2400" dirty="0"/>
+              </a:p>
+            </p:txBody>
+          </p:sp>
+        </mc:Choice>
+        <mc:Fallback xmlns="">
+          <p:sp>
+            <p:nvSpPr>
+              <p:cNvPr id="26" name="テキスト ボックス 25">
+                <a:extLst>
+                  <a:ext uri="{FF2B5EF4-FFF2-40B4-BE49-F238E27FC236}">
+                    <a16:creationId xmlns:a16="http://schemas.microsoft.com/office/drawing/2014/main" id="{320A94F4-494F-6DC3-FD26-8D6709813B8A}"/>
+                  </a:ext>
+                </a:extLst>
+              </p:cNvPr>
+              <p:cNvSpPr txBox="1">
+                <a:spLocks noRot="1" noChangeAspect="1" noMove="1" noResize="1" noEditPoints="1" noAdjustHandles="1" noChangeArrowheads="1" noChangeShapeType="1" noTextEdit="1"/>
+              </p:cNvSpPr>
+              <p:nvPr/>
+            </p:nvSpPr>
+            <p:spPr>
+              <a:xfrm>
+                <a:off x="2338239" y="3456704"/>
+                <a:ext cx="1110240" cy="369332"/>
+              </a:xfrm>
+              <a:prstGeom prst="rect">
+                <a:avLst/>
+              </a:prstGeom>
+              <a:blipFill>
+                <a:blip r:embed="rId10"/>
+                <a:stretch>
+                  <a:fillRect l="-5495" r="-549" b="-11475"/>
+                </a:stretch>
+              </a:blipFill>
+            </p:spPr>
+            <p:txBody>
+              <a:bodyPr/>
+              <a:lstStyle/>
+              <a:p>
+                <a:r>
+                  <a:rPr lang="ja-JP" altLang="en-US">
+                    <a:noFill/>
+                  </a:rPr>
+                  <a:t> </a:t>
+                </a:r>
+              </a:p>
+            </p:txBody>
+          </p:sp>
+        </mc:Fallback>
+      </mc:AlternateContent>
+      <p:sp>
+        <p:nvSpPr>
+          <p:cNvPr id="30" name="正方形/長方形 29">
+            <a:extLst>
+              <a:ext uri="{FF2B5EF4-FFF2-40B4-BE49-F238E27FC236}">
+                <a16:creationId xmlns:a16="http://schemas.microsoft.com/office/drawing/2014/main" id="{F21AD739-DF7E-6B3D-0BBF-9E22E68006AF}"/>
+              </a:ext>
+            </a:extLst>
+          </p:cNvPr>
+          <p:cNvSpPr/>
+          <p:nvPr/>
+        </p:nvSpPr>
+        <p:spPr>
+          <a:xfrm>
+            <a:off x="256009" y="2013825"/>
+            <a:ext cx="1656000" cy="3600000"/>
+          </a:xfrm>
+          <a:prstGeom prst="rect">
+            <a:avLst/>
+          </a:prstGeom>
+          <a:noFill/>
+          <a:ln w="57150">
+            <a:solidFill>
+              <a:schemeClr val="accent2"/>
+            </a:solidFill>
+          </a:ln>
+        </p:spPr>
+        <p:style>
+          <a:lnRef idx="2">
+            <a:schemeClr val="accent1">
+              <a:shade val="15000"/>
+            </a:schemeClr>
+          </a:lnRef>
+          <a:fillRef idx="1">
+            <a:schemeClr val="accent1"/>
+          </a:fillRef>
+          <a:effectRef idx="0">
+            <a:schemeClr val="accent1"/>
+          </a:effectRef>
+          <a:fontRef idx="minor">
+            <a:schemeClr val="lt1"/>
+          </a:fontRef>
+        </p:style>
+        <p:txBody>
+          <a:bodyPr rtlCol="0" anchor="ctr"/>
+          <a:lstStyle/>
+          <a:p>
+            <a:pPr algn="ctr"/>
+            <a:endParaRPr lang="ja-JP" altLang="en-US"/>
+          </a:p>
+        </p:txBody>
+      </p:sp>
+      <p:sp>
+        <p:nvSpPr>
+          <p:cNvPr id="32" name="正方形/長方形 31">
+            <a:extLst>
+              <a:ext uri="{FF2B5EF4-FFF2-40B4-BE49-F238E27FC236}">
+                <a16:creationId xmlns:a16="http://schemas.microsoft.com/office/drawing/2014/main" id="{07A118E5-BD87-FDBF-D346-E95DA599FA4B}"/>
+              </a:ext>
+            </a:extLst>
+          </p:cNvPr>
+          <p:cNvSpPr/>
+          <p:nvPr/>
+        </p:nvSpPr>
+        <p:spPr>
+          <a:xfrm>
+            <a:off x="1966320" y="2013825"/>
+            <a:ext cx="2160000" cy="3600000"/>
+          </a:xfrm>
+          <a:prstGeom prst="rect">
+            <a:avLst/>
+          </a:prstGeom>
+          <a:noFill/>
+          <a:ln w="57150">
+            <a:solidFill>
+              <a:srgbClr val="0070C0"/>
+            </a:solidFill>
+          </a:ln>
+        </p:spPr>
+        <p:style>
+          <a:lnRef idx="2">
+            <a:schemeClr val="accent1">
+              <a:shade val="15000"/>
+            </a:schemeClr>
+          </a:lnRef>
+          <a:fillRef idx="1">
+            <a:schemeClr val="accent1"/>
+          </a:fillRef>
+          <a:effectRef idx="0">
+            <a:schemeClr val="accent1"/>
+          </a:effectRef>
+          <a:fontRef idx="minor">
+            <a:schemeClr val="lt1"/>
+          </a:fontRef>
+        </p:style>
+        <p:txBody>
+          <a:bodyPr rtlCol="0" anchor="ctr"/>
+          <a:lstStyle/>
+          <a:p>
+            <a:pPr algn="ctr"/>
+            <a:endParaRPr lang="ja-JP" altLang="en-US"/>
+          </a:p>
+        </p:txBody>
+      </p:sp>
+      <p:sp>
+        <p:nvSpPr>
+          <p:cNvPr id="33" name="右中かっこ 32">
+            <a:extLst>
+              <a:ext uri="{FF2B5EF4-FFF2-40B4-BE49-F238E27FC236}">
+                <a16:creationId xmlns:a16="http://schemas.microsoft.com/office/drawing/2014/main" id="{7CC47E03-4896-503D-E27F-18A08043A226}"/>
+              </a:ext>
+            </a:extLst>
+          </p:cNvPr>
+          <p:cNvSpPr/>
+          <p:nvPr/>
+        </p:nvSpPr>
+        <p:spPr>
+          <a:xfrm rot="5400000">
+            <a:off x="2048658" y="4016935"/>
+            <a:ext cx="237259" cy="3822559"/>
+          </a:xfrm>
+          <a:prstGeom prst="rightBrace">
+            <a:avLst/>
+          </a:prstGeom>
+          <a:ln>
+            <a:solidFill>
+              <a:schemeClr val="tx1"/>
+            </a:solidFill>
+          </a:ln>
+        </p:spPr>
+        <p:style>
+          <a:lnRef idx="2">
+            <a:schemeClr val="accent1"/>
+          </a:lnRef>
+          <a:fillRef idx="0">
+            <a:schemeClr val="accent1"/>
+          </a:fillRef>
+          <a:effectRef idx="1">
+            <a:schemeClr val="accent1"/>
+          </a:effectRef>
+          <a:fontRef idx="minor">
+            <a:schemeClr val="tx1"/>
+          </a:fontRef>
+        </p:style>
+        <p:txBody>
+          <a:bodyPr rtlCol="0" anchor="ctr"/>
+          <a:lstStyle/>
+          <a:p>
+            <a:pPr algn="ctr"/>
+            <a:endParaRPr kumimoji="1" lang="ja-JP" altLang="en-US"/>
+          </a:p>
+        </p:txBody>
+      </p:sp>
+      <mc:AlternateContent xmlns:mc="http://schemas.openxmlformats.org/markup-compatibility/2006" xmlns:a14="http://schemas.microsoft.com/office/drawing/2010/main">
+        <mc:Choice Requires="a14">
+          <p:sp>
+            <p:nvSpPr>
+              <p:cNvPr id="34" name="テキスト ボックス 33">
+                <a:extLst>
+                  <a:ext uri="{FF2B5EF4-FFF2-40B4-BE49-F238E27FC236}">
+                    <a16:creationId xmlns:a16="http://schemas.microsoft.com/office/drawing/2014/main" id="{8F44A2A9-7F14-E47E-C290-1CFDF595EF18}"/>
+                  </a:ext>
+                </a:extLst>
+              </p:cNvPr>
+              <p:cNvSpPr txBox="1"/>
+              <p:nvPr/>
+            </p:nvSpPr>
+            <p:spPr>
+              <a:xfrm>
+                <a:off x="1815427" y="6161613"/>
+                <a:ext cx="703719" cy="369332"/>
+              </a:xfrm>
+              <a:prstGeom prst="rect">
+                <a:avLst/>
+              </a:prstGeom>
+              <a:noFill/>
+            </p:spPr>
+            <p:txBody>
+              <a:bodyPr wrap="square" lIns="0" tIns="0" rIns="0" bIns="0" rtlCol="0">
+                <a:spAutoFit/>
+              </a:bodyPr>
+              <a:lstStyle/>
+              <a:p>
+                <a:pPr/>
+                <a14:m>
+                  <m:oMathPara xmlns:m="http://schemas.openxmlformats.org/officeDocument/2006/math">
+                    <m:oMathParaPr>
+                      <m:jc m:val="centerGroup"/>
+                    </m:oMathParaPr>
+                    <m:oMath xmlns:m="http://schemas.openxmlformats.org/officeDocument/2006/math">
+                      <m:r>
+                        <a:rPr lang="ja-JP" altLang="en-US" sz="2400" i="1">
+                          <a:latin typeface="Cambria Math" panose="02040503050406030204" pitchFamily="18" charset="0"/>
+                          <a:ea typeface="Cambria Math" panose="02040503050406030204" pitchFamily="18" charset="0"/>
+                        </a:rPr>
+                        <m:t>検査</m:t>
+                      </m:r>
+                    </m:oMath>
+                  </m:oMathPara>
+                </a14:m>
+                <a:endParaRPr kumimoji="1" lang="ja-JP" altLang="en-US" sz="2400" dirty="0"/>
+              </a:p>
+            </p:txBody>
+          </p:sp>
+        </mc:Choice>
+        <mc:Fallback xmlns="">
+          <p:sp>
+            <p:nvSpPr>
+              <p:cNvPr id="34" name="テキスト ボックス 33">
+                <a:extLst>
+                  <a:ext uri="{FF2B5EF4-FFF2-40B4-BE49-F238E27FC236}">
+                    <a16:creationId xmlns:a16="http://schemas.microsoft.com/office/drawing/2014/main" id="{DFA62EC3-D769-D01E-D845-567444CEE450}"/>
+                  </a:ext>
+                </a:extLst>
+              </p:cNvPr>
+              <p:cNvSpPr txBox="1">
+                <a:spLocks noRot="1" noChangeAspect="1" noMove="1" noResize="1" noEditPoints="1" noAdjustHandles="1" noChangeArrowheads="1" noChangeShapeType="1" noTextEdit="1"/>
+              </p:cNvSpPr>
+              <p:nvPr/>
+            </p:nvSpPr>
+            <p:spPr>
+              <a:xfrm>
+                <a:off x="1815427" y="6161613"/>
+                <a:ext cx="703719" cy="369332"/>
+              </a:xfrm>
+              <a:prstGeom prst="rect">
+                <a:avLst/>
+              </a:prstGeom>
+              <a:blipFill>
+                <a:blip r:embed="rId11"/>
+                <a:stretch>
+                  <a:fillRect l="-13913" t="-11667" r="-14783" b="-26667"/>
+                </a:stretch>
+              </a:blipFill>
+            </p:spPr>
+            <p:txBody>
+              <a:bodyPr/>
+              <a:lstStyle/>
+              <a:p>
+                <a:r>
+                  <a:rPr lang="ja-JP" altLang="en-US">
+                    <a:noFill/>
+                  </a:rPr>
+                  <a:t> </a:t>
+                </a:r>
+              </a:p>
+            </p:txBody>
+          </p:sp>
+        </mc:Fallback>
+      </mc:AlternateContent>
+      <mc:AlternateContent xmlns:mc="http://schemas.openxmlformats.org/markup-compatibility/2006" xmlns:a14="http://schemas.microsoft.com/office/drawing/2010/main">
+        <mc:Choice Requires="a14">
+          <p:sp>
+            <p:nvSpPr>
+              <p:cNvPr id="2" name="テキスト ボックス 1">
+                <a:extLst>
+                  <a:ext uri="{FF2B5EF4-FFF2-40B4-BE49-F238E27FC236}">
+                    <a16:creationId xmlns:a16="http://schemas.microsoft.com/office/drawing/2014/main" id="{B5262BC3-379E-D9D4-CEC5-61E6003062E5}"/>
+                  </a:ext>
+                </a:extLst>
+              </p:cNvPr>
+              <p:cNvSpPr txBox="1"/>
+              <p:nvPr/>
+            </p:nvSpPr>
+            <p:spPr>
+              <a:xfrm>
+                <a:off x="387699" y="2672515"/>
+                <a:ext cx="1401558" cy="369332"/>
+              </a:xfrm>
+              <a:prstGeom prst="rect">
+                <a:avLst/>
+              </a:prstGeom>
+              <a:noFill/>
+            </p:spPr>
+            <p:txBody>
+              <a:bodyPr wrap="square" lIns="0" tIns="0" rIns="0" bIns="0" rtlCol="0">
+                <a:spAutoFit/>
+              </a:bodyPr>
+              <a:lstStyle/>
+              <a:p>
+                <a:pPr/>
+                <a14:m>
+                  <m:oMathPara xmlns:m="http://schemas.openxmlformats.org/officeDocument/2006/math">
+                    <m:oMathParaPr>
+                      <m:jc m:val="centerGroup"/>
+                    </m:oMathParaPr>
+                    <m:oMath xmlns:m="http://schemas.openxmlformats.org/officeDocument/2006/math">
+                      <m:r>
+                        <a:rPr lang="en-US" altLang="ja-JP" sz="2400" b="0" i="1" smtClean="0">
+                          <a:latin typeface="Cambria Math" panose="02040503050406030204" pitchFamily="18" charset="0"/>
+                        </a:rPr>
+                        <m:t>(1)</m:t>
+                      </m:r>
+                      <m:r>
+                        <a:rPr lang="ja-JP" altLang="en-US" sz="2400" i="1">
+                          <a:latin typeface="Cambria Math" panose="02040503050406030204" pitchFamily="18" charset="0"/>
+                        </a:rPr>
+                        <m:t>真陽性</m:t>
+                      </m:r>
+                    </m:oMath>
+                  </m:oMathPara>
+                </a14:m>
+                <a:endParaRPr kumimoji="1" lang="ja-JP" altLang="en-US" sz="2400" dirty="0"/>
+              </a:p>
+            </p:txBody>
+          </p:sp>
+        </mc:Choice>
+        <mc:Fallback xmlns="">
+          <p:sp>
+            <p:nvSpPr>
+              <p:cNvPr id="2" name="テキスト ボックス 1">
+                <a:extLst>
+                  <a:ext uri="{FF2B5EF4-FFF2-40B4-BE49-F238E27FC236}">
+                    <a16:creationId xmlns:a16="http://schemas.microsoft.com/office/drawing/2014/main" id="{CD4AB3E0-E00F-132A-E4E2-5695876DDE52}"/>
+                  </a:ext>
+                </a:extLst>
+              </p:cNvPr>
+              <p:cNvSpPr txBox="1">
+                <a:spLocks noRot="1" noChangeAspect="1" noMove="1" noResize="1" noEditPoints="1" noAdjustHandles="1" noChangeArrowheads="1" noChangeShapeType="1" noTextEdit="1"/>
+              </p:cNvSpPr>
+              <p:nvPr/>
+            </p:nvSpPr>
+            <p:spPr>
+              <a:xfrm>
+                <a:off x="387699" y="2672515"/>
+                <a:ext cx="1401558" cy="369332"/>
+              </a:xfrm>
+              <a:prstGeom prst="rect">
+                <a:avLst/>
+              </a:prstGeom>
+              <a:blipFill>
+                <a:blip r:embed="rId12"/>
+                <a:stretch>
+                  <a:fillRect l="-8261" t="-9836" r="-7826" b="-34426"/>
+                </a:stretch>
+              </a:blipFill>
+            </p:spPr>
+            <p:txBody>
+              <a:bodyPr/>
+              <a:lstStyle/>
+              <a:p>
+                <a:r>
+                  <a:rPr lang="ja-JP" altLang="en-US">
+                    <a:noFill/>
+                  </a:rPr>
+                  <a:t> </a:t>
+                </a:r>
+              </a:p>
+            </p:txBody>
+          </p:sp>
+        </mc:Fallback>
+      </mc:AlternateContent>
+      <mc:AlternateContent xmlns:mc="http://schemas.openxmlformats.org/markup-compatibility/2006" xmlns:a14="http://schemas.microsoft.com/office/drawing/2010/main">
+        <mc:Choice Requires="a14">
+          <p:sp>
+            <p:nvSpPr>
+              <p:cNvPr id="3" name="テキスト ボックス 2">
+                <a:extLst>
+                  <a:ext uri="{FF2B5EF4-FFF2-40B4-BE49-F238E27FC236}">
+                    <a16:creationId xmlns:a16="http://schemas.microsoft.com/office/drawing/2014/main" id="{4F8C4F0E-D4A4-A034-8431-CB530215A781}"/>
+                  </a:ext>
+                </a:extLst>
+              </p:cNvPr>
+              <p:cNvSpPr txBox="1"/>
+              <p:nvPr/>
+            </p:nvSpPr>
+            <p:spPr>
+              <a:xfrm>
+                <a:off x="2241688" y="2642448"/>
+                <a:ext cx="1401557" cy="369332"/>
+              </a:xfrm>
+              <a:prstGeom prst="rect">
+                <a:avLst/>
+              </a:prstGeom>
+              <a:noFill/>
+            </p:spPr>
+            <p:txBody>
+              <a:bodyPr wrap="square" lIns="0" tIns="0" rIns="0" bIns="0" rtlCol="0">
+                <a:spAutoFit/>
+              </a:bodyPr>
+              <a:lstStyle/>
+              <a:p>
+                <a14:m>
+                  <m:oMath xmlns:m="http://schemas.openxmlformats.org/officeDocument/2006/math">
+                    <m:r>
+                      <a:rPr lang="en-US" altLang="ja-JP" sz="2400" b="0" i="1" smtClean="0">
+                        <a:latin typeface="Cambria Math" panose="02040503050406030204" pitchFamily="18" charset="0"/>
+                      </a:rPr>
+                      <m:t>(4)</m:t>
+                    </m:r>
+                    <m:r>
+                      <a:rPr lang="ja-JP" altLang="en-US" sz="2400" i="1" smtClean="0">
+                        <a:latin typeface="Cambria Math" panose="02040503050406030204" pitchFamily="18" charset="0"/>
+                      </a:rPr>
+                      <m:t>偽</m:t>
+                    </m:r>
+                  </m:oMath>
+                </a14:m>
+                <a:r>
+                  <a:rPr kumimoji="1" lang="ja-JP" altLang="en-US" sz="2400" dirty="0"/>
+                  <a:t>陰性</a:t>
+                </a:r>
+              </a:p>
+            </p:txBody>
+          </p:sp>
+        </mc:Choice>
+        <mc:Fallback xmlns="">
+          <p:sp>
+            <p:nvSpPr>
+              <p:cNvPr id="3" name="テキスト ボックス 2">
+                <a:extLst>
+                  <a:ext uri="{FF2B5EF4-FFF2-40B4-BE49-F238E27FC236}">
+                    <a16:creationId xmlns:a16="http://schemas.microsoft.com/office/drawing/2014/main" id="{3E29E329-A298-F700-3924-B528C07E0DC6}"/>
+                  </a:ext>
+                </a:extLst>
+              </p:cNvPr>
+              <p:cNvSpPr txBox="1">
+                <a:spLocks noRot="1" noChangeAspect="1" noMove="1" noResize="1" noEditPoints="1" noAdjustHandles="1" noChangeArrowheads="1" noChangeShapeType="1" noTextEdit="1"/>
+              </p:cNvSpPr>
+              <p:nvPr/>
+            </p:nvSpPr>
+            <p:spPr>
+              <a:xfrm>
+                <a:off x="2241688" y="2642448"/>
+                <a:ext cx="1401557" cy="369332"/>
+              </a:xfrm>
+              <a:prstGeom prst="rect">
+                <a:avLst/>
+              </a:prstGeom>
+              <a:blipFill>
+                <a:blip r:embed="rId13"/>
+                <a:stretch>
+                  <a:fillRect l="-10435" t="-22951" r="-8261" b="-50820"/>
+                </a:stretch>
+              </a:blipFill>
+            </p:spPr>
+            <p:txBody>
+              <a:bodyPr/>
+              <a:lstStyle/>
+              <a:p>
+                <a:r>
+                  <a:rPr lang="ja-JP" altLang="en-US">
+                    <a:noFill/>
+                  </a:rPr>
+                  <a:t> </a:t>
+                </a:r>
+              </a:p>
+            </p:txBody>
+          </p:sp>
+        </mc:Fallback>
+      </mc:AlternateContent>
+      <mc:AlternateContent xmlns:mc="http://schemas.openxmlformats.org/markup-compatibility/2006" xmlns:a14="http://schemas.microsoft.com/office/drawing/2010/main">
+        <mc:Choice Requires="a14">
+          <p:sp>
+            <p:nvSpPr>
+              <p:cNvPr id="8" name="テキスト ボックス 7">
+                <a:extLst>
+                  <a:ext uri="{FF2B5EF4-FFF2-40B4-BE49-F238E27FC236}">
+                    <a16:creationId xmlns:a16="http://schemas.microsoft.com/office/drawing/2014/main" id="{DC0C0815-1880-5C03-0DEF-BA6750F24225}"/>
+                  </a:ext>
+                </a:extLst>
+              </p:cNvPr>
+              <p:cNvSpPr txBox="1"/>
+              <p:nvPr/>
+            </p:nvSpPr>
+            <p:spPr>
+              <a:xfrm>
+                <a:off x="431781" y="3992862"/>
+                <a:ext cx="1401558" cy="369332"/>
+              </a:xfrm>
+              <a:prstGeom prst="rect">
+                <a:avLst/>
+              </a:prstGeom>
+              <a:noFill/>
+            </p:spPr>
+            <p:txBody>
+              <a:bodyPr wrap="square" lIns="0" tIns="0" rIns="0" bIns="0" rtlCol="0">
+                <a:spAutoFit/>
+              </a:bodyPr>
+              <a:lstStyle/>
+              <a:p>
+                <a14:m>
+                  <m:oMath xmlns:m="http://schemas.openxmlformats.org/officeDocument/2006/math">
+                    <m:r>
+                      <a:rPr lang="en-US" altLang="ja-JP" sz="2400" b="0" i="1" smtClean="0">
+                        <a:latin typeface="Cambria Math" panose="02040503050406030204" pitchFamily="18" charset="0"/>
+                      </a:rPr>
+                      <m:t>(2)</m:t>
+                    </m:r>
+                    <m:r>
+                      <a:rPr lang="ja-JP" altLang="en-US" sz="2400" i="1" smtClean="0">
+                        <a:latin typeface="Cambria Math" panose="02040503050406030204" pitchFamily="18" charset="0"/>
+                      </a:rPr>
+                      <m:t>偽</m:t>
+                    </m:r>
+                  </m:oMath>
+                </a14:m>
+                <a:r>
+                  <a:rPr kumimoji="1" lang="ja-JP" altLang="en-US" sz="2400" dirty="0"/>
+                  <a:t>陽性</a:t>
+                </a:r>
+              </a:p>
+            </p:txBody>
+          </p:sp>
+        </mc:Choice>
+        <mc:Fallback xmlns="">
+          <p:sp>
+            <p:nvSpPr>
+              <p:cNvPr id="8" name="テキスト ボックス 7">
+                <a:extLst>
+                  <a:ext uri="{FF2B5EF4-FFF2-40B4-BE49-F238E27FC236}">
+                    <a16:creationId xmlns:a16="http://schemas.microsoft.com/office/drawing/2014/main" id="{9E84B159-8C1D-33A5-2629-FAF7713B498F}"/>
+                  </a:ext>
+                </a:extLst>
+              </p:cNvPr>
+              <p:cNvSpPr txBox="1">
+                <a:spLocks noRot="1" noChangeAspect="1" noMove="1" noResize="1" noEditPoints="1" noAdjustHandles="1" noChangeArrowheads="1" noChangeShapeType="1" noTextEdit="1"/>
+              </p:cNvSpPr>
+              <p:nvPr/>
+            </p:nvSpPr>
+            <p:spPr>
+              <a:xfrm>
+                <a:off x="431781" y="3992862"/>
+                <a:ext cx="1401558" cy="369332"/>
+              </a:xfrm>
+              <a:prstGeom prst="rect">
+                <a:avLst/>
+              </a:prstGeom>
+              <a:blipFill>
+                <a:blip r:embed="rId14"/>
+                <a:stretch>
+                  <a:fillRect l="-10435" t="-24590" r="-8261" b="-49180"/>
+                </a:stretch>
+              </a:blipFill>
+            </p:spPr>
+            <p:txBody>
+              <a:bodyPr/>
+              <a:lstStyle/>
+              <a:p>
+                <a:r>
+                  <a:rPr lang="ja-JP" altLang="en-US">
+                    <a:noFill/>
+                  </a:rPr>
+                  <a:t> </a:t>
+                </a:r>
+              </a:p>
+            </p:txBody>
+          </p:sp>
+        </mc:Fallback>
+      </mc:AlternateContent>
+      <mc:AlternateContent xmlns:mc="http://schemas.openxmlformats.org/markup-compatibility/2006" xmlns:a14="http://schemas.microsoft.com/office/drawing/2010/main">
+        <mc:Choice Requires="a14">
+          <p:sp>
+            <p:nvSpPr>
+              <p:cNvPr id="12" name="テキスト ボックス 11">
+                <a:extLst>
+                  <a:ext uri="{FF2B5EF4-FFF2-40B4-BE49-F238E27FC236}">
+                    <a16:creationId xmlns:a16="http://schemas.microsoft.com/office/drawing/2014/main" id="{E7A27DED-B655-C8E2-5365-D9EDE7DFAB23}"/>
+                  </a:ext>
+                </a:extLst>
+              </p:cNvPr>
+              <p:cNvSpPr txBox="1"/>
+              <p:nvPr/>
+            </p:nvSpPr>
+            <p:spPr>
+              <a:xfrm>
+                <a:off x="2241689" y="3992862"/>
+                <a:ext cx="1401556" cy="369332"/>
+              </a:xfrm>
+              <a:prstGeom prst="rect">
+                <a:avLst/>
+              </a:prstGeom>
+              <a:noFill/>
+            </p:spPr>
+            <p:txBody>
+              <a:bodyPr wrap="square" lIns="0" tIns="0" rIns="0" bIns="0" rtlCol="0">
+                <a:spAutoFit/>
+              </a:bodyPr>
+              <a:lstStyle/>
+              <a:p>
+                <a14:m>
+                  <m:oMath xmlns:m="http://schemas.openxmlformats.org/officeDocument/2006/math">
+                    <m:r>
+                      <a:rPr lang="en-US" altLang="ja-JP" sz="2400" b="0" i="1" smtClean="0">
+                        <a:latin typeface="Cambria Math" panose="02040503050406030204" pitchFamily="18" charset="0"/>
+                      </a:rPr>
+                      <m:t>(3)</m:t>
+                    </m:r>
+                    <m:r>
+                      <a:rPr lang="ja-JP" altLang="en-US" sz="2400" i="1" smtClean="0">
+                        <a:latin typeface="Cambria Math" panose="02040503050406030204" pitchFamily="18" charset="0"/>
+                      </a:rPr>
+                      <m:t>真</m:t>
+                    </m:r>
+                  </m:oMath>
+                </a14:m>
+                <a:r>
+                  <a:rPr kumimoji="1" lang="ja-JP" altLang="en-US" sz="2400" dirty="0"/>
+                  <a:t>陰性</a:t>
+                </a:r>
+              </a:p>
+            </p:txBody>
+          </p:sp>
+        </mc:Choice>
+        <mc:Fallback xmlns="">
+          <p:sp>
+            <p:nvSpPr>
+              <p:cNvPr id="12" name="テキスト ボックス 11">
+                <a:extLst>
+                  <a:ext uri="{FF2B5EF4-FFF2-40B4-BE49-F238E27FC236}">
+                    <a16:creationId xmlns:a16="http://schemas.microsoft.com/office/drawing/2014/main" id="{628F37DC-0ED0-D9F2-5B25-3D8D621AEF35}"/>
+                  </a:ext>
+                </a:extLst>
+              </p:cNvPr>
+              <p:cNvSpPr txBox="1">
+                <a:spLocks noRot="1" noChangeAspect="1" noMove="1" noResize="1" noEditPoints="1" noAdjustHandles="1" noChangeArrowheads="1" noChangeShapeType="1" noTextEdit="1"/>
+              </p:cNvSpPr>
+              <p:nvPr/>
+            </p:nvSpPr>
+            <p:spPr>
+              <a:xfrm>
+                <a:off x="2241689" y="3992862"/>
+                <a:ext cx="1401556" cy="369332"/>
+              </a:xfrm>
+              <a:prstGeom prst="rect">
+                <a:avLst/>
+              </a:prstGeom>
+              <a:blipFill>
+                <a:blip r:embed="rId15"/>
+                <a:stretch>
+                  <a:fillRect l="-10435" t="-24590" r="-8261" b="-49180"/>
+                </a:stretch>
+              </a:blipFill>
+            </p:spPr>
+            <p:txBody>
+              <a:bodyPr/>
+              <a:lstStyle/>
+              <a:p>
+                <a:r>
+                  <a:rPr lang="ja-JP" altLang="en-US">
+                    <a:noFill/>
+                  </a:rPr>
+                  <a:t> </a:t>
+                </a:r>
+              </a:p>
+            </p:txBody>
+          </p:sp>
+        </mc:Fallback>
+      </mc:AlternateContent>
+      <p:sp>
+        <p:nvSpPr>
+          <p:cNvPr id="19" name="テキスト ボックス 18">
+            <a:extLst>
+              <a:ext uri="{FF2B5EF4-FFF2-40B4-BE49-F238E27FC236}">
+                <a16:creationId xmlns:a16="http://schemas.microsoft.com/office/drawing/2014/main" id="{87DF205C-6D5E-F39B-29E1-749CA8989CD9}"/>
+              </a:ext>
+            </a:extLst>
+          </p:cNvPr>
+          <p:cNvSpPr txBox="1"/>
+          <p:nvPr/>
+        </p:nvSpPr>
+        <p:spPr>
+          <a:xfrm>
+            <a:off x="135963" y="225631"/>
+            <a:ext cx="2603598" cy="461665"/>
+          </a:xfrm>
+          <a:prstGeom prst="rect">
+            <a:avLst/>
+          </a:prstGeom>
+          <a:noFill/>
+        </p:spPr>
+        <p:txBody>
+          <a:bodyPr wrap="none" rtlCol="0">
+            <a:spAutoFit/>
+          </a:bodyPr>
+          <a:lstStyle/>
+          <a:p>
+            <a:r>
+              <a:rPr kumimoji="1" lang="ja-JP" altLang="en-US" sz="2400" b="1" dirty="0"/>
+              <a:t>検査 </a:t>
+            </a:r>
+            <a:r>
+              <a:rPr kumimoji="1" lang="en-US" altLang="ja-JP" sz="2400" b="1" dirty="0"/>
+              <a:t>1</a:t>
+            </a:r>
+            <a:r>
+              <a:rPr kumimoji="1" lang="ja-JP" altLang="en-US" sz="2400" b="1" dirty="0"/>
+              <a:t>回目の状況</a:t>
+            </a:r>
+          </a:p>
+        </p:txBody>
+      </p:sp>
+      <p:grpSp>
+        <p:nvGrpSpPr>
+          <p:cNvPr id="13" name="グループ化 12">
+            <a:extLst>
+              <a:ext uri="{FF2B5EF4-FFF2-40B4-BE49-F238E27FC236}">
+                <a16:creationId xmlns:a16="http://schemas.microsoft.com/office/drawing/2014/main" id="{6266B515-9CD8-DAE5-012A-CF55F380CEE0}"/>
+              </a:ext>
+            </a:extLst>
+          </p:cNvPr>
+          <p:cNvGrpSpPr/>
+          <p:nvPr/>
+        </p:nvGrpSpPr>
+        <p:grpSpPr>
+          <a:xfrm>
+            <a:off x="6913031" y="1787302"/>
+            <a:ext cx="5124594" cy="4077468"/>
+            <a:chOff x="7661167" y="1787302"/>
+            <a:chExt cx="5124594" cy="4077468"/>
+          </a:xfrm>
+        </p:grpSpPr>
+        <mc:AlternateContent xmlns:mc="http://schemas.openxmlformats.org/markup-compatibility/2006" xmlns:a14="http://schemas.microsoft.com/office/drawing/2010/main">
+          <mc:Choice Requires="a14">
+            <p:sp>
+              <p:nvSpPr>
+                <p:cNvPr id="16" name="テキスト ボックス 15">
+                  <a:extLst>
+                    <a:ext uri="{FF2B5EF4-FFF2-40B4-BE49-F238E27FC236}">
+                      <a16:creationId xmlns:a16="http://schemas.microsoft.com/office/drawing/2014/main" id="{880A462B-E8EE-0EB2-EFF6-6A28085BEEFA}"/>
+                    </a:ext>
+                  </a:extLst>
+                </p:cNvPr>
+                <p:cNvSpPr txBox="1"/>
+                <p:nvPr/>
+              </p:nvSpPr>
+              <p:spPr>
+                <a:xfrm>
+                  <a:off x="7904775" y="2612990"/>
+                  <a:ext cx="4316225" cy="570156"/>
+                </a:xfrm>
+                <a:prstGeom prst="rect">
+                  <a:avLst/>
+                </a:prstGeom>
+                <a:noFill/>
+              </p:spPr>
+              <p:txBody>
+                <a:bodyPr wrap="square" lIns="0" tIns="0" rIns="0" bIns="0" rtlCol="0">
+                  <a:spAutoFit/>
+                </a:bodyPr>
+                <a:lstStyle/>
+                <a:p>
+                  <a:r>
+                    <a:rPr kumimoji="1" lang="ja-JP" altLang="en-US" sz="2400" b="1" dirty="0"/>
+                    <a:t>感度</a:t>
+                  </a:r>
+                  <a14:m>
+                    <m:oMath xmlns:m="http://schemas.openxmlformats.org/officeDocument/2006/math">
+                      <m:r>
+                        <a:rPr kumimoji="1" lang="en-US" altLang="ja-JP" sz="2400" b="0" i="0" smtClean="0">
+                          <a:latin typeface="Cambria Math" panose="02040503050406030204" pitchFamily="18" charset="0"/>
+                        </a:rPr>
+                        <m:t>=</m:t>
+                      </m:r>
+                      <m:r>
+                        <a:rPr kumimoji="1" lang="en-US" altLang="ja-JP" sz="2400" b="0" i="1" smtClean="0">
+                          <a:latin typeface="Cambria Math" panose="02040503050406030204" pitchFamily="18" charset="0"/>
+                        </a:rPr>
+                        <m:t>𝑃</m:t>
+                      </m:r>
+                      <m:d>
+                        <m:dPr>
+                          <m:ctrlPr>
+                            <a:rPr kumimoji="1" lang="en-US" altLang="ja-JP" sz="2400" b="0" i="1" smtClean="0">
+                              <a:latin typeface="Cambria Math" panose="02040503050406030204" pitchFamily="18" charset="0"/>
+                            </a:rPr>
+                          </m:ctrlPr>
+                        </m:dPr>
+                        <m:e>
+                          <m:r>
+                            <a:rPr kumimoji="1" lang="en-US" altLang="ja-JP" sz="2400" b="0" i="1" smtClean="0">
+                              <a:solidFill>
+                                <a:schemeClr val="accent2"/>
+                              </a:solidFill>
+                              <a:latin typeface="Cambria Math" panose="02040503050406030204" pitchFamily="18" charset="0"/>
+                            </a:rPr>
+                            <m:t>𝐴</m:t>
+                          </m:r>
+                          <m:r>
+                            <a:rPr kumimoji="1" lang="en-US" altLang="ja-JP" sz="2400" b="0" i="1" smtClean="0">
+                              <a:latin typeface="Cambria Math" panose="02040503050406030204" pitchFamily="18" charset="0"/>
+                            </a:rPr>
+                            <m:t>|</m:t>
+                          </m:r>
+                          <m:sSub>
+                            <m:sSubPr>
+                              <m:ctrlPr>
+                                <a:rPr kumimoji="1" lang="en-US" altLang="ja-JP" sz="2400" b="0" i="1" smtClean="0">
+                                  <a:solidFill>
+                                    <a:srgbClr val="FF0000"/>
+                                  </a:solidFill>
+                                  <a:latin typeface="Cambria Math" panose="02040503050406030204" pitchFamily="18" charset="0"/>
+                                </a:rPr>
+                              </m:ctrlPr>
+                            </m:sSubPr>
+                            <m:e>
+                              <m:r>
+                                <a:rPr kumimoji="1" lang="en-US" altLang="ja-JP" sz="2400" b="0" i="1" smtClean="0">
+                                  <a:solidFill>
+                                    <a:srgbClr val="FF0000"/>
+                                  </a:solidFill>
+                                  <a:latin typeface="Cambria Math" panose="02040503050406030204" pitchFamily="18" charset="0"/>
+                                </a:rPr>
+                                <m:t>𝐻</m:t>
+                              </m:r>
+                            </m:e>
+                            <m:sub>
+                              <m:r>
+                                <a:rPr kumimoji="1" lang="en-US" altLang="ja-JP" sz="2400" b="0" i="1" smtClean="0">
+                                  <a:solidFill>
+                                    <a:srgbClr val="FF0000"/>
+                                  </a:solidFill>
+                                  <a:latin typeface="Cambria Math" panose="02040503050406030204" pitchFamily="18" charset="0"/>
+                                </a:rPr>
+                                <m:t>1</m:t>
+                              </m:r>
+                            </m:sub>
+                          </m:sSub>
+                        </m:e>
+                      </m:d>
+                      <m:r>
+                        <a:rPr kumimoji="1" lang="en-US" altLang="ja-JP" sz="2400" b="0" i="1" smtClean="0">
+                          <a:latin typeface="Cambria Math" panose="02040503050406030204" pitchFamily="18" charset="0"/>
+                        </a:rPr>
+                        <m:t>=</m:t>
+                      </m:r>
+                      <m:f>
+                        <m:fPr>
+                          <m:ctrlPr>
+                            <a:rPr kumimoji="1" lang="en-US" altLang="ja-JP" sz="2400" i="1" smtClean="0">
+                              <a:latin typeface="Cambria Math" panose="02040503050406030204" pitchFamily="18" charset="0"/>
+                            </a:rPr>
+                          </m:ctrlPr>
+                        </m:fPr>
+                        <m:num>
+                          <m:r>
+                            <a:rPr lang="en-US" altLang="ja-JP" sz="2400" i="1">
+                              <a:solidFill>
+                                <a:schemeClr val="accent2"/>
+                              </a:solidFill>
+                              <a:latin typeface="Cambria Math" panose="02040503050406030204" pitchFamily="18" charset="0"/>
+                            </a:rPr>
+                            <m:t>𝐴</m:t>
+                          </m:r>
+                          <m:r>
+                            <a:rPr lang="en-US" altLang="ja-JP" sz="2400" i="1">
+                              <a:latin typeface="Cambria Math" panose="02040503050406030204" pitchFamily="18" charset="0"/>
+                              <a:ea typeface="Cambria Math" panose="02040503050406030204" pitchFamily="18" charset="0"/>
+                            </a:rPr>
+                            <m:t>∩</m:t>
+                          </m:r>
+                          <m:sSub>
+                            <m:sSubPr>
+                              <m:ctrlPr>
+                                <a:rPr lang="en-US" altLang="ja-JP" sz="2400" i="1" smtClean="0">
+                                  <a:solidFill>
+                                    <a:srgbClr val="FF0000"/>
+                                  </a:solidFill>
+                                  <a:latin typeface="Cambria Math" panose="02040503050406030204" pitchFamily="18" charset="0"/>
+                                </a:rPr>
+                              </m:ctrlPr>
+                            </m:sSubPr>
+                            <m:e>
+                              <m:r>
+                                <a:rPr lang="en-US" altLang="ja-JP" sz="2400" i="1">
+                                  <a:solidFill>
+                                    <a:srgbClr val="FF0000"/>
+                                  </a:solidFill>
+                                  <a:latin typeface="Cambria Math" panose="02040503050406030204" pitchFamily="18" charset="0"/>
+                                </a:rPr>
+                                <m:t>𝐻</m:t>
+                              </m:r>
+                            </m:e>
+                            <m:sub>
+                              <m:r>
+                                <a:rPr lang="en-US" altLang="ja-JP" sz="2400" i="1">
+                                  <a:solidFill>
+                                    <a:srgbClr val="FF0000"/>
+                                  </a:solidFill>
+                                  <a:latin typeface="Cambria Math" panose="02040503050406030204" pitchFamily="18" charset="0"/>
+                                </a:rPr>
+                                <m:t>1</m:t>
+                              </m:r>
+                            </m:sub>
+                          </m:sSub>
+                        </m:num>
+                        <m:den>
+                          <m:d>
+                            <m:dPr>
+                              <m:ctrlPr>
+                                <a:rPr lang="en-US" altLang="ja-JP" sz="2400" i="1">
+                                  <a:latin typeface="Cambria Math" panose="02040503050406030204" pitchFamily="18" charset="0"/>
+                                  <a:ea typeface="Cambria Math" panose="02040503050406030204" pitchFamily="18" charset="0"/>
+                                </a:rPr>
+                              </m:ctrlPr>
+                            </m:dPr>
+                            <m:e>
+                              <m:r>
+                                <a:rPr lang="en-US" altLang="ja-JP" sz="2400" i="1">
+                                  <a:solidFill>
+                                    <a:schemeClr val="accent2"/>
+                                  </a:solidFill>
+                                  <a:latin typeface="Cambria Math" panose="02040503050406030204" pitchFamily="18" charset="0"/>
+                                </a:rPr>
+                                <m:t>𝐴</m:t>
+                              </m:r>
+                              <m:r>
+                                <a:rPr lang="en-US" altLang="ja-JP" sz="2400" i="1">
+                                  <a:latin typeface="Cambria Math" panose="02040503050406030204" pitchFamily="18" charset="0"/>
+                                  <a:ea typeface="Cambria Math" panose="02040503050406030204" pitchFamily="18" charset="0"/>
+                                </a:rPr>
+                                <m:t>∩</m:t>
+                              </m:r>
+                              <m:sSub>
+                                <m:sSubPr>
+                                  <m:ctrlPr>
+                                    <a:rPr lang="en-US" altLang="ja-JP" sz="2400" i="1" smtClean="0">
+                                      <a:solidFill>
+                                        <a:srgbClr val="FF0000"/>
+                                      </a:solidFill>
+                                      <a:latin typeface="Cambria Math" panose="02040503050406030204" pitchFamily="18" charset="0"/>
+                                    </a:rPr>
+                                  </m:ctrlPr>
+                                </m:sSubPr>
+                                <m:e>
+                                  <m:r>
+                                    <a:rPr lang="en-US" altLang="ja-JP" sz="2400" i="1">
+                                      <a:solidFill>
+                                        <a:srgbClr val="FF0000"/>
+                                      </a:solidFill>
+                                      <a:latin typeface="Cambria Math" panose="02040503050406030204" pitchFamily="18" charset="0"/>
+                                    </a:rPr>
+                                    <m:t>𝐻</m:t>
+                                  </m:r>
+                                </m:e>
+                                <m:sub>
+                                  <m:r>
+                                    <a:rPr lang="en-US" altLang="ja-JP" sz="2400" i="1">
+                                      <a:solidFill>
+                                        <a:srgbClr val="FF0000"/>
+                                      </a:solidFill>
+                                      <a:latin typeface="Cambria Math" panose="02040503050406030204" pitchFamily="18" charset="0"/>
+                                    </a:rPr>
+                                    <m:t>1</m:t>
+                                  </m:r>
+                                </m:sub>
+                              </m:sSub>
+                            </m:e>
+                          </m:d>
+                          <m:r>
+                            <a:rPr lang="en-US" altLang="ja-JP" sz="2400" i="1">
+                              <a:latin typeface="Cambria Math" panose="02040503050406030204" pitchFamily="18" charset="0"/>
+                              <a:ea typeface="Cambria Math" panose="02040503050406030204" pitchFamily="18" charset="0"/>
+                            </a:rPr>
+                            <m:t>+</m:t>
+                          </m:r>
+                          <m:d>
+                            <m:dPr>
+                              <m:ctrlPr>
+                                <a:rPr lang="en-US" altLang="ja-JP" sz="2400" i="1">
+                                  <a:latin typeface="Cambria Math" panose="02040503050406030204" pitchFamily="18" charset="0"/>
+                                  <a:ea typeface="Cambria Math" panose="02040503050406030204" pitchFamily="18" charset="0"/>
+                                </a:rPr>
+                              </m:ctrlPr>
+                            </m:dPr>
+                            <m:e>
+                              <m:sSup>
+                                <m:sSupPr>
+                                  <m:ctrlPr>
+                                    <a:rPr lang="en-US" altLang="ja-JP" sz="2400" i="1">
+                                      <a:solidFill>
+                                        <a:srgbClr val="0070C0"/>
+                                      </a:solidFill>
+                                      <a:latin typeface="Cambria Math" panose="02040503050406030204" pitchFamily="18" charset="0"/>
+                                      <a:ea typeface="Cambria Math" panose="02040503050406030204" pitchFamily="18" charset="0"/>
+                                    </a:rPr>
+                                  </m:ctrlPr>
+                                </m:sSupPr>
+                                <m:e>
+                                  <m:r>
+                                    <a:rPr lang="en-US" altLang="ja-JP" sz="2400" i="1">
+                                      <a:solidFill>
+                                        <a:srgbClr val="0070C0"/>
+                                      </a:solidFill>
+                                      <a:latin typeface="Cambria Math" panose="02040503050406030204" pitchFamily="18" charset="0"/>
+                                      <a:ea typeface="Cambria Math" panose="02040503050406030204" pitchFamily="18" charset="0"/>
+                                    </a:rPr>
+                                    <m:t>𝐴</m:t>
+                                  </m:r>
+                                </m:e>
+                                <m:sup>
+                                  <m:r>
+                                    <a:rPr lang="en-US" altLang="ja-JP" sz="2400" i="1">
+                                      <a:solidFill>
+                                        <a:srgbClr val="0070C0"/>
+                                      </a:solidFill>
+                                      <a:latin typeface="Cambria Math" panose="02040503050406030204" pitchFamily="18" charset="0"/>
+                                      <a:ea typeface="Cambria Math" panose="02040503050406030204" pitchFamily="18" charset="0"/>
+                                    </a:rPr>
+                                    <m:t>𝑐</m:t>
+                                  </m:r>
+                                </m:sup>
+                              </m:sSup>
+                              <m:r>
+                                <a:rPr lang="en-US" altLang="ja-JP" sz="2400" i="1">
+                                  <a:latin typeface="Cambria Math" panose="02040503050406030204" pitchFamily="18" charset="0"/>
+                                  <a:ea typeface="Cambria Math" panose="02040503050406030204" pitchFamily="18" charset="0"/>
+                                </a:rPr>
+                                <m:t>∩</m:t>
+                              </m:r>
+                              <m:sSub>
+                                <m:sSubPr>
+                                  <m:ctrlPr>
+                                    <a:rPr lang="en-US" altLang="ja-JP" sz="2400" i="1" smtClean="0">
+                                      <a:solidFill>
+                                        <a:srgbClr val="FF0000"/>
+                                      </a:solidFill>
+                                      <a:latin typeface="Cambria Math" panose="02040503050406030204" pitchFamily="18" charset="0"/>
+                                    </a:rPr>
+                                  </m:ctrlPr>
+                                </m:sSubPr>
+                                <m:e>
+                                  <m:r>
+                                    <a:rPr lang="en-US" altLang="ja-JP" sz="2400" i="1">
+                                      <a:solidFill>
+                                        <a:srgbClr val="FF0000"/>
+                                      </a:solidFill>
+                                      <a:latin typeface="Cambria Math" panose="02040503050406030204" pitchFamily="18" charset="0"/>
+                                    </a:rPr>
+                                    <m:t>𝐻</m:t>
+                                  </m:r>
+                                </m:e>
+                                <m:sub>
+                                  <m:r>
+                                    <a:rPr lang="en-US" altLang="ja-JP" sz="2400" i="1">
+                                      <a:solidFill>
+                                        <a:srgbClr val="FF0000"/>
+                                      </a:solidFill>
+                                      <a:latin typeface="Cambria Math" panose="02040503050406030204" pitchFamily="18" charset="0"/>
+                                    </a:rPr>
+                                    <m:t>1</m:t>
+                                  </m:r>
+                                </m:sub>
+                              </m:sSub>
+                            </m:e>
+                          </m:d>
+                          <m:r>
+                            <m:rPr>
+                              <m:nor/>
+                            </m:rPr>
+                            <a:rPr lang="ja-JP" altLang="en-US" sz="2400" dirty="0"/>
+                            <m:t> </m:t>
+                          </m:r>
+                        </m:den>
+                      </m:f>
+                    </m:oMath>
+                  </a14:m>
+                  <a:endParaRPr kumimoji="1" lang="ja-JP" altLang="en-US" sz="2400" dirty="0"/>
+                </a:p>
+              </p:txBody>
+            </p:sp>
+          </mc:Choice>
+          <mc:Fallback xmlns="">
+            <p:sp>
+              <p:nvSpPr>
+                <p:cNvPr id="16" name="テキスト ボックス 15">
+                  <a:extLst>
+                    <a:ext uri="{FF2B5EF4-FFF2-40B4-BE49-F238E27FC236}">
+                      <a16:creationId xmlns:a16="http://schemas.microsoft.com/office/drawing/2014/main" id="{EB6F0025-AB29-C46F-A6FA-1ACE42E91C86}"/>
+                    </a:ext>
+                  </a:extLst>
+                </p:cNvPr>
+                <p:cNvSpPr txBox="1">
+                  <a:spLocks noRot="1" noChangeAspect="1" noMove="1" noResize="1" noEditPoints="1" noAdjustHandles="1" noChangeArrowheads="1" noChangeShapeType="1" noTextEdit="1"/>
+                </p:cNvSpPr>
+                <p:nvPr/>
+              </p:nvSpPr>
+              <p:spPr>
+                <a:xfrm>
+                  <a:off x="7904775" y="2612990"/>
+                  <a:ext cx="4316225" cy="570156"/>
+                </a:xfrm>
+                <a:prstGeom prst="rect">
+                  <a:avLst/>
+                </a:prstGeom>
+                <a:blipFill>
+                  <a:blip r:embed="rId16"/>
+                  <a:stretch>
+                    <a:fillRect l="-4379" t="-2151" b="-11828"/>
+                  </a:stretch>
+                </a:blipFill>
+              </p:spPr>
+              <p:txBody>
+                <a:bodyPr/>
+                <a:lstStyle/>
+                <a:p>
+                  <a:r>
+                    <a:rPr lang="ja-JP" altLang="en-US">
+                      <a:noFill/>
+                    </a:rPr>
+                    <a:t> </a:t>
+                  </a:r>
+                </a:p>
+              </p:txBody>
+            </p:sp>
+          </mc:Fallback>
+        </mc:AlternateContent>
+        <mc:AlternateContent xmlns:mc="http://schemas.openxmlformats.org/markup-compatibility/2006" xmlns:a14="http://schemas.microsoft.com/office/drawing/2010/main">
+          <mc:Choice Requires="a14">
+            <p:sp>
+              <p:nvSpPr>
+                <p:cNvPr id="17" name="テキスト ボックス 16">
+                  <a:extLst>
+                    <a:ext uri="{FF2B5EF4-FFF2-40B4-BE49-F238E27FC236}">
+                      <a16:creationId xmlns:a16="http://schemas.microsoft.com/office/drawing/2014/main" id="{23B5E1B5-A57F-EA27-5E98-8566BDC052B2}"/>
+                    </a:ext>
+                  </a:extLst>
+                </p:cNvPr>
+                <p:cNvSpPr txBox="1"/>
+                <p:nvPr/>
+              </p:nvSpPr>
+              <p:spPr>
+                <a:xfrm>
+                  <a:off x="7897073" y="4323846"/>
+                  <a:ext cx="4722438" cy="603050"/>
+                </a:xfrm>
+                <a:prstGeom prst="rect">
+                  <a:avLst/>
+                </a:prstGeom>
+                <a:noFill/>
+              </p:spPr>
+              <p:txBody>
+                <a:bodyPr wrap="square" lIns="0" tIns="0" rIns="0" bIns="0" rtlCol="0">
+                  <a:spAutoFit/>
+                </a:bodyPr>
+                <a:lstStyle/>
+                <a:p>
+                  <a:r>
+                    <a:rPr lang="ja-JP" altLang="en-US" sz="2400" b="1" dirty="0"/>
+                    <a:t>特異</a:t>
+                  </a:r>
+                  <a:r>
+                    <a:rPr kumimoji="1" lang="ja-JP" altLang="en-US" sz="2400" b="1" dirty="0"/>
+                    <a:t>度</a:t>
+                  </a:r>
+                  <a14:m>
+                    <m:oMath xmlns:m="http://schemas.openxmlformats.org/officeDocument/2006/math">
+                      <m:r>
+                        <a:rPr kumimoji="1" lang="en-US" altLang="ja-JP" sz="2400" b="0" i="0" smtClean="0">
+                          <a:latin typeface="Cambria Math" panose="02040503050406030204" pitchFamily="18" charset="0"/>
+                        </a:rPr>
+                        <m:t>=</m:t>
+                      </m:r>
+                      <m:r>
+                        <a:rPr lang="en-US" altLang="ja-JP" sz="2400" i="1">
+                          <a:latin typeface="Cambria Math" panose="02040503050406030204" pitchFamily="18" charset="0"/>
+                        </a:rPr>
+                        <m:t>𝑃</m:t>
+                      </m:r>
+                      <m:d>
+                        <m:dPr>
+                          <m:ctrlPr>
+                            <a:rPr lang="en-US" altLang="ja-JP" sz="2400" i="1">
+                              <a:latin typeface="Cambria Math" panose="02040503050406030204" pitchFamily="18" charset="0"/>
+                            </a:rPr>
+                          </m:ctrlPr>
+                        </m:dPr>
+                        <m:e>
+                          <m:sSup>
+                            <m:sSupPr>
+                              <m:ctrlPr>
+                                <a:rPr lang="en-US" altLang="ja-JP" sz="2400" i="1">
+                                  <a:solidFill>
+                                    <a:srgbClr val="0070C0"/>
+                                  </a:solidFill>
+                                  <a:latin typeface="Cambria Math" panose="02040503050406030204" pitchFamily="18" charset="0"/>
+                                  <a:ea typeface="Cambria Math" panose="02040503050406030204" pitchFamily="18" charset="0"/>
+                                </a:rPr>
+                              </m:ctrlPr>
+                            </m:sSupPr>
+                            <m:e>
+                              <m:r>
+                                <a:rPr lang="en-US" altLang="ja-JP" sz="2400" i="1">
+                                  <a:solidFill>
+                                    <a:srgbClr val="0070C0"/>
+                                  </a:solidFill>
+                                  <a:latin typeface="Cambria Math" panose="02040503050406030204" pitchFamily="18" charset="0"/>
+                                  <a:ea typeface="Cambria Math" panose="02040503050406030204" pitchFamily="18" charset="0"/>
+                                </a:rPr>
+                                <m:t>𝐴</m:t>
+                              </m:r>
+                            </m:e>
+                            <m:sup>
+                              <m:r>
+                                <a:rPr lang="en-US" altLang="ja-JP" sz="2400" i="1">
+                                  <a:solidFill>
+                                    <a:srgbClr val="0070C0"/>
+                                  </a:solidFill>
+                                  <a:latin typeface="Cambria Math" panose="02040503050406030204" pitchFamily="18" charset="0"/>
+                                  <a:ea typeface="Cambria Math" panose="02040503050406030204" pitchFamily="18" charset="0"/>
+                                </a:rPr>
+                                <m:t>𝑐</m:t>
+                              </m:r>
+                            </m:sup>
+                          </m:sSup>
+                          <m:r>
+                            <a:rPr lang="en-US" altLang="ja-JP" sz="2400" i="1">
+                              <a:latin typeface="Cambria Math" panose="02040503050406030204" pitchFamily="18" charset="0"/>
+                            </a:rPr>
+                            <m:t>|</m:t>
+                          </m:r>
+                          <m:sSub>
+                            <m:sSubPr>
+                              <m:ctrlPr>
+                                <a:rPr lang="en-US" altLang="ja-JP" sz="2400" i="1" smtClean="0">
+                                  <a:solidFill>
+                                    <a:srgbClr val="00B050"/>
+                                  </a:solidFill>
+                                  <a:latin typeface="Cambria Math" panose="02040503050406030204" pitchFamily="18" charset="0"/>
+                                </a:rPr>
+                              </m:ctrlPr>
+                            </m:sSubPr>
+                            <m:e>
+                              <m:r>
+                                <a:rPr lang="en-US" altLang="ja-JP" sz="2400" i="1">
+                                  <a:solidFill>
+                                    <a:srgbClr val="00B050"/>
+                                  </a:solidFill>
+                                  <a:latin typeface="Cambria Math" panose="02040503050406030204" pitchFamily="18" charset="0"/>
+                                </a:rPr>
+                                <m:t>𝐻</m:t>
+                              </m:r>
+                            </m:e>
+                            <m:sub>
+                              <m:r>
+                                <a:rPr lang="en-US" altLang="ja-JP" sz="2400" b="0" i="1" smtClean="0">
+                                  <a:solidFill>
+                                    <a:srgbClr val="00B050"/>
+                                  </a:solidFill>
+                                  <a:latin typeface="Cambria Math" panose="02040503050406030204" pitchFamily="18" charset="0"/>
+                                </a:rPr>
+                                <m:t>2</m:t>
+                              </m:r>
+                            </m:sub>
+                          </m:sSub>
+                        </m:e>
+                      </m:d>
+                      <m:r>
+                        <a:rPr lang="en-US" altLang="ja-JP" sz="2400" b="0" i="1" smtClean="0">
+                          <a:solidFill>
+                            <a:schemeClr val="tx1"/>
+                          </a:solidFill>
+                          <a:latin typeface="Cambria Math" panose="02040503050406030204" pitchFamily="18" charset="0"/>
+                        </a:rPr>
+                        <m:t>=</m:t>
+                      </m:r>
+                      <m:f>
+                        <m:fPr>
+                          <m:ctrlPr>
+                            <a:rPr kumimoji="1" lang="en-US" altLang="ja-JP" sz="2400" i="1" smtClean="0">
+                              <a:latin typeface="Cambria Math" panose="02040503050406030204" pitchFamily="18" charset="0"/>
+                            </a:rPr>
+                          </m:ctrlPr>
+                        </m:fPr>
+                        <m:num>
+                          <m:sSup>
+                            <m:sSupPr>
+                              <m:ctrlPr>
+                                <a:rPr lang="en-US" altLang="ja-JP" sz="2400" i="1">
+                                  <a:solidFill>
+                                    <a:srgbClr val="0070C0"/>
+                                  </a:solidFill>
+                                  <a:latin typeface="Cambria Math" panose="02040503050406030204" pitchFamily="18" charset="0"/>
+                                  <a:ea typeface="Cambria Math" panose="02040503050406030204" pitchFamily="18" charset="0"/>
+                                </a:rPr>
+                              </m:ctrlPr>
+                            </m:sSupPr>
+                            <m:e>
+                              <m:r>
+                                <a:rPr lang="en-US" altLang="ja-JP" sz="2400" i="1">
+                                  <a:solidFill>
+                                    <a:srgbClr val="0070C0"/>
+                                  </a:solidFill>
+                                  <a:latin typeface="Cambria Math" panose="02040503050406030204" pitchFamily="18" charset="0"/>
+                                  <a:ea typeface="Cambria Math" panose="02040503050406030204" pitchFamily="18" charset="0"/>
+                                </a:rPr>
+                                <m:t>𝐴</m:t>
+                              </m:r>
+                            </m:e>
+                            <m:sup>
+                              <m:r>
+                                <a:rPr lang="en-US" altLang="ja-JP" sz="2400" i="1">
+                                  <a:solidFill>
+                                    <a:srgbClr val="0070C0"/>
+                                  </a:solidFill>
+                                  <a:latin typeface="Cambria Math" panose="02040503050406030204" pitchFamily="18" charset="0"/>
+                                  <a:ea typeface="Cambria Math" panose="02040503050406030204" pitchFamily="18" charset="0"/>
+                                </a:rPr>
+                                <m:t>𝑐</m:t>
+                              </m:r>
+                            </m:sup>
+                          </m:sSup>
+                          <m:r>
+                            <a:rPr lang="en-US" altLang="ja-JP" sz="2400" i="1">
+                              <a:latin typeface="Cambria Math" panose="02040503050406030204" pitchFamily="18" charset="0"/>
+                              <a:ea typeface="Cambria Math" panose="02040503050406030204" pitchFamily="18" charset="0"/>
+                            </a:rPr>
+                            <m:t>∩</m:t>
+                          </m:r>
+                          <m:sSub>
+                            <m:sSubPr>
+                              <m:ctrlPr>
+                                <a:rPr lang="en-US" altLang="ja-JP" sz="2400" i="1" smtClean="0">
+                                  <a:solidFill>
+                                    <a:srgbClr val="00B050"/>
+                                  </a:solidFill>
+                                  <a:latin typeface="Cambria Math" panose="02040503050406030204" pitchFamily="18" charset="0"/>
+                                </a:rPr>
+                              </m:ctrlPr>
+                            </m:sSubPr>
+                            <m:e>
+                              <m:r>
+                                <a:rPr lang="en-US" altLang="ja-JP" sz="2400" i="1">
+                                  <a:solidFill>
+                                    <a:srgbClr val="00B050"/>
+                                  </a:solidFill>
+                                  <a:latin typeface="Cambria Math" panose="02040503050406030204" pitchFamily="18" charset="0"/>
+                                </a:rPr>
+                                <m:t>𝐻</m:t>
+                              </m:r>
+                            </m:e>
+                            <m:sub>
+                              <m:r>
+                                <a:rPr lang="en-US" altLang="ja-JP" sz="2400" b="0" i="1" smtClean="0">
+                                  <a:solidFill>
+                                    <a:srgbClr val="00B050"/>
+                                  </a:solidFill>
+                                  <a:latin typeface="Cambria Math" panose="02040503050406030204" pitchFamily="18" charset="0"/>
+                                </a:rPr>
+                                <m:t>2</m:t>
+                              </m:r>
+                            </m:sub>
+                          </m:sSub>
+                        </m:num>
+                        <m:den>
+                          <m:d>
+                            <m:dPr>
+                              <m:ctrlPr>
+                                <a:rPr lang="en-US" altLang="ja-JP" sz="2400" i="1">
+                                  <a:latin typeface="Cambria Math" panose="02040503050406030204" pitchFamily="18" charset="0"/>
+                                  <a:ea typeface="Cambria Math" panose="02040503050406030204" pitchFamily="18" charset="0"/>
+                                </a:rPr>
+                              </m:ctrlPr>
+                            </m:dPr>
+                            <m:e>
+                              <m:r>
+                                <a:rPr lang="en-US" altLang="ja-JP" sz="2400" i="1">
+                                  <a:solidFill>
+                                    <a:schemeClr val="accent2"/>
+                                  </a:solidFill>
+                                  <a:latin typeface="Cambria Math" panose="02040503050406030204" pitchFamily="18" charset="0"/>
+                                </a:rPr>
+                                <m:t>𝐴</m:t>
+                              </m:r>
+                              <m:r>
+                                <a:rPr lang="en-US" altLang="ja-JP" sz="2400" i="1">
+                                  <a:latin typeface="Cambria Math" panose="02040503050406030204" pitchFamily="18" charset="0"/>
+                                  <a:ea typeface="Cambria Math" panose="02040503050406030204" pitchFamily="18" charset="0"/>
+                                </a:rPr>
+                                <m:t>∩</m:t>
+                              </m:r>
+                              <m:sSub>
+                                <m:sSubPr>
+                                  <m:ctrlPr>
+                                    <a:rPr lang="en-US" altLang="ja-JP" sz="2400" i="1" smtClean="0">
+                                      <a:solidFill>
+                                        <a:srgbClr val="00B050"/>
+                                      </a:solidFill>
+                                      <a:latin typeface="Cambria Math" panose="02040503050406030204" pitchFamily="18" charset="0"/>
+                                    </a:rPr>
+                                  </m:ctrlPr>
+                                </m:sSubPr>
+                                <m:e>
+                                  <m:r>
+                                    <a:rPr lang="en-US" altLang="ja-JP" sz="2400" i="1">
+                                      <a:solidFill>
+                                        <a:srgbClr val="00B050"/>
+                                      </a:solidFill>
+                                      <a:latin typeface="Cambria Math" panose="02040503050406030204" pitchFamily="18" charset="0"/>
+                                    </a:rPr>
+                                    <m:t>𝐻</m:t>
+                                  </m:r>
+                                </m:e>
+                                <m:sub>
+                                  <m:r>
+                                    <a:rPr lang="en-US" altLang="ja-JP" sz="2400" b="0" i="1" smtClean="0">
+                                      <a:solidFill>
+                                        <a:srgbClr val="00B050"/>
+                                      </a:solidFill>
+                                      <a:latin typeface="Cambria Math" panose="02040503050406030204" pitchFamily="18" charset="0"/>
+                                    </a:rPr>
+                                    <m:t>2</m:t>
+                                  </m:r>
+                                </m:sub>
+                              </m:sSub>
+                            </m:e>
+                          </m:d>
+                          <m:r>
+                            <a:rPr lang="en-US" altLang="ja-JP" sz="2400" i="1">
+                              <a:latin typeface="Cambria Math" panose="02040503050406030204" pitchFamily="18" charset="0"/>
+                              <a:ea typeface="Cambria Math" panose="02040503050406030204" pitchFamily="18" charset="0"/>
+                            </a:rPr>
+                            <m:t>+</m:t>
+                          </m:r>
+                          <m:d>
+                            <m:dPr>
+                              <m:ctrlPr>
+                                <a:rPr lang="en-US" altLang="ja-JP" sz="2400" i="1">
+                                  <a:latin typeface="Cambria Math" panose="02040503050406030204" pitchFamily="18" charset="0"/>
+                                  <a:ea typeface="Cambria Math" panose="02040503050406030204" pitchFamily="18" charset="0"/>
+                                </a:rPr>
+                              </m:ctrlPr>
+                            </m:dPr>
+                            <m:e>
+                              <m:sSup>
+                                <m:sSupPr>
+                                  <m:ctrlPr>
+                                    <a:rPr lang="en-US" altLang="ja-JP" sz="2400" i="1">
+                                      <a:solidFill>
+                                        <a:srgbClr val="0070C0"/>
+                                      </a:solidFill>
+                                      <a:latin typeface="Cambria Math" panose="02040503050406030204" pitchFamily="18" charset="0"/>
+                                      <a:ea typeface="Cambria Math" panose="02040503050406030204" pitchFamily="18" charset="0"/>
+                                    </a:rPr>
+                                  </m:ctrlPr>
+                                </m:sSupPr>
+                                <m:e>
+                                  <m:r>
+                                    <a:rPr lang="en-US" altLang="ja-JP" sz="2400" i="1">
+                                      <a:solidFill>
+                                        <a:srgbClr val="0070C0"/>
+                                      </a:solidFill>
+                                      <a:latin typeface="Cambria Math" panose="02040503050406030204" pitchFamily="18" charset="0"/>
+                                      <a:ea typeface="Cambria Math" panose="02040503050406030204" pitchFamily="18" charset="0"/>
+                                    </a:rPr>
+                                    <m:t>𝐴</m:t>
+                                  </m:r>
+                                </m:e>
+                                <m:sup>
+                                  <m:r>
+                                    <a:rPr lang="en-US" altLang="ja-JP" sz="2400" i="1">
+                                      <a:solidFill>
+                                        <a:srgbClr val="0070C0"/>
+                                      </a:solidFill>
+                                      <a:latin typeface="Cambria Math" panose="02040503050406030204" pitchFamily="18" charset="0"/>
+                                      <a:ea typeface="Cambria Math" panose="02040503050406030204" pitchFamily="18" charset="0"/>
+                                    </a:rPr>
+                                    <m:t>𝑐</m:t>
+                                  </m:r>
+                                </m:sup>
+                              </m:sSup>
+                              <m:r>
+                                <a:rPr lang="en-US" altLang="ja-JP" sz="2400" i="1">
+                                  <a:latin typeface="Cambria Math" panose="02040503050406030204" pitchFamily="18" charset="0"/>
+                                  <a:ea typeface="Cambria Math" panose="02040503050406030204" pitchFamily="18" charset="0"/>
+                                </a:rPr>
+                                <m:t>∩</m:t>
+                              </m:r>
+                              <m:sSub>
+                                <m:sSubPr>
+                                  <m:ctrlPr>
+                                    <a:rPr lang="en-US" altLang="ja-JP" sz="2400" i="1" smtClean="0">
+                                      <a:solidFill>
+                                        <a:srgbClr val="00B050"/>
+                                      </a:solidFill>
+                                      <a:latin typeface="Cambria Math" panose="02040503050406030204" pitchFamily="18" charset="0"/>
+                                    </a:rPr>
+                                  </m:ctrlPr>
+                                </m:sSubPr>
+                                <m:e>
+                                  <m:r>
+                                    <a:rPr lang="en-US" altLang="ja-JP" sz="2400" i="1">
+                                      <a:solidFill>
+                                        <a:srgbClr val="00B050"/>
+                                      </a:solidFill>
+                                      <a:latin typeface="Cambria Math" panose="02040503050406030204" pitchFamily="18" charset="0"/>
+                                    </a:rPr>
+                                    <m:t>𝐻</m:t>
+                                  </m:r>
+                                </m:e>
+                                <m:sub>
+                                  <m:r>
+                                    <a:rPr lang="en-US" altLang="ja-JP" sz="2400" b="0" i="1" smtClean="0">
+                                      <a:solidFill>
+                                        <a:srgbClr val="00B050"/>
+                                      </a:solidFill>
+                                      <a:latin typeface="Cambria Math" panose="02040503050406030204" pitchFamily="18" charset="0"/>
+                                    </a:rPr>
+                                    <m:t>2</m:t>
+                                  </m:r>
+                                </m:sub>
+                              </m:sSub>
+                            </m:e>
+                          </m:d>
+                          <m:r>
+                            <m:rPr>
+                              <m:nor/>
+                            </m:rPr>
+                            <a:rPr lang="ja-JP" altLang="en-US" sz="2400" dirty="0"/>
+                            <m:t> </m:t>
+                          </m:r>
+                        </m:den>
+                      </m:f>
+                    </m:oMath>
+                  </a14:m>
+                  <a:endParaRPr kumimoji="1" lang="ja-JP" altLang="en-US" sz="2400" dirty="0"/>
+                </a:p>
+              </p:txBody>
+            </p:sp>
+          </mc:Choice>
+          <mc:Fallback xmlns="">
+            <p:sp>
+              <p:nvSpPr>
+                <p:cNvPr id="17" name="テキスト ボックス 16">
+                  <a:extLst>
+                    <a:ext uri="{FF2B5EF4-FFF2-40B4-BE49-F238E27FC236}">
+                      <a16:creationId xmlns:a16="http://schemas.microsoft.com/office/drawing/2014/main" id="{E1581CE0-76E9-D0B3-251C-613430F901E7}"/>
+                    </a:ext>
+                  </a:extLst>
+                </p:cNvPr>
+                <p:cNvSpPr txBox="1">
+                  <a:spLocks noRot="1" noChangeAspect="1" noMove="1" noResize="1" noEditPoints="1" noAdjustHandles="1" noChangeArrowheads="1" noChangeShapeType="1" noTextEdit="1"/>
+                </p:cNvSpPr>
+                <p:nvPr/>
+              </p:nvSpPr>
+              <p:spPr>
+                <a:xfrm>
+                  <a:off x="7897073" y="4323846"/>
+                  <a:ext cx="4722438" cy="603050"/>
+                </a:xfrm>
+                <a:prstGeom prst="rect">
+                  <a:avLst/>
+                </a:prstGeom>
+                <a:blipFill>
+                  <a:blip r:embed="rId17"/>
+                  <a:stretch>
+                    <a:fillRect l="-4005" b="-11111"/>
+                  </a:stretch>
+                </a:blipFill>
+              </p:spPr>
+              <p:txBody>
+                <a:bodyPr/>
+                <a:lstStyle/>
+                <a:p>
+                  <a:r>
+                    <a:rPr lang="ja-JP" altLang="en-US">
+                      <a:noFill/>
+                    </a:rPr>
+                    <a:t> </a:t>
+                  </a:r>
+                </a:p>
+              </p:txBody>
+            </p:sp>
+          </mc:Fallback>
+        </mc:AlternateContent>
+        <p:sp>
+          <p:nvSpPr>
+            <p:cNvPr id="20" name="テキスト ボックス 19">
+              <a:extLst>
+                <a:ext uri="{FF2B5EF4-FFF2-40B4-BE49-F238E27FC236}">
+                  <a16:creationId xmlns:a16="http://schemas.microsoft.com/office/drawing/2014/main" id="{D7DDEA55-CFD6-C5DC-6335-486631904764}"/>
+                </a:ext>
+              </a:extLst>
+            </p:cNvPr>
+            <p:cNvSpPr txBox="1"/>
+            <p:nvPr/>
+          </p:nvSpPr>
+          <p:spPr>
+            <a:xfrm>
+              <a:off x="7804316" y="1905263"/>
+              <a:ext cx="1723549" cy="461665"/>
+            </a:xfrm>
+            <a:prstGeom prst="rect">
+              <a:avLst/>
+            </a:prstGeom>
+            <a:noFill/>
+          </p:spPr>
+          <p:txBody>
+            <a:bodyPr wrap="none" rtlCol="0">
+              <a:spAutoFit/>
+            </a:bodyPr>
+            <a:lstStyle/>
+            <a:p>
+              <a:r>
+                <a:rPr lang="ja-JP" altLang="en-US" sz="2400" b="1" dirty="0"/>
+                <a:t>検査の性能</a:t>
+              </a:r>
+              <a:endParaRPr lang="en-US" altLang="ja-JP" sz="2400" b="1" dirty="0"/>
+            </a:p>
+          </p:txBody>
+        </p:sp>
+        <p:sp>
+          <p:nvSpPr>
+            <p:cNvPr id="21" name="テキスト ボックス 20">
+              <a:extLst>
+                <a:ext uri="{FF2B5EF4-FFF2-40B4-BE49-F238E27FC236}">
+                  <a16:creationId xmlns:a16="http://schemas.microsoft.com/office/drawing/2014/main" id="{2D2154A9-37FE-EBC1-01BA-DFA77B5BD312}"/>
+                </a:ext>
+              </a:extLst>
+            </p:cNvPr>
+            <p:cNvSpPr txBox="1"/>
+            <p:nvPr/>
+          </p:nvSpPr>
+          <p:spPr>
+            <a:xfrm>
+              <a:off x="7803667" y="3449236"/>
+              <a:ext cx="4031873" cy="400110"/>
+            </a:xfrm>
+            <a:prstGeom prst="rect">
+              <a:avLst/>
+            </a:prstGeom>
+            <a:noFill/>
+          </p:spPr>
+          <p:txBody>
+            <a:bodyPr wrap="none" rtlCol="0">
+              <a:spAutoFit/>
+            </a:bodyPr>
+            <a:lstStyle/>
+            <a:p>
+              <a:r>
+                <a:rPr lang="ja-JP" altLang="en-US" sz="2000" dirty="0"/>
+                <a:t>「</a:t>
+              </a:r>
+              <a:r>
+                <a:rPr lang="ja-JP" altLang="en-US" sz="2000" dirty="0">
+                  <a:solidFill>
+                    <a:srgbClr val="FF0000"/>
+                  </a:solidFill>
+                </a:rPr>
+                <a:t>疾患あり</a:t>
+              </a:r>
+              <a:r>
+                <a:rPr lang="ja-JP" altLang="en-US" sz="2000" dirty="0"/>
+                <a:t>」のうち、</a:t>
+              </a:r>
+              <a:r>
+                <a:rPr lang="ja-JP" altLang="en-US" sz="2000" dirty="0">
+                  <a:solidFill>
+                    <a:schemeClr val="accent2"/>
+                  </a:solidFill>
+                </a:rPr>
+                <a:t>陽性</a:t>
+              </a:r>
+              <a:r>
+                <a:rPr lang="ja-JP" altLang="en-US" sz="2000" dirty="0"/>
+                <a:t>の割合</a:t>
+              </a:r>
+              <a:endParaRPr lang="en-US" altLang="ja-JP" sz="2000" dirty="0"/>
+            </a:p>
+          </p:txBody>
+        </p:sp>
+        <p:sp>
+          <p:nvSpPr>
+            <p:cNvPr id="22" name="テキスト ボックス 21">
+              <a:extLst>
+                <a:ext uri="{FF2B5EF4-FFF2-40B4-BE49-F238E27FC236}">
+                  <a16:creationId xmlns:a16="http://schemas.microsoft.com/office/drawing/2014/main" id="{73B6AA0F-B8D5-3901-CF64-AC434CBAD416}"/>
+                </a:ext>
+              </a:extLst>
+            </p:cNvPr>
+            <p:cNvSpPr txBox="1"/>
+            <p:nvPr/>
+          </p:nvSpPr>
+          <p:spPr>
+            <a:xfrm>
+              <a:off x="7803667" y="5218485"/>
+              <a:ext cx="4031873" cy="400110"/>
+            </a:xfrm>
+            <a:prstGeom prst="rect">
+              <a:avLst/>
+            </a:prstGeom>
+            <a:noFill/>
+          </p:spPr>
+          <p:txBody>
+            <a:bodyPr wrap="none" rtlCol="0">
+              <a:spAutoFit/>
+            </a:bodyPr>
+            <a:lstStyle/>
+            <a:p>
+              <a:r>
+                <a:rPr lang="ja-JP" altLang="en-US" sz="2000" dirty="0"/>
+                <a:t>「</a:t>
+              </a:r>
+              <a:r>
+                <a:rPr lang="ja-JP" altLang="en-US" sz="2000" dirty="0">
+                  <a:solidFill>
+                    <a:srgbClr val="00B050"/>
+                  </a:solidFill>
+                </a:rPr>
+                <a:t>疾患なし</a:t>
+              </a:r>
+              <a:r>
+                <a:rPr lang="ja-JP" altLang="en-US" sz="2000" dirty="0"/>
+                <a:t>」のうち、</a:t>
+              </a:r>
+              <a:r>
+                <a:rPr lang="ja-JP" altLang="en-US" sz="2000" dirty="0">
+                  <a:solidFill>
+                    <a:srgbClr val="0070C0"/>
+                  </a:solidFill>
+                </a:rPr>
+                <a:t>陰性</a:t>
+              </a:r>
+              <a:r>
+                <a:rPr lang="ja-JP" altLang="en-US" sz="2000" dirty="0"/>
+                <a:t>の割合</a:t>
+              </a:r>
+              <a:endParaRPr lang="en-US" altLang="ja-JP" sz="2000" dirty="0"/>
+            </a:p>
+          </p:txBody>
+        </p:sp>
+        <p:sp>
+          <p:nvSpPr>
+            <p:cNvPr id="24" name="四角形: 角を丸くする 23">
+              <a:extLst>
+                <a:ext uri="{FF2B5EF4-FFF2-40B4-BE49-F238E27FC236}">
+                  <a16:creationId xmlns:a16="http://schemas.microsoft.com/office/drawing/2014/main" id="{74AEBB77-448F-BF18-B147-D4607F751F05}"/>
+                </a:ext>
+              </a:extLst>
+            </p:cNvPr>
+            <p:cNvSpPr/>
+            <p:nvPr/>
+          </p:nvSpPr>
+          <p:spPr>
+            <a:xfrm>
+              <a:off x="7661167" y="1787302"/>
+              <a:ext cx="5124594" cy="4077468"/>
+            </a:xfrm>
+            <a:prstGeom prst="roundRect">
+              <a:avLst>
+                <a:gd name="adj" fmla="val 2959"/>
+              </a:avLst>
+            </a:prstGeom>
+            <a:noFill/>
+            <a:ln>
+              <a:prstDash val="sysDot"/>
+            </a:ln>
+          </p:spPr>
+          <p:style>
+            <a:lnRef idx="2">
+              <a:schemeClr val="accent1">
+                <a:shade val="15000"/>
+              </a:schemeClr>
+            </a:lnRef>
+            <a:fillRef idx="1">
+              <a:schemeClr val="accent1"/>
+            </a:fillRef>
+            <a:effectRef idx="0">
+              <a:schemeClr val="accent1"/>
+            </a:effectRef>
+            <a:fontRef idx="minor">
+              <a:schemeClr val="lt1"/>
+            </a:fontRef>
+          </p:style>
+          <p:txBody>
+            <a:bodyPr rtlCol="0" anchor="ctr"/>
+            <a:lstStyle/>
+            <a:p>
+              <a:pPr algn="ctr"/>
+              <a:endParaRPr kumimoji="1" lang="ja-JP" altLang="en-US"/>
+            </a:p>
+          </p:txBody>
+        </p:sp>
+      </p:grpSp>
+      <p:sp>
+        <p:nvSpPr>
+          <p:cNvPr id="29" name="フリーフォーム: 図形 28">
+            <a:extLst>
+              <a:ext uri="{FF2B5EF4-FFF2-40B4-BE49-F238E27FC236}">
+                <a16:creationId xmlns:a16="http://schemas.microsoft.com/office/drawing/2014/main" id="{F5545FB7-09DF-E2AD-FFDF-5FFFB0C1D0FD}"/>
+              </a:ext>
+            </a:extLst>
+          </p:cNvPr>
+          <p:cNvSpPr/>
+          <p:nvPr/>
+        </p:nvSpPr>
+        <p:spPr>
+          <a:xfrm>
+            <a:off x="253863" y="4812395"/>
+            <a:ext cx="4896000" cy="959166"/>
+          </a:xfrm>
+          <a:custGeom>
+            <a:avLst/>
+            <a:gdLst>
+              <a:gd name="connsiteX0" fmla="*/ 1058305 w 4896000"/>
+              <a:gd name="connsiteY0" fmla="*/ 903 h 959166"/>
+              <a:gd name="connsiteX1" fmla="*/ 1274027 w 4896000"/>
+              <a:gd name="connsiteY1" fmla="*/ 3634 h 959166"/>
+              <a:gd name="connsiteX2" fmla="*/ 2457107 w 4896000"/>
+              <a:gd name="connsiteY2" fmla="*/ 232234 h 959166"/>
+              <a:gd name="connsiteX3" fmla="*/ 2553292 w 4896000"/>
+              <a:gd name="connsiteY3" fmla="*/ 255538 h 959166"/>
+              <a:gd name="connsiteX4" fmla="*/ 2561507 w 4896000"/>
+              <a:gd name="connsiteY4" fmla="*/ 255438 h 959166"/>
+              <a:gd name="connsiteX5" fmla="*/ 2784419 w 4896000"/>
+              <a:gd name="connsiteY5" fmla="*/ 309444 h 959166"/>
+              <a:gd name="connsiteX6" fmla="*/ 3637216 w 4896000"/>
+              <a:gd name="connsiteY6" fmla="*/ 464682 h 959166"/>
+              <a:gd name="connsiteX7" fmla="*/ 4896000 w 4896000"/>
+              <a:gd name="connsiteY7" fmla="*/ 227175 h 959166"/>
+              <a:gd name="connsiteX8" fmla="*/ 4896000 w 4896000"/>
+              <a:gd name="connsiteY8" fmla="*/ 959166 h 959166"/>
+              <a:gd name="connsiteX9" fmla="*/ 0 w 4896000"/>
+              <a:gd name="connsiteY9" fmla="*/ 959166 h 959166"/>
+              <a:gd name="connsiteX10" fmla="*/ 0 w 4896000"/>
+              <a:gd name="connsiteY10" fmla="*/ 286449 h 959166"/>
+              <a:gd name="connsiteX11" fmla="*/ 1 w 4896000"/>
+              <a:gd name="connsiteY11" fmla="*/ 286449 h 959166"/>
+              <a:gd name="connsiteX12" fmla="*/ 1 w 4896000"/>
+              <a:gd name="connsiteY12" fmla="*/ 284836 h 959166"/>
+              <a:gd name="connsiteX13" fmla="*/ 248806 w 4896000"/>
+              <a:gd name="connsiteY13" fmla="*/ 173553 h 959166"/>
+              <a:gd name="connsiteX14" fmla="*/ 1058305 w 4896000"/>
+              <a:gd name="connsiteY14" fmla="*/ 903 h 959166"/>
+            </a:gdLst>
+            <a:ahLst/>
+            <a:cxnLst>
+              <a:cxn ang="0">
+                <a:pos x="connsiteX0" y="connsiteY0"/>
+              </a:cxn>
+              <a:cxn ang="0">
+                <a:pos x="connsiteX1" y="connsiteY1"/>
+              </a:cxn>
+              <a:cxn ang="0">
+                <a:pos x="connsiteX2" y="connsiteY2"/>
+              </a:cxn>
+              <a:cxn ang="0">
+                <a:pos x="connsiteX3" y="connsiteY3"/>
+              </a:cxn>
+              <a:cxn ang="0">
+                <a:pos x="connsiteX4" y="connsiteY4"/>
+              </a:cxn>
+              <a:cxn ang="0">
+                <a:pos x="connsiteX5" y="connsiteY5"/>
+              </a:cxn>
+              <a:cxn ang="0">
+                <a:pos x="connsiteX6" y="connsiteY6"/>
+              </a:cxn>
+              <a:cxn ang="0">
+                <a:pos x="connsiteX7" y="connsiteY7"/>
+              </a:cxn>
+              <a:cxn ang="0">
+                <a:pos x="connsiteX8" y="connsiteY8"/>
+              </a:cxn>
+              <a:cxn ang="0">
+                <a:pos x="connsiteX9" y="connsiteY9"/>
+              </a:cxn>
+              <a:cxn ang="0">
+                <a:pos x="connsiteX10" y="connsiteY10"/>
+              </a:cxn>
+              <a:cxn ang="0">
+                <a:pos x="connsiteX11" y="connsiteY11"/>
+              </a:cxn>
+              <a:cxn ang="0">
+                <a:pos x="connsiteX12" y="connsiteY12"/>
+              </a:cxn>
+              <a:cxn ang="0">
+                <a:pos x="connsiteX13" y="connsiteY13"/>
+              </a:cxn>
+              <a:cxn ang="0">
+                <a:pos x="connsiteX14" y="connsiteY14"/>
+              </a:cxn>
+            </a:cxnLst>
+            <a:rect l="l" t="t" r="r" b="b"/>
+            <a:pathLst>
+              <a:path w="4896000" h="959166">
+                <a:moveTo>
+                  <a:pt x="1058305" y="903"/>
+                </a:moveTo>
+                <a:cubicBezTo>
+                  <a:pt x="1126343" y="-865"/>
+                  <a:pt x="1198075" y="-77"/>
+                  <a:pt x="1274027" y="3634"/>
+                </a:cubicBezTo>
+                <a:cubicBezTo>
+                  <a:pt x="1577838" y="18478"/>
+                  <a:pt x="2017720" y="124861"/>
+                  <a:pt x="2457107" y="232234"/>
+                </a:cubicBezTo>
+                <a:lnTo>
+                  <a:pt x="2553292" y="255538"/>
+                </a:lnTo>
+                <a:lnTo>
+                  <a:pt x="2561507" y="255438"/>
+                </a:lnTo>
+                <a:lnTo>
+                  <a:pt x="2784419" y="309444"/>
+                </a:lnTo>
+                <a:cubicBezTo>
+                  <a:pt x="3107373" y="386101"/>
+                  <a:pt x="3410843" y="450580"/>
+                  <a:pt x="3637216" y="464682"/>
+                </a:cubicBezTo>
+                <a:cubicBezTo>
+                  <a:pt x="4240878" y="502287"/>
+                  <a:pt x="4568439" y="364731"/>
+                  <a:pt x="4896000" y="227175"/>
+                </a:cubicBezTo>
+                <a:lnTo>
+                  <a:pt x="4896000" y="959166"/>
+                </a:lnTo>
+                <a:lnTo>
+                  <a:pt x="0" y="959166"/>
+                </a:lnTo>
+                <a:lnTo>
+                  <a:pt x="0" y="286449"/>
+                </a:lnTo>
+                <a:lnTo>
+                  <a:pt x="1" y="286449"/>
+                </a:lnTo>
+                <a:lnTo>
+                  <a:pt x="1" y="284836"/>
+                </a:lnTo>
+                <a:lnTo>
+                  <a:pt x="248806" y="173553"/>
+                </a:lnTo>
+                <a:cubicBezTo>
+                  <a:pt x="470270" y="82517"/>
+                  <a:pt x="718117" y="9746"/>
+                  <a:pt x="1058305" y="903"/>
+                </a:cubicBezTo>
+                <a:close/>
+              </a:path>
+            </a:pathLst>
+          </a:custGeom>
+          <a:solidFill>
+            <a:srgbClr val="4EA72E">
+              <a:alpha val="20000"/>
+            </a:srgbClr>
+          </a:solidFill>
+          <a:ln>
+            <a:solidFill>
+              <a:schemeClr val="tx1"/>
+            </a:solidFill>
+          </a:ln>
+        </p:spPr>
+        <p:style>
+          <a:lnRef idx="2">
+            <a:schemeClr val="accent1">
+              <a:shade val="15000"/>
+            </a:schemeClr>
+          </a:lnRef>
+          <a:fillRef idx="1">
+            <a:schemeClr val="accent1"/>
+          </a:fillRef>
+          <a:effectRef idx="0">
+            <a:schemeClr val="accent1"/>
+          </a:effectRef>
+          <a:fontRef idx="minor">
+            <a:schemeClr val="lt1"/>
+          </a:fontRef>
+        </p:style>
+        <p:txBody>
+          <a:bodyPr wrap="square" rtlCol="0" anchor="ctr">
+            <a:noAutofit/>
+          </a:bodyPr>
+          <a:lstStyle/>
+          <a:p>
+            <a:pPr algn="ctr"/>
+            <a:endParaRPr lang="ja-JP" altLang="en-US"/>
+          </a:p>
+        </p:txBody>
+      </p:sp>
+      <p:sp>
+        <p:nvSpPr>
+          <p:cNvPr id="31" name="フリーフォーム: 図形 30">
+            <a:extLst>
+              <a:ext uri="{FF2B5EF4-FFF2-40B4-BE49-F238E27FC236}">
+                <a16:creationId xmlns:a16="http://schemas.microsoft.com/office/drawing/2014/main" id="{5637F1EC-A98E-ED51-9D65-24BCEE2B6F23}"/>
+              </a:ext>
+            </a:extLst>
+          </p:cNvPr>
+          <p:cNvSpPr/>
+          <p:nvPr/>
+        </p:nvSpPr>
+        <p:spPr>
+          <a:xfrm>
+            <a:off x="253864" y="3099810"/>
+            <a:ext cx="4896001" cy="2029390"/>
+          </a:xfrm>
+          <a:custGeom>
+            <a:avLst/>
+            <a:gdLst>
+              <a:gd name="connsiteX0" fmla="*/ 0 w 4896001"/>
+              <a:gd name="connsiteY0" fmla="*/ 0 h 2029390"/>
+              <a:gd name="connsiteX1" fmla="*/ 4896000 w 4896001"/>
+              <a:gd name="connsiteY1" fmla="*/ 0 h 2029390"/>
+              <a:gd name="connsiteX2" fmla="*/ 4896000 w 4896001"/>
+              <a:gd name="connsiteY2" fmla="*/ 1785592 h 2029390"/>
+              <a:gd name="connsiteX3" fmla="*/ 4896001 w 4896001"/>
+              <a:gd name="connsiteY3" fmla="*/ 1785592 h 2029390"/>
+              <a:gd name="connsiteX4" fmla="*/ 4896000 w 4896001"/>
+              <a:gd name="connsiteY4" fmla="*/ 1785592 h 2029390"/>
+              <a:gd name="connsiteX5" fmla="*/ 4896000 w 4896001"/>
+              <a:gd name="connsiteY5" fmla="*/ 1788009 h 2029390"/>
+              <a:gd name="connsiteX6" fmla="*/ 4889798 w 4896001"/>
+              <a:gd name="connsiteY6" fmla="*/ 1788084 h 2029390"/>
+              <a:gd name="connsiteX7" fmla="*/ 4646016 w 4896001"/>
+              <a:gd name="connsiteY7" fmla="*/ 1886022 h 2029390"/>
+              <a:gd name="connsiteX8" fmla="*/ 3637217 w 4896001"/>
+              <a:gd name="connsiteY8" fmla="*/ 2023099 h 2029390"/>
+              <a:gd name="connsiteX9" fmla="*/ 2784420 w 4896001"/>
+              <a:gd name="connsiteY9" fmla="*/ 1867861 h 2029390"/>
+              <a:gd name="connsiteX10" fmla="*/ 2571009 w 4896001"/>
+              <a:gd name="connsiteY10" fmla="*/ 1816157 h 2029390"/>
+              <a:gd name="connsiteX11" fmla="*/ 2561507 w 4896001"/>
+              <a:gd name="connsiteY11" fmla="*/ 1816272 h 2029390"/>
+              <a:gd name="connsiteX12" fmla="*/ 2457106 w 4896001"/>
+              <a:gd name="connsiteY12" fmla="*/ 1790978 h 2029390"/>
+              <a:gd name="connsiteX13" fmla="*/ 1274026 w 4896001"/>
+              <a:gd name="connsiteY13" fmla="*/ 1562378 h 2029390"/>
+              <a:gd name="connsiteX14" fmla="*/ 248805 w 4896001"/>
+              <a:gd name="connsiteY14" fmla="*/ 1732297 h 2029390"/>
+              <a:gd name="connsiteX15" fmla="*/ 0 w 4896001"/>
+              <a:gd name="connsiteY15" fmla="*/ 1843580 h 2029390"/>
+            </a:gdLst>
+            <a:ahLst/>
+            <a:cxnLst>
+              <a:cxn ang="0">
+                <a:pos x="connsiteX0" y="connsiteY0"/>
+              </a:cxn>
+              <a:cxn ang="0">
+                <a:pos x="connsiteX1" y="connsiteY1"/>
+              </a:cxn>
+              <a:cxn ang="0">
+                <a:pos x="connsiteX2" y="connsiteY2"/>
+              </a:cxn>
+              <a:cxn ang="0">
+                <a:pos x="connsiteX3" y="connsiteY3"/>
+              </a:cxn>
+              <a:cxn ang="0">
+                <a:pos x="connsiteX4" y="connsiteY4"/>
+              </a:cxn>
+              <a:cxn ang="0">
+                <a:pos x="connsiteX5" y="connsiteY5"/>
+              </a:cxn>
+              <a:cxn ang="0">
+                <a:pos x="connsiteX6" y="connsiteY6"/>
+              </a:cxn>
+              <a:cxn ang="0">
+                <a:pos x="connsiteX7" y="connsiteY7"/>
+              </a:cxn>
+              <a:cxn ang="0">
+                <a:pos x="connsiteX8" y="connsiteY8"/>
+              </a:cxn>
+              <a:cxn ang="0">
+                <a:pos x="connsiteX9" y="connsiteY9"/>
+              </a:cxn>
+              <a:cxn ang="0">
+                <a:pos x="connsiteX10" y="connsiteY10"/>
+              </a:cxn>
+              <a:cxn ang="0">
+                <a:pos x="connsiteX11" y="connsiteY11"/>
+              </a:cxn>
+              <a:cxn ang="0">
+                <a:pos x="connsiteX12" y="connsiteY12"/>
+              </a:cxn>
+              <a:cxn ang="0">
+                <a:pos x="connsiteX13" y="connsiteY13"/>
+              </a:cxn>
+              <a:cxn ang="0">
+                <a:pos x="connsiteX14" y="connsiteY14"/>
+              </a:cxn>
+              <a:cxn ang="0">
+                <a:pos x="connsiteX15" y="connsiteY15"/>
+              </a:cxn>
+            </a:cxnLst>
+            <a:rect l="l" t="t" r="r" b="b"/>
+            <a:pathLst>
+              <a:path w="4896001" h="2029390">
+                <a:moveTo>
+                  <a:pt x="0" y="0"/>
+                </a:moveTo>
+                <a:lnTo>
+                  <a:pt x="4896000" y="0"/>
+                </a:lnTo>
+                <a:lnTo>
+                  <a:pt x="4896000" y="1785592"/>
+                </a:lnTo>
+                <a:lnTo>
+                  <a:pt x="4896001" y="1785592"/>
+                </a:lnTo>
+                <a:lnTo>
+                  <a:pt x="4896000" y="1785592"/>
+                </a:lnTo>
+                <a:lnTo>
+                  <a:pt x="4896000" y="1788009"/>
+                </a:lnTo>
+                <a:lnTo>
+                  <a:pt x="4889798" y="1788084"/>
+                </a:lnTo>
+                <a:lnTo>
+                  <a:pt x="4646016" y="1886022"/>
+                </a:lnTo>
+                <a:cubicBezTo>
+                  <a:pt x="4387403" y="1980979"/>
+                  <a:pt x="4089963" y="2051303"/>
+                  <a:pt x="3637217" y="2023099"/>
+                </a:cubicBezTo>
+                <a:cubicBezTo>
+                  <a:pt x="3410844" y="2008997"/>
+                  <a:pt x="3107374" y="1944518"/>
+                  <a:pt x="2784420" y="1867861"/>
+                </a:cubicBezTo>
+                <a:lnTo>
+                  <a:pt x="2571009" y="1816157"/>
+                </a:lnTo>
+                <a:lnTo>
+                  <a:pt x="2561507" y="1816272"/>
+                </a:lnTo>
+                <a:lnTo>
+                  <a:pt x="2457106" y="1790978"/>
+                </a:lnTo>
+                <a:cubicBezTo>
+                  <a:pt x="2017719" y="1683605"/>
+                  <a:pt x="1577837" y="1577222"/>
+                  <a:pt x="1274026" y="1562378"/>
+                </a:cubicBezTo>
+                <a:cubicBezTo>
+                  <a:pt x="818310" y="1540112"/>
+                  <a:pt x="514562" y="1623054"/>
+                  <a:pt x="248805" y="1732297"/>
+                </a:cubicBezTo>
+                <a:lnTo>
+                  <a:pt x="0" y="1843580"/>
+                </a:lnTo>
+                <a:close/>
+              </a:path>
+            </a:pathLst>
+          </a:custGeom>
+          <a:solidFill>
+            <a:srgbClr val="4EA72E">
+              <a:alpha val="20000"/>
+            </a:srgbClr>
+          </a:solidFill>
+          <a:ln>
+            <a:solidFill>
+              <a:schemeClr val="tx1"/>
+            </a:solidFill>
+          </a:ln>
+        </p:spPr>
+        <p:style>
+          <a:lnRef idx="2">
+            <a:schemeClr val="accent1">
+              <a:shade val="15000"/>
+            </a:schemeClr>
+          </a:lnRef>
+          <a:fillRef idx="1">
+            <a:schemeClr val="accent1"/>
+          </a:fillRef>
+          <a:effectRef idx="0">
+            <a:schemeClr val="accent1"/>
+          </a:effectRef>
+          <a:fontRef idx="minor">
+            <a:schemeClr val="lt1"/>
+          </a:fontRef>
+        </p:style>
+        <p:txBody>
+          <a:bodyPr wrap="square" rtlCol="0" anchor="ctr">
+            <a:noAutofit/>
+          </a:bodyPr>
+          <a:lstStyle/>
+          <a:p>
+            <a:pPr algn="ctr"/>
+            <a:endParaRPr lang="ja-JP" altLang="en-US"/>
+          </a:p>
+        </p:txBody>
+      </p:sp>
+    </p:spTree>
+    <p:extLst>
+      <p:ext uri="{BB962C8B-B14F-4D97-AF65-F5344CB8AC3E}">
+        <p14:creationId xmlns:p14="http://schemas.microsoft.com/office/powerpoint/2010/main" val="579999360"/>
+      </p:ext>
+    </p:extLst>
+  </p:cSld>
+  <p:clrMapOvr>
+    <a:masterClrMapping/>
+  </p:clrMapOvr>
+</p:sld>
+</file>
+
+<file path=ppt/slides/slide5.xml><?xml version="1.0" encoding="utf-8"?>
+<p:sld xmlns:a="http://schemas.openxmlformats.org/drawingml/2006/main" xmlns:r="http://schemas.openxmlformats.org/officeDocument/2006/relationships" xmlns:p="http://schemas.openxmlformats.org/presentationml/2006/main">
+  <p:cSld>
+    <p:spTree>
+      <p:nvGrpSpPr>
+        <p:cNvPr id="1" name="">
+          <a:extLst>
+            <a:ext uri="{FF2B5EF4-FFF2-40B4-BE49-F238E27FC236}">
+              <a16:creationId xmlns:a16="http://schemas.microsoft.com/office/drawing/2014/main" id="{560B32B7-EF3D-17EB-D1A6-35C6B91EFD60}"/>
+            </a:ext>
+          </a:extLst>
+        </p:cNvPr>
+        <p:cNvGrpSpPr/>
+        <p:nvPr/>
+      </p:nvGrpSpPr>
+      <p:grpSpPr>
+        <a:xfrm>
+          <a:off x="0" y="0"/>
+          <a:ext cx="0" cy="0"/>
+          <a:chOff x="0" y="0"/>
+          <a:chExt cx="0" cy="0"/>
+        </a:xfrm>
+      </p:grpSpPr>
+      <p:grpSp>
+        <p:nvGrpSpPr>
+          <p:cNvPr id="51" name="グループ化 50">
+            <a:extLst>
+              <a:ext uri="{FF2B5EF4-FFF2-40B4-BE49-F238E27FC236}">
+                <a16:creationId xmlns:a16="http://schemas.microsoft.com/office/drawing/2014/main" id="{5FBC46D4-6ABB-389B-9981-7D6B1392FF36}"/>
+              </a:ext>
+            </a:extLst>
+          </p:cNvPr>
+          <p:cNvGrpSpPr/>
+          <p:nvPr/>
+        </p:nvGrpSpPr>
+        <p:grpSpPr>
+          <a:xfrm>
+            <a:off x="6688118" y="5798412"/>
+            <a:ext cx="4896000" cy="635840"/>
+            <a:chOff x="6388925" y="4580242"/>
+            <a:chExt cx="4896000" cy="635840"/>
+          </a:xfrm>
+        </p:grpSpPr>
+        <p:sp>
+          <p:nvSpPr>
+            <p:cNvPr id="7" name="フリーフォーム: 図形 6">
+              <a:extLst>
+                <a:ext uri="{FF2B5EF4-FFF2-40B4-BE49-F238E27FC236}">
+                  <a16:creationId xmlns:a16="http://schemas.microsoft.com/office/drawing/2014/main" id="{00F27B68-C92B-460A-2CA7-B5E78A69837C}"/>
+                </a:ext>
+              </a:extLst>
+            </p:cNvPr>
+            <p:cNvSpPr/>
+            <p:nvPr/>
+          </p:nvSpPr>
+          <p:spPr>
+            <a:xfrm>
+              <a:off x="6388925" y="4580242"/>
+              <a:ext cx="4896000" cy="473062"/>
+            </a:xfrm>
+            <a:custGeom>
+              <a:avLst/>
+              <a:gdLst>
+                <a:gd name="connsiteX0" fmla="*/ 0 w 4904509"/>
+                <a:gd name="connsiteY0" fmla="*/ 288641 h 473062"/>
+                <a:gd name="connsiteX1" fmla="*/ 1282535 w 4904509"/>
+                <a:gd name="connsiteY1" fmla="*/ 3633 h 473062"/>
+                <a:gd name="connsiteX2" fmla="*/ 3645725 w 4904509"/>
+                <a:gd name="connsiteY2" fmla="*/ 466771 h 473062"/>
+                <a:gd name="connsiteX3" fmla="*/ 4904509 w 4904509"/>
+                <a:gd name="connsiteY3" fmla="*/ 229264 h 473062"/>
+              </a:gdLst>
+              <a:ahLst/>
+              <a:cxnLst>
+                <a:cxn ang="0">
+                  <a:pos x="connsiteX0" y="connsiteY0"/>
+                </a:cxn>
+                <a:cxn ang="0">
+                  <a:pos x="connsiteX1" y="connsiteY1"/>
+                </a:cxn>
+                <a:cxn ang="0">
+                  <a:pos x="connsiteX2" y="connsiteY2"/>
+                </a:cxn>
+                <a:cxn ang="0">
+                  <a:pos x="connsiteX3" y="connsiteY3"/>
+                </a:cxn>
+              </a:cxnLst>
+              <a:rect l="l" t="t" r="r" b="b"/>
+              <a:pathLst>
+                <a:path w="4904509" h="473062">
+                  <a:moveTo>
+                    <a:pt x="0" y="288641"/>
+                  </a:moveTo>
+                  <a:cubicBezTo>
+                    <a:pt x="337457" y="131293"/>
+                    <a:pt x="674914" y="-26055"/>
+                    <a:pt x="1282535" y="3633"/>
+                  </a:cubicBezTo>
+                  <a:cubicBezTo>
+                    <a:pt x="1890156" y="33321"/>
+                    <a:pt x="3042063" y="429166"/>
+                    <a:pt x="3645725" y="466771"/>
+                  </a:cubicBezTo>
+                  <a:cubicBezTo>
+                    <a:pt x="4249387" y="504376"/>
+                    <a:pt x="4576948" y="366820"/>
+                    <a:pt x="4904509" y="229264"/>
+                  </a:cubicBezTo>
+                </a:path>
+              </a:pathLst>
+            </a:custGeom>
+            <a:noFill/>
+            <a:ln>
+              <a:solidFill>
+                <a:schemeClr val="tx1"/>
+              </a:solidFill>
+            </a:ln>
+          </p:spPr>
+          <p:style>
+            <a:lnRef idx="2">
+              <a:schemeClr val="accent1">
+                <a:shade val="15000"/>
+              </a:schemeClr>
+            </a:lnRef>
+            <a:fillRef idx="1">
+              <a:schemeClr val="accent1"/>
+            </a:fillRef>
+            <a:effectRef idx="0">
+              <a:schemeClr val="accent1"/>
+            </a:effectRef>
+            <a:fontRef idx="minor">
+              <a:schemeClr val="lt1"/>
+            </a:fontRef>
+          </p:style>
+          <p:txBody>
+            <a:bodyPr rtlCol="0" anchor="ctr"/>
+            <a:lstStyle/>
+            <a:p>
+              <a:pPr algn="ctr"/>
+              <a:endParaRPr kumimoji="1" lang="ja-JP" altLang="en-US"/>
+            </a:p>
+          </p:txBody>
+        </p:sp>
+        <p:sp>
+          <p:nvSpPr>
+            <p:cNvPr id="16" name="フリーフォーム: 図形 15">
+              <a:extLst>
+                <a:ext uri="{FF2B5EF4-FFF2-40B4-BE49-F238E27FC236}">
+                  <a16:creationId xmlns:a16="http://schemas.microsoft.com/office/drawing/2014/main" id="{0BCA2D8C-17C4-EB93-698B-AA4FCE65DC16}"/>
+                </a:ext>
+              </a:extLst>
+            </p:cNvPr>
+            <p:cNvSpPr/>
+            <p:nvPr/>
+          </p:nvSpPr>
+          <p:spPr>
+            <a:xfrm>
+              <a:off x="6388925" y="4743020"/>
+              <a:ext cx="4896000" cy="473062"/>
+            </a:xfrm>
+            <a:custGeom>
+              <a:avLst/>
+              <a:gdLst>
+                <a:gd name="connsiteX0" fmla="*/ 0 w 4904509"/>
+                <a:gd name="connsiteY0" fmla="*/ 288641 h 473062"/>
+                <a:gd name="connsiteX1" fmla="*/ 1282535 w 4904509"/>
+                <a:gd name="connsiteY1" fmla="*/ 3633 h 473062"/>
+                <a:gd name="connsiteX2" fmla="*/ 3645725 w 4904509"/>
+                <a:gd name="connsiteY2" fmla="*/ 466771 h 473062"/>
+                <a:gd name="connsiteX3" fmla="*/ 4904509 w 4904509"/>
+                <a:gd name="connsiteY3" fmla="*/ 229264 h 473062"/>
+              </a:gdLst>
+              <a:ahLst/>
+              <a:cxnLst>
+                <a:cxn ang="0">
+                  <a:pos x="connsiteX0" y="connsiteY0"/>
+                </a:cxn>
+                <a:cxn ang="0">
+                  <a:pos x="connsiteX1" y="connsiteY1"/>
+                </a:cxn>
+                <a:cxn ang="0">
+                  <a:pos x="connsiteX2" y="connsiteY2"/>
+                </a:cxn>
+                <a:cxn ang="0">
+                  <a:pos x="connsiteX3" y="connsiteY3"/>
+                </a:cxn>
+              </a:cxnLst>
+              <a:rect l="l" t="t" r="r" b="b"/>
+              <a:pathLst>
+                <a:path w="4904509" h="473062">
+                  <a:moveTo>
+                    <a:pt x="0" y="288641"/>
+                  </a:moveTo>
+                  <a:cubicBezTo>
+                    <a:pt x="337457" y="131293"/>
+                    <a:pt x="674914" y="-26055"/>
+                    <a:pt x="1282535" y="3633"/>
+                  </a:cubicBezTo>
+                  <a:cubicBezTo>
+                    <a:pt x="1890156" y="33321"/>
+                    <a:pt x="3042063" y="429166"/>
+                    <a:pt x="3645725" y="466771"/>
+                  </a:cubicBezTo>
+                  <a:cubicBezTo>
+                    <a:pt x="4249387" y="504376"/>
+                    <a:pt x="4576948" y="366820"/>
+                    <a:pt x="4904509" y="229264"/>
+                  </a:cubicBezTo>
+                </a:path>
+              </a:pathLst>
+            </a:custGeom>
+            <a:noFill/>
+            <a:ln>
+              <a:solidFill>
+                <a:schemeClr val="tx1"/>
+              </a:solidFill>
+            </a:ln>
+          </p:spPr>
+          <p:style>
+            <a:lnRef idx="2">
+              <a:schemeClr val="accent1">
+                <a:shade val="15000"/>
+              </a:schemeClr>
+            </a:lnRef>
+            <a:fillRef idx="1">
+              <a:schemeClr val="accent1"/>
+            </a:fillRef>
+            <a:effectRef idx="0">
+              <a:schemeClr val="accent1"/>
+            </a:effectRef>
+            <a:fontRef idx="minor">
+              <a:schemeClr val="lt1"/>
+            </a:fontRef>
+          </p:style>
+          <p:txBody>
+            <a:bodyPr rtlCol="0" anchor="ctr"/>
+            <a:lstStyle/>
+            <a:p>
+              <a:pPr algn="ctr"/>
+              <a:endParaRPr kumimoji="1" lang="ja-JP" altLang="en-US" dirty="0"/>
+            </a:p>
+          </p:txBody>
+        </p:sp>
+        <p:cxnSp>
+          <p:nvCxnSpPr>
+            <p:cNvPr id="18" name="直線コネクタ 17">
+              <a:extLst>
+                <a:ext uri="{FF2B5EF4-FFF2-40B4-BE49-F238E27FC236}">
+                  <a16:creationId xmlns:a16="http://schemas.microsoft.com/office/drawing/2014/main" id="{978897FC-3BB1-7395-B1F8-66BCDA45B3D4}"/>
+                </a:ext>
+              </a:extLst>
+            </p:cNvPr>
+            <p:cNvCxnSpPr>
+              <a:stCxn id="7" idx="0"/>
+              <a:endCxn id="16" idx="0"/>
+            </p:cNvCxnSpPr>
+            <p:nvPr/>
+          </p:nvCxnSpPr>
+          <p:spPr>
+            <a:xfrm>
+              <a:off x="6388925" y="4868883"/>
+              <a:ext cx="0" cy="162778"/>
+            </a:xfrm>
+            <a:prstGeom prst="line">
+              <a:avLst/>
+            </a:prstGeom>
+            <a:ln>
+              <a:solidFill>
+                <a:schemeClr val="tx1"/>
+              </a:solidFill>
+            </a:ln>
+          </p:spPr>
+          <p:style>
+            <a:lnRef idx="2">
+              <a:schemeClr val="accent1"/>
+            </a:lnRef>
+            <a:fillRef idx="0">
+              <a:schemeClr val="accent1"/>
+            </a:fillRef>
+            <a:effectRef idx="1">
+              <a:schemeClr val="accent1"/>
+            </a:effectRef>
+            <a:fontRef idx="minor">
+              <a:schemeClr val="tx1"/>
+            </a:fontRef>
+          </p:style>
+        </p:cxnSp>
+        <p:cxnSp>
+          <p:nvCxnSpPr>
+            <p:cNvPr id="23" name="直線コネクタ 22">
+              <a:extLst>
+                <a:ext uri="{FF2B5EF4-FFF2-40B4-BE49-F238E27FC236}">
+                  <a16:creationId xmlns:a16="http://schemas.microsoft.com/office/drawing/2014/main" id="{B9BE738C-45D5-229E-5F36-464597490FD9}"/>
+                </a:ext>
+              </a:extLst>
+            </p:cNvPr>
+            <p:cNvCxnSpPr>
+              <a:cxnSpLocks/>
+              <a:stCxn id="7" idx="3"/>
+              <a:endCxn id="16" idx="3"/>
+            </p:cNvCxnSpPr>
+            <p:nvPr/>
+          </p:nvCxnSpPr>
+          <p:spPr>
+            <a:xfrm>
+              <a:off x="11284925" y="4809506"/>
+              <a:ext cx="0" cy="162778"/>
+            </a:xfrm>
+            <a:prstGeom prst="line">
+              <a:avLst/>
+            </a:prstGeom>
+            <a:ln>
+              <a:solidFill>
+                <a:schemeClr val="tx1"/>
+              </a:solidFill>
+            </a:ln>
+          </p:spPr>
+          <p:style>
+            <a:lnRef idx="2">
+              <a:schemeClr val="accent1"/>
+            </a:lnRef>
+            <a:fillRef idx="0">
+              <a:schemeClr val="accent1"/>
+            </a:fillRef>
+            <a:effectRef idx="1">
+              <a:schemeClr val="accent1"/>
+            </a:effectRef>
+            <a:fontRef idx="minor">
+              <a:schemeClr val="tx1"/>
+            </a:fontRef>
+          </p:style>
+        </p:cxnSp>
+      </p:grpSp>
+      <p:sp>
+        <p:nvSpPr>
+          <p:cNvPr id="91" name="正方形/長方形 90">
+            <a:extLst>
+              <a:ext uri="{FF2B5EF4-FFF2-40B4-BE49-F238E27FC236}">
+                <a16:creationId xmlns:a16="http://schemas.microsoft.com/office/drawing/2014/main" id="{58230A94-7FAC-477E-8EB1-AC636BACD67C}"/>
+              </a:ext>
+            </a:extLst>
+          </p:cNvPr>
+          <p:cNvSpPr/>
+          <p:nvPr/>
+        </p:nvSpPr>
+        <p:spPr>
+          <a:xfrm>
+            <a:off x="256010" y="3102975"/>
+            <a:ext cx="4896000" cy="2520000"/>
+          </a:xfrm>
+          <a:prstGeom prst="rect">
+            <a:avLst/>
+          </a:prstGeom>
+          <a:solidFill>
+            <a:srgbClr val="4EA72E">
+              <a:alpha val="20000"/>
+            </a:srgbClr>
+          </a:solidFill>
+          <a:ln>
+            <a:solidFill>
+              <a:schemeClr val="tx1"/>
+            </a:solidFill>
+          </a:ln>
+        </p:spPr>
+        <p:style>
+          <a:lnRef idx="2">
+            <a:schemeClr val="accent1">
+              <a:shade val="15000"/>
+            </a:schemeClr>
+          </a:lnRef>
+          <a:fillRef idx="1">
+            <a:schemeClr val="accent1"/>
+          </a:fillRef>
+          <a:effectRef idx="0">
+            <a:schemeClr val="accent1"/>
+          </a:effectRef>
+          <a:fontRef idx="minor">
+            <a:schemeClr val="lt1"/>
+          </a:fontRef>
+        </p:style>
+        <p:txBody>
+          <a:bodyPr rtlCol="0" anchor="ctr"/>
+          <a:lstStyle/>
+          <a:p>
+            <a:pPr algn="ctr"/>
+            <a:endParaRPr lang="ja-JP" altLang="en-US"/>
+          </a:p>
+        </p:txBody>
+      </p:sp>
+      <p:sp>
+        <p:nvSpPr>
+          <p:cNvPr id="92" name="フリーフォーム: 図形 91">
+            <a:extLst>
+              <a:ext uri="{FF2B5EF4-FFF2-40B4-BE49-F238E27FC236}">
+                <a16:creationId xmlns:a16="http://schemas.microsoft.com/office/drawing/2014/main" id="{DC15D81B-E097-777D-F3F8-87E41D4EA3A7}"/>
+              </a:ext>
+            </a:extLst>
+          </p:cNvPr>
+          <p:cNvSpPr/>
+          <p:nvPr/>
+        </p:nvSpPr>
+        <p:spPr>
+          <a:xfrm>
+            <a:off x="247501" y="4661720"/>
+            <a:ext cx="4904509" cy="473062"/>
+          </a:xfrm>
+          <a:custGeom>
+            <a:avLst/>
+            <a:gdLst>
+              <a:gd name="connsiteX0" fmla="*/ 0 w 4904509"/>
+              <a:gd name="connsiteY0" fmla="*/ 288641 h 473062"/>
+              <a:gd name="connsiteX1" fmla="*/ 1282535 w 4904509"/>
+              <a:gd name="connsiteY1" fmla="*/ 3633 h 473062"/>
+              <a:gd name="connsiteX2" fmla="*/ 3645725 w 4904509"/>
+              <a:gd name="connsiteY2" fmla="*/ 466771 h 473062"/>
+              <a:gd name="connsiteX3" fmla="*/ 4904509 w 4904509"/>
+              <a:gd name="connsiteY3" fmla="*/ 229264 h 473062"/>
+            </a:gdLst>
+            <a:ahLst/>
+            <a:cxnLst>
+              <a:cxn ang="0">
+                <a:pos x="connsiteX0" y="connsiteY0"/>
+              </a:cxn>
+              <a:cxn ang="0">
+                <a:pos x="connsiteX1" y="connsiteY1"/>
+              </a:cxn>
+              <a:cxn ang="0">
+                <a:pos x="connsiteX2" y="connsiteY2"/>
+              </a:cxn>
+              <a:cxn ang="0">
+                <a:pos x="connsiteX3" y="connsiteY3"/>
+              </a:cxn>
+            </a:cxnLst>
+            <a:rect l="l" t="t" r="r" b="b"/>
+            <a:pathLst>
+              <a:path w="4904509" h="473062">
+                <a:moveTo>
+                  <a:pt x="0" y="288641"/>
+                </a:moveTo>
+                <a:cubicBezTo>
+                  <a:pt x="337457" y="131293"/>
+                  <a:pt x="674914" y="-26055"/>
+                  <a:pt x="1282535" y="3633"/>
+                </a:cubicBezTo>
+                <a:cubicBezTo>
+                  <a:pt x="1890156" y="33321"/>
+                  <a:pt x="3042063" y="429166"/>
+                  <a:pt x="3645725" y="466771"/>
+                </a:cubicBezTo>
+                <a:cubicBezTo>
+                  <a:pt x="4249387" y="504376"/>
+                  <a:pt x="4576948" y="366820"/>
+                  <a:pt x="4904509" y="229264"/>
+                </a:cubicBezTo>
+              </a:path>
+            </a:pathLst>
+          </a:custGeom>
+          <a:noFill/>
+        </p:spPr>
+        <p:style>
+          <a:lnRef idx="2">
+            <a:schemeClr val="accent1">
+              <a:shade val="15000"/>
+            </a:schemeClr>
+          </a:lnRef>
+          <a:fillRef idx="1">
+            <a:schemeClr val="accent1"/>
+          </a:fillRef>
+          <a:effectRef idx="0">
+            <a:schemeClr val="accent1"/>
+          </a:effectRef>
+          <a:fontRef idx="minor">
+            <a:schemeClr val="lt1"/>
+          </a:fontRef>
+        </p:style>
+        <p:txBody>
+          <a:bodyPr rtlCol="0" anchor="ctr"/>
+          <a:lstStyle/>
+          <a:p>
+            <a:pPr algn="ctr"/>
+            <a:endParaRPr kumimoji="1" lang="ja-JP" altLang="en-US"/>
+          </a:p>
+        </p:txBody>
+      </p:sp>
+      <p:sp>
+        <p:nvSpPr>
+          <p:cNvPr id="103" name="フリーフォーム: 図形 102">
+            <a:extLst>
+              <a:ext uri="{FF2B5EF4-FFF2-40B4-BE49-F238E27FC236}">
+                <a16:creationId xmlns:a16="http://schemas.microsoft.com/office/drawing/2014/main" id="{5B2C729F-85DD-65EA-75EF-56E3FFBA5648}"/>
+              </a:ext>
+            </a:extLst>
+          </p:cNvPr>
+          <p:cNvSpPr/>
+          <p:nvPr/>
+        </p:nvSpPr>
+        <p:spPr>
+          <a:xfrm>
+            <a:off x="6301209" y="2214477"/>
+            <a:ext cx="4896000" cy="959166"/>
+          </a:xfrm>
+          <a:custGeom>
+            <a:avLst/>
+            <a:gdLst>
+              <a:gd name="connsiteX0" fmla="*/ 1058305 w 4896000"/>
+              <a:gd name="connsiteY0" fmla="*/ 903 h 959166"/>
+              <a:gd name="connsiteX1" fmla="*/ 1274027 w 4896000"/>
+              <a:gd name="connsiteY1" fmla="*/ 3634 h 959166"/>
+              <a:gd name="connsiteX2" fmla="*/ 2457107 w 4896000"/>
+              <a:gd name="connsiteY2" fmla="*/ 232234 h 959166"/>
+              <a:gd name="connsiteX3" fmla="*/ 2553292 w 4896000"/>
+              <a:gd name="connsiteY3" fmla="*/ 255538 h 959166"/>
+              <a:gd name="connsiteX4" fmla="*/ 2561507 w 4896000"/>
+              <a:gd name="connsiteY4" fmla="*/ 255438 h 959166"/>
+              <a:gd name="connsiteX5" fmla="*/ 2784419 w 4896000"/>
+              <a:gd name="connsiteY5" fmla="*/ 309444 h 959166"/>
+              <a:gd name="connsiteX6" fmla="*/ 3637216 w 4896000"/>
+              <a:gd name="connsiteY6" fmla="*/ 464682 h 959166"/>
+              <a:gd name="connsiteX7" fmla="*/ 4896000 w 4896000"/>
+              <a:gd name="connsiteY7" fmla="*/ 227175 h 959166"/>
+              <a:gd name="connsiteX8" fmla="*/ 4896000 w 4896000"/>
+              <a:gd name="connsiteY8" fmla="*/ 959166 h 959166"/>
+              <a:gd name="connsiteX9" fmla="*/ 0 w 4896000"/>
+              <a:gd name="connsiteY9" fmla="*/ 959166 h 959166"/>
+              <a:gd name="connsiteX10" fmla="*/ 0 w 4896000"/>
+              <a:gd name="connsiteY10" fmla="*/ 286449 h 959166"/>
+              <a:gd name="connsiteX11" fmla="*/ 1 w 4896000"/>
+              <a:gd name="connsiteY11" fmla="*/ 286449 h 959166"/>
+              <a:gd name="connsiteX12" fmla="*/ 1 w 4896000"/>
+              <a:gd name="connsiteY12" fmla="*/ 284836 h 959166"/>
+              <a:gd name="connsiteX13" fmla="*/ 248806 w 4896000"/>
+              <a:gd name="connsiteY13" fmla="*/ 173553 h 959166"/>
+              <a:gd name="connsiteX14" fmla="*/ 1058305 w 4896000"/>
+              <a:gd name="connsiteY14" fmla="*/ 903 h 959166"/>
+            </a:gdLst>
+            <a:ahLst/>
+            <a:cxnLst>
+              <a:cxn ang="0">
+                <a:pos x="connsiteX0" y="connsiteY0"/>
+              </a:cxn>
+              <a:cxn ang="0">
+                <a:pos x="connsiteX1" y="connsiteY1"/>
+              </a:cxn>
+              <a:cxn ang="0">
+                <a:pos x="connsiteX2" y="connsiteY2"/>
+              </a:cxn>
+              <a:cxn ang="0">
+                <a:pos x="connsiteX3" y="connsiteY3"/>
+              </a:cxn>
+              <a:cxn ang="0">
+                <a:pos x="connsiteX4" y="connsiteY4"/>
+              </a:cxn>
+              <a:cxn ang="0">
+                <a:pos x="connsiteX5" y="connsiteY5"/>
+              </a:cxn>
+              <a:cxn ang="0">
+                <a:pos x="connsiteX6" y="connsiteY6"/>
+              </a:cxn>
+              <a:cxn ang="0">
+                <a:pos x="connsiteX7" y="connsiteY7"/>
+              </a:cxn>
+              <a:cxn ang="0">
+                <a:pos x="connsiteX8" y="connsiteY8"/>
+              </a:cxn>
+              <a:cxn ang="0">
+                <a:pos x="connsiteX9" y="connsiteY9"/>
+              </a:cxn>
+              <a:cxn ang="0">
+                <a:pos x="connsiteX10" y="connsiteY10"/>
+              </a:cxn>
+              <a:cxn ang="0">
+                <a:pos x="connsiteX11" y="connsiteY11"/>
+              </a:cxn>
+              <a:cxn ang="0">
+                <a:pos x="connsiteX12" y="connsiteY12"/>
+              </a:cxn>
+              <a:cxn ang="0">
+                <a:pos x="connsiteX13" y="connsiteY13"/>
+              </a:cxn>
+              <a:cxn ang="0">
+                <a:pos x="connsiteX14" y="connsiteY14"/>
+              </a:cxn>
+            </a:cxnLst>
+            <a:rect l="l" t="t" r="r" b="b"/>
+            <a:pathLst>
+              <a:path w="4896000" h="959166">
+                <a:moveTo>
+                  <a:pt x="1058305" y="903"/>
+                </a:moveTo>
+                <a:cubicBezTo>
+                  <a:pt x="1126343" y="-865"/>
+                  <a:pt x="1198075" y="-77"/>
+                  <a:pt x="1274027" y="3634"/>
+                </a:cubicBezTo>
+                <a:cubicBezTo>
+                  <a:pt x="1577838" y="18478"/>
+                  <a:pt x="2017720" y="124861"/>
+                  <a:pt x="2457107" y="232234"/>
+                </a:cubicBezTo>
+                <a:lnTo>
+                  <a:pt x="2553292" y="255538"/>
+                </a:lnTo>
+                <a:lnTo>
+                  <a:pt x="2561507" y="255438"/>
+                </a:lnTo>
+                <a:lnTo>
+                  <a:pt x="2784419" y="309444"/>
+                </a:lnTo>
+                <a:cubicBezTo>
+                  <a:pt x="3107373" y="386101"/>
+                  <a:pt x="3410843" y="450580"/>
+                  <a:pt x="3637216" y="464682"/>
+                </a:cubicBezTo>
+                <a:cubicBezTo>
+                  <a:pt x="4240878" y="502287"/>
+                  <a:pt x="4568439" y="364731"/>
+                  <a:pt x="4896000" y="227175"/>
+                </a:cubicBezTo>
+                <a:lnTo>
+                  <a:pt x="4896000" y="959166"/>
+                </a:lnTo>
+                <a:lnTo>
+                  <a:pt x="0" y="959166"/>
+                </a:lnTo>
+                <a:lnTo>
+                  <a:pt x="0" y="286449"/>
+                </a:lnTo>
+                <a:lnTo>
+                  <a:pt x="1" y="286449"/>
+                </a:lnTo>
+                <a:lnTo>
+                  <a:pt x="1" y="284836"/>
+                </a:lnTo>
+                <a:lnTo>
+                  <a:pt x="248806" y="173553"/>
+                </a:lnTo>
+                <a:cubicBezTo>
+                  <a:pt x="470270" y="82517"/>
+                  <a:pt x="718117" y="9746"/>
+                  <a:pt x="1058305" y="903"/>
+                </a:cubicBezTo>
+                <a:close/>
+              </a:path>
+            </a:pathLst>
+          </a:custGeom>
+          <a:solidFill>
+            <a:srgbClr val="4EA72E">
+              <a:alpha val="20000"/>
+            </a:srgbClr>
+          </a:solidFill>
+          <a:ln>
+            <a:solidFill>
+              <a:schemeClr val="tx1"/>
+            </a:solidFill>
+          </a:ln>
+        </p:spPr>
+        <p:style>
+          <a:lnRef idx="2">
+            <a:schemeClr val="accent1">
+              <a:shade val="15000"/>
+            </a:schemeClr>
+          </a:lnRef>
+          <a:fillRef idx="1">
+            <a:schemeClr val="accent1"/>
+          </a:fillRef>
+          <a:effectRef idx="0">
+            <a:schemeClr val="accent1"/>
+          </a:effectRef>
+          <a:fontRef idx="minor">
+            <a:schemeClr val="lt1"/>
+          </a:fontRef>
+        </p:style>
+        <p:txBody>
+          <a:bodyPr wrap="square" rtlCol="0" anchor="ctr">
+            <a:noAutofit/>
+          </a:bodyPr>
+          <a:lstStyle/>
+          <a:p>
+            <a:pPr algn="ctr"/>
+            <a:endParaRPr lang="ja-JP" altLang="en-US"/>
+          </a:p>
+        </p:txBody>
+      </p:sp>
+      <p:sp>
+        <p:nvSpPr>
+          <p:cNvPr id="104" name="フリーフォーム: 図形 103">
+            <a:extLst>
+              <a:ext uri="{FF2B5EF4-FFF2-40B4-BE49-F238E27FC236}">
+                <a16:creationId xmlns:a16="http://schemas.microsoft.com/office/drawing/2014/main" id="{0E02A92B-0EB3-8D86-5D8E-86A3F53F13BD}"/>
+              </a:ext>
+            </a:extLst>
+          </p:cNvPr>
+          <p:cNvSpPr/>
+          <p:nvPr/>
+        </p:nvSpPr>
+        <p:spPr>
+          <a:xfrm>
+            <a:off x="6301210" y="501892"/>
+            <a:ext cx="4896001" cy="2029390"/>
+          </a:xfrm>
+          <a:custGeom>
+            <a:avLst/>
+            <a:gdLst>
+              <a:gd name="connsiteX0" fmla="*/ 0 w 4896001"/>
+              <a:gd name="connsiteY0" fmla="*/ 0 h 2029390"/>
+              <a:gd name="connsiteX1" fmla="*/ 4896000 w 4896001"/>
+              <a:gd name="connsiteY1" fmla="*/ 0 h 2029390"/>
+              <a:gd name="connsiteX2" fmla="*/ 4896000 w 4896001"/>
+              <a:gd name="connsiteY2" fmla="*/ 1785592 h 2029390"/>
+              <a:gd name="connsiteX3" fmla="*/ 4896001 w 4896001"/>
+              <a:gd name="connsiteY3" fmla="*/ 1785592 h 2029390"/>
+              <a:gd name="connsiteX4" fmla="*/ 4896000 w 4896001"/>
+              <a:gd name="connsiteY4" fmla="*/ 1785592 h 2029390"/>
+              <a:gd name="connsiteX5" fmla="*/ 4896000 w 4896001"/>
+              <a:gd name="connsiteY5" fmla="*/ 1788009 h 2029390"/>
+              <a:gd name="connsiteX6" fmla="*/ 4889798 w 4896001"/>
+              <a:gd name="connsiteY6" fmla="*/ 1788084 h 2029390"/>
+              <a:gd name="connsiteX7" fmla="*/ 4646016 w 4896001"/>
+              <a:gd name="connsiteY7" fmla="*/ 1886022 h 2029390"/>
+              <a:gd name="connsiteX8" fmla="*/ 3637217 w 4896001"/>
+              <a:gd name="connsiteY8" fmla="*/ 2023099 h 2029390"/>
+              <a:gd name="connsiteX9" fmla="*/ 2784420 w 4896001"/>
+              <a:gd name="connsiteY9" fmla="*/ 1867861 h 2029390"/>
+              <a:gd name="connsiteX10" fmla="*/ 2571009 w 4896001"/>
+              <a:gd name="connsiteY10" fmla="*/ 1816157 h 2029390"/>
+              <a:gd name="connsiteX11" fmla="*/ 2561507 w 4896001"/>
+              <a:gd name="connsiteY11" fmla="*/ 1816272 h 2029390"/>
+              <a:gd name="connsiteX12" fmla="*/ 2457106 w 4896001"/>
+              <a:gd name="connsiteY12" fmla="*/ 1790978 h 2029390"/>
+              <a:gd name="connsiteX13" fmla="*/ 1274026 w 4896001"/>
+              <a:gd name="connsiteY13" fmla="*/ 1562378 h 2029390"/>
+              <a:gd name="connsiteX14" fmla="*/ 248805 w 4896001"/>
+              <a:gd name="connsiteY14" fmla="*/ 1732297 h 2029390"/>
+              <a:gd name="connsiteX15" fmla="*/ 0 w 4896001"/>
+              <a:gd name="connsiteY15" fmla="*/ 1843580 h 2029390"/>
+            </a:gdLst>
+            <a:ahLst/>
+            <a:cxnLst>
+              <a:cxn ang="0">
+                <a:pos x="connsiteX0" y="connsiteY0"/>
+              </a:cxn>
+              <a:cxn ang="0">
+                <a:pos x="connsiteX1" y="connsiteY1"/>
+              </a:cxn>
+              <a:cxn ang="0">
+                <a:pos x="connsiteX2" y="connsiteY2"/>
+              </a:cxn>
+              <a:cxn ang="0">
+                <a:pos x="connsiteX3" y="connsiteY3"/>
+              </a:cxn>
+              <a:cxn ang="0">
+                <a:pos x="connsiteX4" y="connsiteY4"/>
+              </a:cxn>
+              <a:cxn ang="0">
+                <a:pos x="connsiteX5" y="connsiteY5"/>
+              </a:cxn>
+              <a:cxn ang="0">
+                <a:pos x="connsiteX6" y="connsiteY6"/>
+              </a:cxn>
+              <a:cxn ang="0">
+                <a:pos x="connsiteX7" y="connsiteY7"/>
+              </a:cxn>
+              <a:cxn ang="0">
+                <a:pos x="connsiteX8" y="connsiteY8"/>
+              </a:cxn>
+              <a:cxn ang="0">
+                <a:pos x="connsiteX9" y="connsiteY9"/>
+              </a:cxn>
+              <a:cxn ang="0">
+                <a:pos x="connsiteX10" y="connsiteY10"/>
+              </a:cxn>
+              <a:cxn ang="0">
+                <a:pos x="connsiteX11" y="connsiteY11"/>
+              </a:cxn>
+              <a:cxn ang="0">
+                <a:pos x="connsiteX12" y="connsiteY12"/>
+              </a:cxn>
+              <a:cxn ang="0">
+                <a:pos x="connsiteX13" y="connsiteY13"/>
+              </a:cxn>
+              <a:cxn ang="0">
+                <a:pos x="connsiteX14" y="connsiteY14"/>
+              </a:cxn>
+              <a:cxn ang="0">
+                <a:pos x="connsiteX15" y="connsiteY15"/>
+              </a:cxn>
+            </a:cxnLst>
+            <a:rect l="l" t="t" r="r" b="b"/>
+            <a:pathLst>
+              <a:path w="4896001" h="2029390">
+                <a:moveTo>
+                  <a:pt x="0" y="0"/>
+                </a:moveTo>
+                <a:lnTo>
+                  <a:pt x="4896000" y="0"/>
+                </a:lnTo>
+                <a:lnTo>
+                  <a:pt x="4896000" y="1785592"/>
+                </a:lnTo>
+                <a:lnTo>
+                  <a:pt x="4896001" y="1785592"/>
+                </a:lnTo>
+                <a:lnTo>
+                  <a:pt x="4896000" y="1785592"/>
+                </a:lnTo>
+                <a:lnTo>
+                  <a:pt x="4896000" y="1788009"/>
+                </a:lnTo>
+                <a:lnTo>
+                  <a:pt x="4889798" y="1788084"/>
+                </a:lnTo>
+                <a:lnTo>
+                  <a:pt x="4646016" y="1886022"/>
+                </a:lnTo>
+                <a:cubicBezTo>
+                  <a:pt x="4387403" y="1980979"/>
+                  <a:pt x="4089963" y="2051303"/>
+                  <a:pt x="3637217" y="2023099"/>
+                </a:cubicBezTo>
+                <a:cubicBezTo>
+                  <a:pt x="3410844" y="2008997"/>
+                  <a:pt x="3107374" y="1944518"/>
+                  <a:pt x="2784420" y="1867861"/>
+                </a:cubicBezTo>
+                <a:lnTo>
+                  <a:pt x="2571009" y="1816157"/>
+                </a:lnTo>
+                <a:lnTo>
+                  <a:pt x="2561507" y="1816272"/>
+                </a:lnTo>
+                <a:lnTo>
+                  <a:pt x="2457106" y="1790978"/>
+                </a:lnTo>
+                <a:cubicBezTo>
+                  <a:pt x="2017719" y="1683605"/>
+                  <a:pt x="1577837" y="1577222"/>
+                  <a:pt x="1274026" y="1562378"/>
+                </a:cubicBezTo>
+                <a:cubicBezTo>
+                  <a:pt x="818310" y="1540112"/>
+                  <a:pt x="514562" y="1623054"/>
+                  <a:pt x="248805" y="1732297"/>
+                </a:cubicBezTo>
+                <a:lnTo>
+                  <a:pt x="0" y="1843580"/>
+                </a:lnTo>
+                <a:close/>
+              </a:path>
+            </a:pathLst>
+          </a:custGeom>
+          <a:solidFill>
+            <a:srgbClr val="4EA72E">
+              <a:alpha val="20000"/>
+            </a:srgbClr>
+          </a:solidFill>
+          <a:ln>
+            <a:solidFill>
+              <a:schemeClr val="tx1"/>
+            </a:solidFill>
+          </a:ln>
+        </p:spPr>
+        <p:style>
+          <a:lnRef idx="2">
+            <a:schemeClr val="accent1">
+              <a:shade val="15000"/>
+            </a:schemeClr>
+          </a:lnRef>
+          <a:fillRef idx="1">
+            <a:schemeClr val="accent1"/>
+          </a:fillRef>
+          <a:effectRef idx="0">
+            <a:schemeClr val="accent1"/>
+          </a:effectRef>
+          <a:fontRef idx="minor">
+            <a:schemeClr val="lt1"/>
+          </a:fontRef>
+        </p:style>
+        <p:txBody>
+          <a:bodyPr wrap="square" rtlCol="0" anchor="ctr">
+            <a:noAutofit/>
+          </a:bodyPr>
+          <a:lstStyle/>
+          <a:p>
+            <a:pPr algn="ctr"/>
+            <a:endParaRPr lang="ja-JP" altLang="en-US"/>
+          </a:p>
+        </p:txBody>
+      </p:sp>
+    </p:spTree>
+    <p:extLst>
+      <p:ext uri="{BB962C8B-B14F-4D97-AF65-F5344CB8AC3E}">
+        <p14:creationId xmlns:p14="http://schemas.microsoft.com/office/powerpoint/2010/main" val="2060191530"/>
       </p:ext>
     </p:extLst>
   </p:cSld>
